--- a/disney/SnowflakeOptimization-CrossoverTitles.pptx
+++ b/disney/SnowflakeOptimization-CrossoverTitles.pptx
@@ -5,20 +5,18 @@
     <p:sldMasterId id="2147483648" r:id="rId1"/>
   </p:sldMasterIdLst>
   <p:notesMasterIdLst>
-    <p:notesMasterId r:id="rId13"/>
+    <p:notesMasterId r:id="rId11"/>
   </p:notesMasterIdLst>
   <p:sldIdLst>
     <p:sldId id="256" r:id="rId2"/>
     <p:sldId id="260" r:id="rId3"/>
     <p:sldId id="261" r:id="rId4"/>
-    <p:sldId id="258" r:id="rId5"/>
-    <p:sldId id="266" r:id="rId6"/>
-    <p:sldId id="262" r:id="rId7"/>
-    <p:sldId id="263" r:id="rId8"/>
-    <p:sldId id="264" r:id="rId9"/>
-    <p:sldId id="268" r:id="rId10"/>
-    <p:sldId id="269" r:id="rId11"/>
-    <p:sldId id="270" r:id="rId12"/>
+    <p:sldId id="266" r:id="rId5"/>
+    <p:sldId id="272" r:id="rId6"/>
+    <p:sldId id="263" r:id="rId7"/>
+    <p:sldId id="264" r:id="rId8"/>
+    <p:sldId id="273" r:id="rId9"/>
+    <p:sldId id="271" r:id="rId10"/>
   </p:sldIdLst>
   <p:sldSz cx="12192000" cy="6858000"/>
   <p:notesSz cx="6858000" cy="9144000"/>
@@ -2460,7 +2458,15 @@
         <a:p>
           <a:r>
             <a:rPr lang="en-US" dirty="0"/>
-            <a:t>Ran specialized query to identify highest cost snowflake jobs/queries during October.</a:t>
+            <a:t>Ran “</a:t>
+          </a:r>
+          <a:r>
+            <a:rPr lang="en-US" dirty="0" err="1"/>
+            <a:t>sql</a:t>
+          </a:r>
+          <a:r>
+            <a:rPr lang="en-US" dirty="0"/>
+            <a:t> aggregation” query to identify highest cost snowflake queries.</a:t>
           </a:r>
         </a:p>
       </dgm:t>
@@ -2496,15 +2502,7 @@
         <a:p>
           <a:r>
             <a:rPr lang="en-US" dirty="0"/>
-            <a:t>Identified </a:t>
-          </a:r>
-          <a:r>
-            <a:rPr lang="en-US" dirty="0" err="1"/>
-            <a:t>crossover_titles</a:t>
-          </a:r>
-          <a:r>
-            <a:rPr lang="en-US" dirty="0"/>
-            <a:t> query as the most expensive at 9725 snowflake credits (~$20k/</a:t>
+            <a:t>Identified the crossover titles query as the most expensive  (~$20k/</a:t>
           </a:r>
           <a:r>
             <a:rPr lang="en-US" dirty="0" err="1"/>
@@ -2721,250 +2719,6 @@
 </file>
 
 <file path=ppt/diagrams/data2.xml><?xml version="1.0" encoding="utf-8"?>
-<dgm:dataModel xmlns:dgm="http://schemas.openxmlformats.org/drawingml/2006/diagram" xmlns:a="http://schemas.openxmlformats.org/drawingml/2006/main">
-  <dgm:ptLst>
-    <dgm:pt modelId="{6BE01BAC-645A-473A-B492-AE620FC672EC}" type="doc">
-      <dgm:prSet loTypeId="urn:microsoft.com/office/officeart/2005/8/layout/vList2" loCatId="list" qsTypeId="urn:microsoft.com/office/officeart/2005/8/quickstyle/simple1" qsCatId="simple" csTypeId="urn:microsoft.com/office/officeart/2005/8/colors/accent1_2" csCatId="accent1" phldr="1"/>
-      <dgm:spPr/>
-      <dgm:t>
-        <a:bodyPr/>
-        <a:lstStyle/>
-        <a:p>
-          <a:endParaRPr lang="en-US"/>
-        </a:p>
-      </dgm:t>
-    </dgm:pt>
-    <dgm:pt modelId="{EA8988B4-08D2-487B-93FF-9DBBB6AE70ED}">
-      <dgm:prSet/>
-      <dgm:spPr/>
-      <dgm:t>
-        <a:bodyPr/>
-        <a:lstStyle/>
-        <a:p>
-          <a:r>
-            <a:rPr lang="en-US"/>
-            <a:t>Execution Frequency</a:t>
-          </a:r>
-        </a:p>
-      </dgm:t>
-    </dgm:pt>
-    <dgm:pt modelId="{16BFAADB-3576-491A-9D54-B4FC86171375}" type="parTrans" cxnId="{74BDE177-384F-4660-AFB6-4859703D38F8}">
-      <dgm:prSet/>
-      <dgm:spPr/>
-      <dgm:t>
-        <a:bodyPr/>
-        <a:lstStyle/>
-        <a:p>
-          <a:endParaRPr lang="en-US"/>
-        </a:p>
-      </dgm:t>
-    </dgm:pt>
-    <dgm:pt modelId="{45244174-CAA2-4092-AC91-2ACCFC2BD85C}" type="sibTrans" cxnId="{74BDE177-384F-4660-AFB6-4859703D38F8}">
-      <dgm:prSet/>
-      <dgm:spPr/>
-      <dgm:t>
-        <a:bodyPr/>
-        <a:lstStyle/>
-        <a:p>
-          <a:endParaRPr lang="en-US"/>
-        </a:p>
-      </dgm:t>
-    </dgm:pt>
-    <dgm:pt modelId="{EFB350B2-7C54-4739-9ABA-057A55A310B1}">
-      <dgm:prSet/>
-      <dgm:spPr/>
-      <dgm:t>
-        <a:bodyPr/>
-        <a:lstStyle/>
-        <a:p>
-          <a:r>
-            <a:rPr lang="en-US" dirty="0"/>
-            <a:t>Compute Usage</a:t>
-          </a:r>
-        </a:p>
-      </dgm:t>
-    </dgm:pt>
-    <dgm:pt modelId="{70F61AF9-174E-4F7E-A590-6299AB7EE394}" type="parTrans" cxnId="{59CA7363-7C0E-4752-9CA7-5F00F393F393}">
-      <dgm:prSet/>
-      <dgm:spPr/>
-      <dgm:t>
-        <a:bodyPr/>
-        <a:lstStyle/>
-        <a:p>
-          <a:endParaRPr lang="en-US"/>
-        </a:p>
-      </dgm:t>
-    </dgm:pt>
-    <dgm:pt modelId="{F72958F6-1911-47EE-884F-47A99F8CB6F8}" type="sibTrans" cxnId="{59CA7363-7C0E-4752-9CA7-5F00F393F393}">
-      <dgm:prSet/>
-      <dgm:spPr/>
-      <dgm:t>
-        <a:bodyPr/>
-        <a:lstStyle/>
-        <a:p>
-          <a:endParaRPr lang="en-US"/>
-        </a:p>
-      </dgm:t>
-    </dgm:pt>
-    <dgm:pt modelId="{398572C2-FBA0-4791-931B-311B953519D4}">
-      <dgm:prSet/>
-      <dgm:spPr/>
-      <dgm:t>
-        <a:bodyPr/>
-        <a:lstStyle/>
-        <a:p>
-          <a:r>
-            <a:rPr lang="en-US"/>
-            <a:t>Data Volume Scanned</a:t>
-          </a:r>
-        </a:p>
-      </dgm:t>
-    </dgm:pt>
-    <dgm:pt modelId="{A03F6F0B-8E40-4940-B11A-19C4E1C23B28}" type="parTrans" cxnId="{A76439F4-C2B6-43EF-B529-E53C687400A3}">
-      <dgm:prSet/>
-      <dgm:spPr/>
-      <dgm:t>
-        <a:bodyPr/>
-        <a:lstStyle/>
-        <a:p>
-          <a:endParaRPr lang="en-US"/>
-        </a:p>
-      </dgm:t>
-    </dgm:pt>
-    <dgm:pt modelId="{C11A0B4D-244B-47D2-87B5-A6919899347C}" type="sibTrans" cxnId="{A76439F4-C2B6-43EF-B529-E53C687400A3}">
-      <dgm:prSet/>
-      <dgm:spPr/>
-      <dgm:t>
-        <a:bodyPr/>
-        <a:lstStyle/>
-        <a:p>
-          <a:endParaRPr lang="en-US"/>
-        </a:p>
-      </dgm:t>
-    </dgm:pt>
-    <dgm:pt modelId="{BA1A8308-E8CE-4047-87C0-64BB57E15D21}">
-      <dgm:prSet/>
-      <dgm:spPr/>
-      <dgm:t>
-        <a:bodyPr/>
-        <a:lstStyle/>
-        <a:p>
-          <a:r>
-            <a:rPr lang="en-US" dirty="0"/>
-            <a:t>Execution Time</a:t>
-          </a:r>
-        </a:p>
-      </dgm:t>
-    </dgm:pt>
-    <dgm:pt modelId="{C7B02188-1725-456D-B685-096AC290B2A9}" type="parTrans" cxnId="{BA8F2457-99B5-4A41-B480-B1FC3FE82157}">
-      <dgm:prSet/>
-      <dgm:spPr/>
-      <dgm:t>
-        <a:bodyPr/>
-        <a:lstStyle/>
-        <a:p>
-          <a:endParaRPr lang="en-US"/>
-        </a:p>
-      </dgm:t>
-    </dgm:pt>
-    <dgm:pt modelId="{6000667A-50AA-4673-B844-E68E4F204834}" type="sibTrans" cxnId="{BA8F2457-99B5-4A41-B480-B1FC3FE82157}">
-      <dgm:prSet/>
-      <dgm:spPr/>
-      <dgm:t>
-        <a:bodyPr/>
-        <a:lstStyle/>
-        <a:p>
-          <a:endParaRPr lang="en-US"/>
-        </a:p>
-      </dgm:t>
-    </dgm:pt>
-    <dgm:pt modelId="{6C1A1EE9-DC20-8F4C-9BE2-98F465F7852C}" type="pres">
-      <dgm:prSet presAssocID="{6BE01BAC-645A-473A-B492-AE620FC672EC}" presName="linear" presStyleCnt="0">
-        <dgm:presLayoutVars>
-          <dgm:animLvl val="lvl"/>
-          <dgm:resizeHandles val="exact"/>
-        </dgm:presLayoutVars>
-      </dgm:prSet>
-      <dgm:spPr/>
-    </dgm:pt>
-    <dgm:pt modelId="{1004DFB4-A053-1D41-89AF-F452F8EFF88E}" type="pres">
-      <dgm:prSet presAssocID="{EFB350B2-7C54-4739-9ABA-057A55A310B1}" presName="parentText" presStyleLbl="node1" presStyleIdx="0" presStyleCnt="4">
-        <dgm:presLayoutVars>
-          <dgm:chMax val="0"/>
-          <dgm:bulletEnabled val="1"/>
-        </dgm:presLayoutVars>
-      </dgm:prSet>
-      <dgm:spPr/>
-    </dgm:pt>
-    <dgm:pt modelId="{FF981B2F-EB3B-6042-9C75-6A23801716BA}" type="pres">
-      <dgm:prSet presAssocID="{F72958F6-1911-47EE-884F-47A99F8CB6F8}" presName="spacer" presStyleCnt="0"/>
-      <dgm:spPr/>
-    </dgm:pt>
-    <dgm:pt modelId="{22C1114D-C6FA-AB4E-864E-38F0A8011831}" type="pres">
-      <dgm:prSet presAssocID="{EA8988B4-08D2-487B-93FF-9DBBB6AE70ED}" presName="parentText" presStyleLbl="node1" presStyleIdx="1" presStyleCnt="4">
-        <dgm:presLayoutVars>
-          <dgm:chMax val="0"/>
-          <dgm:bulletEnabled val="1"/>
-        </dgm:presLayoutVars>
-      </dgm:prSet>
-      <dgm:spPr/>
-    </dgm:pt>
-    <dgm:pt modelId="{614F5CD3-13E3-4140-BD3F-EC5DC32EFF29}" type="pres">
-      <dgm:prSet presAssocID="{45244174-CAA2-4092-AC91-2ACCFC2BD85C}" presName="spacer" presStyleCnt="0"/>
-      <dgm:spPr/>
-    </dgm:pt>
-    <dgm:pt modelId="{24207DA8-E27E-0248-A599-BF819522D3AD}" type="pres">
-      <dgm:prSet presAssocID="{BA1A8308-E8CE-4047-87C0-64BB57E15D21}" presName="parentText" presStyleLbl="node1" presStyleIdx="2" presStyleCnt="4">
-        <dgm:presLayoutVars>
-          <dgm:chMax val="0"/>
-          <dgm:bulletEnabled val="1"/>
-        </dgm:presLayoutVars>
-      </dgm:prSet>
-      <dgm:spPr/>
-    </dgm:pt>
-    <dgm:pt modelId="{4D000485-346B-F345-804E-AC4283848CCD}" type="pres">
-      <dgm:prSet presAssocID="{6000667A-50AA-4673-B844-E68E4F204834}" presName="spacer" presStyleCnt="0"/>
-      <dgm:spPr/>
-    </dgm:pt>
-    <dgm:pt modelId="{C9ED9B44-59A8-304F-88A9-053787E93183}" type="pres">
-      <dgm:prSet presAssocID="{398572C2-FBA0-4791-931B-311B953519D4}" presName="parentText" presStyleLbl="node1" presStyleIdx="3" presStyleCnt="4">
-        <dgm:presLayoutVars>
-          <dgm:chMax val="0"/>
-          <dgm:bulletEnabled val="1"/>
-        </dgm:presLayoutVars>
-      </dgm:prSet>
-      <dgm:spPr/>
-    </dgm:pt>
-  </dgm:ptLst>
-  <dgm:cxnLst>
-    <dgm:cxn modelId="{BA8F2457-99B5-4A41-B480-B1FC3FE82157}" srcId="{6BE01BAC-645A-473A-B492-AE620FC672EC}" destId="{BA1A8308-E8CE-4047-87C0-64BB57E15D21}" srcOrd="2" destOrd="0" parTransId="{C7B02188-1725-456D-B685-096AC290B2A9}" sibTransId="{6000667A-50AA-4673-B844-E68E4F204834}"/>
-    <dgm:cxn modelId="{59CA7363-7C0E-4752-9CA7-5F00F393F393}" srcId="{6BE01BAC-645A-473A-B492-AE620FC672EC}" destId="{EFB350B2-7C54-4739-9ABA-057A55A310B1}" srcOrd="0" destOrd="0" parTransId="{70F61AF9-174E-4F7E-A590-6299AB7EE394}" sibTransId="{F72958F6-1911-47EE-884F-47A99F8CB6F8}"/>
-    <dgm:cxn modelId="{19A5786C-C51C-DE4D-82B3-32BBB9EB4D02}" type="presOf" srcId="{EA8988B4-08D2-487B-93FF-9DBBB6AE70ED}" destId="{22C1114D-C6FA-AB4E-864E-38F0A8011831}" srcOrd="0" destOrd="0" presId="urn:microsoft.com/office/officeart/2005/8/layout/vList2"/>
-    <dgm:cxn modelId="{10238D75-912A-6D48-9B37-26276E4C3874}" type="presOf" srcId="{EFB350B2-7C54-4739-9ABA-057A55A310B1}" destId="{1004DFB4-A053-1D41-89AF-F452F8EFF88E}" srcOrd="0" destOrd="0" presId="urn:microsoft.com/office/officeart/2005/8/layout/vList2"/>
-    <dgm:cxn modelId="{74BDE177-384F-4660-AFB6-4859703D38F8}" srcId="{6BE01BAC-645A-473A-B492-AE620FC672EC}" destId="{EA8988B4-08D2-487B-93FF-9DBBB6AE70ED}" srcOrd="1" destOrd="0" parTransId="{16BFAADB-3576-491A-9D54-B4FC86171375}" sibTransId="{45244174-CAA2-4092-AC91-2ACCFC2BD85C}"/>
-    <dgm:cxn modelId="{1345E381-2F54-F042-ADAC-BD6814C7BFCE}" type="presOf" srcId="{6BE01BAC-645A-473A-B492-AE620FC672EC}" destId="{6C1A1EE9-DC20-8F4C-9BE2-98F465F7852C}" srcOrd="0" destOrd="0" presId="urn:microsoft.com/office/officeart/2005/8/layout/vList2"/>
-    <dgm:cxn modelId="{72C3C0BF-8601-9B4D-968E-E339A07AABD7}" type="presOf" srcId="{BA1A8308-E8CE-4047-87C0-64BB57E15D21}" destId="{24207DA8-E27E-0248-A599-BF819522D3AD}" srcOrd="0" destOrd="0" presId="urn:microsoft.com/office/officeart/2005/8/layout/vList2"/>
-    <dgm:cxn modelId="{83BA85D5-C179-A343-A42E-DCE4D4C03F36}" type="presOf" srcId="{398572C2-FBA0-4791-931B-311B953519D4}" destId="{C9ED9B44-59A8-304F-88A9-053787E93183}" srcOrd="0" destOrd="0" presId="urn:microsoft.com/office/officeart/2005/8/layout/vList2"/>
-    <dgm:cxn modelId="{A76439F4-C2B6-43EF-B529-E53C687400A3}" srcId="{6BE01BAC-645A-473A-B492-AE620FC672EC}" destId="{398572C2-FBA0-4791-931B-311B953519D4}" srcOrd="3" destOrd="0" parTransId="{A03F6F0B-8E40-4940-B11A-19C4E1C23B28}" sibTransId="{C11A0B4D-244B-47D2-87B5-A6919899347C}"/>
-    <dgm:cxn modelId="{726C39B5-D5E8-D444-B030-3818FDEEB9D9}" type="presParOf" srcId="{6C1A1EE9-DC20-8F4C-9BE2-98F465F7852C}" destId="{1004DFB4-A053-1D41-89AF-F452F8EFF88E}" srcOrd="0" destOrd="0" presId="urn:microsoft.com/office/officeart/2005/8/layout/vList2"/>
-    <dgm:cxn modelId="{BF4D3DC3-94BF-694F-90E2-183F28F15C4A}" type="presParOf" srcId="{6C1A1EE9-DC20-8F4C-9BE2-98F465F7852C}" destId="{FF981B2F-EB3B-6042-9C75-6A23801716BA}" srcOrd="1" destOrd="0" presId="urn:microsoft.com/office/officeart/2005/8/layout/vList2"/>
-    <dgm:cxn modelId="{008E9521-FD06-0A4B-895F-6B6ECE55DB26}" type="presParOf" srcId="{6C1A1EE9-DC20-8F4C-9BE2-98F465F7852C}" destId="{22C1114D-C6FA-AB4E-864E-38F0A8011831}" srcOrd="2" destOrd="0" presId="urn:microsoft.com/office/officeart/2005/8/layout/vList2"/>
-    <dgm:cxn modelId="{4908B99C-DB1F-904A-970A-B7A6410F3EA5}" type="presParOf" srcId="{6C1A1EE9-DC20-8F4C-9BE2-98F465F7852C}" destId="{614F5CD3-13E3-4140-BD3F-EC5DC32EFF29}" srcOrd="3" destOrd="0" presId="urn:microsoft.com/office/officeart/2005/8/layout/vList2"/>
-    <dgm:cxn modelId="{EA7BBDF7-670C-A541-926D-AFCEDC805CB1}" type="presParOf" srcId="{6C1A1EE9-DC20-8F4C-9BE2-98F465F7852C}" destId="{24207DA8-E27E-0248-A599-BF819522D3AD}" srcOrd="4" destOrd="0" presId="urn:microsoft.com/office/officeart/2005/8/layout/vList2"/>
-    <dgm:cxn modelId="{539462FD-E8A5-0F42-B04A-926EF37FC2A2}" type="presParOf" srcId="{6C1A1EE9-DC20-8F4C-9BE2-98F465F7852C}" destId="{4D000485-346B-F345-804E-AC4283848CCD}" srcOrd="5" destOrd="0" presId="urn:microsoft.com/office/officeart/2005/8/layout/vList2"/>
-    <dgm:cxn modelId="{C0A2A668-4C25-384C-BD6F-40C5B38C5F78}" type="presParOf" srcId="{6C1A1EE9-DC20-8F4C-9BE2-98F465F7852C}" destId="{C9ED9B44-59A8-304F-88A9-053787E93183}" srcOrd="6" destOrd="0" presId="urn:microsoft.com/office/officeart/2005/8/layout/vList2"/>
-  </dgm:cxnLst>
-  <dgm:bg/>
-  <dgm:whole/>
-  <dgm:extLst>
-    <a:ext uri="http://schemas.microsoft.com/office/drawing/2008/diagram">
-      <dsp:dataModelExt xmlns:dsp="http://schemas.microsoft.com/office/drawing/2008/diagram" relId="rId6" minVer="http://schemas.openxmlformats.org/drawingml/2006/diagram"/>
-    </a:ext>
-  </dgm:extLst>
-</dgm:dataModel>
-</file>
-
-<file path=ppt/diagrams/data3.xml><?xml version="1.0" encoding="utf-8"?>
 <dgm:dataModel xmlns:dgm="http://schemas.openxmlformats.org/drawingml/2006/diagram" xmlns:a="http://schemas.openxmlformats.org/drawingml/2006/main">
   <dgm:ptLst>
     <dgm:pt modelId="{6BE01BAC-645A-473A-B492-AE620FC672EC}" type="doc">
@@ -3381,6 +3135,365 @@
 </dgm:dataModel>
 </file>
 
+<file path=ppt/diagrams/data3.xml><?xml version="1.0" encoding="utf-8"?>
+<dgm:dataModel xmlns:dgm="http://schemas.openxmlformats.org/drawingml/2006/diagram" xmlns:a="http://schemas.openxmlformats.org/drawingml/2006/main">
+  <dgm:ptLst>
+    <dgm:pt modelId="{B25FF43C-8B5A-034A-BB9B-764220BC74B7}" type="doc">
+      <dgm:prSet loTypeId="urn:microsoft.com/office/officeart/2005/8/layout/hList1" loCatId="list" qsTypeId="urn:microsoft.com/office/officeart/2005/8/quickstyle/simple1" qsCatId="simple" csTypeId="urn:microsoft.com/office/officeart/2005/8/colors/accent1_2" csCatId="accent1" phldr="1"/>
+      <dgm:spPr/>
+      <dgm:t>
+        <a:bodyPr/>
+        <a:lstStyle/>
+        <a:p>
+          <a:endParaRPr lang="en-US"/>
+        </a:p>
+      </dgm:t>
+    </dgm:pt>
+    <dgm:pt modelId="{0F380CEC-7E5F-1944-A9AE-7E8B0AD77278}">
+      <dgm:prSet phldrT="[Text]"/>
+      <dgm:spPr/>
+      <dgm:t>
+        <a:bodyPr/>
+        <a:lstStyle/>
+        <a:p>
+          <a:r>
+            <a:rPr lang="en-US" dirty="0"/>
+            <a:t>Process</a:t>
+          </a:r>
+        </a:p>
+      </dgm:t>
+    </dgm:pt>
+    <dgm:pt modelId="{27A75174-61C6-0A4A-A834-77A44389875F}" type="parTrans" cxnId="{3F53940D-83A9-E24D-B4D4-DE9077317A9B}">
+      <dgm:prSet/>
+      <dgm:spPr/>
+      <dgm:t>
+        <a:bodyPr/>
+        <a:lstStyle/>
+        <a:p>
+          <a:endParaRPr lang="en-US"/>
+        </a:p>
+      </dgm:t>
+    </dgm:pt>
+    <dgm:pt modelId="{17EE18F6-7677-B546-9E11-0598B2641C7B}" type="sibTrans" cxnId="{3F53940D-83A9-E24D-B4D4-DE9077317A9B}">
+      <dgm:prSet/>
+      <dgm:spPr/>
+      <dgm:t>
+        <a:bodyPr/>
+        <a:lstStyle/>
+        <a:p>
+          <a:endParaRPr lang="en-US"/>
+        </a:p>
+      </dgm:t>
+    </dgm:pt>
+    <dgm:pt modelId="{0E981560-6AB4-414A-B2D8-A15D45D35FC2}">
+      <dgm:prSet phldrT="[Text]"/>
+      <dgm:spPr/>
+      <dgm:t>
+        <a:bodyPr/>
+        <a:lstStyle/>
+        <a:p>
+          <a:r>
+            <a:rPr lang="en-US" b="0" dirty="0"/>
+            <a:t>batch queries by country</a:t>
+          </a:r>
+        </a:p>
+      </dgm:t>
+    </dgm:pt>
+    <dgm:pt modelId="{E60888FC-82B0-7949-AC4A-5A24D470FF52}" type="parTrans" cxnId="{36ED86A4-1628-114A-AF9E-9C7279767445}">
+      <dgm:prSet/>
+      <dgm:spPr/>
+      <dgm:t>
+        <a:bodyPr/>
+        <a:lstStyle/>
+        <a:p>
+          <a:endParaRPr lang="en-US"/>
+        </a:p>
+      </dgm:t>
+    </dgm:pt>
+    <dgm:pt modelId="{6D72548F-3563-0F48-935A-055E0D702957}" type="sibTrans" cxnId="{36ED86A4-1628-114A-AF9E-9C7279767445}">
+      <dgm:prSet/>
+      <dgm:spPr/>
+      <dgm:t>
+        <a:bodyPr/>
+        <a:lstStyle/>
+        <a:p>
+          <a:endParaRPr lang="en-US"/>
+        </a:p>
+      </dgm:t>
+    </dgm:pt>
+    <dgm:pt modelId="{9D5AE504-7BE3-0F40-853C-FFA2B9C23613}">
+      <dgm:prSet phldrT="[Text]"/>
+      <dgm:spPr/>
+      <dgm:t>
+        <a:bodyPr/>
+        <a:lstStyle/>
+        <a:p>
+          <a:r>
+            <a:rPr lang="en-US" dirty="0"/>
+            <a:t>Query</a:t>
+          </a:r>
+        </a:p>
+      </dgm:t>
+    </dgm:pt>
+    <dgm:pt modelId="{C336CC67-218F-554B-922F-E33B90F2DC4F}" type="parTrans" cxnId="{F3522DB1-753C-F446-BA45-3E41746B7C2B}">
+      <dgm:prSet/>
+      <dgm:spPr/>
+      <dgm:t>
+        <a:bodyPr/>
+        <a:lstStyle/>
+        <a:p>
+          <a:endParaRPr lang="en-US"/>
+        </a:p>
+      </dgm:t>
+    </dgm:pt>
+    <dgm:pt modelId="{C2B149FA-87BE-ED44-BE49-EA03F4940C28}" type="sibTrans" cxnId="{F3522DB1-753C-F446-BA45-3E41746B7C2B}">
+      <dgm:prSet/>
+      <dgm:spPr/>
+      <dgm:t>
+        <a:bodyPr/>
+        <a:lstStyle/>
+        <a:p>
+          <a:endParaRPr lang="en-US"/>
+        </a:p>
+      </dgm:t>
+    </dgm:pt>
+    <dgm:pt modelId="{ED370D6B-56DC-3644-8F31-E01DDDC217FC}">
+      <dgm:prSet phldrT="[Text]"/>
+      <dgm:spPr/>
+      <dgm:t>
+        <a:bodyPr/>
+        <a:lstStyle/>
+        <a:p>
+          <a:r>
+            <a:rPr lang="en-US" dirty="0"/>
+            <a:t>raw tables over views</a:t>
+          </a:r>
+        </a:p>
+      </dgm:t>
+    </dgm:pt>
+    <dgm:pt modelId="{D670628D-6798-214D-8F26-FEC15276E769}" type="parTrans" cxnId="{7954DF63-F4F4-3C47-A839-8AE93A1BE97D}">
+      <dgm:prSet/>
+      <dgm:spPr/>
+      <dgm:t>
+        <a:bodyPr/>
+        <a:lstStyle/>
+        <a:p>
+          <a:endParaRPr lang="en-US"/>
+        </a:p>
+      </dgm:t>
+    </dgm:pt>
+    <dgm:pt modelId="{51FB706E-4367-3842-80F9-C8E6830C1F2D}" type="sibTrans" cxnId="{7954DF63-F4F4-3C47-A839-8AE93A1BE97D}">
+      <dgm:prSet/>
+      <dgm:spPr/>
+      <dgm:t>
+        <a:bodyPr/>
+        <a:lstStyle/>
+        <a:p>
+          <a:endParaRPr lang="en-US"/>
+        </a:p>
+      </dgm:t>
+    </dgm:pt>
+    <dgm:pt modelId="{A7A00B56-2463-3D46-8F5A-4318A982075F}">
+      <dgm:prSet phldrT="[Text]"/>
+      <dgm:spPr/>
+      <dgm:t>
+        <a:bodyPr/>
+        <a:lstStyle/>
+        <a:p>
+          <a:r>
+            <a:rPr lang="en-US" dirty="0"/>
+            <a:t>break CTE into key transient tables</a:t>
+          </a:r>
+        </a:p>
+      </dgm:t>
+    </dgm:pt>
+    <dgm:pt modelId="{E1976EFC-40DF-0644-848C-63AF2235940C}" type="parTrans" cxnId="{A125B7EA-4078-5F4A-9A3A-F8777B9DB500}">
+      <dgm:prSet/>
+      <dgm:spPr/>
+      <dgm:t>
+        <a:bodyPr/>
+        <a:lstStyle/>
+        <a:p>
+          <a:endParaRPr lang="en-US"/>
+        </a:p>
+      </dgm:t>
+    </dgm:pt>
+    <dgm:pt modelId="{5738E164-8F8C-924B-8622-B1E805AB047B}" type="sibTrans" cxnId="{A125B7EA-4078-5F4A-9A3A-F8777B9DB500}">
+      <dgm:prSet/>
+      <dgm:spPr/>
+      <dgm:t>
+        <a:bodyPr/>
+        <a:lstStyle/>
+        <a:p>
+          <a:endParaRPr lang="en-US"/>
+        </a:p>
+      </dgm:t>
+    </dgm:pt>
+    <dgm:pt modelId="{2711FCA8-CD53-524A-AE44-E81D952CBA52}">
+      <dgm:prSet phldrT="[Text]"/>
+      <dgm:spPr/>
+      <dgm:t>
+        <a:bodyPr/>
+        <a:lstStyle/>
+        <a:p>
+          <a:r>
+            <a:rPr lang="en-US" dirty="0"/>
+            <a:t>“DRY” it up</a:t>
+          </a:r>
+        </a:p>
+      </dgm:t>
+    </dgm:pt>
+    <dgm:pt modelId="{1E040A45-FCBB-674D-AE7B-4B931C02B2AB}" type="parTrans" cxnId="{40337F3D-388C-7645-858F-6F034B8843D5}">
+      <dgm:prSet/>
+      <dgm:spPr/>
+      <dgm:t>
+        <a:bodyPr/>
+        <a:lstStyle/>
+        <a:p>
+          <a:endParaRPr lang="en-US"/>
+        </a:p>
+      </dgm:t>
+    </dgm:pt>
+    <dgm:pt modelId="{898BB43D-5DEE-9C40-833A-3DE0F692425A}" type="sibTrans" cxnId="{40337F3D-388C-7645-858F-6F034B8843D5}">
+      <dgm:prSet/>
+      <dgm:spPr/>
+      <dgm:t>
+        <a:bodyPr/>
+        <a:lstStyle/>
+        <a:p>
+          <a:endParaRPr lang="en-US"/>
+        </a:p>
+      </dgm:t>
+    </dgm:pt>
+    <dgm:pt modelId="{8D8EE846-E530-564F-92A2-B9A7A08D77BC}">
+      <dgm:prSet phldrT="[Text]"/>
+      <dgm:spPr/>
+      <dgm:t>
+        <a:bodyPr/>
+        <a:lstStyle/>
+        <a:p>
+          <a:r>
+            <a:rPr lang="en-US" dirty="0"/>
+            <a:t>Metrics for monitoring</a:t>
+          </a:r>
+        </a:p>
+      </dgm:t>
+    </dgm:pt>
+    <dgm:pt modelId="{89AF42A3-868B-5B4D-84A8-F97F74B537C3}" type="parTrans" cxnId="{8B798BD3-04DC-C849-A7D4-A01010E76EB8}">
+      <dgm:prSet/>
+      <dgm:spPr/>
+      <dgm:t>
+        <a:bodyPr/>
+        <a:lstStyle/>
+        <a:p>
+          <a:endParaRPr lang="en-US"/>
+        </a:p>
+      </dgm:t>
+    </dgm:pt>
+    <dgm:pt modelId="{C799B876-BE08-DA46-9AB1-F55C695F68AF}" type="sibTrans" cxnId="{8B798BD3-04DC-C849-A7D4-A01010E76EB8}">
+      <dgm:prSet/>
+      <dgm:spPr/>
+      <dgm:t>
+        <a:bodyPr/>
+        <a:lstStyle/>
+        <a:p>
+          <a:endParaRPr lang="en-US"/>
+        </a:p>
+      </dgm:t>
+    </dgm:pt>
+    <dgm:pt modelId="{AD97F533-2F8F-6F42-BD00-A8CFB4F41D90}" type="pres">
+      <dgm:prSet presAssocID="{B25FF43C-8B5A-034A-BB9B-764220BC74B7}" presName="Name0" presStyleCnt="0">
+        <dgm:presLayoutVars>
+          <dgm:dir/>
+          <dgm:animLvl val="lvl"/>
+          <dgm:resizeHandles val="exact"/>
+        </dgm:presLayoutVars>
+      </dgm:prSet>
+      <dgm:spPr/>
+    </dgm:pt>
+    <dgm:pt modelId="{AA94A074-18EE-BC40-ACB6-4A382C797CDD}" type="pres">
+      <dgm:prSet presAssocID="{0F380CEC-7E5F-1944-A9AE-7E8B0AD77278}" presName="composite" presStyleCnt="0"/>
+      <dgm:spPr/>
+    </dgm:pt>
+    <dgm:pt modelId="{64674F3B-1F7F-2143-A05C-3597567A73FE}" type="pres">
+      <dgm:prSet presAssocID="{0F380CEC-7E5F-1944-A9AE-7E8B0AD77278}" presName="parTx" presStyleLbl="alignNode1" presStyleIdx="0" presStyleCnt="2">
+        <dgm:presLayoutVars>
+          <dgm:chMax val="0"/>
+          <dgm:chPref val="0"/>
+          <dgm:bulletEnabled val="1"/>
+        </dgm:presLayoutVars>
+      </dgm:prSet>
+      <dgm:spPr/>
+    </dgm:pt>
+    <dgm:pt modelId="{919375B1-6706-3741-B6E5-D29FB402CDF3}" type="pres">
+      <dgm:prSet presAssocID="{0F380CEC-7E5F-1944-A9AE-7E8B0AD77278}" presName="desTx" presStyleLbl="alignAccFollowNode1" presStyleIdx="0" presStyleCnt="2">
+        <dgm:presLayoutVars>
+          <dgm:bulletEnabled val="1"/>
+        </dgm:presLayoutVars>
+      </dgm:prSet>
+      <dgm:spPr/>
+    </dgm:pt>
+    <dgm:pt modelId="{1F59EF79-52C4-BC40-A47D-E7A2F2A33378}" type="pres">
+      <dgm:prSet presAssocID="{17EE18F6-7677-B546-9E11-0598B2641C7B}" presName="space" presStyleCnt="0"/>
+      <dgm:spPr/>
+    </dgm:pt>
+    <dgm:pt modelId="{4DE52279-27BF-AF4B-A922-C589E3179691}" type="pres">
+      <dgm:prSet presAssocID="{9D5AE504-7BE3-0F40-853C-FFA2B9C23613}" presName="composite" presStyleCnt="0"/>
+      <dgm:spPr/>
+    </dgm:pt>
+    <dgm:pt modelId="{67E7F70F-58F3-4043-B6CC-DDEAA9E16969}" type="pres">
+      <dgm:prSet presAssocID="{9D5AE504-7BE3-0F40-853C-FFA2B9C23613}" presName="parTx" presStyleLbl="alignNode1" presStyleIdx="1" presStyleCnt="2">
+        <dgm:presLayoutVars>
+          <dgm:chMax val="0"/>
+          <dgm:chPref val="0"/>
+          <dgm:bulletEnabled val="1"/>
+        </dgm:presLayoutVars>
+      </dgm:prSet>
+      <dgm:spPr/>
+    </dgm:pt>
+    <dgm:pt modelId="{3FA08CA1-1D00-2E41-86DE-A2EB935855C1}" type="pres">
+      <dgm:prSet presAssocID="{9D5AE504-7BE3-0F40-853C-FFA2B9C23613}" presName="desTx" presStyleLbl="alignAccFollowNode1" presStyleIdx="1" presStyleCnt="2">
+        <dgm:presLayoutVars>
+          <dgm:bulletEnabled val="1"/>
+        </dgm:presLayoutVars>
+      </dgm:prSet>
+      <dgm:spPr/>
+    </dgm:pt>
+  </dgm:ptLst>
+  <dgm:cxnLst>
+    <dgm:cxn modelId="{3F53940D-83A9-E24D-B4D4-DE9077317A9B}" srcId="{B25FF43C-8B5A-034A-BB9B-764220BC74B7}" destId="{0F380CEC-7E5F-1944-A9AE-7E8B0AD77278}" srcOrd="0" destOrd="0" parTransId="{27A75174-61C6-0A4A-A834-77A44389875F}" sibTransId="{17EE18F6-7677-B546-9E11-0598B2641C7B}"/>
+    <dgm:cxn modelId="{40337F3D-388C-7645-858F-6F034B8843D5}" srcId="{0F380CEC-7E5F-1944-A9AE-7E8B0AD77278}" destId="{2711FCA8-CD53-524A-AE44-E81D952CBA52}" srcOrd="1" destOrd="0" parTransId="{1E040A45-FCBB-674D-AE7B-4B931C02B2AB}" sibTransId="{898BB43D-5DEE-9C40-833A-3DE0F692425A}"/>
+    <dgm:cxn modelId="{1C3E2C3F-9146-594C-AD69-BC097A9A12A7}" type="presOf" srcId="{0F380CEC-7E5F-1944-A9AE-7E8B0AD77278}" destId="{64674F3B-1F7F-2143-A05C-3597567A73FE}" srcOrd="0" destOrd="0" presId="urn:microsoft.com/office/officeart/2005/8/layout/hList1"/>
+    <dgm:cxn modelId="{7954DF63-F4F4-3C47-A839-8AE93A1BE97D}" srcId="{9D5AE504-7BE3-0F40-853C-FFA2B9C23613}" destId="{ED370D6B-56DC-3644-8F31-E01DDDC217FC}" srcOrd="0" destOrd="0" parTransId="{D670628D-6798-214D-8F26-FEC15276E769}" sibTransId="{51FB706E-4367-3842-80F9-C8E6830C1F2D}"/>
+    <dgm:cxn modelId="{C378C075-BDAD-9849-836B-ACCA53E25E2F}" type="presOf" srcId="{9D5AE504-7BE3-0F40-853C-FFA2B9C23613}" destId="{67E7F70F-58F3-4043-B6CC-DDEAA9E16969}" srcOrd="0" destOrd="0" presId="urn:microsoft.com/office/officeart/2005/8/layout/hList1"/>
+    <dgm:cxn modelId="{9B964A78-0D3F-0845-BE5B-4B614C125722}" type="presOf" srcId="{0E981560-6AB4-414A-B2D8-A15D45D35FC2}" destId="{919375B1-6706-3741-B6E5-D29FB402CDF3}" srcOrd="0" destOrd="0" presId="urn:microsoft.com/office/officeart/2005/8/layout/hList1"/>
+    <dgm:cxn modelId="{55A67984-670F-7A4A-AFE8-09BD24999594}" type="presOf" srcId="{ED370D6B-56DC-3644-8F31-E01DDDC217FC}" destId="{3FA08CA1-1D00-2E41-86DE-A2EB935855C1}" srcOrd="0" destOrd="0" presId="urn:microsoft.com/office/officeart/2005/8/layout/hList1"/>
+    <dgm:cxn modelId="{36ED86A4-1628-114A-AF9E-9C7279767445}" srcId="{0F380CEC-7E5F-1944-A9AE-7E8B0AD77278}" destId="{0E981560-6AB4-414A-B2D8-A15D45D35FC2}" srcOrd="0" destOrd="0" parTransId="{E60888FC-82B0-7949-AC4A-5A24D470FF52}" sibTransId="{6D72548F-3563-0F48-935A-055E0D702957}"/>
+    <dgm:cxn modelId="{FEA229AB-D9CD-574B-81CC-10B7137AB7D1}" type="presOf" srcId="{B25FF43C-8B5A-034A-BB9B-764220BC74B7}" destId="{AD97F533-2F8F-6F42-BD00-A8CFB4F41D90}" srcOrd="0" destOrd="0" presId="urn:microsoft.com/office/officeart/2005/8/layout/hList1"/>
+    <dgm:cxn modelId="{F3522DB1-753C-F446-BA45-3E41746B7C2B}" srcId="{B25FF43C-8B5A-034A-BB9B-764220BC74B7}" destId="{9D5AE504-7BE3-0F40-853C-FFA2B9C23613}" srcOrd="1" destOrd="0" parTransId="{C336CC67-218F-554B-922F-E33B90F2DC4F}" sibTransId="{C2B149FA-87BE-ED44-BE49-EA03F4940C28}"/>
+    <dgm:cxn modelId="{DB5E27CD-6F2A-9B44-8A53-A6642CFC1CFB}" type="presOf" srcId="{A7A00B56-2463-3D46-8F5A-4318A982075F}" destId="{3FA08CA1-1D00-2E41-86DE-A2EB935855C1}" srcOrd="0" destOrd="1" presId="urn:microsoft.com/office/officeart/2005/8/layout/hList1"/>
+    <dgm:cxn modelId="{8B798BD3-04DC-C849-A7D4-A01010E76EB8}" srcId="{0F380CEC-7E5F-1944-A9AE-7E8B0AD77278}" destId="{8D8EE846-E530-564F-92A2-B9A7A08D77BC}" srcOrd="2" destOrd="0" parTransId="{89AF42A3-868B-5B4D-84A8-F97F74B537C3}" sibTransId="{C799B876-BE08-DA46-9AB1-F55C695F68AF}"/>
+    <dgm:cxn modelId="{F01F0CDF-2AB0-4049-AD16-882E9C0C2B27}" type="presOf" srcId="{2711FCA8-CD53-524A-AE44-E81D952CBA52}" destId="{919375B1-6706-3741-B6E5-D29FB402CDF3}" srcOrd="0" destOrd="1" presId="urn:microsoft.com/office/officeart/2005/8/layout/hList1"/>
+    <dgm:cxn modelId="{A125B7EA-4078-5F4A-9A3A-F8777B9DB500}" srcId="{9D5AE504-7BE3-0F40-853C-FFA2B9C23613}" destId="{A7A00B56-2463-3D46-8F5A-4318A982075F}" srcOrd="1" destOrd="0" parTransId="{E1976EFC-40DF-0644-848C-63AF2235940C}" sibTransId="{5738E164-8F8C-924B-8622-B1E805AB047B}"/>
+    <dgm:cxn modelId="{3B6A24FD-958F-314F-B390-7ED6931AB5DA}" type="presOf" srcId="{8D8EE846-E530-564F-92A2-B9A7A08D77BC}" destId="{919375B1-6706-3741-B6E5-D29FB402CDF3}" srcOrd="0" destOrd="2" presId="urn:microsoft.com/office/officeart/2005/8/layout/hList1"/>
+    <dgm:cxn modelId="{B116E7CC-3FC8-5A40-B929-B09EED817191}" type="presParOf" srcId="{AD97F533-2F8F-6F42-BD00-A8CFB4F41D90}" destId="{AA94A074-18EE-BC40-ACB6-4A382C797CDD}" srcOrd="0" destOrd="0" presId="urn:microsoft.com/office/officeart/2005/8/layout/hList1"/>
+    <dgm:cxn modelId="{07ADEFA6-A58C-1C46-98C6-E6393E81B4C4}" type="presParOf" srcId="{AA94A074-18EE-BC40-ACB6-4A382C797CDD}" destId="{64674F3B-1F7F-2143-A05C-3597567A73FE}" srcOrd="0" destOrd="0" presId="urn:microsoft.com/office/officeart/2005/8/layout/hList1"/>
+    <dgm:cxn modelId="{F6B5AACA-F54E-A64B-9964-5F9E7674E040}" type="presParOf" srcId="{AA94A074-18EE-BC40-ACB6-4A382C797CDD}" destId="{919375B1-6706-3741-B6E5-D29FB402CDF3}" srcOrd="1" destOrd="0" presId="urn:microsoft.com/office/officeart/2005/8/layout/hList1"/>
+    <dgm:cxn modelId="{EC713AF6-BCED-0946-920D-5C5BC87BF61D}" type="presParOf" srcId="{AD97F533-2F8F-6F42-BD00-A8CFB4F41D90}" destId="{1F59EF79-52C4-BC40-A47D-E7A2F2A33378}" srcOrd="1" destOrd="0" presId="urn:microsoft.com/office/officeart/2005/8/layout/hList1"/>
+    <dgm:cxn modelId="{7C63FD00-8549-CE4B-8810-5D3FB4626905}" type="presParOf" srcId="{AD97F533-2F8F-6F42-BD00-A8CFB4F41D90}" destId="{4DE52279-27BF-AF4B-A922-C589E3179691}" srcOrd="2" destOrd="0" presId="urn:microsoft.com/office/officeart/2005/8/layout/hList1"/>
+    <dgm:cxn modelId="{682ECD19-83F7-0D4E-A915-A74EC2496E78}" type="presParOf" srcId="{4DE52279-27BF-AF4B-A922-C589E3179691}" destId="{67E7F70F-58F3-4043-B6CC-DDEAA9E16969}" srcOrd="0" destOrd="0" presId="urn:microsoft.com/office/officeart/2005/8/layout/hList1"/>
+    <dgm:cxn modelId="{77C59822-4EA2-4943-9930-F63A7147E2C0}" type="presParOf" srcId="{4DE52279-27BF-AF4B-A922-C589E3179691}" destId="{3FA08CA1-1D00-2E41-86DE-A2EB935855C1}" srcOrd="1" destOrd="0" presId="urn:microsoft.com/office/officeart/2005/8/layout/hList1"/>
+  </dgm:cxnLst>
+  <dgm:bg/>
+  <dgm:whole/>
+  <dgm:extLst>
+    <a:ext uri="http://schemas.microsoft.com/office/drawing/2008/diagram">
+      <dsp:dataModelExt xmlns:dsp="http://schemas.microsoft.com/office/drawing/2008/diagram" relId="rId7" minVer="http://schemas.openxmlformats.org/drawingml/2006/diagram"/>
+    </a:ext>
+  </dgm:extLst>
+</dgm:dataModel>
+</file>
+
 <file path=ppt/diagrams/drawing1.xml><?xml version="1.0" encoding="utf-8"?>
 <dsp:drawing xmlns:dgm="http://schemas.openxmlformats.org/drawingml/2006/diagram" xmlns:dsp="http://schemas.microsoft.com/office/drawing/2008/diagram" xmlns:a="http://schemas.openxmlformats.org/drawingml/2006/main">
   <dsp:spTree>
@@ -3560,7 +3673,15 @@
           </a:pPr>
           <a:r>
             <a:rPr lang="en-US" sz="2000" kern="1200" dirty="0"/>
-            <a:t>Ran specialized query to identify highest cost snowflake jobs/queries during October.</a:t>
+            <a:t>Ran “</a:t>
+          </a:r>
+          <a:r>
+            <a:rPr lang="en-US" sz="2000" kern="1200" dirty="0" err="1"/>
+            <a:t>sql</a:t>
+          </a:r>
+          <a:r>
+            <a:rPr lang="en-US" sz="2000" kern="1200" dirty="0"/>
+            <a:t> aggregation” query to identify highest cost snowflake queries.</a:t>
           </a:r>
         </a:p>
       </dsp:txBody>
@@ -3650,15 +3771,7 @@
           </a:pPr>
           <a:r>
             <a:rPr lang="en-US" sz="2000" kern="1200" dirty="0"/>
-            <a:t>Identified </a:t>
-          </a:r>
-          <a:r>
-            <a:rPr lang="en-US" sz="2000" kern="1200" dirty="0" err="1"/>
-            <a:t>crossover_titles</a:t>
-          </a:r>
-          <a:r>
-            <a:rPr lang="en-US" sz="2000" kern="1200" dirty="0"/>
-            <a:t> query as the most expensive at 9725 snowflake credits (~$20k/</a:t>
+            <a:t>Identified the crossover titles query as the most expensive  (~$20k/</a:t>
           </a:r>
           <a:r>
             <a:rPr lang="en-US" sz="2000" kern="1200" dirty="0" err="1"/>
@@ -4007,326 +4120,6 @@
 </file>
 
 <file path=ppt/diagrams/drawing2.xml><?xml version="1.0" encoding="utf-8"?>
-<dsp:drawing xmlns:dgm="http://schemas.openxmlformats.org/drawingml/2006/diagram" xmlns:dsp="http://schemas.microsoft.com/office/drawing/2008/diagram" xmlns:a="http://schemas.openxmlformats.org/drawingml/2006/main">
-  <dsp:spTree>
-    <dsp:nvGrpSpPr>
-      <dsp:cNvPr id="0" name=""/>
-      <dsp:cNvGrpSpPr/>
-    </dsp:nvGrpSpPr>
-    <dsp:grpSpPr/>
-    <dsp:sp modelId="{1004DFB4-A053-1D41-89AF-F452F8EFF88E}">
-      <dsp:nvSpPr>
-        <dsp:cNvPr id="0" name=""/>
-        <dsp:cNvSpPr/>
-      </dsp:nvSpPr>
-      <dsp:spPr>
-        <a:xfrm>
-          <a:off x="0" y="22607"/>
-          <a:ext cx="9905999" cy="798524"/>
-        </a:xfrm>
-        <a:prstGeom prst="roundRect">
-          <a:avLst/>
-        </a:prstGeom>
-        <a:solidFill>
-          <a:schemeClr val="accent1">
-            <a:hueOff val="0"/>
-            <a:satOff val="0"/>
-            <a:lumOff val="0"/>
-            <a:alphaOff val="0"/>
-          </a:schemeClr>
-        </a:solidFill>
-        <a:ln w="15875" cap="flat" cmpd="sng" algn="ctr">
-          <a:solidFill>
-            <a:schemeClr val="lt1">
-              <a:hueOff val="0"/>
-              <a:satOff val="0"/>
-              <a:lumOff val="0"/>
-              <a:alphaOff val="0"/>
-            </a:schemeClr>
-          </a:solidFill>
-          <a:prstDash val="solid"/>
-        </a:ln>
-        <a:effectLst/>
-      </dsp:spPr>
-      <dsp:style>
-        <a:lnRef idx="2">
-          <a:scrgbClr r="0" g="0" b="0"/>
-        </a:lnRef>
-        <a:fillRef idx="1">
-          <a:scrgbClr r="0" g="0" b="0"/>
-        </a:fillRef>
-        <a:effectRef idx="0">
-          <a:scrgbClr r="0" g="0" b="0"/>
-        </a:effectRef>
-        <a:fontRef idx="minor">
-          <a:schemeClr val="lt1"/>
-        </a:fontRef>
-      </dsp:style>
-      <dsp:txBody>
-        <a:bodyPr spcFirstLastPara="0" vert="horz" wrap="square" lIns="133350" tIns="133350" rIns="133350" bIns="133350" numCol="1" spcCol="1270" anchor="ctr" anchorCtr="0">
-          <a:noAutofit/>
-        </a:bodyPr>
-        <a:lstStyle/>
-        <a:p>
-          <a:pPr marL="0" lvl="0" indent="0" algn="l" defTabSz="1555750">
-            <a:lnSpc>
-              <a:spcPct val="90000"/>
-            </a:lnSpc>
-            <a:spcBef>
-              <a:spcPct val="0"/>
-            </a:spcBef>
-            <a:spcAft>
-              <a:spcPct val="35000"/>
-            </a:spcAft>
-            <a:buNone/>
-          </a:pPr>
-          <a:r>
-            <a:rPr lang="en-US" sz="3500" kern="1200" dirty="0"/>
-            <a:t>Compute Usage</a:t>
-          </a:r>
-        </a:p>
-      </dsp:txBody>
-      <dsp:txXfrm>
-        <a:off x="38981" y="61588"/>
-        <a:ext cx="9828037" cy="720562"/>
-      </dsp:txXfrm>
-    </dsp:sp>
-    <dsp:sp modelId="{22C1114D-C6FA-AB4E-864E-38F0A8011831}">
-      <dsp:nvSpPr>
-        <dsp:cNvPr id="0" name=""/>
-        <dsp:cNvSpPr/>
-      </dsp:nvSpPr>
-      <dsp:spPr>
-        <a:xfrm>
-          <a:off x="0" y="921932"/>
-          <a:ext cx="9905999" cy="798524"/>
-        </a:xfrm>
-        <a:prstGeom prst="roundRect">
-          <a:avLst/>
-        </a:prstGeom>
-        <a:solidFill>
-          <a:schemeClr val="accent1">
-            <a:hueOff val="0"/>
-            <a:satOff val="0"/>
-            <a:lumOff val="0"/>
-            <a:alphaOff val="0"/>
-          </a:schemeClr>
-        </a:solidFill>
-        <a:ln w="15875" cap="flat" cmpd="sng" algn="ctr">
-          <a:solidFill>
-            <a:schemeClr val="lt1">
-              <a:hueOff val="0"/>
-              <a:satOff val="0"/>
-              <a:lumOff val="0"/>
-              <a:alphaOff val="0"/>
-            </a:schemeClr>
-          </a:solidFill>
-          <a:prstDash val="solid"/>
-        </a:ln>
-        <a:effectLst/>
-      </dsp:spPr>
-      <dsp:style>
-        <a:lnRef idx="2">
-          <a:scrgbClr r="0" g="0" b="0"/>
-        </a:lnRef>
-        <a:fillRef idx="1">
-          <a:scrgbClr r="0" g="0" b="0"/>
-        </a:fillRef>
-        <a:effectRef idx="0">
-          <a:scrgbClr r="0" g="0" b="0"/>
-        </a:effectRef>
-        <a:fontRef idx="minor">
-          <a:schemeClr val="lt1"/>
-        </a:fontRef>
-      </dsp:style>
-      <dsp:txBody>
-        <a:bodyPr spcFirstLastPara="0" vert="horz" wrap="square" lIns="133350" tIns="133350" rIns="133350" bIns="133350" numCol="1" spcCol="1270" anchor="ctr" anchorCtr="0">
-          <a:noAutofit/>
-        </a:bodyPr>
-        <a:lstStyle/>
-        <a:p>
-          <a:pPr marL="0" lvl="0" indent="0" algn="l" defTabSz="1555750">
-            <a:lnSpc>
-              <a:spcPct val="90000"/>
-            </a:lnSpc>
-            <a:spcBef>
-              <a:spcPct val="0"/>
-            </a:spcBef>
-            <a:spcAft>
-              <a:spcPct val="35000"/>
-            </a:spcAft>
-            <a:buNone/>
-          </a:pPr>
-          <a:r>
-            <a:rPr lang="en-US" sz="3500" kern="1200"/>
-            <a:t>Execution Frequency</a:t>
-          </a:r>
-        </a:p>
-      </dsp:txBody>
-      <dsp:txXfrm>
-        <a:off x="38981" y="960913"/>
-        <a:ext cx="9828037" cy="720562"/>
-      </dsp:txXfrm>
-    </dsp:sp>
-    <dsp:sp modelId="{24207DA8-E27E-0248-A599-BF819522D3AD}">
-      <dsp:nvSpPr>
-        <dsp:cNvPr id="0" name=""/>
-        <dsp:cNvSpPr/>
-      </dsp:nvSpPr>
-      <dsp:spPr>
-        <a:xfrm>
-          <a:off x="0" y="1821257"/>
-          <a:ext cx="9905999" cy="798524"/>
-        </a:xfrm>
-        <a:prstGeom prst="roundRect">
-          <a:avLst/>
-        </a:prstGeom>
-        <a:solidFill>
-          <a:schemeClr val="accent1">
-            <a:hueOff val="0"/>
-            <a:satOff val="0"/>
-            <a:lumOff val="0"/>
-            <a:alphaOff val="0"/>
-          </a:schemeClr>
-        </a:solidFill>
-        <a:ln w="15875" cap="flat" cmpd="sng" algn="ctr">
-          <a:solidFill>
-            <a:schemeClr val="lt1">
-              <a:hueOff val="0"/>
-              <a:satOff val="0"/>
-              <a:lumOff val="0"/>
-              <a:alphaOff val="0"/>
-            </a:schemeClr>
-          </a:solidFill>
-          <a:prstDash val="solid"/>
-        </a:ln>
-        <a:effectLst/>
-      </dsp:spPr>
-      <dsp:style>
-        <a:lnRef idx="2">
-          <a:scrgbClr r="0" g="0" b="0"/>
-        </a:lnRef>
-        <a:fillRef idx="1">
-          <a:scrgbClr r="0" g="0" b="0"/>
-        </a:fillRef>
-        <a:effectRef idx="0">
-          <a:scrgbClr r="0" g="0" b="0"/>
-        </a:effectRef>
-        <a:fontRef idx="minor">
-          <a:schemeClr val="lt1"/>
-        </a:fontRef>
-      </dsp:style>
-      <dsp:txBody>
-        <a:bodyPr spcFirstLastPara="0" vert="horz" wrap="square" lIns="133350" tIns="133350" rIns="133350" bIns="133350" numCol="1" spcCol="1270" anchor="ctr" anchorCtr="0">
-          <a:noAutofit/>
-        </a:bodyPr>
-        <a:lstStyle/>
-        <a:p>
-          <a:pPr marL="0" lvl="0" indent="0" algn="l" defTabSz="1555750">
-            <a:lnSpc>
-              <a:spcPct val="90000"/>
-            </a:lnSpc>
-            <a:spcBef>
-              <a:spcPct val="0"/>
-            </a:spcBef>
-            <a:spcAft>
-              <a:spcPct val="35000"/>
-            </a:spcAft>
-            <a:buNone/>
-          </a:pPr>
-          <a:r>
-            <a:rPr lang="en-US" sz="3500" kern="1200" dirty="0"/>
-            <a:t>Execution Time</a:t>
-          </a:r>
-        </a:p>
-      </dsp:txBody>
-      <dsp:txXfrm>
-        <a:off x="38981" y="1860238"/>
-        <a:ext cx="9828037" cy="720562"/>
-      </dsp:txXfrm>
-    </dsp:sp>
-    <dsp:sp modelId="{C9ED9B44-59A8-304F-88A9-053787E93183}">
-      <dsp:nvSpPr>
-        <dsp:cNvPr id="0" name=""/>
-        <dsp:cNvSpPr/>
-      </dsp:nvSpPr>
-      <dsp:spPr>
-        <a:xfrm>
-          <a:off x="0" y="2720581"/>
-          <a:ext cx="9905999" cy="798524"/>
-        </a:xfrm>
-        <a:prstGeom prst="roundRect">
-          <a:avLst/>
-        </a:prstGeom>
-        <a:solidFill>
-          <a:schemeClr val="accent1">
-            <a:hueOff val="0"/>
-            <a:satOff val="0"/>
-            <a:lumOff val="0"/>
-            <a:alphaOff val="0"/>
-          </a:schemeClr>
-        </a:solidFill>
-        <a:ln w="15875" cap="flat" cmpd="sng" algn="ctr">
-          <a:solidFill>
-            <a:schemeClr val="lt1">
-              <a:hueOff val="0"/>
-              <a:satOff val="0"/>
-              <a:lumOff val="0"/>
-              <a:alphaOff val="0"/>
-            </a:schemeClr>
-          </a:solidFill>
-          <a:prstDash val="solid"/>
-        </a:ln>
-        <a:effectLst/>
-      </dsp:spPr>
-      <dsp:style>
-        <a:lnRef idx="2">
-          <a:scrgbClr r="0" g="0" b="0"/>
-        </a:lnRef>
-        <a:fillRef idx="1">
-          <a:scrgbClr r="0" g="0" b="0"/>
-        </a:fillRef>
-        <a:effectRef idx="0">
-          <a:scrgbClr r="0" g="0" b="0"/>
-        </a:effectRef>
-        <a:fontRef idx="minor">
-          <a:schemeClr val="lt1"/>
-        </a:fontRef>
-      </dsp:style>
-      <dsp:txBody>
-        <a:bodyPr spcFirstLastPara="0" vert="horz" wrap="square" lIns="133350" tIns="133350" rIns="133350" bIns="133350" numCol="1" spcCol="1270" anchor="ctr" anchorCtr="0">
-          <a:noAutofit/>
-        </a:bodyPr>
-        <a:lstStyle/>
-        <a:p>
-          <a:pPr marL="0" lvl="0" indent="0" algn="l" defTabSz="1555750">
-            <a:lnSpc>
-              <a:spcPct val="90000"/>
-            </a:lnSpc>
-            <a:spcBef>
-              <a:spcPct val="0"/>
-            </a:spcBef>
-            <a:spcAft>
-              <a:spcPct val="35000"/>
-            </a:spcAft>
-            <a:buNone/>
-          </a:pPr>
-          <a:r>
-            <a:rPr lang="en-US" sz="3500" kern="1200"/>
-            <a:t>Data Volume Scanned</a:t>
-          </a:r>
-        </a:p>
-      </dsp:txBody>
-      <dsp:txXfrm>
-        <a:off x="38981" y="2759562"/>
-        <a:ext cx="9828037" cy="720562"/>
-      </dsp:txXfrm>
-    </dsp:sp>
-  </dsp:spTree>
-</dsp:drawing>
-</file>
-
-<file path=ppt/diagrams/drawing3.xml><?xml version="1.0" encoding="utf-8"?>
 <dsp:drawing xmlns:dgm="http://schemas.openxmlformats.org/drawingml/2006/diagram" xmlns:dsp="http://schemas.microsoft.com/office/drawing/2008/diagram" xmlns:a="http://schemas.openxmlformats.org/drawingml/2006/main">
   <dsp:spTree>
     <dsp:nvGrpSpPr>
@@ -4880,6 +4673,384 @@
       <dsp:txXfrm>
         <a:off x="0" y="3139037"/>
         <a:ext cx="9905999" cy="364320"/>
+      </dsp:txXfrm>
+    </dsp:sp>
+  </dsp:spTree>
+</dsp:drawing>
+</file>
+
+<file path=ppt/diagrams/drawing3.xml><?xml version="1.0" encoding="utf-8"?>
+<dsp:drawing xmlns:dgm="http://schemas.openxmlformats.org/drawingml/2006/diagram" xmlns:dsp="http://schemas.microsoft.com/office/drawing/2008/diagram" xmlns:a="http://schemas.openxmlformats.org/drawingml/2006/main">
+  <dsp:spTree>
+    <dsp:nvGrpSpPr>
+      <dsp:cNvPr id="0" name=""/>
+      <dsp:cNvGrpSpPr/>
+    </dsp:nvGrpSpPr>
+    <dsp:grpSpPr/>
+    <dsp:sp modelId="{64674F3B-1F7F-2143-A05C-3597567A73FE}">
+      <dsp:nvSpPr>
+        <dsp:cNvPr id="0" name=""/>
+        <dsp:cNvSpPr/>
+      </dsp:nvSpPr>
+      <dsp:spPr>
+        <a:xfrm>
+          <a:off x="48" y="65918"/>
+          <a:ext cx="4628926" cy="1008000"/>
+        </a:xfrm>
+        <a:prstGeom prst="rect">
+          <a:avLst/>
+        </a:prstGeom>
+        <a:solidFill>
+          <a:schemeClr val="accent1">
+            <a:hueOff val="0"/>
+            <a:satOff val="0"/>
+            <a:lumOff val="0"/>
+            <a:alphaOff val="0"/>
+          </a:schemeClr>
+        </a:solidFill>
+        <a:ln w="15875" cap="flat" cmpd="sng" algn="ctr">
+          <a:solidFill>
+            <a:schemeClr val="accent1">
+              <a:hueOff val="0"/>
+              <a:satOff val="0"/>
+              <a:lumOff val="0"/>
+              <a:alphaOff val="0"/>
+            </a:schemeClr>
+          </a:solidFill>
+          <a:prstDash val="solid"/>
+        </a:ln>
+        <a:effectLst/>
+      </dsp:spPr>
+      <dsp:style>
+        <a:lnRef idx="2">
+          <a:scrgbClr r="0" g="0" b="0"/>
+        </a:lnRef>
+        <a:fillRef idx="1">
+          <a:scrgbClr r="0" g="0" b="0"/>
+        </a:fillRef>
+        <a:effectRef idx="0">
+          <a:scrgbClr r="0" g="0" b="0"/>
+        </a:effectRef>
+        <a:fontRef idx="minor">
+          <a:schemeClr val="lt1"/>
+        </a:fontRef>
+      </dsp:style>
+      <dsp:txBody>
+        <a:bodyPr spcFirstLastPara="0" vert="horz" wrap="square" lIns="248920" tIns="142240" rIns="248920" bIns="142240" numCol="1" spcCol="1270" anchor="ctr" anchorCtr="0">
+          <a:noAutofit/>
+        </a:bodyPr>
+        <a:lstStyle/>
+        <a:p>
+          <a:pPr marL="0" lvl="0" indent="0" algn="ctr" defTabSz="1555750">
+            <a:lnSpc>
+              <a:spcPct val="90000"/>
+            </a:lnSpc>
+            <a:spcBef>
+              <a:spcPct val="0"/>
+            </a:spcBef>
+            <a:spcAft>
+              <a:spcPct val="35000"/>
+            </a:spcAft>
+            <a:buNone/>
+          </a:pPr>
+          <a:r>
+            <a:rPr lang="en-US" sz="3500" kern="1200" dirty="0"/>
+            <a:t>Process</a:t>
+          </a:r>
+        </a:p>
+      </dsp:txBody>
+      <dsp:txXfrm>
+        <a:off x="48" y="65918"/>
+        <a:ext cx="4628926" cy="1008000"/>
+      </dsp:txXfrm>
+    </dsp:sp>
+    <dsp:sp modelId="{919375B1-6706-3741-B6E5-D29FB402CDF3}">
+      <dsp:nvSpPr>
+        <dsp:cNvPr id="0" name=""/>
+        <dsp:cNvSpPr/>
+      </dsp:nvSpPr>
+      <dsp:spPr>
+        <a:xfrm>
+          <a:off x="48" y="1073918"/>
+          <a:ext cx="4628926" cy="2401874"/>
+        </a:xfrm>
+        <a:prstGeom prst="rect">
+          <a:avLst/>
+        </a:prstGeom>
+        <a:solidFill>
+          <a:schemeClr val="accent1">
+            <a:alpha val="90000"/>
+            <a:tint val="40000"/>
+            <a:hueOff val="0"/>
+            <a:satOff val="0"/>
+            <a:lumOff val="0"/>
+            <a:alphaOff val="0"/>
+          </a:schemeClr>
+        </a:solidFill>
+        <a:ln w="15875" cap="flat" cmpd="sng" algn="ctr">
+          <a:solidFill>
+            <a:schemeClr val="accent1">
+              <a:alpha val="90000"/>
+              <a:tint val="40000"/>
+              <a:hueOff val="0"/>
+              <a:satOff val="0"/>
+              <a:lumOff val="0"/>
+              <a:alphaOff val="0"/>
+            </a:schemeClr>
+          </a:solidFill>
+          <a:prstDash val="solid"/>
+        </a:ln>
+        <a:effectLst/>
+      </dsp:spPr>
+      <dsp:style>
+        <a:lnRef idx="2">
+          <a:scrgbClr r="0" g="0" b="0"/>
+        </a:lnRef>
+        <a:fillRef idx="1">
+          <a:scrgbClr r="0" g="0" b="0"/>
+        </a:fillRef>
+        <a:effectRef idx="0">
+          <a:scrgbClr r="0" g="0" b="0"/>
+        </a:effectRef>
+        <a:fontRef idx="minor"/>
+      </dsp:style>
+      <dsp:txBody>
+        <a:bodyPr spcFirstLastPara="0" vert="horz" wrap="square" lIns="186690" tIns="186690" rIns="248920" bIns="280035" numCol="1" spcCol="1270" anchor="t" anchorCtr="0">
+          <a:noAutofit/>
+        </a:bodyPr>
+        <a:lstStyle/>
+        <a:p>
+          <a:pPr marL="285750" lvl="1" indent="-285750" algn="l" defTabSz="1555750">
+            <a:lnSpc>
+              <a:spcPct val="90000"/>
+            </a:lnSpc>
+            <a:spcBef>
+              <a:spcPct val="0"/>
+            </a:spcBef>
+            <a:spcAft>
+              <a:spcPct val="15000"/>
+            </a:spcAft>
+            <a:buChar char="•"/>
+          </a:pPr>
+          <a:r>
+            <a:rPr lang="en-US" sz="3500" b="0" kern="1200" dirty="0"/>
+            <a:t>batch queries by country</a:t>
+          </a:r>
+        </a:p>
+        <a:p>
+          <a:pPr marL="285750" lvl="1" indent="-285750" algn="l" defTabSz="1555750">
+            <a:lnSpc>
+              <a:spcPct val="90000"/>
+            </a:lnSpc>
+            <a:spcBef>
+              <a:spcPct val="0"/>
+            </a:spcBef>
+            <a:spcAft>
+              <a:spcPct val="15000"/>
+            </a:spcAft>
+            <a:buChar char="•"/>
+          </a:pPr>
+          <a:r>
+            <a:rPr lang="en-US" sz="3500" kern="1200" dirty="0"/>
+            <a:t>“DRY” it up</a:t>
+          </a:r>
+        </a:p>
+        <a:p>
+          <a:pPr marL="285750" lvl="1" indent="-285750" algn="l" defTabSz="1555750">
+            <a:lnSpc>
+              <a:spcPct val="90000"/>
+            </a:lnSpc>
+            <a:spcBef>
+              <a:spcPct val="0"/>
+            </a:spcBef>
+            <a:spcAft>
+              <a:spcPct val="15000"/>
+            </a:spcAft>
+            <a:buChar char="•"/>
+          </a:pPr>
+          <a:r>
+            <a:rPr lang="en-US" sz="3500" kern="1200" dirty="0"/>
+            <a:t>Metrics for monitoring</a:t>
+          </a:r>
+        </a:p>
+      </dsp:txBody>
+      <dsp:txXfrm>
+        <a:off x="48" y="1073918"/>
+        <a:ext cx="4628926" cy="2401874"/>
+      </dsp:txXfrm>
+    </dsp:sp>
+    <dsp:sp modelId="{67E7F70F-58F3-4043-B6CC-DDEAA9E16969}">
+      <dsp:nvSpPr>
+        <dsp:cNvPr id="0" name=""/>
+        <dsp:cNvSpPr/>
+      </dsp:nvSpPr>
+      <dsp:spPr>
+        <a:xfrm>
+          <a:off x="5277024" y="65918"/>
+          <a:ext cx="4628926" cy="1008000"/>
+        </a:xfrm>
+        <a:prstGeom prst="rect">
+          <a:avLst/>
+        </a:prstGeom>
+        <a:solidFill>
+          <a:schemeClr val="accent1">
+            <a:hueOff val="0"/>
+            <a:satOff val="0"/>
+            <a:lumOff val="0"/>
+            <a:alphaOff val="0"/>
+          </a:schemeClr>
+        </a:solidFill>
+        <a:ln w="15875" cap="flat" cmpd="sng" algn="ctr">
+          <a:solidFill>
+            <a:schemeClr val="accent1">
+              <a:hueOff val="0"/>
+              <a:satOff val="0"/>
+              <a:lumOff val="0"/>
+              <a:alphaOff val="0"/>
+            </a:schemeClr>
+          </a:solidFill>
+          <a:prstDash val="solid"/>
+        </a:ln>
+        <a:effectLst/>
+      </dsp:spPr>
+      <dsp:style>
+        <a:lnRef idx="2">
+          <a:scrgbClr r="0" g="0" b="0"/>
+        </a:lnRef>
+        <a:fillRef idx="1">
+          <a:scrgbClr r="0" g="0" b="0"/>
+        </a:fillRef>
+        <a:effectRef idx="0">
+          <a:scrgbClr r="0" g="0" b="0"/>
+        </a:effectRef>
+        <a:fontRef idx="minor">
+          <a:schemeClr val="lt1"/>
+        </a:fontRef>
+      </dsp:style>
+      <dsp:txBody>
+        <a:bodyPr spcFirstLastPara="0" vert="horz" wrap="square" lIns="248920" tIns="142240" rIns="248920" bIns="142240" numCol="1" spcCol="1270" anchor="ctr" anchorCtr="0">
+          <a:noAutofit/>
+        </a:bodyPr>
+        <a:lstStyle/>
+        <a:p>
+          <a:pPr marL="0" lvl="0" indent="0" algn="ctr" defTabSz="1555750">
+            <a:lnSpc>
+              <a:spcPct val="90000"/>
+            </a:lnSpc>
+            <a:spcBef>
+              <a:spcPct val="0"/>
+            </a:spcBef>
+            <a:spcAft>
+              <a:spcPct val="35000"/>
+            </a:spcAft>
+            <a:buNone/>
+          </a:pPr>
+          <a:r>
+            <a:rPr lang="en-US" sz="3500" kern="1200" dirty="0"/>
+            <a:t>Query</a:t>
+          </a:r>
+        </a:p>
+      </dsp:txBody>
+      <dsp:txXfrm>
+        <a:off x="5277024" y="65918"/>
+        <a:ext cx="4628926" cy="1008000"/>
+      </dsp:txXfrm>
+    </dsp:sp>
+    <dsp:sp modelId="{3FA08CA1-1D00-2E41-86DE-A2EB935855C1}">
+      <dsp:nvSpPr>
+        <dsp:cNvPr id="0" name=""/>
+        <dsp:cNvSpPr/>
+      </dsp:nvSpPr>
+      <dsp:spPr>
+        <a:xfrm>
+          <a:off x="5277024" y="1073918"/>
+          <a:ext cx="4628926" cy="2401874"/>
+        </a:xfrm>
+        <a:prstGeom prst="rect">
+          <a:avLst/>
+        </a:prstGeom>
+        <a:solidFill>
+          <a:schemeClr val="accent1">
+            <a:alpha val="90000"/>
+            <a:tint val="40000"/>
+            <a:hueOff val="0"/>
+            <a:satOff val="0"/>
+            <a:lumOff val="0"/>
+            <a:alphaOff val="0"/>
+          </a:schemeClr>
+        </a:solidFill>
+        <a:ln w="15875" cap="flat" cmpd="sng" algn="ctr">
+          <a:solidFill>
+            <a:schemeClr val="accent1">
+              <a:alpha val="90000"/>
+              <a:tint val="40000"/>
+              <a:hueOff val="0"/>
+              <a:satOff val="0"/>
+              <a:lumOff val="0"/>
+              <a:alphaOff val="0"/>
+            </a:schemeClr>
+          </a:solidFill>
+          <a:prstDash val="solid"/>
+        </a:ln>
+        <a:effectLst/>
+      </dsp:spPr>
+      <dsp:style>
+        <a:lnRef idx="2">
+          <a:scrgbClr r="0" g="0" b="0"/>
+        </a:lnRef>
+        <a:fillRef idx="1">
+          <a:scrgbClr r="0" g="0" b="0"/>
+        </a:fillRef>
+        <a:effectRef idx="0">
+          <a:scrgbClr r="0" g="0" b="0"/>
+        </a:effectRef>
+        <a:fontRef idx="minor"/>
+      </dsp:style>
+      <dsp:txBody>
+        <a:bodyPr spcFirstLastPara="0" vert="horz" wrap="square" lIns="186690" tIns="186690" rIns="248920" bIns="280035" numCol="1" spcCol="1270" anchor="t" anchorCtr="0">
+          <a:noAutofit/>
+        </a:bodyPr>
+        <a:lstStyle/>
+        <a:p>
+          <a:pPr marL="285750" lvl="1" indent="-285750" algn="l" defTabSz="1555750">
+            <a:lnSpc>
+              <a:spcPct val="90000"/>
+            </a:lnSpc>
+            <a:spcBef>
+              <a:spcPct val="0"/>
+            </a:spcBef>
+            <a:spcAft>
+              <a:spcPct val="15000"/>
+            </a:spcAft>
+            <a:buChar char="•"/>
+          </a:pPr>
+          <a:r>
+            <a:rPr lang="en-US" sz="3500" kern="1200" dirty="0"/>
+            <a:t>raw tables over views</a:t>
+          </a:r>
+        </a:p>
+        <a:p>
+          <a:pPr marL="285750" lvl="1" indent="-285750" algn="l" defTabSz="1555750">
+            <a:lnSpc>
+              <a:spcPct val="90000"/>
+            </a:lnSpc>
+            <a:spcBef>
+              <a:spcPct val="0"/>
+            </a:spcBef>
+            <a:spcAft>
+              <a:spcPct val="15000"/>
+            </a:spcAft>
+            <a:buChar char="•"/>
+          </a:pPr>
+          <a:r>
+            <a:rPr lang="en-US" sz="3500" kern="1200" dirty="0"/>
+            <a:t>break CTE into key transient tables</a:t>
+          </a:r>
+        </a:p>
+      </dsp:txBody>
+      <dsp:txXfrm>
+        <a:off x="5277024" y="1073918"/>
+        <a:ext cx="4628926" cy="2401874"/>
       </dsp:txXfrm>
     </dsp:sp>
   </dsp:spTree>
@@ -6280,12 +6451,12 @@
 </file>
 
 <file path=ppt/diagrams/layout3.xml><?xml version="1.0" encoding="utf-8"?>
-<dgm:layoutDef xmlns:dgm="http://schemas.openxmlformats.org/drawingml/2006/diagram" xmlns:a="http://schemas.openxmlformats.org/drawingml/2006/main" uniqueId="urn:microsoft.com/office/officeart/2005/8/layout/vList2">
+<dgm:layoutDef xmlns:dgm="http://schemas.openxmlformats.org/drawingml/2006/diagram" xmlns:a="http://schemas.openxmlformats.org/drawingml/2006/main" uniqueId="urn:microsoft.com/office/officeart/2005/8/layout/hList1">
   <dgm:title val=""/>
   <dgm:desc val=""/>
   <dgm:catLst>
-    <dgm:cat type="list" pri="3000"/>
-    <dgm:cat type="convert" pri="1000"/>
+    <dgm:cat type="list" pri="5000"/>
+    <dgm:cat type="convert" pri="5000"/>
   </dgm:catLst>
   <dgm:sampData>
     <dgm:dataModel>
@@ -6297,18 +6468,38 @@
         <dgm:pt modelId="11">
           <dgm:prSet phldr="1"/>
         </dgm:pt>
+        <dgm:pt modelId="12">
+          <dgm:prSet phldr="1"/>
+        </dgm:pt>
         <dgm:pt modelId="2">
           <dgm:prSet phldr="1"/>
         </dgm:pt>
         <dgm:pt modelId="21">
           <dgm:prSet phldr="1"/>
         </dgm:pt>
+        <dgm:pt modelId="22">
+          <dgm:prSet phldr="1"/>
+        </dgm:pt>
+        <dgm:pt modelId="3">
+          <dgm:prSet phldr="1"/>
+        </dgm:pt>
+        <dgm:pt modelId="31">
+          <dgm:prSet phldr="1"/>
+        </dgm:pt>
+        <dgm:pt modelId="32">
+          <dgm:prSet phldr="1"/>
+        </dgm:pt>
       </dgm:ptLst>
       <dgm:cxnLst>
         <dgm:cxn modelId="4" srcId="0" destId="1" srcOrd="0" destOrd="0"/>
         <dgm:cxn modelId="5" srcId="0" destId="2" srcOrd="1" destOrd="0"/>
-        <dgm:cxn modelId="12" srcId="1" destId="11" srcOrd="0" destOrd="0"/>
+        <dgm:cxn modelId="6" srcId="0" destId="3" srcOrd="2" destOrd="0"/>
+        <dgm:cxn modelId="13" srcId="1" destId="11" srcOrd="0" destOrd="0"/>
+        <dgm:cxn modelId="14" srcId="1" destId="12" srcOrd="1" destOrd="0"/>
         <dgm:cxn modelId="23" srcId="2" destId="21" srcOrd="0" destOrd="0"/>
+        <dgm:cxn modelId="24" srcId="2" destId="22" srcOrd="1" destOrd="0"/>
+        <dgm:cxn modelId="33" srcId="3" destId="31" srcOrd="0" destOrd="0"/>
+        <dgm:cxn modelId="34" srcId="3" destId="32" srcOrd="1" destOrd="0"/>
       </dgm:cxnLst>
       <dgm:bg/>
       <dgm:whole/>
@@ -6318,8 +6509,12 @@
     <dgm:dataModel>
       <dgm:ptLst>
         <dgm:pt modelId="0" type="doc"/>
-        <dgm:pt modelId="1"/>
-        <dgm:pt modelId="2"/>
+        <dgm:pt modelId="1">
+          <dgm:prSet phldr="1"/>
+        </dgm:pt>
+        <dgm:pt modelId="2">
+          <dgm:prSet phldr="1"/>
+        </dgm:pt>
       </dgm:ptLst>
       <dgm:cxnLst>
         <dgm:cxn modelId="3" srcId="0" destId="1" srcOrd="0" destOrd="0"/>
@@ -6333,10 +6528,18 @@
     <dgm:dataModel>
       <dgm:ptLst>
         <dgm:pt modelId="0" type="doc"/>
-        <dgm:pt modelId="1"/>
-        <dgm:pt modelId="2"/>
-        <dgm:pt modelId="3"/>
-        <dgm:pt modelId="4"/>
+        <dgm:pt modelId="1">
+          <dgm:prSet phldr="1"/>
+        </dgm:pt>
+        <dgm:pt modelId="2">
+          <dgm:prSet phldr="1"/>
+        </dgm:pt>
+        <dgm:pt modelId="3">
+          <dgm:prSet phldr="1"/>
+        </dgm:pt>
+        <dgm:pt modelId="4">
+          <dgm:prSet phldr="1"/>
+        </dgm:pt>
       </dgm:ptLst>
       <dgm:cxnLst>
         <dgm:cxn modelId="5" srcId="0" destId="1" srcOrd="0" destOrd="0"/>
@@ -6348,99 +6551,117 @@
       <dgm:whole/>
     </dgm:dataModel>
   </dgm:clrData>
-  <dgm:layoutNode name="linear">
+  <dgm:layoutNode name="Name0">
     <dgm:varLst>
+      <dgm:dir/>
       <dgm:animLvl val="lvl"/>
       <dgm:resizeHandles val="exact"/>
     </dgm:varLst>
-    <dgm:alg type="lin">
-      <dgm:param type="linDir" val="fromT"/>
-      <dgm:param type="vertAlign" val="mid"/>
-    </dgm:alg>
+    <dgm:choose name="Name1">
+      <dgm:if name="Name2" func="var" arg="dir" op="equ" val="norm">
+        <dgm:alg type="lin"/>
+      </dgm:if>
+      <dgm:else name="Name3">
+        <dgm:alg type="lin">
+          <dgm:param type="linDir" val="fromR"/>
+        </dgm:alg>
+      </dgm:else>
+    </dgm:choose>
     <dgm:shape xmlns:r="http://schemas.openxmlformats.org/officeDocument/2006/relationships" r:blip="">
       <dgm:adjLst/>
     </dgm:shape>
     <dgm:presOf/>
     <dgm:constrLst>
-      <dgm:constr type="w" for="ch" forName="parentText" refType="w"/>
-      <dgm:constr type="h" for="ch" forName="parentText" refType="primFontSz" refFor="ch" refForName="parentText" fact="0.52"/>
-      <dgm:constr type="w" for="ch" forName="childText" refType="w"/>
-      <dgm:constr type="h" for="ch" forName="childText" refType="primFontSz" refFor="ch" refForName="parentText" fact="0.46"/>
-      <dgm:constr type="h" for="ch" forName="parentText" op="equ"/>
-      <dgm:constr type="primFontSz" for="ch" forName="parentText" op="equ" val="65"/>
-      <dgm:constr type="primFontSz" for="ch" forName="childText" refType="primFontSz" refFor="ch" refForName="parentText" op="equ"/>
-      <dgm:constr type="h" for="ch" forName="spacer" refType="primFontSz" refFor="ch" refForName="parentText" fact="0.08"/>
+      <dgm:constr type="h" for="ch" forName="composite" refType="h"/>
+      <dgm:constr type="w" for="ch" forName="composite" refType="w"/>
+      <dgm:constr type="w" for="des" forName="parTx"/>
+      <dgm:constr type="h" for="des" forName="parTx" op="equ"/>
+      <dgm:constr type="w" for="des" forName="desTx"/>
+      <dgm:constr type="h" for="des" forName="desTx" op="equ"/>
+      <dgm:constr type="primFontSz" for="des" forName="parTx" val="65"/>
+      <dgm:constr type="secFontSz" for="des" forName="desTx" refType="primFontSz" refFor="des" refForName="parTx" op="equ"/>
+      <dgm:constr type="h" for="des" forName="parTx" refType="primFontSz" refFor="des" refForName="parTx" fact="0.8"/>
+      <dgm:constr type="h" for="des" forName="desTx" refType="primFontSz" refFor="des" refForName="parTx" fact="1.22"/>
+      <dgm:constr type="w" for="ch" forName="space" refType="w" refFor="ch" refForName="composite" op="equ" fact="0.14"/>
     </dgm:constrLst>
     <dgm:ruleLst>
-      <dgm:rule type="primFontSz" for="ch" forName="parentText" val="5" fact="NaN" max="NaN"/>
+      <dgm:rule type="w" for="ch" forName="composite" val="0" fact="NaN" max="NaN"/>
+      <dgm:rule type="primFontSz" for="des" forName="parTx" val="5" fact="NaN" max="NaN"/>
     </dgm:ruleLst>
-    <dgm:forEach name="Name0" axis="ch" ptType="node">
-      <dgm:layoutNode name="parentText" styleLbl="node1">
-        <dgm:varLst>
-          <dgm:chMax val="0"/>
-          <dgm:bulletEnabled val="1"/>
-        </dgm:varLst>
-        <dgm:alg type="tx">
-          <dgm:param type="parTxLTRAlign" val="l"/>
-          <dgm:param type="parTxRTLAlign" val="r"/>
-        </dgm:alg>
-        <dgm:shape xmlns:r="http://schemas.openxmlformats.org/officeDocument/2006/relationships" type="roundRect" r:blip="">
+    <dgm:forEach name="Name4" axis="ch" ptType="node">
+      <dgm:layoutNode name="composite">
+        <dgm:alg type="composite"/>
+        <dgm:shape xmlns:r="http://schemas.openxmlformats.org/officeDocument/2006/relationships" r:blip="">
           <dgm:adjLst/>
         </dgm:shape>
-        <dgm:presOf axis="self"/>
+        <dgm:presOf/>
         <dgm:constrLst>
-          <dgm:constr type="tMarg" refType="primFontSz" fact="0.3"/>
-          <dgm:constr type="bMarg" refType="primFontSz" fact="0.3"/>
-          <dgm:constr type="lMarg" refType="primFontSz" fact="0.3"/>
-          <dgm:constr type="rMarg" refType="primFontSz" fact="0.3"/>
+          <dgm:constr type="l" for="ch" forName="parTx"/>
+          <dgm:constr type="w" for="ch" forName="parTx" refType="w"/>
+          <dgm:constr type="t" for="ch" forName="parTx"/>
+          <dgm:constr type="l" for="ch" forName="desTx"/>
+          <dgm:constr type="w" for="ch" forName="desTx" refType="w" refFor="ch" refForName="parTx"/>
+          <dgm:constr type="t" for="ch" forName="desTx" refType="h" refFor="ch" refForName="parTx"/>
         </dgm:constrLst>
         <dgm:ruleLst>
           <dgm:rule type="h" val="INF" fact="NaN" max="NaN"/>
         </dgm:ruleLst>
+        <dgm:layoutNode name="parTx" styleLbl="alignNode1">
+          <dgm:varLst>
+            <dgm:chMax val="0"/>
+            <dgm:chPref val="0"/>
+            <dgm:bulletEnabled val="1"/>
+          </dgm:varLst>
+          <dgm:alg type="tx"/>
+          <dgm:shape xmlns:r="http://schemas.openxmlformats.org/officeDocument/2006/relationships" type="rect" r:blip="">
+            <dgm:adjLst/>
+          </dgm:shape>
+          <dgm:presOf axis="self" ptType="node"/>
+          <dgm:constrLst>
+            <dgm:constr type="h" refType="w" op="lte" fact="0.4"/>
+            <dgm:constr type="h"/>
+            <dgm:constr type="tMarg" refType="primFontSz" fact="0.32"/>
+            <dgm:constr type="bMarg" refType="primFontSz" fact="0.32"/>
+          </dgm:constrLst>
+          <dgm:ruleLst>
+            <dgm:rule type="h" val="INF" fact="NaN" max="NaN"/>
+          </dgm:ruleLst>
+        </dgm:layoutNode>
+        <dgm:layoutNode name="desTx" styleLbl="alignAccFollowNode1">
+          <dgm:varLst>
+            <dgm:bulletEnabled val="1"/>
+          </dgm:varLst>
+          <dgm:alg type="tx">
+            <dgm:param type="stBulletLvl" val="1"/>
+          </dgm:alg>
+          <dgm:shape xmlns:r="http://schemas.openxmlformats.org/officeDocument/2006/relationships" type="rect" r:blip="">
+            <dgm:adjLst/>
+          </dgm:shape>
+          <dgm:presOf axis="des" ptType="node"/>
+          <dgm:constrLst>
+            <dgm:constr type="secFontSz" val="65"/>
+            <dgm:constr type="primFontSz" refType="secFontSz"/>
+            <dgm:constr type="h"/>
+            <dgm:constr type="lMarg" refType="primFontSz" fact="0.42"/>
+            <dgm:constr type="tMarg" refType="primFontSz" fact="0.42"/>
+            <dgm:constr type="bMarg" refType="primFontSz" fact="0.63"/>
+          </dgm:constrLst>
+          <dgm:ruleLst>
+            <dgm:rule type="h" val="INF" fact="NaN" max="NaN"/>
+          </dgm:ruleLst>
+        </dgm:layoutNode>
       </dgm:layoutNode>
-      <dgm:choose name="Name1">
-        <dgm:if name="Name2" axis="ch" ptType="node" func="cnt" op="gte" val="1">
-          <dgm:layoutNode name="childText" styleLbl="revTx">
-            <dgm:varLst>
-              <dgm:bulletEnabled val="1"/>
-            </dgm:varLst>
-            <dgm:alg type="tx">
-              <dgm:param type="stBulletLvl" val="1"/>
-              <dgm:param type="lnSpAfChP" val="20"/>
-            </dgm:alg>
-            <dgm:shape xmlns:r="http://schemas.openxmlformats.org/officeDocument/2006/relationships" type="rect" r:blip="">
-              <dgm:adjLst/>
-            </dgm:shape>
-            <dgm:presOf axis="des" ptType="node"/>
-            <dgm:constrLst>
-              <dgm:constr type="tMarg" refType="primFontSz" fact="0.1"/>
-              <dgm:constr type="bMarg" refType="primFontSz" fact="0.1"/>
-              <dgm:constr type="lMarg" refType="w" fact="0.09"/>
-            </dgm:constrLst>
-            <dgm:ruleLst>
-              <dgm:rule type="h" val="INF" fact="NaN" max="NaN"/>
-            </dgm:ruleLst>
-          </dgm:layoutNode>
-        </dgm:if>
-        <dgm:else name="Name3">
-          <dgm:choose name="Name4">
-            <dgm:if name="Name5" axis="par ch" ptType="doc node" func="cnt" op="gte" val="2">
-              <dgm:forEach name="Name6" axis="followSib" ptType="sibTrans" cnt="1">
-                <dgm:layoutNode name="spacer">
-                  <dgm:alg type="sp"/>
-                  <dgm:shape xmlns:r="http://schemas.openxmlformats.org/officeDocument/2006/relationships" r:blip="">
-                    <dgm:adjLst/>
-                  </dgm:shape>
-                  <dgm:presOf/>
-                  <dgm:constrLst/>
-                  <dgm:ruleLst/>
-                </dgm:layoutNode>
-              </dgm:forEach>
-            </dgm:if>
-            <dgm:else name="Name7"/>
-          </dgm:choose>
-        </dgm:else>
-      </dgm:choose>
+      <dgm:forEach name="Name5" axis="followSib" ptType="sibTrans" cnt="1">
+        <dgm:layoutNode name="space">
+          <dgm:alg type="sp"/>
+          <dgm:shape xmlns:r="http://schemas.openxmlformats.org/officeDocument/2006/relationships" r:blip="">
+            <dgm:adjLst/>
+          </dgm:shape>
+          <dgm:presOf/>
+          <dgm:constrLst/>
+          <dgm:ruleLst/>
+        </dgm:layoutNode>
+      </dgm:forEach>
     </dgm:forEach>
   </dgm:layoutNode>
 </dgm:layoutDef>
@@ -9630,7 +9851,7 @@
           <a:p>
             <a:fld id="{E39FC0D9-EB00-E540-91C2-7FDFFE8279B6}" type="datetimeFigureOut">
               <a:rPr lang="en-US" smtClean="0"/>
-              <a:t>1/3/22</a:t>
+              <a:t>1/6/22</a:t>
             </a:fld>
             <a:endParaRPr lang="en-US"/>
           </a:p>
@@ -9941,6 +10162,104 @@
           <a:bodyPr/>
           <a:lstStyle/>
           <a:p>
+            <a:r>
+              <a:rPr lang="en-US" sz="1200" b="0" i="0" kern="1200" dirty="0">
+                <a:solidFill>
+                  <a:schemeClr val="tx1"/>
+                </a:solidFill>
+                <a:effectLst/>
+                <a:latin typeface="+mn-lt"/>
+                <a:ea typeface="+mn-ea"/>
+                <a:cs typeface="+mn-cs"/>
+              </a:rPr>
+              <a:t>purpose of ”</a:t>
+            </a:r>
+            <a:r>
+              <a:rPr lang="en-US" sz="1200" b="0" i="0" kern="1200" dirty="0" err="1">
+                <a:solidFill>
+                  <a:schemeClr val="tx1"/>
+                </a:solidFill>
+                <a:effectLst/>
+                <a:latin typeface="+mn-lt"/>
+                <a:ea typeface="+mn-ea"/>
+                <a:cs typeface="+mn-cs"/>
+              </a:rPr>
+              <a:t>sql</a:t>
+            </a:r>
+            <a:r>
+              <a:rPr lang="en-US" sz="1200" b="0" i="0" kern="1200" dirty="0">
+                <a:solidFill>
+                  <a:schemeClr val="tx1"/>
+                </a:solidFill>
+                <a:effectLst/>
+                <a:latin typeface="+mn-lt"/>
+                <a:ea typeface="+mn-ea"/>
+                <a:cs typeface="+mn-cs"/>
+              </a:rPr>
+              <a:t> aggregation” query is to group queries that consume resources in "death by 1000 cuts" style.</a:t>
+            </a:r>
+          </a:p>
+          <a:p>
+            <a:r>
+              <a:rPr lang="en-US" sz="1200" b="0" i="0" kern="1200" dirty="0">
+                <a:solidFill>
+                  <a:schemeClr val="tx1"/>
+                </a:solidFill>
+                <a:effectLst/>
+                <a:latin typeface="+mn-lt"/>
+                <a:ea typeface="+mn-ea"/>
+                <a:cs typeface="+mn-cs"/>
+              </a:rPr>
+              <a:t>Authors: Manish Vyas and Greg </a:t>
+            </a:r>
+            <a:r>
+              <a:rPr lang="en-US" sz="1200" b="0" i="0" kern="1200" dirty="0" err="1">
+                <a:solidFill>
+                  <a:schemeClr val="tx1"/>
+                </a:solidFill>
+                <a:effectLst/>
+                <a:latin typeface="+mn-lt"/>
+                <a:ea typeface="+mn-ea"/>
+                <a:cs typeface="+mn-cs"/>
+              </a:rPr>
+              <a:t>Sitzman</a:t>
+            </a:r>
+            <a:r>
+              <a:rPr lang="en-US" sz="1200" b="0" i="0" kern="1200" dirty="0">
+                <a:solidFill>
+                  <a:schemeClr val="tx1"/>
+                </a:solidFill>
+                <a:effectLst/>
+                <a:latin typeface="+mn-lt"/>
+                <a:ea typeface="+mn-ea"/>
+                <a:cs typeface="+mn-cs"/>
+              </a:rPr>
+              <a:t>; Underlying ETL Operationalized by Hao Wang</a:t>
+            </a:r>
+          </a:p>
+          <a:p>
+            <a:br>
+              <a:rPr lang="en-US" sz="1200" b="0" i="0" kern="1200" dirty="0">
+                <a:solidFill>
+                  <a:schemeClr val="tx1"/>
+                </a:solidFill>
+                <a:effectLst/>
+                <a:latin typeface="+mn-lt"/>
+                <a:ea typeface="+mn-ea"/>
+                <a:cs typeface="+mn-cs"/>
+              </a:rPr>
+            </a:br>
+            <a:endParaRPr lang="en-US" sz="1200" b="0" i="0" kern="1200" dirty="0">
+              <a:solidFill>
+                <a:schemeClr val="tx1"/>
+              </a:solidFill>
+              <a:effectLst/>
+              <a:latin typeface="+mn-lt"/>
+              <a:ea typeface="+mn-ea"/>
+              <a:cs typeface="+mn-cs"/>
+            </a:endParaRPr>
+          </a:p>
+          <a:p>
             <a:endParaRPr lang="en-US" dirty="0"/>
           </a:p>
         </p:txBody>
@@ -10070,7 +10389,7 @@
           <a:p>
             <a:fld id="{E2F67285-D42E-EC4C-9B92-975EC0713C1B}" type="slidenum">
               <a:rPr lang="en-US" smtClean="0"/>
-              <a:t>5</a:t>
+              <a:t>4</a:t>
             </a:fld>
             <a:endParaRPr lang="en-US"/>
           </a:p>
@@ -10133,6 +10452,106 @@
           <a:bodyPr/>
           <a:lstStyle/>
           <a:p>
+            <a:r>
+              <a:rPr lang="en-US" dirty="0"/>
+              <a:t>Refactor the </a:t>
+            </a:r>
+            <a:r>
+              <a:rPr lang="en-US" dirty="0" err="1"/>
+              <a:t>sql</a:t>
+            </a:r>
+            <a:r>
+              <a:rPr lang="en-US" dirty="0"/>
+              <a:t> and </a:t>
+            </a:r>
+            <a:r>
+              <a:rPr lang="en-US" dirty="0" err="1"/>
+              <a:t>databricks</a:t>
+            </a:r>
+            <a:r>
+              <a:rPr lang="en-US" dirty="0"/>
+              <a:t> notebooks such that:</a:t>
+            </a:r>
+          </a:p>
+          <a:p>
+            <a:pPr lvl="1"/>
+            <a:r>
+              <a:rPr lang="en-US" dirty="0"/>
+              <a:t>The pipeline is run </a:t>
+            </a:r>
+            <a:r>
+              <a:rPr lang="en-US" u="sng" dirty="0"/>
+              <a:t>once per country</a:t>
+            </a:r>
+            <a:r>
+              <a:rPr lang="en-US" dirty="0"/>
+              <a:t> </a:t>
+            </a:r>
+            <a:r>
+              <a:rPr lang="en-US" b="1" dirty="0"/>
+              <a:t>(</a:t>
+            </a:r>
+            <a:r>
+              <a:rPr lang="en-US" dirty="0"/>
+              <a:t>instead of once per title) with all target titles that belong to it in a </a:t>
+            </a:r>
+            <a:r>
+              <a:rPr lang="en-US" b="1" dirty="0"/>
+              <a:t>single large</a:t>
+            </a:r>
+            <a:r>
+              <a:rPr lang="en-US" dirty="0"/>
+              <a:t> </a:t>
+            </a:r>
+            <a:r>
+              <a:rPr lang="en-US" b="1" dirty="0"/>
+              <a:t>batch.</a:t>
+            </a:r>
+            <a:endParaRPr lang="en-US" dirty="0"/>
+          </a:p>
+          <a:p>
+            <a:pPr lvl="1"/>
+            <a:r>
+              <a:rPr lang="en-US" dirty="0"/>
+              <a:t>Consolidate queries for different countries by using raw tables instead of views.</a:t>
+            </a:r>
+          </a:p>
+          <a:p>
+            <a:pPr lvl="1"/>
+            <a:r>
+              <a:rPr lang="en-US" dirty="0"/>
+              <a:t>Break the single CTE into multiple queries that save their results to transient tables at key points.</a:t>
+            </a:r>
+          </a:p>
+          <a:p>
+            <a:pPr lvl="1"/>
+            <a:r>
+              <a:rPr lang="en-US" dirty="0"/>
+              <a:t>Reduced code &amp; </a:t>
+            </a:r>
+            <a:r>
+              <a:rPr lang="en-US" dirty="0" err="1"/>
+              <a:t>sql</a:t>
+            </a:r>
+            <a:r>
+              <a:rPr lang="en-US" dirty="0"/>
+              <a:t> duplication for future maintainability</a:t>
+            </a:r>
+          </a:p>
+          <a:p>
+            <a:pPr lvl="1"/>
+            <a:r>
+              <a:rPr lang="en-US" dirty="0"/>
+              <a:t>Added some basic metrics for monitoring over time</a:t>
+            </a:r>
+          </a:p>
+          <a:p>
+            <a:r>
+              <a:rPr lang="en-US" dirty="0"/>
+              <a:t>The expectation is that it would eliminate duplicate queries and I/O in a significant way.</a:t>
+            </a:r>
+          </a:p>
+          <a:p>
             <a:endParaRPr lang="en-US" dirty="0"/>
           </a:p>
         </p:txBody>
@@ -10154,7 +10573,7 @@
           <a:p>
             <a:fld id="{E2F67285-D42E-EC4C-9B92-975EC0713C1B}" type="slidenum">
               <a:rPr lang="en-US" smtClean="0"/>
-              <a:t>8</a:t>
+              <a:t>5</a:t>
             </a:fld>
             <a:endParaRPr lang="en-US"/>
           </a:p>
@@ -10163,7 +10582,7 @@
     </p:spTree>
     <p:extLst>
       <p:ext uri="{BB962C8B-B14F-4D97-AF65-F5344CB8AC3E}">
-        <p14:creationId xmlns:p14="http://schemas.microsoft.com/office/powerpoint/2010/main" val="3682369810"/>
+        <p14:creationId xmlns:p14="http://schemas.microsoft.com/office/powerpoint/2010/main" val="993851748"/>
       </p:ext>
     </p:extLst>
   </p:cSld>
@@ -10238,7 +10657,7 @@
           <a:p>
             <a:fld id="{E2F67285-D42E-EC4C-9B92-975EC0713C1B}" type="slidenum">
               <a:rPr lang="en-US" smtClean="0"/>
-              <a:t>9</a:t>
+              <a:t>7</a:t>
             </a:fld>
             <a:endParaRPr lang="en-US"/>
           </a:p>
@@ -10247,197 +10666,7 @@
     </p:spTree>
     <p:extLst>
       <p:ext uri="{BB962C8B-B14F-4D97-AF65-F5344CB8AC3E}">
-        <p14:creationId xmlns:p14="http://schemas.microsoft.com/office/powerpoint/2010/main" val="1948058339"/>
-      </p:ext>
-    </p:extLst>
-  </p:cSld>
-  <p:clrMapOvr>
-    <a:masterClrMapping/>
-  </p:clrMapOvr>
-</p:notes>
-</file>
-
-<file path=ppt/notesSlides/notesSlide5.xml><?xml version="1.0" encoding="utf-8"?>
-<p:notes xmlns:a="http://schemas.openxmlformats.org/drawingml/2006/main" xmlns:r="http://schemas.openxmlformats.org/officeDocument/2006/relationships" xmlns:p="http://schemas.openxmlformats.org/presentationml/2006/main">
-  <p:cSld>
-    <p:spTree>
-      <p:nvGrpSpPr>
-        <p:cNvPr id="1" name=""/>
-        <p:cNvGrpSpPr/>
-        <p:nvPr/>
-      </p:nvGrpSpPr>
-      <p:grpSpPr>
-        <a:xfrm>
-          <a:off x="0" y="0"/>
-          <a:ext cx="0" cy="0"/>
-          <a:chOff x="0" y="0"/>
-          <a:chExt cx="0" cy="0"/>
-        </a:xfrm>
-      </p:grpSpPr>
-      <p:sp>
-        <p:nvSpPr>
-          <p:cNvPr id="2" name="Slide Image Placeholder 1"/>
-          <p:cNvSpPr>
-            <a:spLocks noGrp="1" noRot="1" noChangeAspect="1"/>
-          </p:cNvSpPr>
-          <p:nvPr>
-            <p:ph type="sldImg"/>
-          </p:nvPr>
-        </p:nvSpPr>
-        <p:spPr/>
-      </p:sp>
-      <p:sp>
-        <p:nvSpPr>
-          <p:cNvPr id="3" name="Notes Placeholder 2"/>
-          <p:cNvSpPr>
-            <a:spLocks noGrp="1"/>
-          </p:cNvSpPr>
-          <p:nvPr>
-            <p:ph type="body" idx="1"/>
-          </p:nvPr>
-        </p:nvSpPr>
-        <p:spPr/>
-        <p:txBody>
-          <a:bodyPr/>
-          <a:lstStyle/>
-          <a:p>
-            <a:r>
-              <a:rPr lang="en-US" dirty="0"/>
-              <a:t>The regex replaces individual values that may be different between each query run. This allows you to group </a:t>
-            </a:r>
-            <a:r>
-              <a:rPr lang="en-US" dirty="0" err="1"/>
-              <a:t>sql</a:t>
-            </a:r>
-            <a:r>
-              <a:rPr lang="en-US" dirty="0"/>
-              <a:t>  together when the parameters change but it’s the same underlying query.</a:t>
-            </a:r>
-          </a:p>
-        </p:txBody>
-      </p:sp>
-      <p:sp>
-        <p:nvSpPr>
-          <p:cNvPr id="4" name="Slide Number Placeholder 3"/>
-          <p:cNvSpPr>
-            <a:spLocks noGrp="1"/>
-          </p:cNvSpPr>
-          <p:nvPr>
-            <p:ph type="sldNum" sz="quarter" idx="5"/>
-          </p:nvPr>
-        </p:nvSpPr>
-        <p:spPr/>
-        <p:txBody>
-          <a:bodyPr/>
-          <a:lstStyle/>
-          <a:p>
-            <a:fld id="{E2F67285-D42E-EC4C-9B92-975EC0713C1B}" type="slidenum">
-              <a:rPr lang="en-US" smtClean="0"/>
-              <a:t>10</a:t>
-            </a:fld>
-            <a:endParaRPr lang="en-US"/>
-          </a:p>
-        </p:txBody>
-      </p:sp>
-    </p:spTree>
-    <p:extLst>
-      <p:ext uri="{BB962C8B-B14F-4D97-AF65-F5344CB8AC3E}">
-        <p14:creationId xmlns:p14="http://schemas.microsoft.com/office/powerpoint/2010/main" val="2319861433"/>
-      </p:ext>
-    </p:extLst>
-  </p:cSld>
-  <p:clrMapOvr>
-    <a:masterClrMapping/>
-  </p:clrMapOvr>
-</p:notes>
-</file>
-
-<file path=ppt/notesSlides/notesSlide6.xml><?xml version="1.0" encoding="utf-8"?>
-<p:notes xmlns:a="http://schemas.openxmlformats.org/drawingml/2006/main" xmlns:r="http://schemas.openxmlformats.org/officeDocument/2006/relationships" xmlns:p="http://schemas.openxmlformats.org/presentationml/2006/main">
-  <p:cSld>
-    <p:spTree>
-      <p:nvGrpSpPr>
-        <p:cNvPr id="1" name=""/>
-        <p:cNvGrpSpPr/>
-        <p:nvPr/>
-      </p:nvGrpSpPr>
-      <p:grpSpPr>
-        <a:xfrm>
-          <a:off x="0" y="0"/>
-          <a:ext cx="0" cy="0"/>
-          <a:chOff x="0" y="0"/>
-          <a:chExt cx="0" cy="0"/>
-        </a:xfrm>
-      </p:grpSpPr>
-      <p:sp>
-        <p:nvSpPr>
-          <p:cNvPr id="2" name="Slide Image Placeholder 1"/>
-          <p:cNvSpPr>
-            <a:spLocks noGrp="1" noRot="1" noChangeAspect="1"/>
-          </p:cNvSpPr>
-          <p:nvPr>
-            <p:ph type="sldImg"/>
-          </p:nvPr>
-        </p:nvSpPr>
-        <p:spPr/>
-      </p:sp>
-      <p:sp>
-        <p:nvSpPr>
-          <p:cNvPr id="3" name="Notes Placeholder 2"/>
-          <p:cNvSpPr>
-            <a:spLocks noGrp="1"/>
-          </p:cNvSpPr>
-          <p:nvPr>
-            <p:ph type="body" idx="1"/>
-          </p:nvPr>
-        </p:nvSpPr>
-        <p:spPr/>
-        <p:txBody>
-          <a:bodyPr/>
-          <a:lstStyle/>
-          <a:p>
-            <a:r>
-              <a:rPr lang="en-US" dirty="0"/>
-              <a:t>The regex replaces individual values that may be different between each query run. This allows you to group </a:t>
-            </a:r>
-            <a:r>
-              <a:rPr lang="en-US" dirty="0" err="1"/>
-              <a:t>sql</a:t>
-            </a:r>
-            <a:r>
-              <a:rPr lang="en-US" dirty="0"/>
-              <a:t>  together when the parameters change but it’s the same underlying query.</a:t>
-            </a:r>
-          </a:p>
-        </p:txBody>
-      </p:sp>
-      <p:sp>
-        <p:nvSpPr>
-          <p:cNvPr id="4" name="Slide Number Placeholder 3"/>
-          <p:cNvSpPr>
-            <a:spLocks noGrp="1"/>
-          </p:cNvSpPr>
-          <p:nvPr>
-            <p:ph type="sldNum" sz="quarter" idx="5"/>
-          </p:nvPr>
-        </p:nvSpPr>
-        <p:spPr/>
-        <p:txBody>
-          <a:bodyPr/>
-          <a:lstStyle/>
-          <a:p>
-            <a:fld id="{E2F67285-D42E-EC4C-9B92-975EC0713C1B}" type="slidenum">
-              <a:rPr lang="en-US" smtClean="0"/>
-              <a:t>11</a:t>
-            </a:fld>
-            <a:endParaRPr lang="en-US"/>
-          </a:p>
-        </p:txBody>
-      </p:sp>
-    </p:spTree>
-    <p:extLst>
-      <p:ext uri="{BB962C8B-B14F-4D97-AF65-F5344CB8AC3E}">
-        <p14:creationId xmlns:p14="http://schemas.microsoft.com/office/powerpoint/2010/main" val="3830496525"/>
+        <p14:creationId xmlns:p14="http://schemas.microsoft.com/office/powerpoint/2010/main" val="3682369810"/>
       </p:ext>
     </p:extLst>
   </p:cSld>
@@ -14723,7 +14952,7 @@
           <a:p>
             <a:fld id="{48A87A34-81AB-432B-8DAE-1953F412C126}" type="datetimeFigureOut">
               <a:rPr lang="en-US" dirty="0"/>
-              <a:t>1/3/22</a:t>
+              <a:t>1/6/22</a:t>
             </a:fld>
             <a:endParaRPr lang="en-US" dirty="0"/>
           </a:p>
@@ -14985,7 +15214,7 @@
           <a:p>
             <a:fld id="{48A87A34-81AB-432B-8DAE-1953F412C126}" type="datetimeFigureOut">
               <a:rPr lang="en-US" dirty="0"/>
-              <a:t>1/3/22</a:t>
+              <a:t>1/6/22</a:t>
             </a:fld>
             <a:endParaRPr lang="en-US" dirty="0"/>
           </a:p>
@@ -15176,7 +15405,7 @@
           <a:p>
             <a:fld id="{48A87A34-81AB-432B-8DAE-1953F412C126}" type="datetimeFigureOut">
               <a:rPr lang="en-US" dirty="0"/>
-              <a:t>1/3/22</a:t>
+              <a:t>1/6/22</a:t>
             </a:fld>
             <a:endParaRPr lang="en-US" dirty="0"/>
           </a:p>
@@ -15434,7 +15663,7 @@
           <a:p>
             <a:fld id="{48A87A34-81AB-432B-8DAE-1953F412C126}" type="datetimeFigureOut">
               <a:rPr lang="en-US" dirty="0"/>
-              <a:t>1/3/22</a:t>
+              <a:t>1/6/22</a:t>
             </a:fld>
             <a:endParaRPr lang="en-US" dirty="0"/>
           </a:p>
@@ -15863,7 +16092,7 @@
           <a:p>
             <a:fld id="{48A87A34-81AB-432B-8DAE-1953F412C126}" type="datetimeFigureOut">
               <a:rPr lang="en-US" dirty="0"/>
-              <a:t>1/3/22</a:t>
+              <a:t>1/6/22</a:t>
             </a:fld>
             <a:endParaRPr lang="en-US" dirty="0"/>
           </a:p>
@@ -16404,7 +16633,7 @@
           <a:p>
             <a:fld id="{48A87A34-81AB-432B-8DAE-1953F412C126}" type="datetimeFigureOut">
               <a:rPr lang="en-US" dirty="0"/>
-              <a:t>1/3/22</a:t>
+              <a:t>1/6/22</a:t>
             </a:fld>
             <a:endParaRPr lang="en-US" dirty="0"/>
           </a:p>
@@ -17119,7 +17348,7 @@
           <a:p>
             <a:fld id="{48A87A34-81AB-432B-8DAE-1953F412C126}" type="datetimeFigureOut">
               <a:rPr lang="en-US" dirty="0"/>
-              <a:t>1/3/22</a:t>
+              <a:t>1/6/22</a:t>
             </a:fld>
             <a:endParaRPr lang="en-US" dirty="0"/>
           </a:p>
@@ -17284,7 +17513,7 @@
           <a:p>
             <a:fld id="{48A87A34-81AB-432B-8DAE-1953F412C126}" type="datetimeFigureOut">
               <a:rPr lang="en-US" dirty="0"/>
-              <a:t>1/3/22</a:t>
+              <a:t>1/6/22</a:t>
             </a:fld>
             <a:endParaRPr lang="en-US" dirty="0"/>
           </a:p>
@@ -17459,7 +17688,7 @@
           <a:p>
             <a:fld id="{48A87A34-81AB-432B-8DAE-1953F412C126}" type="datetimeFigureOut">
               <a:rPr lang="en-US" dirty="0"/>
-              <a:t>1/3/22</a:t>
+              <a:t>1/6/22</a:t>
             </a:fld>
             <a:endParaRPr lang="en-US" dirty="0"/>
           </a:p>
@@ -17624,7 +17853,7 @@
           <a:p>
             <a:fld id="{48A87A34-81AB-432B-8DAE-1953F412C126}" type="datetimeFigureOut">
               <a:rPr lang="en-US" dirty="0"/>
-              <a:t>1/3/22</a:t>
+              <a:t>1/6/22</a:t>
             </a:fld>
             <a:endParaRPr lang="en-US" dirty="0"/>
           </a:p>
@@ -17869,7 +18098,7 @@
           <a:p>
             <a:fld id="{48A87A34-81AB-432B-8DAE-1953F412C126}" type="datetimeFigureOut">
               <a:rPr lang="en-US" dirty="0"/>
-              <a:t>1/3/22</a:t>
+              <a:t>1/6/22</a:t>
             </a:fld>
             <a:endParaRPr lang="en-US" dirty="0"/>
           </a:p>
@@ -18096,7 +18325,7 @@
           <a:p>
             <a:fld id="{48A87A34-81AB-432B-8DAE-1953F412C126}" type="datetimeFigureOut">
               <a:rPr lang="en-US" dirty="0"/>
-              <a:t>1/3/22</a:t>
+              <a:t>1/6/22</a:t>
             </a:fld>
             <a:endParaRPr lang="en-US" dirty="0"/>
           </a:p>
@@ -18472,7 +18701,7 @@
           <a:p>
             <a:fld id="{48A87A34-81AB-432B-8DAE-1953F412C126}" type="datetimeFigureOut">
               <a:rPr lang="en-US" dirty="0"/>
-              <a:t>1/3/22</a:t>
+              <a:t>1/6/22</a:t>
             </a:fld>
             <a:endParaRPr lang="en-US" dirty="0"/>
           </a:p>
@@ -18585,7 +18814,7 @@
           <a:p>
             <a:fld id="{48A87A34-81AB-432B-8DAE-1953F412C126}" type="datetimeFigureOut">
               <a:rPr lang="en-US" dirty="0"/>
-              <a:t>1/3/22</a:t>
+              <a:t>1/6/22</a:t>
             </a:fld>
             <a:endParaRPr lang="en-US" dirty="0"/>
           </a:p>
@@ -18675,7 +18904,7 @@
           <a:p>
             <a:fld id="{48A87A34-81AB-432B-8DAE-1953F412C126}" type="datetimeFigureOut">
               <a:rPr lang="en-US" dirty="0"/>
-              <a:t>1/3/22</a:t>
+              <a:t>1/6/22</a:t>
             </a:fld>
             <a:endParaRPr lang="en-US" dirty="0"/>
           </a:p>
@@ -18919,7 +19148,7 @@
           <a:p>
             <a:fld id="{48A87A34-81AB-432B-8DAE-1953F412C126}" type="datetimeFigureOut">
               <a:rPr lang="en-US" dirty="0"/>
-              <a:t>1/3/22</a:t>
+              <a:t>1/6/22</a:t>
             </a:fld>
             <a:endParaRPr lang="en-US" dirty="0"/>
           </a:p>
@@ -19194,7 +19423,7 @@
           <a:p>
             <a:fld id="{48A87A34-81AB-432B-8DAE-1953F412C126}" type="datetimeFigureOut">
               <a:rPr lang="en-US" dirty="0"/>
-              <a:t>1/3/22</a:t>
+              <a:t>1/6/22</a:t>
             </a:fld>
             <a:endParaRPr lang="en-US" dirty="0"/>
           </a:p>
@@ -22267,7 +22496,7 @@
             <a:fld id="{48A87A34-81AB-432B-8DAE-1953F412C126}" type="datetimeFigureOut">
               <a:rPr lang="en-US" dirty="0"/>
               <a:pPr/>
-              <a:t>1/3/22</a:t>
+              <a:t>1/6/22</a:t>
             </a:fld>
             <a:endParaRPr lang="en-US" dirty="0"/>
           </a:p>
@@ -22758,3883 +22987,6 @@
 </p:sld>
 </file>
 
-<file path=ppt/slides/slide10.xml><?xml version="1.0" encoding="utf-8"?>
-<p:sld xmlns:a="http://schemas.openxmlformats.org/drawingml/2006/main" xmlns:r="http://schemas.openxmlformats.org/officeDocument/2006/relationships" xmlns:p="http://schemas.openxmlformats.org/presentationml/2006/main">
-  <p:cSld>
-    <p:spTree>
-      <p:nvGrpSpPr>
-        <p:cNvPr id="1" name=""/>
-        <p:cNvGrpSpPr/>
-        <p:nvPr/>
-      </p:nvGrpSpPr>
-      <p:grpSpPr>
-        <a:xfrm>
-          <a:off x="0" y="0"/>
-          <a:ext cx="0" cy="0"/>
-          <a:chOff x="0" y="0"/>
-          <a:chExt cx="0" cy="0"/>
-        </a:xfrm>
-      </p:grpSpPr>
-      <p:sp>
-        <p:nvSpPr>
-          <p:cNvPr id="2" name="Title 1">
-            <a:extLst>
-              <a:ext uri="{FF2B5EF4-FFF2-40B4-BE49-F238E27FC236}">
-                <a16:creationId xmlns:a16="http://schemas.microsoft.com/office/drawing/2014/main" id="{13F27D30-8F77-9F49-AB61-42B73E18820F}"/>
-              </a:ext>
-            </a:extLst>
-          </p:cNvPr>
-          <p:cNvSpPr>
-            <a:spLocks noGrp="1"/>
-          </p:cNvSpPr>
-          <p:nvPr>
-            <p:ph type="title"/>
-          </p:nvPr>
-        </p:nvSpPr>
-        <p:spPr>
-          <a:xfrm>
-            <a:off x="1143001" y="282852"/>
-            <a:ext cx="9905998" cy="585249"/>
-          </a:xfrm>
-        </p:spPr>
-        <p:txBody>
-          <a:bodyPr/>
-          <a:lstStyle/>
-          <a:p>
-            <a:r>
-              <a:rPr lang="en-US" dirty="0"/>
-              <a:t>SQL to identify issues</a:t>
-            </a:r>
-          </a:p>
-        </p:txBody>
-      </p:sp>
-      <p:sp>
-        <p:nvSpPr>
-          <p:cNvPr id="3" name="TextBox 2">
-            <a:extLst>
-              <a:ext uri="{FF2B5EF4-FFF2-40B4-BE49-F238E27FC236}">
-                <a16:creationId xmlns:a16="http://schemas.microsoft.com/office/drawing/2014/main" id="{5FC335FC-D352-1441-AE9F-FEEFADA34A33}"/>
-              </a:ext>
-            </a:extLst>
-          </p:cNvPr>
-          <p:cNvSpPr txBox="1"/>
-          <p:nvPr/>
-        </p:nvSpPr>
-        <p:spPr>
-          <a:xfrm>
-            <a:off x="949124" y="1088020"/>
-            <a:ext cx="10579261" cy="10556736"/>
-          </a:xfrm>
-          <a:prstGeom prst="rect">
-            <a:avLst/>
-          </a:prstGeom>
-          <a:noFill/>
-        </p:spPr>
-        <p:txBody>
-          <a:bodyPr wrap="square" rtlCol="0">
-            <a:spAutoFit/>
-          </a:bodyPr>
-          <a:lstStyle/>
-          <a:p>
-            <a:r>
-              <a:rPr lang="en-US" sz="1000" dirty="0">
-                <a:latin typeface="Arial" panose="020B0604020202020204" pitchFamily="34" charset="0"/>
-                <a:cs typeface="Arial" panose="020B0604020202020204" pitchFamily="34" charset="0"/>
-              </a:rPr>
-              <a:t>-- How to run:</a:t>
-            </a:r>
-          </a:p>
-          <a:p>
-            <a:r>
-              <a:rPr lang="en-US" sz="1000" dirty="0">
-                <a:latin typeface="Arial" panose="020B0604020202020204" pitchFamily="34" charset="0"/>
-                <a:cs typeface="Arial" panose="020B0604020202020204" pitchFamily="34" charset="0"/>
-              </a:rPr>
-              <a:t>--  Role: DS_BASIC</a:t>
-            </a:r>
-          </a:p>
-          <a:p>
-            <a:r>
-              <a:rPr lang="en-US" sz="1000" dirty="0">
-                <a:latin typeface="Arial" panose="020B0604020202020204" pitchFamily="34" charset="0"/>
-                <a:cs typeface="Arial" panose="020B0604020202020204" pitchFamily="34" charset="0"/>
-              </a:rPr>
-              <a:t>--  Warehouse: DS_REGULAR</a:t>
-            </a:r>
-          </a:p>
-          <a:p>
-            <a:r>
-              <a:rPr lang="en-US" sz="1000" dirty="0">
-                <a:latin typeface="Arial" panose="020B0604020202020204" pitchFamily="34" charset="0"/>
-                <a:cs typeface="Arial" panose="020B0604020202020204" pitchFamily="34" charset="0"/>
-              </a:rPr>
-              <a:t>--  Database: CHARGEBACKS</a:t>
-            </a:r>
-          </a:p>
-          <a:p>
-            <a:r>
-              <a:rPr lang="en-US" sz="1000" dirty="0">
-                <a:latin typeface="Arial" panose="020B0604020202020204" pitchFamily="34" charset="0"/>
-                <a:cs typeface="Arial" panose="020B0604020202020204" pitchFamily="34" charset="0"/>
-              </a:rPr>
-              <a:t>--  Schema: INTEGRATION</a:t>
-            </a:r>
-          </a:p>
-          <a:p>
-            <a:endParaRPr lang="en-US" sz="1000" dirty="0">
-              <a:latin typeface="Arial" panose="020B0604020202020204" pitchFamily="34" charset="0"/>
-              <a:cs typeface="Arial" panose="020B0604020202020204" pitchFamily="34" charset="0"/>
-            </a:endParaRPr>
-          </a:p>
-          <a:p>
-            <a:r>
-              <a:rPr lang="en-US" sz="1000" dirty="0">
-                <a:latin typeface="Arial" panose="020B0604020202020204" pitchFamily="34" charset="0"/>
-                <a:cs typeface="Arial" panose="020B0604020202020204" pitchFamily="34" charset="0"/>
-              </a:rPr>
-              <a:t>-- aggregate job credits at role and user level</a:t>
-            </a:r>
-          </a:p>
-          <a:p>
-            <a:endParaRPr lang="en-US" sz="1000" dirty="0">
-              <a:latin typeface="Arial" panose="020B0604020202020204" pitchFamily="34" charset="0"/>
-              <a:cs typeface="Arial" panose="020B0604020202020204" pitchFamily="34" charset="0"/>
-            </a:endParaRPr>
-          </a:p>
-          <a:p>
-            <a:r>
-              <a:rPr lang="en-US" sz="1000" dirty="0">
-                <a:latin typeface="Arial" panose="020B0604020202020204" pitchFamily="34" charset="0"/>
-                <a:cs typeface="Arial" panose="020B0604020202020204" pitchFamily="34" charset="0"/>
-              </a:rPr>
-              <a:t>-- inclusive of start date, exclusive of end date</a:t>
-            </a:r>
-          </a:p>
-          <a:p>
-            <a:r>
-              <a:rPr lang="en-US" sz="1000" dirty="0">
-                <a:latin typeface="Arial" panose="020B0604020202020204" pitchFamily="34" charset="0"/>
-                <a:cs typeface="Arial" panose="020B0604020202020204" pitchFamily="34" charset="0"/>
-              </a:rPr>
-              <a:t>set </a:t>
-            </a:r>
-            <a:r>
-              <a:rPr lang="en-US" sz="1000" dirty="0" err="1">
-                <a:latin typeface="Arial" panose="020B0604020202020204" pitchFamily="34" charset="0"/>
-                <a:cs typeface="Arial" panose="020B0604020202020204" pitchFamily="34" charset="0"/>
-              </a:rPr>
-              <a:t>l_start_dt</a:t>
-            </a:r>
-            <a:r>
-              <a:rPr lang="en-US" sz="1000" dirty="0">
-                <a:latin typeface="Arial" panose="020B0604020202020204" pitchFamily="34" charset="0"/>
-                <a:cs typeface="Arial" panose="020B0604020202020204" pitchFamily="34" charset="0"/>
-              </a:rPr>
-              <a:t> = </a:t>
-            </a:r>
-            <a:r>
-              <a:rPr lang="en-US" sz="1000" dirty="0" err="1">
-                <a:latin typeface="Arial" panose="020B0604020202020204" pitchFamily="34" charset="0"/>
-                <a:cs typeface="Arial" panose="020B0604020202020204" pitchFamily="34" charset="0"/>
-              </a:rPr>
-              <a:t>to_timestamp</a:t>
-            </a:r>
-            <a:r>
-              <a:rPr lang="en-US" sz="1000" dirty="0">
-                <a:latin typeface="Arial" panose="020B0604020202020204" pitchFamily="34" charset="0"/>
-                <a:cs typeface="Arial" panose="020B0604020202020204" pitchFamily="34" charset="0"/>
-              </a:rPr>
-              <a:t>( '10/01/2021', 'mm/dd/</a:t>
-            </a:r>
-            <a:r>
-              <a:rPr lang="en-US" sz="1000" dirty="0" err="1">
-                <a:latin typeface="Arial" panose="020B0604020202020204" pitchFamily="34" charset="0"/>
-                <a:cs typeface="Arial" panose="020B0604020202020204" pitchFamily="34" charset="0"/>
-              </a:rPr>
-              <a:t>yyyy</a:t>
-            </a:r>
-            <a:r>
-              <a:rPr lang="en-US" sz="1000" dirty="0">
-                <a:latin typeface="Arial" panose="020B0604020202020204" pitchFamily="34" charset="0"/>
-                <a:cs typeface="Arial" panose="020B0604020202020204" pitchFamily="34" charset="0"/>
-              </a:rPr>
-              <a:t>' );</a:t>
-            </a:r>
-          </a:p>
-          <a:p>
-            <a:r>
-              <a:rPr lang="en-US" sz="1000" dirty="0">
-                <a:latin typeface="Arial" panose="020B0604020202020204" pitchFamily="34" charset="0"/>
-                <a:cs typeface="Arial" panose="020B0604020202020204" pitchFamily="34" charset="0"/>
-              </a:rPr>
-              <a:t>set </a:t>
-            </a:r>
-            <a:r>
-              <a:rPr lang="en-US" sz="1000" dirty="0" err="1">
-                <a:latin typeface="Arial" panose="020B0604020202020204" pitchFamily="34" charset="0"/>
-                <a:cs typeface="Arial" panose="020B0604020202020204" pitchFamily="34" charset="0"/>
-              </a:rPr>
-              <a:t>l_end_dt</a:t>
-            </a:r>
-            <a:r>
-              <a:rPr lang="en-US" sz="1000" dirty="0">
-                <a:latin typeface="Arial" panose="020B0604020202020204" pitchFamily="34" charset="0"/>
-                <a:cs typeface="Arial" panose="020B0604020202020204" pitchFamily="34" charset="0"/>
-              </a:rPr>
-              <a:t>   = </a:t>
-            </a:r>
-            <a:r>
-              <a:rPr lang="en-US" sz="1000" dirty="0" err="1">
-                <a:latin typeface="Arial" panose="020B0604020202020204" pitchFamily="34" charset="0"/>
-                <a:cs typeface="Arial" panose="020B0604020202020204" pitchFamily="34" charset="0"/>
-              </a:rPr>
-              <a:t>to_timestamp</a:t>
-            </a:r>
-            <a:r>
-              <a:rPr lang="en-US" sz="1000" dirty="0">
-                <a:latin typeface="Arial" panose="020B0604020202020204" pitchFamily="34" charset="0"/>
-                <a:cs typeface="Arial" panose="020B0604020202020204" pitchFamily="34" charset="0"/>
-              </a:rPr>
-              <a:t>( '11/01/2021', 'mm/dd/</a:t>
-            </a:r>
-            <a:r>
-              <a:rPr lang="en-US" sz="1000" dirty="0" err="1">
-                <a:latin typeface="Arial" panose="020B0604020202020204" pitchFamily="34" charset="0"/>
-                <a:cs typeface="Arial" panose="020B0604020202020204" pitchFamily="34" charset="0"/>
-              </a:rPr>
-              <a:t>yyyy</a:t>
-            </a:r>
-            <a:r>
-              <a:rPr lang="en-US" sz="1000" dirty="0">
-                <a:latin typeface="Arial" panose="020B0604020202020204" pitchFamily="34" charset="0"/>
-                <a:cs typeface="Arial" panose="020B0604020202020204" pitchFamily="34" charset="0"/>
-              </a:rPr>
-              <a:t>' );</a:t>
-            </a:r>
-          </a:p>
-          <a:p>
-            <a:r>
-              <a:rPr lang="en-US" sz="1000" dirty="0">
-                <a:latin typeface="Arial" panose="020B0604020202020204" pitchFamily="34" charset="0"/>
-                <a:cs typeface="Arial" panose="020B0604020202020204" pitchFamily="34" charset="0"/>
-              </a:rPr>
-              <a:t>-- aggregate job credits at role and user level</a:t>
-            </a:r>
-          </a:p>
-          <a:p>
-            <a:r>
-              <a:rPr lang="en-US" sz="1000" dirty="0">
-                <a:latin typeface="Arial" panose="020B0604020202020204" pitchFamily="34" charset="0"/>
-                <a:cs typeface="Arial" panose="020B0604020202020204" pitchFamily="34" charset="0"/>
-              </a:rPr>
-              <a:t>with </a:t>
-            </a:r>
-            <a:r>
-              <a:rPr lang="en-US" sz="1000" dirty="0" err="1">
-                <a:latin typeface="Arial" panose="020B0604020202020204" pitchFamily="34" charset="0"/>
-                <a:cs typeface="Arial" panose="020B0604020202020204" pitchFamily="34" charset="0"/>
-              </a:rPr>
-              <a:t>l_job_cost</a:t>
-            </a:r>
-            <a:r>
-              <a:rPr lang="en-US" sz="1000" dirty="0">
-                <a:latin typeface="Arial" panose="020B0604020202020204" pitchFamily="34" charset="0"/>
-                <a:cs typeface="Arial" panose="020B0604020202020204" pitchFamily="34" charset="0"/>
-              </a:rPr>
-              <a:t> as</a:t>
-            </a:r>
-          </a:p>
-          <a:p>
-            <a:r>
-              <a:rPr lang="en-US" sz="1000" dirty="0">
-                <a:latin typeface="Arial" panose="020B0604020202020204" pitchFamily="34" charset="0"/>
-                <a:cs typeface="Arial" panose="020B0604020202020204" pitchFamily="34" charset="0"/>
-              </a:rPr>
-              <a:t>(</a:t>
-            </a:r>
-          </a:p>
-          <a:p>
-            <a:r>
-              <a:rPr lang="en-US" sz="1000" dirty="0">
-                <a:latin typeface="Arial" panose="020B0604020202020204" pitchFamily="34" charset="0"/>
-                <a:cs typeface="Arial" panose="020B0604020202020204" pitchFamily="34" charset="0"/>
-              </a:rPr>
-              <a:t>    -- reconsolidate into 1 row per query id</a:t>
-            </a:r>
-          </a:p>
-          <a:p>
-            <a:r>
-              <a:rPr lang="en-US" sz="1000" dirty="0">
-                <a:latin typeface="Arial" panose="020B0604020202020204" pitchFamily="34" charset="0"/>
-                <a:cs typeface="Arial" panose="020B0604020202020204" pitchFamily="34" charset="0"/>
-              </a:rPr>
-              <a:t>    select</a:t>
-            </a:r>
-          </a:p>
-          <a:p>
-            <a:r>
-              <a:rPr lang="en-US" sz="1000" dirty="0">
-                <a:latin typeface="Arial" panose="020B0604020202020204" pitchFamily="34" charset="0"/>
-                <a:cs typeface="Arial" panose="020B0604020202020204" pitchFamily="34" charset="0"/>
-              </a:rPr>
-              <a:t>         </a:t>
-            </a:r>
-            <a:r>
-              <a:rPr lang="en-US" sz="1000" dirty="0" err="1">
-                <a:latin typeface="Arial" panose="020B0604020202020204" pitchFamily="34" charset="0"/>
-                <a:cs typeface="Arial" panose="020B0604020202020204" pitchFamily="34" charset="0"/>
-              </a:rPr>
-              <a:t>dw_query_history_shk</a:t>
-            </a:r>
-            <a:endParaRPr lang="en-US" sz="1000" dirty="0">
-              <a:latin typeface="Arial" panose="020B0604020202020204" pitchFamily="34" charset="0"/>
-              <a:cs typeface="Arial" panose="020B0604020202020204" pitchFamily="34" charset="0"/>
-            </a:endParaRPr>
-          </a:p>
-          <a:p>
-            <a:r>
-              <a:rPr lang="en-US" sz="1000" dirty="0">
-                <a:latin typeface="Arial" panose="020B0604020202020204" pitchFamily="34" charset="0"/>
-                <a:cs typeface="Arial" panose="020B0604020202020204" pitchFamily="34" charset="0"/>
-              </a:rPr>
-              <a:t>        ,</a:t>
-            </a:r>
-            <a:r>
-              <a:rPr lang="en-US" sz="1000" dirty="0" err="1">
-                <a:latin typeface="Arial" panose="020B0604020202020204" pitchFamily="34" charset="0"/>
-                <a:cs typeface="Arial" panose="020B0604020202020204" pitchFamily="34" charset="0"/>
-              </a:rPr>
-              <a:t>start_time</a:t>
-            </a:r>
-            <a:endParaRPr lang="en-US" sz="1000" dirty="0">
-              <a:latin typeface="Arial" panose="020B0604020202020204" pitchFamily="34" charset="0"/>
-              <a:cs typeface="Arial" panose="020B0604020202020204" pitchFamily="34" charset="0"/>
-            </a:endParaRPr>
-          </a:p>
-          <a:p>
-            <a:r>
-              <a:rPr lang="en-US" sz="1000" dirty="0">
-                <a:latin typeface="Arial" panose="020B0604020202020204" pitchFamily="34" charset="0"/>
-                <a:cs typeface="Arial" panose="020B0604020202020204" pitchFamily="34" charset="0"/>
-              </a:rPr>
-              <a:t>        ,sum( </a:t>
-            </a:r>
-            <a:r>
-              <a:rPr lang="en-US" sz="1000" dirty="0" err="1">
-                <a:latin typeface="Arial" panose="020B0604020202020204" pitchFamily="34" charset="0"/>
-                <a:cs typeface="Arial" panose="020B0604020202020204" pitchFamily="34" charset="0"/>
-              </a:rPr>
-              <a:t>job_credits_used_compute</a:t>
-            </a:r>
-            <a:r>
-              <a:rPr lang="en-US" sz="1000" dirty="0">
-                <a:latin typeface="Arial" panose="020B0604020202020204" pitchFamily="34" charset="0"/>
-                <a:cs typeface="Arial" panose="020B0604020202020204" pitchFamily="34" charset="0"/>
-              </a:rPr>
-              <a:t> )    as </a:t>
-            </a:r>
-            <a:r>
-              <a:rPr lang="en-US" sz="1000" dirty="0" err="1">
-                <a:latin typeface="Arial" panose="020B0604020202020204" pitchFamily="34" charset="0"/>
-                <a:cs typeface="Arial" panose="020B0604020202020204" pitchFamily="34" charset="0"/>
-              </a:rPr>
-              <a:t>job_credits_used_compute</a:t>
-            </a:r>
-            <a:endParaRPr lang="en-US" sz="1000" dirty="0">
-              <a:latin typeface="Arial" panose="020B0604020202020204" pitchFamily="34" charset="0"/>
-              <a:cs typeface="Arial" panose="020B0604020202020204" pitchFamily="34" charset="0"/>
-            </a:endParaRPr>
-          </a:p>
-          <a:p>
-            <a:r>
-              <a:rPr lang="en-US" sz="1000" dirty="0">
-                <a:latin typeface="Arial" panose="020B0604020202020204" pitchFamily="34" charset="0"/>
-                <a:cs typeface="Arial" panose="020B0604020202020204" pitchFamily="34" charset="0"/>
-              </a:rPr>
-              <a:t>    from</a:t>
-            </a:r>
-          </a:p>
-          <a:p>
-            <a:r>
-              <a:rPr lang="en-US" sz="1000" dirty="0">
-                <a:latin typeface="Arial" panose="020B0604020202020204" pitchFamily="34" charset="0"/>
-                <a:cs typeface="Arial" panose="020B0604020202020204" pitchFamily="34" charset="0"/>
-              </a:rPr>
-              <a:t>        </a:t>
-            </a:r>
-            <a:r>
-              <a:rPr lang="en-US" sz="1000" dirty="0" err="1">
-                <a:latin typeface="Arial" panose="020B0604020202020204" pitchFamily="34" charset="0"/>
-                <a:cs typeface="Arial" panose="020B0604020202020204" pitchFamily="34" charset="0"/>
-              </a:rPr>
-              <a:t>chargebacks.integration.cb_job_credits_s</a:t>
-            </a:r>
-            <a:endParaRPr lang="en-US" sz="1000" dirty="0">
-              <a:latin typeface="Arial" panose="020B0604020202020204" pitchFamily="34" charset="0"/>
-              <a:cs typeface="Arial" panose="020B0604020202020204" pitchFamily="34" charset="0"/>
-            </a:endParaRPr>
-          </a:p>
-          <a:p>
-            <a:r>
-              <a:rPr lang="en-US" sz="1000" dirty="0">
-                <a:latin typeface="Arial" panose="020B0604020202020204" pitchFamily="34" charset="0"/>
-                <a:cs typeface="Arial" panose="020B0604020202020204" pitchFamily="34" charset="0"/>
-              </a:rPr>
-              <a:t>    where</a:t>
-            </a:r>
-          </a:p>
-          <a:p>
-            <a:r>
-              <a:rPr lang="en-US" sz="1000" dirty="0">
-                <a:latin typeface="Arial" panose="020B0604020202020204" pitchFamily="34" charset="0"/>
-                <a:cs typeface="Arial" panose="020B0604020202020204" pitchFamily="34" charset="0"/>
-              </a:rPr>
-              <a:t>            </a:t>
-            </a:r>
-            <a:r>
-              <a:rPr lang="en-US" sz="1000" dirty="0" err="1">
-                <a:latin typeface="Arial" panose="020B0604020202020204" pitchFamily="34" charset="0"/>
-                <a:cs typeface="Arial" panose="020B0604020202020204" pitchFamily="34" charset="0"/>
-              </a:rPr>
-              <a:t>start_time</a:t>
-            </a:r>
-            <a:r>
-              <a:rPr lang="en-US" sz="1000" dirty="0">
-                <a:latin typeface="Arial" panose="020B0604020202020204" pitchFamily="34" charset="0"/>
-                <a:cs typeface="Arial" panose="020B0604020202020204" pitchFamily="34" charset="0"/>
-              </a:rPr>
-              <a:t> &gt;= $</a:t>
-            </a:r>
-            <a:r>
-              <a:rPr lang="en-US" sz="1000" dirty="0" err="1">
-                <a:latin typeface="Arial" panose="020B0604020202020204" pitchFamily="34" charset="0"/>
-                <a:cs typeface="Arial" panose="020B0604020202020204" pitchFamily="34" charset="0"/>
-              </a:rPr>
-              <a:t>l_start_dt</a:t>
-            </a:r>
-            <a:endParaRPr lang="en-US" sz="1000" dirty="0">
-              <a:latin typeface="Arial" panose="020B0604020202020204" pitchFamily="34" charset="0"/>
-              <a:cs typeface="Arial" panose="020B0604020202020204" pitchFamily="34" charset="0"/>
-            </a:endParaRPr>
-          </a:p>
-          <a:p>
-            <a:r>
-              <a:rPr lang="en-US" sz="1000" dirty="0">
-                <a:latin typeface="Arial" panose="020B0604020202020204" pitchFamily="34" charset="0"/>
-                <a:cs typeface="Arial" panose="020B0604020202020204" pitchFamily="34" charset="0"/>
-              </a:rPr>
-              <a:t>        and </a:t>
-            </a:r>
-            <a:r>
-              <a:rPr lang="en-US" sz="1000" dirty="0" err="1">
-                <a:latin typeface="Arial" panose="020B0604020202020204" pitchFamily="34" charset="0"/>
-                <a:cs typeface="Arial" panose="020B0604020202020204" pitchFamily="34" charset="0"/>
-              </a:rPr>
-              <a:t>start_time</a:t>
-            </a:r>
-            <a:r>
-              <a:rPr lang="en-US" sz="1000" dirty="0">
-                <a:latin typeface="Arial" panose="020B0604020202020204" pitchFamily="34" charset="0"/>
-                <a:cs typeface="Arial" panose="020B0604020202020204" pitchFamily="34" charset="0"/>
-              </a:rPr>
-              <a:t>  &lt; $</a:t>
-            </a:r>
-            <a:r>
-              <a:rPr lang="en-US" sz="1000" dirty="0" err="1">
-                <a:latin typeface="Arial" panose="020B0604020202020204" pitchFamily="34" charset="0"/>
-                <a:cs typeface="Arial" panose="020B0604020202020204" pitchFamily="34" charset="0"/>
-              </a:rPr>
-              <a:t>l_end_dt</a:t>
-            </a:r>
-            <a:endParaRPr lang="en-US" sz="1000" dirty="0">
-              <a:latin typeface="Arial" panose="020B0604020202020204" pitchFamily="34" charset="0"/>
-              <a:cs typeface="Arial" panose="020B0604020202020204" pitchFamily="34" charset="0"/>
-            </a:endParaRPr>
-          </a:p>
-          <a:p>
-            <a:r>
-              <a:rPr lang="en-US" sz="1000" dirty="0">
-                <a:latin typeface="Arial" panose="020B0604020202020204" pitchFamily="34" charset="0"/>
-                <a:cs typeface="Arial" panose="020B0604020202020204" pitchFamily="34" charset="0"/>
-              </a:rPr>
-              <a:t>    group by</a:t>
-            </a:r>
-          </a:p>
-          <a:p>
-            <a:r>
-              <a:rPr lang="en-US" sz="1000" dirty="0">
-                <a:latin typeface="Arial" panose="020B0604020202020204" pitchFamily="34" charset="0"/>
-                <a:cs typeface="Arial" panose="020B0604020202020204" pitchFamily="34" charset="0"/>
-              </a:rPr>
-              <a:t>        1,2</a:t>
-            </a:r>
-          </a:p>
-          <a:p>
-            <a:r>
-              <a:rPr lang="en-US" sz="1000" dirty="0">
-                <a:latin typeface="Arial" panose="020B0604020202020204" pitchFamily="34" charset="0"/>
-                <a:cs typeface="Arial" panose="020B0604020202020204" pitchFamily="34" charset="0"/>
-              </a:rPr>
-              <a:t>)</a:t>
-            </a:r>
-          </a:p>
-          <a:p>
-            <a:r>
-              <a:rPr lang="en-US" sz="1000" dirty="0">
-                <a:latin typeface="Arial" panose="020B0604020202020204" pitchFamily="34" charset="0"/>
-                <a:cs typeface="Arial" panose="020B0604020202020204" pitchFamily="34" charset="0"/>
-              </a:rPr>
-              <a:t>select</a:t>
-            </a:r>
-          </a:p>
-          <a:p>
-            <a:r>
-              <a:rPr lang="en-US" sz="1000" dirty="0">
-                <a:latin typeface="Arial" panose="020B0604020202020204" pitchFamily="34" charset="0"/>
-                <a:cs typeface="Arial" panose="020B0604020202020204" pitchFamily="34" charset="0"/>
-              </a:rPr>
-              <a:t>     top 200</a:t>
-            </a:r>
-          </a:p>
-          <a:p>
-            <a:r>
-              <a:rPr lang="en-US" sz="1000" dirty="0">
-                <a:latin typeface="Arial" panose="020B0604020202020204" pitchFamily="34" charset="0"/>
-                <a:cs typeface="Arial" panose="020B0604020202020204" pitchFamily="34" charset="0"/>
-              </a:rPr>
-              <a:t>     </a:t>
-            </a:r>
-            <a:r>
-              <a:rPr lang="en-US" sz="1000" dirty="0" err="1">
-                <a:latin typeface="Arial" panose="020B0604020202020204" pitchFamily="34" charset="0"/>
-                <a:cs typeface="Arial" panose="020B0604020202020204" pitchFamily="34" charset="0"/>
-              </a:rPr>
-              <a:t>qh.account_name</a:t>
-            </a:r>
-            <a:endParaRPr lang="en-US" sz="1000" dirty="0">
-              <a:latin typeface="Arial" panose="020B0604020202020204" pitchFamily="34" charset="0"/>
-              <a:cs typeface="Arial" panose="020B0604020202020204" pitchFamily="34" charset="0"/>
-            </a:endParaRPr>
-          </a:p>
-          <a:p>
-            <a:r>
-              <a:rPr lang="en-US" sz="1000" dirty="0">
-                <a:latin typeface="Arial" panose="020B0604020202020204" pitchFamily="34" charset="0"/>
-                <a:cs typeface="Arial" panose="020B0604020202020204" pitchFamily="34" charset="0"/>
-              </a:rPr>
-              <a:t>    ,</a:t>
-            </a:r>
-            <a:r>
-              <a:rPr lang="en-US" sz="1000" dirty="0" err="1">
-                <a:latin typeface="Arial" panose="020B0604020202020204" pitchFamily="34" charset="0"/>
-                <a:cs typeface="Arial" panose="020B0604020202020204" pitchFamily="34" charset="0"/>
-              </a:rPr>
-              <a:t>regexp_replace</a:t>
-            </a:r>
-            <a:r>
-              <a:rPr lang="en-US" sz="1000" dirty="0">
-                <a:latin typeface="Arial" panose="020B0604020202020204" pitchFamily="34" charset="0"/>
-                <a:cs typeface="Arial" panose="020B0604020202020204" pitchFamily="34" charset="0"/>
-              </a:rPr>
-              <a:t>( </a:t>
-            </a:r>
-            <a:r>
-              <a:rPr lang="en-US" sz="1000" dirty="0" err="1">
-                <a:latin typeface="Arial" panose="020B0604020202020204" pitchFamily="34" charset="0"/>
-                <a:cs typeface="Arial" panose="020B0604020202020204" pitchFamily="34" charset="0"/>
-              </a:rPr>
-              <a:t>qh.query_text</a:t>
-            </a:r>
-            <a:r>
-              <a:rPr lang="en-US" sz="1000" dirty="0">
-                <a:latin typeface="Arial" panose="020B0604020202020204" pitchFamily="34" charset="0"/>
-                <a:cs typeface="Arial" panose="020B0604020202020204" pitchFamily="34" charset="0"/>
-              </a:rPr>
-              <a:t>, '''[^'']*''|[0-9]+|{[^{}]+}', '&lt;value&gt;', 1, 0, '</a:t>
-            </a:r>
-            <a:r>
-              <a:rPr lang="en-US" sz="1000" dirty="0" err="1">
-                <a:latin typeface="Arial" panose="020B0604020202020204" pitchFamily="34" charset="0"/>
-                <a:cs typeface="Arial" panose="020B0604020202020204" pitchFamily="34" charset="0"/>
-              </a:rPr>
-              <a:t>ims</a:t>
-            </a:r>
-            <a:r>
-              <a:rPr lang="en-US" sz="1000" dirty="0">
-                <a:latin typeface="Arial" panose="020B0604020202020204" pitchFamily="34" charset="0"/>
-                <a:cs typeface="Arial" panose="020B0604020202020204" pitchFamily="34" charset="0"/>
-              </a:rPr>
-              <a:t>' ) as </a:t>
-            </a:r>
-            <a:r>
-              <a:rPr lang="en-US" sz="1000" dirty="0" err="1">
-                <a:latin typeface="Arial" panose="020B0604020202020204" pitchFamily="34" charset="0"/>
-                <a:cs typeface="Arial" panose="020B0604020202020204" pitchFamily="34" charset="0"/>
-              </a:rPr>
-              <a:t>adj_query_text</a:t>
-            </a:r>
-            <a:endParaRPr lang="en-US" sz="1000" dirty="0">
-              <a:latin typeface="Arial" panose="020B0604020202020204" pitchFamily="34" charset="0"/>
-              <a:cs typeface="Arial" panose="020B0604020202020204" pitchFamily="34" charset="0"/>
-            </a:endParaRPr>
-          </a:p>
-          <a:p>
-            <a:r>
-              <a:rPr lang="en-US" sz="1000" dirty="0">
-                <a:latin typeface="Arial" panose="020B0604020202020204" pitchFamily="34" charset="0"/>
-                <a:cs typeface="Arial" panose="020B0604020202020204" pitchFamily="34" charset="0"/>
-              </a:rPr>
-              <a:t>    ,</a:t>
-            </a:r>
-            <a:r>
-              <a:rPr lang="en-US" sz="1000" dirty="0" err="1">
-                <a:latin typeface="Arial" panose="020B0604020202020204" pitchFamily="34" charset="0"/>
-                <a:cs typeface="Arial" panose="020B0604020202020204" pitchFamily="34" charset="0"/>
-              </a:rPr>
-              <a:t>qh.user_name</a:t>
-            </a:r>
-            <a:endParaRPr lang="en-US" sz="1000" dirty="0">
-              <a:latin typeface="Arial" panose="020B0604020202020204" pitchFamily="34" charset="0"/>
-              <a:cs typeface="Arial" panose="020B0604020202020204" pitchFamily="34" charset="0"/>
-            </a:endParaRPr>
-          </a:p>
-          <a:p>
-            <a:r>
-              <a:rPr lang="en-US" sz="1000" dirty="0">
-                <a:latin typeface="Arial" panose="020B0604020202020204" pitchFamily="34" charset="0"/>
-                <a:cs typeface="Arial" panose="020B0604020202020204" pitchFamily="34" charset="0"/>
-              </a:rPr>
-              <a:t>    ,</a:t>
-            </a:r>
-            <a:r>
-              <a:rPr lang="en-US" sz="1000" dirty="0" err="1">
-                <a:latin typeface="Arial" panose="020B0604020202020204" pitchFamily="34" charset="0"/>
-                <a:cs typeface="Arial" panose="020B0604020202020204" pitchFamily="34" charset="0"/>
-              </a:rPr>
-              <a:t>qh.role_name</a:t>
-            </a:r>
-            <a:endParaRPr lang="en-US" sz="1000" dirty="0">
-              <a:latin typeface="Arial" panose="020B0604020202020204" pitchFamily="34" charset="0"/>
-              <a:cs typeface="Arial" panose="020B0604020202020204" pitchFamily="34" charset="0"/>
-            </a:endParaRPr>
-          </a:p>
-          <a:p>
-            <a:r>
-              <a:rPr lang="en-US" sz="1000" dirty="0">
-                <a:latin typeface="Arial" panose="020B0604020202020204" pitchFamily="34" charset="0"/>
-                <a:cs typeface="Arial" panose="020B0604020202020204" pitchFamily="34" charset="0"/>
-              </a:rPr>
-              <a:t>    ,</a:t>
-            </a:r>
-            <a:r>
-              <a:rPr lang="en-US" sz="1000" dirty="0" err="1">
-                <a:latin typeface="Arial" panose="020B0604020202020204" pitchFamily="34" charset="0"/>
-                <a:cs typeface="Arial" panose="020B0604020202020204" pitchFamily="34" charset="0"/>
-              </a:rPr>
-              <a:t>qh.warehouse_name</a:t>
-            </a:r>
-            <a:endParaRPr lang="en-US" sz="1000" dirty="0">
-              <a:latin typeface="Arial" panose="020B0604020202020204" pitchFamily="34" charset="0"/>
-              <a:cs typeface="Arial" panose="020B0604020202020204" pitchFamily="34" charset="0"/>
-            </a:endParaRPr>
-          </a:p>
-          <a:p>
-            <a:r>
-              <a:rPr lang="en-US" sz="1000" dirty="0">
-                <a:latin typeface="Arial" panose="020B0604020202020204" pitchFamily="34" charset="0"/>
-                <a:cs typeface="Arial" panose="020B0604020202020204" pitchFamily="34" charset="0"/>
-              </a:rPr>
-              <a:t>    ,</a:t>
-            </a:r>
-            <a:r>
-              <a:rPr lang="en-US" sz="1000" dirty="0" err="1">
-                <a:latin typeface="Arial" panose="020B0604020202020204" pitchFamily="34" charset="0"/>
-                <a:cs typeface="Arial" panose="020B0604020202020204" pitchFamily="34" charset="0"/>
-              </a:rPr>
-              <a:t>any_value</a:t>
-            </a:r>
-            <a:r>
-              <a:rPr lang="en-US" sz="1000" dirty="0">
-                <a:latin typeface="Arial" panose="020B0604020202020204" pitchFamily="34" charset="0"/>
-                <a:cs typeface="Arial" panose="020B0604020202020204" pitchFamily="34" charset="0"/>
-              </a:rPr>
-              <a:t>( </a:t>
-            </a:r>
-            <a:r>
-              <a:rPr lang="en-US" sz="1000" dirty="0" err="1">
-                <a:latin typeface="Arial" panose="020B0604020202020204" pitchFamily="34" charset="0"/>
-                <a:cs typeface="Arial" panose="020B0604020202020204" pitchFamily="34" charset="0"/>
-              </a:rPr>
-              <a:t>object_construct</a:t>
-            </a:r>
-            <a:r>
-              <a:rPr lang="en-US" sz="1000" dirty="0">
-                <a:latin typeface="Arial" panose="020B0604020202020204" pitchFamily="34" charset="0"/>
-                <a:cs typeface="Arial" panose="020B0604020202020204" pitchFamily="34" charset="0"/>
-              </a:rPr>
-              <a:t>(     '</a:t>
-            </a:r>
-            <a:r>
-              <a:rPr lang="en-US" sz="1000" dirty="0" err="1">
-                <a:latin typeface="Arial" panose="020B0604020202020204" pitchFamily="34" charset="0"/>
-                <a:cs typeface="Arial" panose="020B0604020202020204" pitchFamily="34" charset="0"/>
-              </a:rPr>
-              <a:t>query_id</a:t>
-            </a:r>
-            <a:r>
-              <a:rPr lang="en-US" sz="1000" dirty="0">
-                <a:latin typeface="Arial" panose="020B0604020202020204" pitchFamily="34" charset="0"/>
-                <a:cs typeface="Arial" panose="020B0604020202020204" pitchFamily="34" charset="0"/>
-              </a:rPr>
-              <a:t>',                       </a:t>
-            </a:r>
-            <a:r>
-              <a:rPr lang="en-US" sz="1000" dirty="0" err="1">
-                <a:latin typeface="Arial" panose="020B0604020202020204" pitchFamily="34" charset="0"/>
-                <a:cs typeface="Arial" panose="020B0604020202020204" pitchFamily="34" charset="0"/>
-              </a:rPr>
-              <a:t>qh.query_id</a:t>
-            </a:r>
-            <a:endParaRPr lang="en-US" sz="1000" dirty="0">
-              <a:latin typeface="Arial" panose="020B0604020202020204" pitchFamily="34" charset="0"/>
-              <a:cs typeface="Arial" panose="020B0604020202020204" pitchFamily="34" charset="0"/>
-            </a:endParaRPr>
-          </a:p>
-          <a:p>
-            <a:r>
-              <a:rPr lang="en-US" sz="1000" dirty="0">
-                <a:latin typeface="Arial" panose="020B0604020202020204" pitchFamily="34" charset="0"/>
-                <a:cs typeface="Arial" panose="020B0604020202020204" pitchFamily="34" charset="0"/>
-              </a:rPr>
-              <a:t>                                     ,'</a:t>
-            </a:r>
-            <a:r>
-              <a:rPr lang="en-US" sz="1000" dirty="0" err="1">
-                <a:latin typeface="Arial" panose="020B0604020202020204" pitchFamily="34" charset="0"/>
-                <a:cs typeface="Arial" panose="020B0604020202020204" pitchFamily="34" charset="0"/>
-              </a:rPr>
-              <a:t>query_text</a:t>
-            </a:r>
-            <a:r>
-              <a:rPr lang="en-US" sz="1000" dirty="0">
-                <a:latin typeface="Arial" panose="020B0604020202020204" pitchFamily="34" charset="0"/>
-                <a:cs typeface="Arial" panose="020B0604020202020204" pitchFamily="34" charset="0"/>
-              </a:rPr>
-              <a:t>',                     </a:t>
-            </a:r>
-            <a:r>
-              <a:rPr lang="en-US" sz="1000" dirty="0" err="1">
-                <a:latin typeface="Arial" panose="020B0604020202020204" pitchFamily="34" charset="0"/>
-                <a:cs typeface="Arial" panose="020B0604020202020204" pitchFamily="34" charset="0"/>
-              </a:rPr>
-              <a:t>qh.query_text</a:t>
-            </a:r>
-            <a:endParaRPr lang="en-US" sz="1000" dirty="0">
-              <a:latin typeface="Arial" panose="020B0604020202020204" pitchFamily="34" charset="0"/>
-              <a:cs typeface="Arial" panose="020B0604020202020204" pitchFamily="34" charset="0"/>
-            </a:endParaRPr>
-          </a:p>
-          <a:p>
-            <a:r>
-              <a:rPr lang="en-US" sz="1000" dirty="0">
-                <a:latin typeface="Arial" panose="020B0604020202020204" pitchFamily="34" charset="0"/>
-                <a:cs typeface="Arial" panose="020B0604020202020204" pitchFamily="34" charset="0"/>
-              </a:rPr>
-              <a:t>                                     ,'</a:t>
-            </a:r>
-            <a:r>
-              <a:rPr lang="en-US" sz="1000" dirty="0" err="1">
-                <a:latin typeface="Arial" panose="020B0604020202020204" pitchFamily="34" charset="0"/>
-                <a:cs typeface="Arial" panose="020B0604020202020204" pitchFamily="34" charset="0"/>
-              </a:rPr>
-              <a:t>query_tag</a:t>
-            </a:r>
-            <a:r>
-              <a:rPr lang="en-US" sz="1000" dirty="0">
-                <a:latin typeface="Arial" panose="020B0604020202020204" pitchFamily="34" charset="0"/>
-                <a:cs typeface="Arial" panose="020B0604020202020204" pitchFamily="34" charset="0"/>
-              </a:rPr>
-              <a:t>',                      </a:t>
-            </a:r>
-            <a:r>
-              <a:rPr lang="en-US" sz="1000" dirty="0" err="1">
-                <a:latin typeface="Arial" panose="020B0604020202020204" pitchFamily="34" charset="0"/>
-                <a:cs typeface="Arial" panose="020B0604020202020204" pitchFamily="34" charset="0"/>
-              </a:rPr>
-              <a:t>qh.query_tag</a:t>
-            </a:r>
-            <a:endParaRPr lang="en-US" sz="1000" dirty="0">
-              <a:latin typeface="Arial" panose="020B0604020202020204" pitchFamily="34" charset="0"/>
-              <a:cs typeface="Arial" panose="020B0604020202020204" pitchFamily="34" charset="0"/>
-            </a:endParaRPr>
-          </a:p>
-          <a:p>
-            <a:r>
-              <a:rPr lang="en-US" sz="1000" dirty="0">
-                <a:latin typeface="Arial" panose="020B0604020202020204" pitchFamily="34" charset="0"/>
-                <a:cs typeface="Arial" panose="020B0604020202020204" pitchFamily="34" charset="0"/>
-              </a:rPr>
-              <a:t>                                     ,'</a:t>
-            </a:r>
-            <a:r>
-              <a:rPr lang="en-US" sz="1000" dirty="0" err="1">
-                <a:latin typeface="Arial" panose="020B0604020202020204" pitchFamily="34" charset="0"/>
-                <a:cs typeface="Arial" panose="020B0604020202020204" pitchFamily="34" charset="0"/>
-              </a:rPr>
-              <a:t>warehouse_name</a:t>
-            </a:r>
-            <a:r>
-              <a:rPr lang="en-US" sz="1000" dirty="0">
-                <a:latin typeface="Arial" panose="020B0604020202020204" pitchFamily="34" charset="0"/>
-                <a:cs typeface="Arial" panose="020B0604020202020204" pitchFamily="34" charset="0"/>
-              </a:rPr>
-              <a:t>',                 </a:t>
-            </a:r>
-            <a:r>
-              <a:rPr lang="en-US" sz="1000" dirty="0" err="1">
-                <a:latin typeface="Arial" panose="020B0604020202020204" pitchFamily="34" charset="0"/>
-                <a:cs typeface="Arial" panose="020B0604020202020204" pitchFamily="34" charset="0"/>
-              </a:rPr>
-              <a:t>qh.warehouse_name</a:t>
-            </a:r>
-            <a:endParaRPr lang="en-US" sz="1000" dirty="0">
-              <a:latin typeface="Arial" panose="020B0604020202020204" pitchFamily="34" charset="0"/>
-              <a:cs typeface="Arial" panose="020B0604020202020204" pitchFamily="34" charset="0"/>
-            </a:endParaRPr>
-          </a:p>
-          <a:p>
-            <a:r>
-              <a:rPr lang="en-US" sz="1000" dirty="0">
-                <a:latin typeface="Arial" panose="020B0604020202020204" pitchFamily="34" charset="0"/>
-                <a:cs typeface="Arial" panose="020B0604020202020204" pitchFamily="34" charset="0"/>
-              </a:rPr>
-              <a:t>                                     ,'</a:t>
-            </a:r>
-            <a:r>
-              <a:rPr lang="en-US" sz="1000" dirty="0" err="1">
-                <a:latin typeface="Arial" panose="020B0604020202020204" pitchFamily="34" charset="0"/>
-                <a:cs typeface="Arial" panose="020B0604020202020204" pitchFamily="34" charset="0"/>
-              </a:rPr>
-              <a:t>start_time</a:t>
-            </a:r>
-            <a:r>
-              <a:rPr lang="en-US" sz="1000" dirty="0">
-                <a:latin typeface="Arial" panose="020B0604020202020204" pitchFamily="34" charset="0"/>
-                <a:cs typeface="Arial" panose="020B0604020202020204" pitchFamily="34" charset="0"/>
-              </a:rPr>
-              <a:t>',                     </a:t>
-            </a:r>
-            <a:r>
-              <a:rPr lang="en-US" sz="1000" dirty="0" err="1">
-                <a:latin typeface="Arial" panose="020B0604020202020204" pitchFamily="34" charset="0"/>
-                <a:cs typeface="Arial" panose="020B0604020202020204" pitchFamily="34" charset="0"/>
-              </a:rPr>
-              <a:t>qh.start_time</a:t>
-            </a:r>
-            <a:endParaRPr lang="en-US" sz="1000" dirty="0">
-              <a:latin typeface="Arial" panose="020B0604020202020204" pitchFamily="34" charset="0"/>
-              <a:cs typeface="Arial" panose="020B0604020202020204" pitchFamily="34" charset="0"/>
-            </a:endParaRPr>
-          </a:p>
-          <a:p>
-            <a:r>
-              <a:rPr lang="en-US" sz="1000" dirty="0">
-                <a:latin typeface="Arial" panose="020B0604020202020204" pitchFamily="34" charset="0"/>
-                <a:cs typeface="Arial" panose="020B0604020202020204" pitchFamily="34" charset="0"/>
-              </a:rPr>
-              <a:t>                                     ,'</a:t>
-            </a:r>
-            <a:r>
-              <a:rPr lang="en-US" sz="1000" dirty="0" err="1">
-                <a:latin typeface="Arial" panose="020B0604020202020204" pitchFamily="34" charset="0"/>
-                <a:cs typeface="Arial" panose="020B0604020202020204" pitchFamily="34" charset="0"/>
-              </a:rPr>
-              <a:t>end_time</a:t>
-            </a:r>
-            <a:r>
-              <a:rPr lang="en-US" sz="1000" dirty="0">
-                <a:latin typeface="Arial" panose="020B0604020202020204" pitchFamily="34" charset="0"/>
-                <a:cs typeface="Arial" panose="020B0604020202020204" pitchFamily="34" charset="0"/>
-              </a:rPr>
-              <a:t>',                       </a:t>
-            </a:r>
-            <a:r>
-              <a:rPr lang="en-US" sz="1000" dirty="0" err="1">
-                <a:latin typeface="Arial" panose="020B0604020202020204" pitchFamily="34" charset="0"/>
-                <a:cs typeface="Arial" panose="020B0604020202020204" pitchFamily="34" charset="0"/>
-              </a:rPr>
-              <a:t>qh.end_time</a:t>
-            </a:r>
-            <a:endParaRPr lang="en-US" sz="1000" dirty="0">
-              <a:latin typeface="Arial" panose="020B0604020202020204" pitchFamily="34" charset="0"/>
-              <a:cs typeface="Arial" panose="020B0604020202020204" pitchFamily="34" charset="0"/>
-            </a:endParaRPr>
-          </a:p>
-          <a:p>
-            <a:r>
-              <a:rPr lang="en-US" sz="1000" dirty="0">
-                <a:latin typeface="Arial" panose="020B0604020202020204" pitchFamily="34" charset="0"/>
-                <a:cs typeface="Arial" panose="020B0604020202020204" pitchFamily="34" charset="0"/>
-              </a:rPr>
-              <a:t>                                     ,'</a:t>
-            </a:r>
-            <a:r>
-              <a:rPr lang="en-US" sz="1000" dirty="0" err="1">
-                <a:latin typeface="Arial" panose="020B0604020202020204" pitchFamily="34" charset="0"/>
-                <a:cs typeface="Arial" panose="020B0604020202020204" pitchFamily="34" charset="0"/>
-              </a:rPr>
-              <a:t>credits_used</a:t>
-            </a:r>
-            <a:r>
-              <a:rPr lang="en-US" sz="1000" dirty="0">
-                <a:latin typeface="Arial" panose="020B0604020202020204" pitchFamily="34" charset="0"/>
-                <a:cs typeface="Arial" panose="020B0604020202020204" pitchFamily="34" charset="0"/>
-              </a:rPr>
-              <a:t>',                   </a:t>
-            </a:r>
-            <a:r>
-              <a:rPr lang="en-US" sz="1000" dirty="0" err="1">
-                <a:latin typeface="Arial" panose="020B0604020202020204" pitchFamily="34" charset="0"/>
-                <a:cs typeface="Arial" panose="020B0604020202020204" pitchFamily="34" charset="0"/>
-              </a:rPr>
-              <a:t>cjcs.job_credits_used_compute</a:t>
-            </a:r>
-            <a:endParaRPr lang="en-US" sz="1000" dirty="0">
-              <a:latin typeface="Arial" panose="020B0604020202020204" pitchFamily="34" charset="0"/>
-              <a:cs typeface="Arial" panose="020B0604020202020204" pitchFamily="34" charset="0"/>
-            </a:endParaRPr>
-          </a:p>
-          <a:p>
-            <a:r>
-              <a:rPr lang="en-US" sz="1000" dirty="0">
-                <a:latin typeface="Arial" panose="020B0604020202020204" pitchFamily="34" charset="0"/>
-                <a:cs typeface="Arial" panose="020B0604020202020204" pitchFamily="34" charset="0"/>
-              </a:rPr>
-              <a:t>                                    )</a:t>
-            </a:r>
-          </a:p>
-          <a:p>
-            <a:r>
-              <a:rPr lang="en-US" sz="1000" dirty="0">
-                <a:latin typeface="Arial" panose="020B0604020202020204" pitchFamily="34" charset="0"/>
-                <a:cs typeface="Arial" panose="020B0604020202020204" pitchFamily="34" charset="0"/>
-              </a:rPr>
-              <a:t>                  )                             as </a:t>
-            </a:r>
-            <a:r>
-              <a:rPr lang="en-US" sz="1000" dirty="0" err="1">
-                <a:latin typeface="Arial" panose="020B0604020202020204" pitchFamily="34" charset="0"/>
-                <a:cs typeface="Arial" panose="020B0604020202020204" pitchFamily="34" charset="0"/>
-              </a:rPr>
-              <a:t>sample_job</a:t>
-            </a:r>
-            <a:endParaRPr lang="en-US" sz="1000" dirty="0">
-              <a:latin typeface="Arial" panose="020B0604020202020204" pitchFamily="34" charset="0"/>
-              <a:cs typeface="Arial" panose="020B0604020202020204" pitchFamily="34" charset="0"/>
-            </a:endParaRPr>
-          </a:p>
-          <a:p>
-            <a:r>
-              <a:rPr lang="en-US" sz="1000" dirty="0">
-                <a:latin typeface="Arial" panose="020B0604020202020204" pitchFamily="34" charset="0"/>
-                <a:cs typeface="Arial" panose="020B0604020202020204" pitchFamily="34" charset="0"/>
-              </a:rPr>
-              <a:t>    ,count( distinct </a:t>
-            </a:r>
-            <a:r>
-              <a:rPr lang="en-US" sz="1000" dirty="0" err="1">
-                <a:latin typeface="Arial" panose="020B0604020202020204" pitchFamily="34" charset="0"/>
-                <a:cs typeface="Arial" panose="020B0604020202020204" pitchFamily="34" charset="0"/>
-              </a:rPr>
-              <a:t>qh.dw_query_history_shk</a:t>
-            </a:r>
-            <a:r>
-              <a:rPr lang="en-US" sz="1000" dirty="0">
-                <a:latin typeface="Arial" panose="020B0604020202020204" pitchFamily="34" charset="0"/>
-                <a:cs typeface="Arial" panose="020B0604020202020204" pitchFamily="34" charset="0"/>
-              </a:rPr>
-              <a:t> )  as </a:t>
-            </a:r>
-            <a:r>
-              <a:rPr lang="en-US" sz="1000" dirty="0" err="1">
-                <a:latin typeface="Arial" panose="020B0604020202020204" pitchFamily="34" charset="0"/>
-                <a:cs typeface="Arial" panose="020B0604020202020204" pitchFamily="34" charset="0"/>
-              </a:rPr>
-              <a:t>job_cnt</a:t>
-            </a:r>
-            <a:endParaRPr lang="en-US" sz="1000" dirty="0">
-              <a:latin typeface="Arial" panose="020B0604020202020204" pitchFamily="34" charset="0"/>
-              <a:cs typeface="Arial" panose="020B0604020202020204" pitchFamily="34" charset="0"/>
-            </a:endParaRPr>
-          </a:p>
-          <a:p>
-            <a:r>
-              <a:rPr lang="en-US" sz="1000" dirty="0">
-                <a:latin typeface="Arial" panose="020B0604020202020204" pitchFamily="34" charset="0"/>
-                <a:cs typeface="Arial" panose="020B0604020202020204" pitchFamily="34" charset="0"/>
-              </a:rPr>
-              <a:t>    ,sum( </a:t>
-            </a:r>
-            <a:r>
-              <a:rPr lang="en-US" sz="1000" dirty="0" err="1">
-                <a:latin typeface="Arial" panose="020B0604020202020204" pitchFamily="34" charset="0"/>
-                <a:cs typeface="Arial" panose="020B0604020202020204" pitchFamily="34" charset="0"/>
-              </a:rPr>
-              <a:t>cjcs.job_credits_used_compute</a:t>
-            </a:r>
-            <a:r>
-              <a:rPr lang="en-US" sz="1000" dirty="0">
-                <a:latin typeface="Arial" panose="020B0604020202020204" pitchFamily="34" charset="0"/>
-                <a:cs typeface="Arial" panose="020B0604020202020204" pitchFamily="34" charset="0"/>
-              </a:rPr>
-              <a:t> )       as </a:t>
-            </a:r>
-            <a:r>
-              <a:rPr lang="en-US" sz="1000" dirty="0" err="1">
-                <a:latin typeface="Arial" panose="020B0604020202020204" pitchFamily="34" charset="0"/>
-                <a:cs typeface="Arial" panose="020B0604020202020204" pitchFamily="34" charset="0"/>
-              </a:rPr>
-              <a:t>total_job_credits_used_compute</a:t>
-            </a:r>
-            <a:endParaRPr lang="en-US" sz="1000" dirty="0">
-              <a:latin typeface="Arial" panose="020B0604020202020204" pitchFamily="34" charset="0"/>
-              <a:cs typeface="Arial" panose="020B0604020202020204" pitchFamily="34" charset="0"/>
-            </a:endParaRPr>
-          </a:p>
-          <a:p>
-            <a:r>
-              <a:rPr lang="en-US" sz="1000" dirty="0">
-                <a:latin typeface="Arial" panose="020B0604020202020204" pitchFamily="34" charset="0"/>
-                <a:cs typeface="Arial" panose="020B0604020202020204" pitchFamily="34" charset="0"/>
-              </a:rPr>
-              <a:t>    ,avg( </a:t>
-            </a:r>
-            <a:r>
-              <a:rPr lang="en-US" sz="1000" dirty="0" err="1">
-                <a:latin typeface="Arial" panose="020B0604020202020204" pitchFamily="34" charset="0"/>
-                <a:cs typeface="Arial" panose="020B0604020202020204" pitchFamily="34" charset="0"/>
-              </a:rPr>
-              <a:t>cjcs.job_credits_used_compute</a:t>
-            </a:r>
-            <a:r>
-              <a:rPr lang="en-US" sz="1000" dirty="0">
-                <a:latin typeface="Arial" panose="020B0604020202020204" pitchFamily="34" charset="0"/>
-                <a:cs typeface="Arial" panose="020B0604020202020204" pitchFamily="34" charset="0"/>
-              </a:rPr>
-              <a:t> )       as </a:t>
-            </a:r>
-            <a:r>
-              <a:rPr lang="en-US" sz="1000" dirty="0" err="1">
-                <a:latin typeface="Arial" panose="020B0604020202020204" pitchFamily="34" charset="0"/>
-                <a:cs typeface="Arial" panose="020B0604020202020204" pitchFamily="34" charset="0"/>
-              </a:rPr>
-              <a:t>avg_job_credits_used_compute</a:t>
-            </a:r>
-            <a:endParaRPr lang="en-US" sz="1000" dirty="0">
-              <a:latin typeface="Arial" panose="020B0604020202020204" pitchFamily="34" charset="0"/>
-              <a:cs typeface="Arial" panose="020B0604020202020204" pitchFamily="34" charset="0"/>
-            </a:endParaRPr>
-          </a:p>
-          <a:p>
-            <a:r>
-              <a:rPr lang="en-US" sz="1000" dirty="0">
-                <a:latin typeface="Arial" panose="020B0604020202020204" pitchFamily="34" charset="0"/>
-                <a:cs typeface="Arial" panose="020B0604020202020204" pitchFamily="34" charset="0"/>
-              </a:rPr>
-              <a:t>    ,round( sum( </a:t>
-            </a:r>
-            <a:r>
-              <a:rPr lang="en-US" sz="1000" dirty="0" err="1">
-                <a:latin typeface="Arial" panose="020B0604020202020204" pitchFamily="34" charset="0"/>
-                <a:cs typeface="Arial" panose="020B0604020202020204" pitchFamily="34" charset="0"/>
-              </a:rPr>
-              <a:t>qh.execution_time</a:t>
-            </a:r>
-            <a:r>
-              <a:rPr lang="en-US" sz="1000" dirty="0">
-                <a:latin typeface="Arial" panose="020B0604020202020204" pitchFamily="34" charset="0"/>
-                <a:cs typeface="Arial" panose="020B0604020202020204" pitchFamily="34" charset="0"/>
-              </a:rPr>
-              <a:t> ) / 1000 / 60, 2 )               as </a:t>
-            </a:r>
-            <a:r>
-              <a:rPr lang="en-US" sz="1000" dirty="0" err="1">
-                <a:latin typeface="Arial" panose="020B0604020202020204" pitchFamily="34" charset="0"/>
-                <a:cs typeface="Arial" panose="020B0604020202020204" pitchFamily="34" charset="0"/>
-              </a:rPr>
-              <a:t>total_execution_time_mins</a:t>
-            </a:r>
-            <a:endParaRPr lang="en-US" sz="1000" dirty="0">
-              <a:latin typeface="Arial" panose="020B0604020202020204" pitchFamily="34" charset="0"/>
-              <a:cs typeface="Arial" panose="020B0604020202020204" pitchFamily="34" charset="0"/>
-            </a:endParaRPr>
-          </a:p>
-          <a:p>
-            <a:r>
-              <a:rPr lang="en-US" sz="1000" dirty="0">
-                <a:latin typeface="Arial" panose="020B0604020202020204" pitchFamily="34" charset="0"/>
-                <a:cs typeface="Arial" panose="020B0604020202020204" pitchFamily="34" charset="0"/>
-              </a:rPr>
-              <a:t>    ,round( avg( </a:t>
-            </a:r>
-            <a:r>
-              <a:rPr lang="en-US" sz="1000" dirty="0" err="1">
-                <a:latin typeface="Arial" panose="020B0604020202020204" pitchFamily="34" charset="0"/>
-                <a:cs typeface="Arial" panose="020B0604020202020204" pitchFamily="34" charset="0"/>
-              </a:rPr>
-              <a:t>qh.execution_time</a:t>
-            </a:r>
-            <a:r>
-              <a:rPr lang="en-US" sz="1000" dirty="0">
-                <a:latin typeface="Arial" panose="020B0604020202020204" pitchFamily="34" charset="0"/>
-                <a:cs typeface="Arial" panose="020B0604020202020204" pitchFamily="34" charset="0"/>
-              </a:rPr>
-              <a:t> ) / 1000 / 60, 2 )               as </a:t>
-            </a:r>
-            <a:r>
-              <a:rPr lang="en-US" sz="1000" dirty="0" err="1">
-                <a:latin typeface="Arial" panose="020B0604020202020204" pitchFamily="34" charset="0"/>
-                <a:cs typeface="Arial" panose="020B0604020202020204" pitchFamily="34" charset="0"/>
-              </a:rPr>
-              <a:t>avg_execution_time_mins</a:t>
-            </a:r>
-            <a:endParaRPr lang="en-US" sz="1000" dirty="0">
-              <a:latin typeface="Arial" panose="020B0604020202020204" pitchFamily="34" charset="0"/>
-              <a:cs typeface="Arial" panose="020B0604020202020204" pitchFamily="34" charset="0"/>
-            </a:endParaRPr>
-          </a:p>
-          <a:p>
-            <a:r>
-              <a:rPr lang="en-US" sz="1000" dirty="0">
-                <a:latin typeface="Arial" panose="020B0604020202020204" pitchFamily="34" charset="0"/>
-                <a:cs typeface="Arial" panose="020B0604020202020204" pitchFamily="34" charset="0"/>
-              </a:rPr>
-              <a:t>    ,round( sum( </a:t>
-            </a:r>
-            <a:r>
-              <a:rPr lang="en-US" sz="1000" dirty="0" err="1">
-                <a:latin typeface="Arial" panose="020B0604020202020204" pitchFamily="34" charset="0"/>
-                <a:cs typeface="Arial" panose="020B0604020202020204" pitchFamily="34" charset="0"/>
-              </a:rPr>
-              <a:t>qh.bytes_scanned</a:t>
-            </a:r>
-            <a:r>
-              <a:rPr lang="en-US" sz="1000" dirty="0">
-                <a:latin typeface="Arial" panose="020B0604020202020204" pitchFamily="34" charset="0"/>
-                <a:cs typeface="Arial" panose="020B0604020202020204" pitchFamily="34" charset="0"/>
-              </a:rPr>
-              <a:t> ) / power( 1024, 3 ), 2 )         as </a:t>
-            </a:r>
-            <a:r>
-              <a:rPr lang="en-US" sz="1000" dirty="0" err="1">
-                <a:latin typeface="Arial" panose="020B0604020202020204" pitchFamily="34" charset="0"/>
-                <a:cs typeface="Arial" panose="020B0604020202020204" pitchFamily="34" charset="0"/>
-              </a:rPr>
-              <a:t>total_gb_scanned</a:t>
-            </a:r>
-            <a:endParaRPr lang="en-US" sz="1000" dirty="0">
-              <a:latin typeface="Arial" panose="020B0604020202020204" pitchFamily="34" charset="0"/>
-              <a:cs typeface="Arial" panose="020B0604020202020204" pitchFamily="34" charset="0"/>
-            </a:endParaRPr>
-          </a:p>
-          <a:p>
-            <a:r>
-              <a:rPr lang="en-US" sz="1000" dirty="0">
-                <a:latin typeface="Arial" panose="020B0604020202020204" pitchFamily="34" charset="0"/>
-                <a:cs typeface="Arial" panose="020B0604020202020204" pitchFamily="34" charset="0"/>
-              </a:rPr>
-              <a:t>    ,round( avg( </a:t>
-            </a:r>
-            <a:r>
-              <a:rPr lang="en-US" sz="1000" dirty="0" err="1">
-                <a:latin typeface="Arial" panose="020B0604020202020204" pitchFamily="34" charset="0"/>
-                <a:cs typeface="Arial" panose="020B0604020202020204" pitchFamily="34" charset="0"/>
-              </a:rPr>
-              <a:t>qh.bytes_scanned</a:t>
-            </a:r>
-            <a:r>
-              <a:rPr lang="en-US" sz="1000" dirty="0">
-                <a:latin typeface="Arial" panose="020B0604020202020204" pitchFamily="34" charset="0"/>
-                <a:cs typeface="Arial" panose="020B0604020202020204" pitchFamily="34" charset="0"/>
-              </a:rPr>
-              <a:t> ) / power( 1024, 3 ), 2 )         as </a:t>
-            </a:r>
-            <a:r>
-              <a:rPr lang="en-US" sz="1000" dirty="0" err="1">
-                <a:latin typeface="Arial" panose="020B0604020202020204" pitchFamily="34" charset="0"/>
-                <a:cs typeface="Arial" panose="020B0604020202020204" pitchFamily="34" charset="0"/>
-              </a:rPr>
-              <a:t>avg_gb_scanned</a:t>
-            </a:r>
-            <a:endParaRPr lang="en-US" sz="1000" dirty="0">
-              <a:latin typeface="Arial" panose="020B0604020202020204" pitchFamily="34" charset="0"/>
-              <a:cs typeface="Arial" panose="020B0604020202020204" pitchFamily="34" charset="0"/>
-            </a:endParaRPr>
-          </a:p>
-          <a:p>
-            <a:endParaRPr lang="en-US" sz="1000" dirty="0">
-              <a:latin typeface="Arial" panose="020B0604020202020204" pitchFamily="34" charset="0"/>
-              <a:cs typeface="Arial" panose="020B0604020202020204" pitchFamily="34" charset="0"/>
-            </a:endParaRPr>
-          </a:p>
-          <a:p>
-            <a:r>
-              <a:rPr lang="en-US" sz="1000" dirty="0">
-                <a:latin typeface="Arial" panose="020B0604020202020204" pitchFamily="34" charset="0"/>
-                <a:cs typeface="Arial" panose="020B0604020202020204" pitchFamily="34" charset="0"/>
-              </a:rPr>
-              <a:t>from</a:t>
-            </a:r>
-          </a:p>
-          <a:p>
-            <a:r>
-              <a:rPr lang="en-US" sz="1000" dirty="0">
-                <a:latin typeface="Arial" panose="020B0604020202020204" pitchFamily="34" charset="0"/>
-                <a:cs typeface="Arial" panose="020B0604020202020204" pitchFamily="34" charset="0"/>
-              </a:rPr>
-              <a:t>    </a:t>
-            </a:r>
-            <a:r>
-              <a:rPr lang="en-US" sz="1000" dirty="0" err="1">
-                <a:latin typeface="Arial" panose="020B0604020202020204" pitchFamily="34" charset="0"/>
-                <a:cs typeface="Arial" panose="020B0604020202020204" pitchFamily="34" charset="0"/>
-              </a:rPr>
-              <a:t>l_job_cost</a:t>
-            </a:r>
-            <a:r>
-              <a:rPr lang="en-US" sz="1000" dirty="0">
-                <a:latin typeface="Arial" panose="020B0604020202020204" pitchFamily="34" charset="0"/>
-                <a:cs typeface="Arial" panose="020B0604020202020204" pitchFamily="34" charset="0"/>
-              </a:rPr>
-              <a:t> </a:t>
-            </a:r>
-            <a:r>
-              <a:rPr lang="en-US" sz="1000" dirty="0" err="1">
-                <a:latin typeface="Arial" panose="020B0604020202020204" pitchFamily="34" charset="0"/>
-                <a:cs typeface="Arial" panose="020B0604020202020204" pitchFamily="34" charset="0"/>
-              </a:rPr>
-              <a:t>cjcs</a:t>
-            </a:r>
-            <a:endParaRPr lang="en-US" sz="1000" dirty="0">
-              <a:latin typeface="Arial" panose="020B0604020202020204" pitchFamily="34" charset="0"/>
-              <a:cs typeface="Arial" panose="020B0604020202020204" pitchFamily="34" charset="0"/>
-            </a:endParaRPr>
-          </a:p>
-          <a:p>
-            <a:r>
-              <a:rPr lang="en-US" sz="1000" dirty="0">
-                <a:latin typeface="Arial" panose="020B0604020202020204" pitchFamily="34" charset="0"/>
-                <a:cs typeface="Arial" panose="020B0604020202020204" pitchFamily="34" charset="0"/>
-              </a:rPr>
-              <a:t>    join </a:t>
-            </a:r>
-            <a:r>
-              <a:rPr lang="en-US" sz="1000" dirty="0" err="1">
-                <a:latin typeface="Arial" panose="020B0604020202020204" pitchFamily="34" charset="0"/>
-                <a:cs typeface="Arial" panose="020B0604020202020204" pitchFamily="34" charset="0"/>
-              </a:rPr>
-              <a:t>chargebacks.raw.query_history</a:t>
-            </a:r>
-            <a:r>
-              <a:rPr lang="en-US" sz="1000" dirty="0">
-                <a:latin typeface="Arial" panose="020B0604020202020204" pitchFamily="34" charset="0"/>
-                <a:cs typeface="Arial" panose="020B0604020202020204" pitchFamily="34" charset="0"/>
-              </a:rPr>
-              <a:t> </a:t>
-            </a:r>
-            <a:r>
-              <a:rPr lang="en-US" sz="1000" dirty="0" err="1">
-                <a:latin typeface="Arial" panose="020B0604020202020204" pitchFamily="34" charset="0"/>
-                <a:cs typeface="Arial" panose="020B0604020202020204" pitchFamily="34" charset="0"/>
-              </a:rPr>
-              <a:t>qh</a:t>
-            </a:r>
-            <a:r>
-              <a:rPr lang="en-US" sz="1000" dirty="0">
-                <a:latin typeface="Arial" panose="020B0604020202020204" pitchFamily="34" charset="0"/>
-                <a:cs typeface="Arial" panose="020B0604020202020204" pitchFamily="34" charset="0"/>
-              </a:rPr>
-              <a:t> on </a:t>
-            </a:r>
-            <a:r>
-              <a:rPr lang="en-US" sz="1000" dirty="0" err="1">
-                <a:latin typeface="Arial" panose="020B0604020202020204" pitchFamily="34" charset="0"/>
-                <a:cs typeface="Arial" panose="020B0604020202020204" pitchFamily="34" charset="0"/>
-              </a:rPr>
-              <a:t>qh.dw_query_history_shk</a:t>
-            </a:r>
-            <a:r>
-              <a:rPr lang="en-US" sz="1000" dirty="0">
-                <a:latin typeface="Arial" panose="020B0604020202020204" pitchFamily="34" charset="0"/>
-                <a:cs typeface="Arial" panose="020B0604020202020204" pitchFamily="34" charset="0"/>
-              </a:rPr>
-              <a:t> = </a:t>
-            </a:r>
-            <a:r>
-              <a:rPr lang="en-US" sz="1000" dirty="0" err="1">
-                <a:latin typeface="Arial" panose="020B0604020202020204" pitchFamily="34" charset="0"/>
-                <a:cs typeface="Arial" panose="020B0604020202020204" pitchFamily="34" charset="0"/>
-              </a:rPr>
-              <a:t>cjcs.dw_query_history_shk</a:t>
-            </a:r>
-            <a:endParaRPr lang="en-US" sz="1000" dirty="0">
-              <a:latin typeface="Arial" panose="020B0604020202020204" pitchFamily="34" charset="0"/>
-              <a:cs typeface="Arial" panose="020B0604020202020204" pitchFamily="34" charset="0"/>
-            </a:endParaRPr>
-          </a:p>
-          <a:p>
-            <a:r>
-              <a:rPr lang="en-US" sz="1000" dirty="0">
-                <a:latin typeface="Arial" panose="020B0604020202020204" pitchFamily="34" charset="0"/>
-                <a:cs typeface="Arial" panose="020B0604020202020204" pitchFamily="34" charset="0"/>
-              </a:rPr>
-              <a:t>where</a:t>
-            </a:r>
-          </a:p>
-          <a:p>
-            <a:r>
-              <a:rPr lang="en-US" sz="1000" dirty="0">
-                <a:latin typeface="Arial" panose="020B0604020202020204" pitchFamily="34" charset="0"/>
-                <a:cs typeface="Arial" panose="020B0604020202020204" pitchFamily="34" charset="0"/>
-              </a:rPr>
-              <a:t>    -- </a:t>
-            </a:r>
-            <a:r>
-              <a:rPr lang="en-US" sz="1000" dirty="0" err="1">
-                <a:latin typeface="Arial" panose="020B0604020202020204" pitchFamily="34" charset="0"/>
-                <a:cs typeface="Arial" panose="020B0604020202020204" pitchFamily="34" charset="0"/>
-              </a:rPr>
-              <a:t>cjcs</a:t>
-            </a:r>
-            <a:endParaRPr lang="en-US" sz="1000" dirty="0">
-              <a:latin typeface="Arial" panose="020B0604020202020204" pitchFamily="34" charset="0"/>
-              <a:cs typeface="Arial" panose="020B0604020202020204" pitchFamily="34" charset="0"/>
-            </a:endParaRPr>
-          </a:p>
-          <a:p>
-            <a:r>
-              <a:rPr lang="en-US" sz="1000" dirty="0">
-                <a:latin typeface="Arial" panose="020B0604020202020204" pitchFamily="34" charset="0"/>
-                <a:cs typeface="Arial" panose="020B0604020202020204" pitchFamily="34" charset="0"/>
-              </a:rPr>
-              <a:t>        </a:t>
-            </a:r>
-            <a:r>
-              <a:rPr lang="en-US" sz="1000" dirty="0" err="1">
-                <a:latin typeface="Arial" panose="020B0604020202020204" pitchFamily="34" charset="0"/>
-                <a:cs typeface="Arial" panose="020B0604020202020204" pitchFamily="34" charset="0"/>
-              </a:rPr>
-              <a:t>cjcs.start_time</a:t>
-            </a:r>
-            <a:r>
-              <a:rPr lang="en-US" sz="1000" dirty="0">
-                <a:latin typeface="Arial" panose="020B0604020202020204" pitchFamily="34" charset="0"/>
-                <a:cs typeface="Arial" panose="020B0604020202020204" pitchFamily="34" charset="0"/>
-              </a:rPr>
-              <a:t> &gt;= $</a:t>
-            </a:r>
-            <a:r>
-              <a:rPr lang="en-US" sz="1000" dirty="0" err="1">
-                <a:latin typeface="Arial" panose="020B0604020202020204" pitchFamily="34" charset="0"/>
-                <a:cs typeface="Arial" panose="020B0604020202020204" pitchFamily="34" charset="0"/>
-              </a:rPr>
-              <a:t>l_start_dt</a:t>
-            </a:r>
-            <a:endParaRPr lang="en-US" sz="1000" dirty="0">
-              <a:latin typeface="Arial" panose="020B0604020202020204" pitchFamily="34" charset="0"/>
-              <a:cs typeface="Arial" panose="020B0604020202020204" pitchFamily="34" charset="0"/>
-            </a:endParaRPr>
-          </a:p>
-          <a:p>
-            <a:r>
-              <a:rPr lang="en-US" sz="1000" dirty="0">
-                <a:latin typeface="Arial" panose="020B0604020202020204" pitchFamily="34" charset="0"/>
-                <a:cs typeface="Arial" panose="020B0604020202020204" pitchFamily="34" charset="0"/>
-              </a:rPr>
-              <a:t>    and </a:t>
-            </a:r>
-            <a:r>
-              <a:rPr lang="en-US" sz="1000" dirty="0" err="1">
-                <a:latin typeface="Arial" panose="020B0604020202020204" pitchFamily="34" charset="0"/>
-                <a:cs typeface="Arial" panose="020B0604020202020204" pitchFamily="34" charset="0"/>
-              </a:rPr>
-              <a:t>cjcs.start_time</a:t>
-            </a:r>
-            <a:r>
-              <a:rPr lang="en-US" sz="1000" dirty="0">
-                <a:latin typeface="Arial" panose="020B0604020202020204" pitchFamily="34" charset="0"/>
-                <a:cs typeface="Arial" panose="020B0604020202020204" pitchFamily="34" charset="0"/>
-              </a:rPr>
-              <a:t>  &lt; $</a:t>
-            </a:r>
-            <a:r>
-              <a:rPr lang="en-US" sz="1000" dirty="0" err="1">
-                <a:latin typeface="Arial" panose="020B0604020202020204" pitchFamily="34" charset="0"/>
-                <a:cs typeface="Arial" panose="020B0604020202020204" pitchFamily="34" charset="0"/>
-              </a:rPr>
-              <a:t>l_end_dt</a:t>
-            </a:r>
-            <a:endParaRPr lang="en-US" sz="1000" dirty="0">
-              <a:latin typeface="Arial" panose="020B0604020202020204" pitchFamily="34" charset="0"/>
-              <a:cs typeface="Arial" panose="020B0604020202020204" pitchFamily="34" charset="0"/>
-            </a:endParaRPr>
-          </a:p>
-          <a:p>
-            <a:r>
-              <a:rPr lang="en-US" sz="1000" dirty="0">
-                <a:latin typeface="Arial" panose="020B0604020202020204" pitchFamily="34" charset="0"/>
-                <a:cs typeface="Arial" panose="020B0604020202020204" pitchFamily="34" charset="0"/>
-              </a:rPr>
-              <a:t>    -- </a:t>
-            </a:r>
-            <a:r>
-              <a:rPr lang="en-US" sz="1000" dirty="0" err="1">
-                <a:latin typeface="Arial" panose="020B0604020202020204" pitchFamily="34" charset="0"/>
-                <a:cs typeface="Arial" panose="020B0604020202020204" pitchFamily="34" charset="0"/>
-              </a:rPr>
-              <a:t>qh</a:t>
-            </a:r>
-            <a:endParaRPr lang="en-US" sz="1000" dirty="0">
-              <a:latin typeface="Arial" panose="020B0604020202020204" pitchFamily="34" charset="0"/>
-              <a:cs typeface="Arial" panose="020B0604020202020204" pitchFamily="34" charset="0"/>
-            </a:endParaRPr>
-          </a:p>
-          <a:p>
-            <a:r>
-              <a:rPr lang="en-US" sz="1000" dirty="0">
-                <a:latin typeface="Arial" panose="020B0604020202020204" pitchFamily="34" charset="0"/>
-                <a:cs typeface="Arial" panose="020B0604020202020204" pitchFamily="34" charset="0"/>
-              </a:rPr>
-              <a:t>    and </a:t>
-            </a:r>
-            <a:r>
-              <a:rPr lang="en-US" sz="1000" dirty="0" err="1">
-                <a:latin typeface="Arial" panose="020B0604020202020204" pitchFamily="34" charset="0"/>
-                <a:cs typeface="Arial" panose="020B0604020202020204" pitchFamily="34" charset="0"/>
-              </a:rPr>
-              <a:t>qh.start_time</a:t>
-            </a:r>
-            <a:r>
-              <a:rPr lang="en-US" sz="1000" dirty="0">
-                <a:latin typeface="Arial" panose="020B0604020202020204" pitchFamily="34" charset="0"/>
-                <a:cs typeface="Arial" panose="020B0604020202020204" pitchFamily="34" charset="0"/>
-              </a:rPr>
-              <a:t>  &gt;= $</a:t>
-            </a:r>
-            <a:r>
-              <a:rPr lang="en-US" sz="1000" dirty="0" err="1">
-                <a:latin typeface="Arial" panose="020B0604020202020204" pitchFamily="34" charset="0"/>
-                <a:cs typeface="Arial" panose="020B0604020202020204" pitchFamily="34" charset="0"/>
-              </a:rPr>
-              <a:t>l_start_dt</a:t>
-            </a:r>
-            <a:endParaRPr lang="en-US" sz="1000" dirty="0">
-              <a:latin typeface="Arial" panose="020B0604020202020204" pitchFamily="34" charset="0"/>
-              <a:cs typeface="Arial" panose="020B0604020202020204" pitchFamily="34" charset="0"/>
-            </a:endParaRPr>
-          </a:p>
-          <a:p>
-            <a:r>
-              <a:rPr lang="en-US" sz="1000" dirty="0">
-                <a:latin typeface="Arial" panose="020B0604020202020204" pitchFamily="34" charset="0"/>
-                <a:cs typeface="Arial" panose="020B0604020202020204" pitchFamily="34" charset="0"/>
-              </a:rPr>
-              <a:t>    and </a:t>
-            </a:r>
-            <a:r>
-              <a:rPr lang="en-US" sz="1000" dirty="0" err="1">
-                <a:latin typeface="Arial" panose="020B0604020202020204" pitchFamily="34" charset="0"/>
-                <a:cs typeface="Arial" panose="020B0604020202020204" pitchFamily="34" charset="0"/>
-              </a:rPr>
-              <a:t>qh.start_time</a:t>
-            </a:r>
-            <a:r>
-              <a:rPr lang="en-US" sz="1000" dirty="0">
-                <a:latin typeface="Arial" panose="020B0604020202020204" pitchFamily="34" charset="0"/>
-                <a:cs typeface="Arial" panose="020B0604020202020204" pitchFamily="34" charset="0"/>
-              </a:rPr>
-              <a:t>   &lt; $</a:t>
-            </a:r>
-            <a:r>
-              <a:rPr lang="en-US" sz="1000" dirty="0" err="1">
-                <a:latin typeface="Arial" panose="020B0604020202020204" pitchFamily="34" charset="0"/>
-                <a:cs typeface="Arial" panose="020B0604020202020204" pitchFamily="34" charset="0"/>
-              </a:rPr>
-              <a:t>l_end_dt</a:t>
-            </a:r>
-            <a:endParaRPr lang="en-US" sz="1000" dirty="0">
-              <a:latin typeface="Arial" panose="020B0604020202020204" pitchFamily="34" charset="0"/>
-              <a:cs typeface="Arial" panose="020B0604020202020204" pitchFamily="34" charset="0"/>
-            </a:endParaRPr>
-          </a:p>
-          <a:p>
-            <a:r>
-              <a:rPr lang="en-US" sz="1000" dirty="0">
-                <a:latin typeface="Arial" panose="020B0604020202020204" pitchFamily="34" charset="0"/>
-                <a:cs typeface="Arial" panose="020B0604020202020204" pitchFamily="34" charset="0"/>
-              </a:rPr>
-              <a:t>    and </a:t>
-            </a:r>
-            <a:r>
-              <a:rPr lang="en-US" sz="1000" dirty="0" err="1">
-                <a:latin typeface="Arial" panose="020B0604020202020204" pitchFamily="34" charset="0"/>
-                <a:cs typeface="Arial" panose="020B0604020202020204" pitchFamily="34" charset="0"/>
-              </a:rPr>
-              <a:t>qh.account_name</a:t>
-            </a:r>
-            <a:r>
-              <a:rPr lang="en-US" sz="1000" dirty="0">
-                <a:latin typeface="Arial" panose="020B0604020202020204" pitchFamily="34" charset="0"/>
-                <a:cs typeface="Arial" panose="020B0604020202020204" pitchFamily="34" charset="0"/>
-              </a:rPr>
-              <a:t> in ('DISNEYSTREAMING', 'HULUX')</a:t>
-            </a:r>
-          </a:p>
-          <a:p>
-            <a:r>
-              <a:rPr lang="en-US" sz="1000" dirty="0">
-                <a:latin typeface="Arial" panose="020B0604020202020204" pitchFamily="34" charset="0"/>
-                <a:cs typeface="Arial" panose="020B0604020202020204" pitchFamily="34" charset="0"/>
-              </a:rPr>
-              <a:t>    and </a:t>
-            </a:r>
-            <a:r>
-              <a:rPr lang="en-US" sz="1000" dirty="0" err="1">
-                <a:latin typeface="Arial" panose="020B0604020202020204" pitchFamily="34" charset="0"/>
-                <a:cs typeface="Arial" panose="020B0604020202020204" pitchFamily="34" charset="0"/>
-              </a:rPr>
-              <a:t>qh.warehouse_name</a:t>
-            </a:r>
-            <a:r>
-              <a:rPr lang="en-US" sz="1000" dirty="0">
-                <a:latin typeface="Arial" panose="020B0604020202020204" pitchFamily="34" charset="0"/>
-                <a:cs typeface="Arial" panose="020B0604020202020204" pitchFamily="34" charset="0"/>
-              </a:rPr>
-              <a:t> in ('CUST_MODEL_ETL_WH', 'DISNEY_PLUS_ETL_WH_LARGE', 'DS_REGULAR', 'DS_POWER', 'DPLUS_ANALYTICS_PROD_WH')</a:t>
-            </a:r>
-          </a:p>
-          <a:p>
-            <a:r>
-              <a:rPr lang="en-US" sz="1000" dirty="0">
-                <a:latin typeface="Arial" panose="020B0604020202020204" pitchFamily="34" charset="0"/>
-                <a:cs typeface="Arial" panose="020B0604020202020204" pitchFamily="34" charset="0"/>
-              </a:rPr>
-              <a:t>group by</a:t>
-            </a:r>
-          </a:p>
-          <a:p>
-            <a:r>
-              <a:rPr lang="en-US" sz="1000" dirty="0">
-                <a:latin typeface="Arial" panose="020B0604020202020204" pitchFamily="34" charset="0"/>
-                <a:cs typeface="Arial" panose="020B0604020202020204" pitchFamily="34" charset="0"/>
-              </a:rPr>
-              <a:t>    1,2,3,4,5</a:t>
-            </a:r>
-          </a:p>
-          <a:p>
-            <a:r>
-              <a:rPr lang="en-US" sz="1000" dirty="0">
-                <a:latin typeface="Arial" panose="020B0604020202020204" pitchFamily="34" charset="0"/>
-                <a:cs typeface="Arial" panose="020B0604020202020204" pitchFamily="34" charset="0"/>
-              </a:rPr>
-              <a:t>order by</a:t>
-            </a:r>
-          </a:p>
-          <a:p>
-            <a:r>
-              <a:rPr lang="en-US" sz="1000" dirty="0">
-                <a:latin typeface="Arial" panose="020B0604020202020204" pitchFamily="34" charset="0"/>
-                <a:cs typeface="Arial" panose="020B0604020202020204" pitchFamily="34" charset="0"/>
-              </a:rPr>
-              <a:t>    </a:t>
-            </a:r>
-            <a:r>
-              <a:rPr lang="en-US" sz="1000" dirty="0" err="1">
-                <a:latin typeface="Arial" panose="020B0604020202020204" pitchFamily="34" charset="0"/>
-                <a:cs typeface="Arial" panose="020B0604020202020204" pitchFamily="34" charset="0"/>
-              </a:rPr>
-              <a:t>total_job_credits_used_compute</a:t>
-            </a:r>
-            <a:r>
-              <a:rPr lang="en-US" sz="1000" dirty="0">
-                <a:latin typeface="Arial" panose="020B0604020202020204" pitchFamily="34" charset="0"/>
-                <a:cs typeface="Arial" panose="020B0604020202020204" pitchFamily="34" charset="0"/>
-              </a:rPr>
-              <a:t> desc nulls last, </a:t>
-            </a:r>
-            <a:r>
-              <a:rPr lang="en-US" sz="1000" dirty="0" err="1">
-                <a:latin typeface="Arial" panose="020B0604020202020204" pitchFamily="34" charset="0"/>
-                <a:cs typeface="Arial" panose="020B0604020202020204" pitchFamily="34" charset="0"/>
-              </a:rPr>
-              <a:t>job_cnt</a:t>
-            </a:r>
-            <a:r>
-              <a:rPr lang="en-US" sz="1000" dirty="0">
-                <a:latin typeface="Arial" panose="020B0604020202020204" pitchFamily="34" charset="0"/>
-                <a:cs typeface="Arial" panose="020B0604020202020204" pitchFamily="34" charset="0"/>
-              </a:rPr>
-              <a:t> desc nulls last;</a:t>
-            </a:r>
-          </a:p>
-          <a:p>
-            <a:r>
-              <a:rPr lang="en-US" sz="1000" dirty="0">
-                <a:latin typeface="Arial" panose="020B0604020202020204" pitchFamily="34" charset="0"/>
-                <a:cs typeface="Arial" panose="020B0604020202020204" pitchFamily="34" charset="0"/>
-              </a:rPr>
-              <a:t> </a:t>
-            </a:r>
-          </a:p>
-        </p:txBody>
-      </p:sp>
-    </p:spTree>
-    <p:extLst>
-      <p:ext uri="{BB962C8B-B14F-4D97-AF65-F5344CB8AC3E}">
-        <p14:creationId xmlns:p14="http://schemas.microsoft.com/office/powerpoint/2010/main" val="1916360773"/>
-      </p:ext>
-    </p:extLst>
-  </p:cSld>
-  <p:clrMapOvr>
-    <a:masterClrMapping/>
-  </p:clrMapOvr>
-</p:sld>
-</file>
-
-<file path=ppt/slides/slide11.xml><?xml version="1.0" encoding="utf-8"?>
-<p:sld xmlns:a="http://schemas.openxmlformats.org/drawingml/2006/main" xmlns:r="http://schemas.openxmlformats.org/officeDocument/2006/relationships" xmlns:p="http://schemas.openxmlformats.org/presentationml/2006/main">
-  <p:cSld>
-    <p:spTree>
-      <p:nvGrpSpPr>
-        <p:cNvPr id="1" name=""/>
-        <p:cNvGrpSpPr/>
-        <p:nvPr/>
-      </p:nvGrpSpPr>
-      <p:grpSpPr>
-        <a:xfrm>
-          <a:off x="0" y="0"/>
-          <a:ext cx="0" cy="0"/>
-          <a:chOff x="0" y="0"/>
-          <a:chExt cx="0" cy="0"/>
-        </a:xfrm>
-      </p:grpSpPr>
-      <p:sp>
-        <p:nvSpPr>
-          <p:cNvPr id="2" name="Title 1">
-            <a:extLst>
-              <a:ext uri="{FF2B5EF4-FFF2-40B4-BE49-F238E27FC236}">
-                <a16:creationId xmlns:a16="http://schemas.microsoft.com/office/drawing/2014/main" id="{13F27D30-8F77-9F49-AB61-42B73E18820F}"/>
-              </a:ext>
-            </a:extLst>
-          </p:cNvPr>
-          <p:cNvSpPr>
-            <a:spLocks noGrp="1"/>
-          </p:cNvSpPr>
-          <p:nvPr>
-            <p:ph type="title"/>
-          </p:nvPr>
-        </p:nvSpPr>
-        <p:spPr>
-          <a:xfrm>
-            <a:off x="1141412" y="236553"/>
-            <a:ext cx="9905998" cy="562100"/>
-          </a:xfrm>
-        </p:spPr>
-        <p:txBody>
-          <a:bodyPr>
-            <a:normAutofit fontScale="90000"/>
-          </a:bodyPr>
-          <a:lstStyle/>
-          <a:p>
-            <a:r>
-              <a:rPr lang="en-US" dirty="0"/>
-              <a:t>query to track </a:t>
-            </a:r>
-            <a:r>
-              <a:rPr lang="en-US" dirty="0" err="1"/>
-              <a:t>sql</a:t>
-            </a:r>
-            <a:r>
-              <a:rPr lang="en-US" dirty="0"/>
-              <a:t> performance by tags</a:t>
-            </a:r>
-          </a:p>
-        </p:txBody>
-      </p:sp>
-      <p:sp>
-        <p:nvSpPr>
-          <p:cNvPr id="5" name="Content Placeholder 4">
-            <a:extLst>
-              <a:ext uri="{FF2B5EF4-FFF2-40B4-BE49-F238E27FC236}">
-                <a16:creationId xmlns:a16="http://schemas.microsoft.com/office/drawing/2014/main" id="{AFAB6178-FFFD-E84B-ACA8-2E1C52A51A74}"/>
-              </a:ext>
-            </a:extLst>
-          </p:cNvPr>
-          <p:cNvSpPr>
-            <a:spLocks noGrp="1"/>
-          </p:cNvSpPr>
-          <p:nvPr>
-            <p:ph idx="1"/>
-          </p:nvPr>
-        </p:nvSpPr>
-        <p:spPr>
-          <a:xfrm>
-            <a:off x="1141412" y="798653"/>
-            <a:ext cx="9905999" cy="4992548"/>
-          </a:xfrm>
-        </p:spPr>
-        <p:txBody>
-          <a:bodyPr>
-            <a:normAutofit fontScale="25000" lnSpcReduction="20000"/>
-          </a:bodyPr>
-          <a:lstStyle/>
-          <a:p>
-            <a:pPr marL="0" indent="0">
-              <a:spcBef>
-                <a:spcPts val="400"/>
-              </a:spcBef>
-              <a:buNone/>
-            </a:pPr>
-            <a:r>
-              <a:rPr lang="en-US" dirty="0">
-                <a:latin typeface="Arial" panose="020B0604020202020204" pitchFamily="34" charset="0"/>
-                <a:cs typeface="Arial" panose="020B0604020202020204" pitchFamily="34" charset="0"/>
-              </a:rPr>
-              <a:t>-- How to run:</a:t>
-            </a:r>
-          </a:p>
-          <a:p>
-            <a:pPr marL="0" indent="0">
-              <a:spcBef>
-                <a:spcPts val="400"/>
-              </a:spcBef>
-              <a:buNone/>
-            </a:pPr>
-            <a:r>
-              <a:rPr lang="en-US" dirty="0">
-                <a:latin typeface="Arial" panose="020B0604020202020204" pitchFamily="34" charset="0"/>
-                <a:cs typeface="Arial" panose="020B0604020202020204" pitchFamily="34" charset="0"/>
-              </a:rPr>
-              <a:t>--  Role: DS_BASIC</a:t>
-            </a:r>
-          </a:p>
-          <a:p>
-            <a:pPr marL="0" indent="0">
-              <a:spcBef>
-                <a:spcPts val="400"/>
-              </a:spcBef>
-              <a:buNone/>
-            </a:pPr>
-            <a:r>
-              <a:rPr lang="en-US" dirty="0">
-                <a:latin typeface="Arial" panose="020B0604020202020204" pitchFamily="34" charset="0"/>
-                <a:cs typeface="Arial" panose="020B0604020202020204" pitchFamily="34" charset="0"/>
-              </a:rPr>
-              <a:t>--  Warehouse: DS_REGULAR</a:t>
-            </a:r>
-          </a:p>
-          <a:p>
-            <a:pPr marL="0" indent="0">
-              <a:spcBef>
-                <a:spcPts val="400"/>
-              </a:spcBef>
-              <a:buNone/>
-            </a:pPr>
-            <a:r>
-              <a:rPr lang="en-US" dirty="0">
-                <a:latin typeface="Arial" panose="020B0604020202020204" pitchFamily="34" charset="0"/>
-                <a:cs typeface="Arial" panose="020B0604020202020204" pitchFamily="34" charset="0"/>
-              </a:rPr>
-              <a:t>--  Database: CHARGEBACKS</a:t>
-            </a:r>
-          </a:p>
-          <a:p>
-            <a:pPr marL="0" indent="0">
-              <a:spcBef>
-                <a:spcPts val="400"/>
-              </a:spcBef>
-              <a:buNone/>
-            </a:pPr>
-            <a:r>
-              <a:rPr lang="en-US" dirty="0">
-                <a:latin typeface="Arial" panose="020B0604020202020204" pitchFamily="34" charset="0"/>
-                <a:cs typeface="Arial" panose="020B0604020202020204" pitchFamily="34" charset="0"/>
-              </a:rPr>
-              <a:t>--  Schema: INTEGRATION</a:t>
-            </a:r>
-          </a:p>
-          <a:p>
-            <a:pPr marL="0" indent="0">
-              <a:spcBef>
-                <a:spcPts val="400"/>
-              </a:spcBef>
-              <a:buNone/>
-            </a:pPr>
-            <a:r>
-              <a:rPr lang="en-US" dirty="0">
-                <a:latin typeface="Arial" panose="020B0604020202020204" pitchFamily="34" charset="0"/>
-                <a:cs typeface="Arial" panose="020B0604020202020204" pitchFamily="34" charset="0"/>
-              </a:rPr>
-              <a:t>-- aggregate job credits at role and user level</a:t>
-            </a:r>
-          </a:p>
-          <a:p>
-            <a:pPr marL="0" indent="0">
-              <a:spcBef>
-                <a:spcPts val="400"/>
-              </a:spcBef>
-              <a:buNone/>
-            </a:pPr>
-            <a:r>
-              <a:rPr lang="en-US" dirty="0">
-                <a:latin typeface="Arial" panose="020B0604020202020204" pitchFamily="34" charset="0"/>
-                <a:cs typeface="Arial" panose="020B0604020202020204" pitchFamily="34" charset="0"/>
-              </a:rPr>
-              <a:t>-- inclusive of start date, exclusive of end date</a:t>
-            </a:r>
-          </a:p>
-          <a:p>
-            <a:pPr marL="0" indent="0">
-              <a:spcBef>
-                <a:spcPts val="400"/>
-              </a:spcBef>
-              <a:buNone/>
-            </a:pPr>
-            <a:r>
-              <a:rPr lang="en-US" dirty="0">
-                <a:latin typeface="Arial" panose="020B0604020202020204" pitchFamily="34" charset="0"/>
-                <a:cs typeface="Arial" panose="020B0604020202020204" pitchFamily="34" charset="0"/>
-              </a:rPr>
-              <a:t>set </a:t>
-            </a:r>
-            <a:r>
-              <a:rPr lang="en-US" dirty="0" err="1">
-                <a:latin typeface="Arial" panose="020B0604020202020204" pitchFamily="34" charset="0"/>
-                <a:cs typeface="Arial" panose="020B0604020202020204" pitchFamily="34" charset="0"/>
-              </a:rPr>
-              <a:t>l_start_dt</a:t>
-            </a:r>
-            <a:r>
-              <a:rPr lang="en-US" dirty="0">
-                <a:latin typeface="Arial" panose="020B0604020202020204" pitchFamily="34" charset="0"/>
-                <a:cs typeface="Arial" panose="020B0604020202020204" pitchFamily="34" charset="0"/>
-              </a:rPr>
-              <a:t> = </a:t>
-            </a:r>
-            <a:r>
-              <a:rPr lang="en-US" dirty="0" err="1">
-                <a:latin typeface="Arial" panose="020B0604020202020204" pitchFamily="34" charset="0"/>
-                <a:cs typeface="Arial" panose="020B0604020202020204" pitchFamily="34" charset="0"/>
-              </a:rPr>
-              <a:t>to_timestamp</a:t>
-            </a:r>
-            <a:r>
-              <a:rPr lang="en-US" dirty="0">
-                <a:latin typeface="Arial" panose="020B0604020202020204" pitchFamily="34" charset="0"/>
-                <a:cs typeface="Arial" panose="020B0604020202020204" pitchFamily="34" charset="0"/>
-              </a:rPr>
-              <a:t>( '12/01/2021', 'mm/dd/</a:t>
-            </a:r>
-            <a:r>
-              <a:rPr lang="en-US" dirty="0" err="1">
-                <a:latin typeface="Arial" panose="020B0604020202020204" pitchFamily="34" charset="0"/>
-                <a:cs typeface="Arial" panose="020B0604020202020204" pitchFamily="34" charset="0"/>
-              </a:rPr>
-              <a:t>yyyy</a:t>
-            </a:r>
-            <a:r>
-              <a:rPr lang="en-US" dirty="0">
-                <a:latin typeface="Arial" panose="020B0604020202020204" pitchFamily="34" charset="0"/>
-                <a:cs typeface="Arial" panose="020B0604020202020204" pitchFamily="34" charset="0"/>
-              </a:rPr>
-              <a:t>' );</a:t>
-            </a:r>
-          </a:p>
-          <a:p>
-            <a:pPr marL="0" indent="0">
-              <a:spcBef>
-                <a:spcPts val="400"/>
-              </a:spcBef>
-              <a:buNone/>
-            </a:pPr>
-            <a:r>
-              <a:rPr lang="en-US" dirty="0">
-                <a:latin typeface="Arial" panose="020B0604020202020204" pitchFamily="34" charset="0"/>
-                <a:cs typeface="Arial" panose="020B0604020202020204" pitchFamily="34" charset="0"/>
-              </a:rPr>
-              <a:t>set </a:t>
-            </a:r>
-            <a:r>
-              <a:rPr lang="en-US" dirty="0" err="1">
-                <a:latin typeface="Arial" panose="020B0604020202020204" pitchFamily="34" charset="0"/>
-                <a:cs typeface="Arial" panose="020B0604020202020204" pitchFamily="34" charset="0"/>
-              </a:rPr>
-              <a:t>l_end_dt</a:t>
-            </a:r>
-            <a:r>
-              <a:rPr lang="en-US" dirty="0">
-                <a:latin typeface="Arial" panose="020B0604020202020204" pitchFamily="34" charset="0"/>
-                <a:cs typeface="Arial" panose="020B0604020202020204" pitchFamily="34" charset="0"/>
-              </a:rPr>
-              <a:t>   = </a:t>
-            </a:r>
-            <a:r>
-              <a:rPr lang="en-US" dirty="0" err="1">
-                <a:latin typeface="Arial" panose="020B0604020202020204" pitchFamily="34" charset="0"/>
-                <a:cs typeface="Arial" panose="020B0604020202020204" pitchFamily="34" charset="0"/>
-              </a:rPr>
-              <a:t>to_timestamp</a:t>
-            </a:r>
-            <a:r>
-              <a:rPr lang="en-US" dirty="0">
-                <a:latin typeface="Arial" panose="020B0604020202020204" pitchFamily="34" charset="0"/>
-                <a:cs typeface="Arial" panose="020B0604020202020204" pitchFamily="34" charset="0"/>
-              </a:rPr>
-              <a:t>( '12/31/2021', 'mm/dd/</a:t>
-            </a:r>
-            <a:r>
-              <a:rPr lang="en-US" dirty="0" err="1">
-                <a:latin typeface="Arial" panose="020B0604020202020204" pitchFamily="34" charset="0"/>
-                <a:cs typeface="Arial" panose="020B0604020202020204" pitchFamily="34" charset="0"/>
-              </a:rPr>
-              <a:t>yyyy</a:t>
-            </a:r>
-            <a:r>
-              <a:rPr lang="en-US" dirty="0">
-                <a:latin typeface="Arial" panose="020B0604020202020204" pitchFamily="34" charset="0"/>
-                <a:cs typeface="Arial" panose="020B0604020202020204" pitchFamily="34" charset="0"/>
-              </a:rPr>
-              <a:t>' );</a:t>
-            </a:r>
-          </a:p>
-          <a:p>
-            <a:pPr marL="0" indent="0">
-              <a:spcBef>
-                <a:spcPts val="400"/>
-              </a:spcBef>
-              <a:buNone/>
-            </a:pPr>
-            <a:r>
-              <a:rPr lang="en-US" dirty="0">
-                <a:latin typeface="Arial" panose="020B0604020202020204" pitchFamily="34" charset="0"/>
-                <a:cs typeface="Arial" panose="020B0604020202020204" pitchFamily="34" charset="0"/>
-              </a:rPr>
-              <a:t>set </a:t>
-            </a:r>
-            <a:r>
-              <a:rPr lang="en-US" dirty="0" err="1">
-                <a:latin typeface="Arial" panose="020B0604020202020204" pitchFamily="34" charset="0"/>
-                <a:cs typeface="Arial" panose="020B0604020202020204" pitchFamily="34" charset="0"/>
-              </a:rPr>
-              <a:t>query_tag</a:t>
-            </a:r>
-            <a:r>
-              <a:rPr lang="en-US" dirty="0">
-                <a:latin typeface="Arial" panose="020B0604020202020204" pitchFamily="34" charset="0"/>
-                <a:cs typeface="Arial" panose="020B0604020202020204" pitchFamily="34" charset="0"/>
-              </a:rPr>
-              <a:t> = '</a:t>
-            </a:r>
-            <a:r>
-              <a:rPr lang="en-US" dirty="0" err="1">
-                <a:latin typeface="Arial" panose="020B0604020202020204" pitchFamily="34" charset="0"/>
-                <a:cs typeface="Arial" panose="020B0604020202020204" pitchFamily="34" charset="0"/>
-              </a:rPr>
-              <a:t>content_analytics</a:t>
-            </a:r>
-            <a:r>
-              <a:rPr lang="en-US" dirty="0">
-                <a:latin typeface="Arial" panose="020B0604020202020204" pitchFamily="34" charset="0"/>
-                <a:cs typeface="Arial" panose="020B0604020202020204" pitchFamily="34" charset="0"/>
-              </a:rPr>
-              <a:t>/</a:t>
-            </a:r>
-            <a:r>
-              <a:rPr lang="en-US" dirty="0" err="1">
-                <a:latin typeface="Arial" panose="020B0604020202020204" pitchFamily="34" charset="0"/>
-                <a:cs typeface="Arial" panose="020B0604020202020204" pitchFamily="34" charset="0"/>
-              </a:rPr>
-              <a:t>crossover_titles</a:t>
-            </a:r>
-            <a:r>
-              <a:rPr lang="en-US" dirty="0">
-                <a:latin typeface="Arial" panose="020B0604020202020204" pitchFamily="34" charset="0"/>
-                <a:cs typeface="Arial" panose="020B0604020202020204" pitchFamily="34" charset="0"/>
-              </a:rPr>
-              <a:t>/prod';</a:t>
-            </a:r>
-          </a:p>
-          <a:p>
-            <a:pPr marL="0" indent="0">
-              <a:spcBef>
-                <a:spcPts val="400"/>
-              </a:spcBef>
-              <a:buNone/>
-            </a:pPr>
-            <a:endParaRPr lang="en-US" dirty="0">
-              <a:latin typeface="Arial" panose="020B0604020202020204" pitchFamily="34" charset="0"/>
-              <a:cs typeface="Arial" panose="020B0604020202020204" pitchFamily="34" charset="0"/>
-            </a:endParaRPr>
-          </a:p>
-          <a:p>
-            <a:pPr marL="0" indent="0">
-              <a:spcBef>
-                <a:spcPts val="400"/>
-              </a:spcBef>
-              <a:buNone/>
-            </a:pPr>
-            <a:r>
-              <a:rPr lang="en-US" dirty="0">
-                <a:latin typeface="Arial" panose="020B0604020202020204" pitchFamily="34" charset="0"/>
-                <a:cs typeface="Arial" panose="020B0604020202020204" pitchFamily="34" charset="0"/>
-              </a:rPr>
-              <a:t>-- aggregate job credits at role and user level</a:t>
-            </a:r>
-          </a:p>
-          <a:p>
-            <a:pPr marL="0" indent="0">
-              <a:spcBef>
-                <a:spcPts val="400"/>
-              </a:spcBef>
-              <a:buNone/>
-            </a:pPr>
-            <a:r>
-              <a:rPr lang="en-US" dirty="0">
-                <a:latin typeface="Arial" panose="020B0604020202020204" pitchFamily="34" charset="0"/>
-                <a:cs typeface="Arial" panose="020B0604020202020204" pitchFamily="34" charset="0"/>
-              </a:rPr>
-              <a:t>with </a:t>
-            </a:r>
-            <a:r>
-              <a:rPr lang="en-US" dirty="0" err="1">
-                <a:latin typeface="Arial" panose="020B0604020202020204" pitchFamily="34" charset="0"/>
-                <a:cs typeface="Arial" panose="020B0604020202020204" pitchFamily="34" charset="0"/>
-              </a:rPr>
-              <a:t>l_job_cost</a:t>
-            </a:r>
-            <a:r>
-              <a:rPr lang="en-US" dirty="0">
-                <a:latin typeface="Arial" panose="020B0604020202020204" pitchFamily="34" charset="0"/>
-                <a:cs typeface="Arial" panose="020B0604020202020204" pitchFamily="34" charset="0"/>
-              </a:rPr>
-              <a:t> as</a:t>
-            </a:r>
-          </a:p>
-          <a:p>
-            <a:pPr marL="0" indent="0">
-              <a:spcBef>
-                <a:spcPts val="400"/>
-              </a:spcBef>
-              <a:buNone/>
-            </a:pPr>
-            <a:r>
-              <a:rPr lang="en-US" dirty="0">
-                <a:latin typeface="Arial" panose="020B0604020202020204" pitchFamily="34" charset="0"/>
-                <a:cs typeface="Arial" panose="020B0604020202020204" pitchFamily="34" charset="0"/>
-              </a:rPr>
-              <a:t>(</a:t>
-            </a:r>
-          </a:p>
-          <a:p>
-            <a:pPr marL="0" indent="0">
-              <a:spcBef>
-                <a:spcPts val="400"/>
-              </a:spcBef>
-              <a:buNone/>
-            </a:pPr>
-            <a:r>
-              <a:rPr lang="en-US" dirty="0">
-                <a:latin typeface="Arial" panose="020B0604020202020204" pitchFamily="34" charset="0"/>
-                <a:cs typeface="Arial" panose="020B0604020202020204" pitchFamily="34" charset="0"/>
-              </a:rPr>
-              <a:t>    -- reconsolidate into 1 row per query id</a:t>
-            </a:r>
-          </a:p>
-          <a:p>
-            <a:pPr marL="0" indent="0">
-              <a:spcBef>
-                <a:spcPts val="400"/>
-              </a:spcBef>
-              <a:buNone/>
-            </a:pPr>
-            <a:r>
-              <a:rPr lang="en-US" dirty="0">
-                <a:latin typeface="Arial" panose="020B0604020202020204" pitchFamily="34" charset="0"/>
-                <a:cs typeface="Arial" panose="020B0604020202020204" pitchFamily="34" charset="0"/>
-              </a:rPr>
-              <a:t>    select </a:t>
-            </a:r>
-            <a:r>
-              <a:rPr lang="en-US" dirty="0" err="1">
-                <a:latin typeface="Arial" panose="020B0604020202020204" pitchFamily="34" charset="0"/>
-                <a:cs typeface="Arial" panose="020B0604020202020204" pitchFamily="34" charset="0"/>
-              </a:rPr>
-              <a:t>dw_query_history_shk,start_time,sum</a:t>
-            </a:r>
-            <a:r>
-              <a:rPr lang="en-US" dirty="0">
-                <a:latin typeface="Arial" panose="020B0604020202020204" pitchFamily="34" charset="0"/>
-                <a:cs typeface="Arial" panose="020B0604020202020204" pitchFamily="34" charset="0"/>
-              </a:rPr>
-              <a:t>( </a:t>
-            </a:r>
-            <a:r>
-              <a:rPr lang="en-US" dirty="0" err="1">
-                <a:latin typeface="Arial" panose="020B0604020202020204" pitchFamily="34" charset="0"/>
-                <a:cs typeface="Arial" panose="020B0604020202020204" pitchFamily="34" charset="0"/>
-              </a:rPr>
-              <a:t>job_credits_used_compute</a:t>
-            </a:r>
-            <a:r>
-              <a:rPr lang="en-US" dirty="0">
-                <a:latin typeface="Arial" panose="020B0604020202020204" pitchFamily="34" charset="0"/>
-                <a:cs typeface="Arial" panose="020B0604020202020204" pitchFamily="34" charset="0"/>
-              </a:rPr>
-              <a:t> )    as </a:t>
-            </a:r>
-            <a:r>
-              <a:rPr lang="en-US" dirty="0" err="1">
-                <a:latin typeface="Arial" panose="020B0604020202020204" pitchFamily="34" charset="0"/>
-                <a:cs typeface="Arial" panose="020B0604020202020204" pitchFamily="34" charset="0"/>
-              </a:rPr>
-              <a:t>job_credits_used_compute</a:t>
-            </a:r>
-            <a:endParaRPr lang="en-US" dirty="0">
-              <a:latin typeface="Arial" panose="020B0604020202020204" pitchFamily="34" charset="0"/>
-              <a:cs typeface="Arial" panose="020B0604020202020204" pitchFamily="34" charset="0"/>
-            </a:endParaRPr>
-          </a:p>
-          <a:p>
-            <a:pPr marL="0" indent="0">
-              <a:spcBef>
-                <a:spcPts val="400"/>
-              </a:spcBef>
-              <a:buNone/>
-            </a:pPr>
-            <a:r>
-              <a:rPr lang="en-US" dirty="0">
-                <a:latin typeface="Arial" panose="020B0604020202020204" pitchFamily="34" charset="0"/>
-                <a:cs typeface="Arial" panose="020B0604020202020204" pitchFamily="34" charset="0"/>
-              </a:rPr>
-              <a:t>    from</a:t>
-            </a:r>
-          </a:p>
-          <a:p>
-            <a:pPr marL="0" indent="0">
-              <a:spcBef>
-                <a:spcPts val="400"/>
-              </a:spcBef>
-              <a:buNone/>
-            </a:pPr>
-            <a:r>
-              <a:rPr lang="en-US" dirty="0">
-                <a:latin typeface="Arial" panose="020B0604020202020204" pitchFamily="34" charset="0"/>
-                <a:cs typeface="Arial" panose="020B0604020202020204" pitchFamily="34" charset="0"/>
-              </a:rPr>
-              <a:t>        </a:t>
-            </a:r>
-            <a:r>
-              <a:rPr lang="en-US" dirty="0" err="1">
-                <a:latin typeface="Arial" panose="020B0604020202020204" pitchFamily="34" charset="0"/>
-                <a:cs typeface="Arial" panose="020B0604020202020204" pitchFamily="34" charset="0"/>
-              </a:rPr>
-              <a:t>chargebacks.integration.cb_job_credits_s</a:t>
-            </a:r>
-            <a:endParaRPr lang="en-US" dirty="0">
-              <a:latin typeface="Arial" panose="020B0604020202020204" pitchFamily="34" charset="0"/>
-              <a:cs typeface="Arial" panose="020B0604020202020204" pitchFamily="34" charset="0"/>
-            </a:endParaRPr>
-          </a:p>
-          <a:p>
-            <a:pPr marL="0" indent="0">
-              <a:spcBef>
-                <a:spcPts val="400"/>
-              </a:spcBef>
-              <a:buNone/>
-            </a:pPr>
-            <a:r>
-              <a:rPr lang="en-US" dirty="0">
-                <a:latin typeface="Arial" panose="020B0604020202020204" pitchFamily="34" charset="0"/>
-                <a:cs typeface="Arial" panose="020B0604020202020204" pitchFamily="34" charset="0"/>
-              </a:rPr>
-              <a:t>    where </a:t>
-            </a:r>
-            <a:r>
-              <a:rPr lang="en-US" dirty="0" err="1">
-                <a:latin typeface="Arial" panose="020B0604020202020204" pitchFamily="34" charset="0"/>
-                <a:cs typeface="Arial" panose="020B0604020202020204" pitchFamily="34" charset="0"/>
-              </a:rPr>
-              <a:t>start_time</a:t>
-            </a:r>
-            <a:r>
-              <a:rPr lang="en-US" dirty="0">
-                <a:latin typeface="Arial" panose="020B0604020202020204" pitchFamily="34" charset="0"/>
-                <a:cs typeface="Arial" panose="020B0604020202020204" pitchFamily="34" charset="0"/>
-              </a:rPr>
-              <a:t> &gt;= $</a:t>
-            </a:r>
-            <a:r>
-              <a:rPr lang="en-US" dirty="0" err="1">
-                <a:latin typeface="Arial" panose="020B0604020202020204" pitchFamily="34" charset="0"/>
-                <a:cs typeface="Arial" panose="020B0604020202020204" pitchFamily="34" charset="0"/>
-              </a:rPr>
-              <a:t>l_start_dt</a:t>
-            </a:r>
-            <a:r>
-              <a:rPr lang="en-US" dirty="0">
-                <a:latin typeface="Arial" panose="020B0604020202020204" pitchFamily="34" charset="0"/>
-                <a:cs typeface="Arial" panose="020B0604020202020204" pitchFamily="34" charset="0"/>
-              </a:rPr>
-              <a:t>  and </a:t>
-            </a:r>
-            <a:r>
-              <a:rPr lang="en-US" dirty="0" err="1">
-                <a:latin typeface="Arial" panose="020B0604020202020204" pitchFamily="34" charset="0"/>
-                <a:cs typeface="Arial" panose="020B0604020202020204" pitchFamily="34" charset="0"/>
-              </a:rPr>
-              <a:t>start_time</a:t>
-            </a:r>
-            <a:r>
-              <a:rPr lang="en-US" dirty="0">
-                <a:latin typeface="Arial" panose="020B0604020202020204" pitchFamily="34" charset="0"/>
-                <a:cs typeface="Arial" panose="020B0604020202020204" pitchFamily="34" charset="0"/>
-              </a:rPr>
-              <a:t>  &lt; $</a:t>
-            </a:r>
-            <a:r>
-              <a:rPr lang="en-US" dirty="0" err="1">
-                <a:latin typeface="Arial" panose="020B0604020202020204" pitchFamily="34" charset="0"/>
-                <a:cs typeface="Arial" panose="020B0604020202020204" pitchFamily="34" charset="0"/>
-              </a:rPr>
-              <a:t>l_end_dt</a:t>
-            </a:r>
-            <a:endParaRPr lang="en-US" dirty="0">
-              <a:latin typeface="Arial" panose="020B0604020202020204" pitchFamily="34" charset="0"/>
-              <a:cs typeface="Arial" panose="020B0604020202020204" pitchFamily="34" charset="0"/>
-            </a:endParaRPr>
-          </a:p>
-          <a:p>
-            <a:pPr marL="0" indent="0">
-              <a:spcBef>
-                <a:spcPts val="400"/>
-              </a:spcBef>
-              <a:buNone/>
-            </a:pPr>
-            <a:r>
-              <a:rPr lang="en-US" dirty="0">
-                <a:latin typeface="Arial" panose="020B0604020202020204" pitchFamily="34" charset="0"/>
-                <a:cs typeface="Arial" panose="020B0604020202020204" pitchFamily="34" charset="0"/>
-              </a:rPr>
-              <a:t>    group by 1,2</a:t>
-            </a:r>
-          </a:p>
-          <a:p>
-            <a:pPr marL="0" indent="0">
-              <a:spcBef>
-                <a:spcPts val="400"/>
-              </a:spcBef>
-              <a:buNone/>
-            </a:pPr>
-            <a:r>
-              <a:rPr lang="en-US" dirty="0">
-                <a:latin typeface="Arial" panose="020B0604020202020204" pitchFamily="34" charset="0"/>
-                <a:cs typeface="Arial" panose="020B0604020202020204" pitchFamily="34" charset="0"/>
-              </a:rPr>
-              <a:t>)</a:t>
-            </a:r>
-          </a:p>
-          <a:p>
-            <a:pPr marL="0" indent="0">
-              <a:spcBef>
-                <a:spcPts val="400"/>
-              </a:spcBef>
-              <a:buNone/>
-            </a:pPr>
-            <a:r>
-              <a:rPr lang="en-US" dirty="0">
-                <a:latin typeface="Arial" panose="020B0604020202020204" pitchFamily="34" charset="0"/>
-                <a:cs typeface="Arial" panose="020B0604020202020204" pitchFamily="34" charset="0"/>
-              </a:rPr>
-              <a:t>, </a:t>
-            </a:r>
-            <a:r>
-              <a:rPr lang="en-US" dirty="0" err="1">
-                <a:latin typeface="Arial" panose="020B0604020202020204" pitchFamily="34" charset="0"/>
-                <a:cs typeface="Arial" panose="020B0604020202020204" pitchFamily="34" charset="0"/>
-              </a:rPr>
-              <a:t>raw_results</a:t>
-            </a:r>
-            <a:r>
-              <a:rPr lang="en-US" dirty="0">
-                <a:latin typeface="Arial" panose="020B0604020202020204" pitchFamily="34" charset="0"/>
-                <a:cs typeface="Arial" panose="020B0604020202020204" pitchFamily="34" charset="0"/>
-              </a:rPr>
-              <a:t> as (</a:t>
-            </a:r>
-          </a:p>
-          <a:p>
-            <a:pPr marL="0" indent="0">
-              <a:spcBef>
-                <a:spcPts val="400"/>
-              </a:spcBef>
-              <a:buNone/>
-            </a:pPr>
-            <a:r>
-              <a:rPr lang="en-US" dirty="0">
-                <a:latin typeface="Arial" panose="020B0604020202020204" pitchFamily="34" charset="0"/>
-                <a:cs typeface="Arial" panose="020B0604020202020204" pitchFamily="34" charset="0"/>
-              </a:rPr>
-              <a:t>  select</a:t>
-            </a:r>
-          </a:p>
-          <a:p>
-            <a:pPr marL="0" indent="0">
-              <a:spcBef>
-                <a:spcPts val="400"/>
-              </a:spcBef>
-              <a:buNone/>
-            </a:pPr>
-            <a:r>
-              <a:rPr lang="en-US" dirty="0">
-                <a:latin typeface="Arial" panose="020B0604020202020204" pitchFamily="34" charset="0"/>
-                <a:cs typeface="Arial" panose="020B0604020202020204" pitchFamily="34" charset="0"/>
-              </a:rPr>
-              <a:t>       </a:t>
-            </a:r>
-            <a:r>
-              <a:rPr lang="en-US" dirty="0" err="1">
-                <a:latin typeface="Arial" panose="020B0604020202020204" pitchFamily="34" charset="0"/>
-                <a:cs typeface="Arial" panose="020B0604020202020204" pitchFamily="34" charset="0"/>
-              </a:rPr>
-              <a:t>qh.account_name</a:t>
-            </a:r>
-            <a:endParaRPr lang="en-US" dirty="0">
-              <a:latin typeface="Arial" panose="020B0604020202020204" pitchFamily="34" charset="0"/>
-              <a:cs typeface="Arial" panose="020B0604020202020204" pitchFamily="34" charset="0"/>
-            </a:endParaRPr>
-          </a:p>
-          <a:p>
-            <a:pPr marL="0" indent="0">
-              <a:spcBef>
-                <a:spcPts val="400"/>
-              </a:spcBef>
-              <a:buNone/>
-            </a:pPr>
-            <a:r>
-              <a:rPr lang="en-US" dirty="0">
-                <a:latin typeface="Arial" panose="020B0604020202020204" pitchFamily="34" charset="0"/>
-                <a:cs typeface="Arial" panose="020B0604020202020204" pitchFamily="34" charset="0"/>
-              </a:rPr>
-              <a:t>      ,</a:t>
-            </a:r>
-            <a:r>
-              <a:rPr lang="en-US" dirty="0" err="1">
-                <a:latin typeface="Arial" panose="020B0604020202020204" pitchFamily="34" charset="0"/>
-                <a:cs typeface="Arial" panose="020B0604020202020204" pitchFamily="34" charset="0"/>
-              </a:rPr>
-              <a:t>qh.user_name</a:t>
-            </a:r>
-            <a:endParaRPr lang="en-US" dirty="0">
-              <a:latin typeface="Arial" panose="020B0604020202020204" pitchFamily="34" charset="0"/>
-              <a:cs typeface="Arial" panose="020B0604020202020204" pitchFamily="34" charset="0"/>
-            </a:endParaRPr>
-          </a:p>
-          <a:p>
-            <a:pPr marL="0" indent="0">
-              <a:spcBef>
-                <a:spcPts val="400"/>
-              </a:spcBef>
-              <a:buNone/>
-            </a:pPr>
-            <a:r>
-              <a:rPr lang="en-US" dirty="0">
-                <a:latin typeface="Arial" panose="020B0604020202020204" pitchFamily="34" charset="0"/>
-                <a:cs typeface="Arial" panose="020B0604020202020204" pitchFamily="34" charset="0"/>
-              </a:rPr>
-              <a:t>      ,</a:t>
-            </a:r>
-            <a:r>
-              <a:rPr lang="en-US" dirty="0" err="1">
-                <a:latin typeface="Arial" panose="020B0604020202020204" pitchFamily="34" charset="0"/>
-                <a:cs typeface="Arial" panose="020B0604020202020204" pitchFamily="34" charset="0"/>
-              </a:rPr>
-              <a:t>qh.role_name</a:t>
-            </a:r>
-            <a:endParaRPr lang="en-US" dirty="0">
-              <a:latin typeface="Arial" panose="020B0604020202020204" pitchFamily="34" charset="0"/>
-              <a:cs typeface="Arial" panose="020B0604020202020204" pitchFamily="34" charset="0"/>
-            </a:endParaRPr>
-          </a:p>
-          <a:p>
-            <a:pPr marL="0" indent="0">
-              <a:spcBef>
-                <a:spcPts val="400"/>
-              </a:spcBef>
-              <a:buNone/>
-            </a:pPr>
-            <a:r>
-              <a:rPr lang="en-US" dirty="0">
-                <a:latin typeface="Arial" panose="020B0604020202020204" pitchFamily="34" charset="0"/>
-                <a:cs typeface="Arial" panose="020B0604020202020204" pitchFamily="34" charset="0"/>
-              </a:rPr>
-              <a:t>      ,</a:t>
-            </a:r>
-            <a:r>
-              <a:rPr lang="en-US" dirty="0" err="1">
-                <a:latin typeface="Arial" panose="020B0604020202020204" pitchFamily="34" charset="0"/>
-                <a:cs typeface="Arial" panose="020B0604020202020204" pitchFamily="34" charset="0"/>
-              </a:rPr>
-              <a:t>qh.warehouse_name</a:t>
-            </a:r>
-            <a:endParaRPr lang="en-US" dirty="0">
-              <a:latin typeface="Arial" panose="020B0604020202020204" pitchFamily="34" charset="0"/>
-              <a:cs typeface="Arial" panose="020B0604020202020204" pitchFamily="34" charset="0"/>
-            </a:endParaRPr>
-          </a:p>
-          <a:p>
-            <a:pPr marL="0" indent="0">
-              <a:spcBef>
-                <a:spcPts val="400"/>
-              </a:spcBef>
-              <a:buNone/>
-            </a:pPr>
-            <a:r>
-              <a:rPr lang="en-US" dirty="0">
-                <a:latin typeface="Arial" panose="020B0604020202020204" pitchFamily="34" charset="0"/>
-                <a:cs typeface="Arial" panose="020B0604020202020204" pitchFamily="34" charset="0"/>
-              </a:rPr>
-              <a:t>  , </a:t>
-            </a:r>
-            <a:r>
-              <a:rPr lang="en-US" dirty="0" err="1">
-                <a:latin typeface="Arial" panose="020B0604020202020204" pitchFamily="34" charset="0"/>
-                <a:cs typeface="Arial" panose="020B0604020202020204" pitchFamily="34" charset="0"/>
-              </a:rPr>
-              <a:t>qh.database_name</a:t>
-            </a:r>
-            <a:endParaRPr lang="en-US" dirty="0">
-              <a:latin typeface="Arial" panose="020B0604020202020204" pitchFamily="34" charset="0"/>
-              <a:cs typeface="Arial" panose="020B0604020202020204" pitchFamily="34" charset="0"/>
-            </a:endParaRPr>
-          </a:p>
-          <a:p>
-            <a:pPr marL="0" indent="0">
-              <a:spcBef>
-                <a:spcPts val="400"/>
-              </a:spcBef>
-              <a:buNone/>
-            </a:pPr>
-            <a:r>
-              <a:rPr lang="en-US" dirty="0">
-                <a:latin typeface="Arial" panose="020B0604020202020204" pitchFamily="34" charset="0"/>
-                <a:cs typeface="Arial" panose="020B0604020202020204" pitchFamily="34" charset="0"/>
-              </a:rPr>
-              <a:t>  , </a:t>
-            </a:r>
-            <a:r>
-              <a:rPr lang="en-US" dirty="0" err="1">
-                <a:latin typeface="Arial" panose="020B0604020202020204" pitchFamily="34" charset="0"/>
-                <a:cs typeface="Arial" panose="020B0604020202020204" pitchFamily="34" charset="0"/>
-              </a:rPr>
-              <a:t>qh.schema_name</a:t>
-            </a:r>
-            <a:endParaRPr lang="en-US" dirty="0">
-              <a:latin typeface="Arial" panose="020B0604020202020204" pitchFamily="34" charset="0"/>
-              <a:cs typeface="Arial" panose="020B0604020202020204" pitchFamily="34" charset="0"/>
-            </a:endParaRPr>
-          </a:p>
-          <a:p>
-            <a:pPr marL="0" indent="0">
-              <a:spcBef>
-                <a:spcPts val="400"/>
-              </a:spcBef>
-              <a:buNone/>
-            </a:pPr>
-            <a:r>
-              <a:rPr lang="en-US" dirty="0">
-                <a:latin typeface="Arial" panose="020B0604020202020204" pitchFamily="34" charset="0"/>
-                <a:cs typeface="Arial" panose="020B0604020202020204" pitchFamily="34" charset="0"/>
-              </a:rPr>
-              <a:t>  , </a:t>
-            </a:r>
-            <a:r>
-              <a:rPr lang="en-US" dirty="0" err="1">
-                <a:latin typeface="Arial" panose="020B0604020202020204" pitchFamily="34" charset="0"/>
-                <a:cs typeface="Arial" panose="020B0604020202020204" pitchFamily="34" charset="0"/>
-              </a:rPr>
-              <a:t>qh.dw_query_history_shk</a:t>
-            </a:r>
-            <a:endParaRPr lang="en-US" dirty="0">
-              <a:latin typeface="Arial" panose="020B0604020202020204" pitchFamily="34" charset="0"/>
-              <a:cs typeface="Arial" panose="020B0604020202020204" pitchFamily="34" charset="0"/>
-            </a:endParaRPr>
-          </a:p>
-          <a:p>
-            <a:pPr marL="0" indent="0">
-              <a:spcBef>
-                <a:spcPts val="400"/>
-              </a:spcBef>
-              <a:buNone/>
-            </a:pPr>
-            <a:r>
-              <a:rPr lang="en-US" dirty="0">
-                <a:latin typeface="Arial" panose="020B0604020202020204" pitchFamily="34" charset="0"/>
-                <a:cs typeface="Arial" panose="020B0604020202020204" pitchFamily="34" charset="0"/>
-              </a:rPr>
-              <a:t>  , </a:t>
-            </a:r>
-            <a:r>
-              <a:rPr lang="en-US" dirty="0" err="1">
-                <a:latin typeface="Arial" panose="020B0604020202020204" pitchFamily="34" charset="0"/>
-                <a:cs typeface="Arial" panose="020B0604020202020204" pitchFamily="34" charset="0"/>
-              </a:rPr>
-              <a:t>qh.session_id</a:t>
-            </a:r>
-            <a:endParaRPr lang="en-US" dirty="0">
-              <a:latin typeface="Arial" panose="020B0604020202020204" pitchFamily="34" charset="0"/>
-              <a:cs typeface="Arial" panose="020B0604020202020204" pitchFamily="34" charset="0"/>
-            </a:endParaRPr>
-          </a:p>
-          <a:p>
-            <a:pPr marL="0" indent="0">
-              <a:spcBef>
-                <a:spcPts val="400"/>
-              </a:spcBef>
-              <a:buNone/>
-            </a:pPr>
-            <a:r>
-              <a:rPr lang="en-US" dirty="0">
-                <a:latin typeface="Arial" panose="020B0604020202020204" pitchFamily="34" charset="0"/>
-                <a:cs typeface="Arial" panose="020B0604020202020204" pitchFamily="34" charset="0"/>
-              </a:rPr>
-              <a:t>      , </a:t>
-            </a:r>
-            <a:r>
-              <a:rPr lang="en-US" dirty="0" err="1">
-                <a:latin typeface="Arial" panose="020B0604020202020204" pitchFamily="34" charset="0"/>
-                <a:cs typeface="Arial" panose="020B0604020202020204" pitchFamily="34" charset="0"/>
-              </a:rPr>
-              <a:t>qh.query_id</a:t>
-            </a:r>
-            <a:endParaRPr lang="en-US" dirty="0">
-              <a:latin typeface="Arial" panose="020B0604020202020204" pitchFamily="34" charset="0"/>
-              <a:cs typeface="Arial" panose="020B0604020202020204" pitchFamily="34" charset="0"/>
-            </a:endParaRPr>
-          </a:p>
-          <a:p>
-            <a:pPr marL="0" indent="0">
-              <a:spcBef>
-                <a:spcPts val="400"/>
-              </a:spcBef>
-              <a:buNone/>
-            </a:pPr>
-            <a:endParaRPr lang="en-US" dirty="0">
-              <a:latin typeface="Arial" panose="020B0604020202020204" pitchFamily="34" charset="0"/>
-              <a:cs typeface="Arial" panose="020B0604020202020204" pitchFamily="34" charset="0"/>
-            </a:endParaRPr>
-          </a:p>
-          <a:p>
-            <a:pPr marL="0" indent="0">
-              <a:spcBef>
-                <a:spcPts val="400"/>
-              </a:spcBef>
-              <a:buNone/>
-            </a:pPr>
-            <a:r>
-              <a:rPr lang="en-US" dirty="0">
-                <a:latin typeface="Arial" panose="020B0604020202020204" pitchFamily="34" charset="0"/>
-                <a:cs typeface="Arial" panose="020B0604020202020204" pitchFamily="34" charset="0"/>
-              </a:rPr>
-              <a:t>       , </a:t>
-            </a:r>
-            <a:r>
-              <a:rPr lang="en-US" dirty="0" err="1">
-                <a:latin typeface="Arial" panose="020B0604020202020204" pitchFamily="34" charset="0"/>
-                <a:cs typeface="Arial" panose="020B0604020202020204" pitchFamily="34" charset="0"/>
-              </a:rPr>
-              <a:t>qh.query_text</a:t>
-            </a:r>
-            <a:endParaRPr lang="en-US" dirty="0">
-              <a:latin typeface="Arial" panose="020B0604020202020204" pitchFamily="34" charset="0"/>
-              <a:cs typeface="Arial" panose="020B0604020202020204" pitchFamily="34" charset="0"/>
-            </a:endParaRPr>
-          </a:p>
-          <a:p>
-            <a:pPr marL="0" indent="0">
-              <a:spcBef>
-                <a:spcPts val="400"/>
-              </a:spcBef>
-              <a:buNone/>
-            </a:pPr>
-            <a:r>
-              <a:rPr lang="en-US" dirty="0">
-                <a:latin typeface="Arial" panose="020B0604020202020204" pitchFamily="34" charset="0"/>
-                <a:cs typeface="Arial" panose="020B0604020202020204" pitchFamily="34" charset="0"/>
-              </a:rPr>
-              <a:t>       , </a:t>
-            </a:r>
-            <a:r>
-              <a:rPr lang="en-US" dirty="0" err="1">
-                <a:latin typeface="Arial" panose="020B0604020202020204" pitchFamily="34" charset="0"/>
-                <a:cs typeface="Arial" panose="020B0604020202020204" pitchFamily="34" charset="0"/>
-              </a:rPr>
-              <a:t>qh.query_tag</a:t>
-            </a:r>
-            <a:endParaRPr lang="en-US" dirty="0">
-              <a:latin typeface="Arial" panose="020B0604020202020204" pitchFamily="34" charset="0"/>
-              <a:cs typeface="Arial" panose="020B0604020202020204" pitchFamily="34" charset="0"/>
-            </a:endParaRPr>
-          </a:p>
-          <a:p>
-            <a:pPr marL="0" indent="0">
-              <a:spcBef>
-                <a:spcPts val="400"/>
-              </a:spcBef>
-              <a:buNone/>
-            </a:pPr>
-            <a:r>
-              <a:rPr lang="en-US" dirty="0">
-                <a:latin typeface="Arial" panose="020B0604020202020204" pitchFamily="34" charset="0"/>
-                <a:cs typeface="Arial" panose="020B0604020202020204" pitchFamily="34" charset="0"/>
-              </a:rPr>
-              <a:t>       , </a:t>
-            </a:r>
-            <a:r>
-              <a:rPr lang="en-US" dirty="0" err="1">
-                <a:latin typeface="Arial" panose="020B0604020202020204" pitchFamily="34" charset="0"/>
-                <a:cs typeface="Arial" panose="020B0604020202020204" pitchFamily="34" charset="0"/>
-              </a:rPr>
-              <a:t>qh.start_time</a:t>
-            </a:r>
-            <a:endParaRPr lang="en-US" dirty="0">
-              <a:latin typeface="Arial" panose="020B0604020202020204" pitchFamily="34" charset="0"/>
-              <a:cs typeface="Arial" panose="020B0604020202020204" pitchFamily="34" charset="0"/>
-            </a:endParaRPr>
-          </a:p>
-          <a:p>
-            <a:pPr marL="0" indent="0">
-              <a:spcBef>
-                <a:spcPts val="400"/>
-              </a:spcBef>
-              <a:buNone/>
-            </a:pPr>
-            <a:r>
-              <a:rPr lang="en-US" dirty="0">
-                <a:latin typeface="Arial" panose="020B0604020202020204" pitchFamily="34" charset="0"/>
-                <a:cs typeface="Arial" panose="020B0604020202020204" pitchFamily="34" charset="0"/>
-              </a:rPr>
-              <a:t>       , </a:t>
-            </a:r>
-            <a:r>
-              <a:rPr lang="en-US" dirty="0" err="1">
-                <a:latin typeface="Arial" panose="020B0604020202020204" pitchFamily="34" charset="0"/>
-                <a:cs typeface="Arial" panose="020B0604020202020204" pitchFamily="34" charset="0"/>
-              </a:rPr>
-              <a:t>qh.end_time</a:t>
-            </a:r>
-            <a:endParaRPr lang="en-US" dirty="0">
-              <a:latin typeface="Arial" panose="020B0604020202020204" pitchFamily="34" charset="0"/>
-              <a:cs typeface="Arial" panose="020B0604020202020204" pitchFamily="34" charset="0"/>
-            </a:endParaRPr>
-          </a:p>
-          <a:p>
-            <a:pPr marL="0" indent="0">
-              <a:spcBef>
-                <a:spcPts val="400"/>
-              </a:spcBef>
-              <a:buNone/>
-            </a:pPr>
-            <a:r>
-              <a:rPr lang="en-US" dirty="0">
-                <a:latin typeface="Arial" panose="020B0604020202020204" pitchFamily="34" charset="0"/>
-                <a:cs typeface="Arial" panose="020B0604020202020204" pitchFamily="34" charset="0"/>
-              </a:rPr>
-              <a:t>       ,  </a:t>
-            </a:r>
-            <a:r>
-              <a:rPr lang="en-US" dirty="0" err="1">
-                <a:latin typeface="Arial" panose="020B0604020202020204" pitchFamily="34" charset="0"/>
-                <a:cs typeface="Arial" panose="020B0604020202020204" pitchFamily="34" charset="0"/>
-              </a:rPr>
-              <a:t>cjcs.job_credits_used_compute</a:t>
-            </a:r>
-            <a:endParaRPr lang="en-US" dirty="0">
-              <a:latin typeface="Arial" panose="020B0604020202020204" pitchFamily="34" charset="0"/>
-              <a:cs typeface="Arial" panose="020B0604020202020204" pitchFamily="34" charset="0"/>
-            </a:endParaRPr>
-          </a:p>
-          <a:p>
-            <a:pPr marL="0" indent="0">
-              <a:spcBef>
-                <a:spcPts val="400"/>
-              </a:spcBef>
-              <a:buNone/>
-            </a:pPr>
-            <a:r>
-              <a:rPr lang="en-US" dirty="0">
-                <a:latin typeface="Arial" panose="020B0604020202020204" pitchFamily="34" charset="0"/>
-                <a:cs typeface="Arial" panose="020B0604020202020204" pitchFamily="34" charset="0"/>
-              </a:rPr>
-              <a:t>      ,</a:t>
-            </a:r>
-            <a:r>
-              <a:rPr lang="en-US" dirty="0" err="1">
-                <a:latin typeface="Arial" panose="020B0604020202020204" pitchFamily="34" charset="0"/>
-                <a:cs typeface="Arial" panose="020B0604020202020204" pitchFamily="34" charset="0"/>
-              </a:rPr>
-              <a:t>qh.execution_time</a:t>
-            </a:r>
-            <a:r>
-              <a:rPr lang="en-US" dirty="0">
-                <a:latin typeface="Arial" panose="020B0604020202020204" pitchFamily="34" charset="0"/>
-                <a:cs typeface="Arial" panose="020B0604020202020204" pitchFamily="34" charset="0"/>
-              </a:rPr>
-              <a:t> / 1000 / 60               as </a:t>
-            </a:r>
-            <a:r>
-              <a:rPr lang="en-US" dirty="0" err="1">
-                <a:latin typeface="Arial" panose="020B0604020202020204" pitchFamily="34" charset="0"/>
-                <a:cs typeface="Arial" panose="020B0604020202020204" pitchFamily="34" charset="0"/>
-              </a:rPr>
-              <a:t>execution_time_mins</a:t>
-            </a:r>
-            <a:endParaRPr lang="en-US" dirty="0">
-              <a:latin typeface="Arial" panose="020B0604020202020204" pitchFamily="34" charset="0"/>
-              <a:cs typeface="Arial" panose="020B0604020202020204" pitchFamily="34" charset="0"/>
-            </a:endParaRPr>
-          </a:p>
-          <a:p>
-            <a:pPr marL="0" indent="0">
-              <a:spcBef>
-                <a:spcPts val="400"/>
-              </a:spcBef>
-              <a:buNone/>
-            </a:pPr>
-            <a:r>
-              <a:rPr lang="en-US" dirty="0">
-                <a:latin typeface="Arial" panose="020B0604020202020204" pitchFamily="34" charset="0"/>
-                <a:cs typeface="Arial" panose="020B0604020202020204" pitchFamily="34" charset="0"/>
-              </a:rPr>
-              <a:t>      , </a:t>
-            </a:r>
-            <a:r>
-              <a:rPr lang="en-US" dirty="0" err="1">
-                <a:latin typeface="Arial" panose="020B0604020202020204" pitchFamily="34" charset="0"/>
-                <a:cs typeface="Arial" panose="020B0604020202020204" pitchFamily="34" charset="0"/>
-              </a:rPr>
-              <a:t>qh.bytes_scanned</a:t>
-            </a:r>
-            <a:r>
-              <a:rPr lang="en-US" dirty="0">
-                <a:latin typeface="Arial" panose="020B0604020202020204" pitchFamily="34" charset="0"/>
-                <a:cs typeface="Arial" panose="020B0604020202020204" pitchFamily="34" charset="0"/>
-              </a:rPr>
-              <a:t> / power( 1024, 3 )        as </a:t>
-            </a:r>
-            <a:r>
-              <a:rPr lang="en-US" dirty="0" err="1">
-                <a:latin typeface="Arial" panose="020B0604020202020204" pitchFamily="34" charset="0"/>
-                <a:cs typeface="Arial" panose="020B0604020202020204" pitchFamily="34" charset="0"/>
-              </a:rPr>
-              <a:t>gb_scanned</a:t>
-            </a:r>
-            <a:endParaRPr lang="en-US" dirty="0">
-              <a:latin typeface="Arial" panose="020B0604020202020204" pitchFamily="34" charset="0"/>
-              <a:cs typeface="Arial" panose="020B0604020202020204" pitchFamily="34" charset="0"/>
-            </a:endParaRPr>
-          </a:p>
-          <a:p>
-            <a:pPr marL="0" indent="0">
-              <a:spcBef>
-                <a:spcPts val="400"/>
-              </a:spcBef>
-              <a:buNone/>
-            </a:pPr>
-            <a:r>
-              <a:rPr lang="en-US" dirty="0">
-                <a:latin typeface="Arial" panose="020B0604020202020204" pitchFamily="34" charset="0"/>
-                <a:cs typeface="Arial" panose="020B0604020202020204" pitchFamily="34" charset="0"/>
-              </a:rPr>
-              <a:t>  from</a:t>
-            </a:r>
-          </a:p>
-          <a:p>
-            <a:pPr marL="0" indent="0">
-              <a:spcBef>
-                <a:spcPts val="400"/>
-              </a:spcBef>
-              <a:buNone/>
-            </a:pPr>
-            <a:r>
-              <a:rPr lang="en-US" dirty="0">
-                <a:latin typeface="Arial" panose="020B0604020202020204" pitchFamily="34" charset="0"/>
-                <a:cs typeface="Arial" panose="020B0604020202020204" pitchFamily="34" charset="0"/>
-              </a:rPr>
-              <a:t>      </a:t>
-            </a:r>
-            <a:r>
-              <a:rPr lang="en-US" dirty="0" err="1">
-                <a:latin typeface="Arial" panose="020B0604020202020204" pitchFamily="34" charset="0"/>
-                <a:cs typeface="Arial" panose="020B0604020202020204" pitchFamily="34" charset="0"/>
-              </a:rPr>
-              <a:t>l_job_cost</a:t>
-            </a:r>
-            <a:r>
-              <a:rPr lang="en-US" dirty="0">
-                <a:latin typeface="Arial" panose="020B0604020202020204" pitchFamily="34" charset="0"/>
-                <a:cs typeface="Arial" panose="020B0604020202020204" pitchFamily="34" charset="0"/>
-              </a:rPr>
-              <a:t> </a:t>
-            </a:r>
-            <a:r>
-              <a:rPr lang="en-US" dirty="0" err="1">
-                <a:latin typeface="Arial" panose="020B0604020202020204" pitchFamily="34" charset="0"/>
-                <a:cs typeface="Arial" panose="020B0604020202020204" pitchFamily="34" charset="0"/>
-              </a:rPr>
-              <a:t>cjcs</a:t>
-            </a:r>
-            <a:endParaRPr lang="en-US" dirty="0">
-              <a:latin typeface="Arial" panose="020B0604020202020204" pitchFamily="34" charset="0"/>
-              <a:cs typeface="Arial" panose="020B0604020202020204" pitchFamily="34" charset="0"/>
-            </a:endParaRPr>
-          </a:p>
-          <a:p>
-            <a:pPr marL="0" indent="0">
-              <a:spcBef>
-                <a:spcPts val="400"/>
-              </a:spcBef>
-              <a:buNone/>
-            </a:pPr>
-            <a:r>
-              <a:rPr lang="en-US" dirty="0">
-                <a:latin typeface="Arial" panose="020B0604020202020204" pitchFamily="34" charset="0"/>
-                <a:cs typeface="Arial" panose="020B0604020202020204" pitchFamily="34" charset="0"/>
-              </a:rPr>
-              <a:t>      join </a:t>
-            </a:r>
-            <a:r>
-              <a:rPr lang="en-US" dirty="0" err="1">
-                <a:latin typeface="Arial" panose="020B0604020202020204" pitchFamily="34" charset="0"/>
-                <a:cs typeface="Arial" panose="020B0604020202020204" pitchFamily="34" charset="0"/>
-              </a:rPr>
-              <a:t>chargebacks.raw.query_history</a:t>
-            </a:r>
-            <a:r>
-              <a:rPr lang="en-US" dirty="0">
-                <a:latin typeface="Arial" panose="020B0604020202020204" pitchFamily="34" charset="0"/>
-                <a:cs typeface="Arial" panose="020B0604020202020204" pitchFamily="34" charset="0"/>
-              </a:rPr>
-              <a:t> </a:t>
-            </a:r>
-            <a:r>
-              <a:rPr lang="en-US" dirty="0" err="1">
-                <a:latin typeface="Arial" panose="020B0604020202020204" pitchFamily="34" charset="0"/>
-                <a:cs typeface="Arial" panose="020B0604020202020204" pitchFamily="34" charset="0"/>
-              </a:rPr>
-              <a:t>qh</a:t>
-            </a:r>
-            <a:r>
-              <a:rPr lang="en-US" dirty="0">
-                <a:latin typeface="Arial" panose="020B0604020202020204" pitchFamily="34" charset="0"/>
-                <a:cs typeface="Arial" panose="020B0604020202020204" pitchFamily="34" charset="0"/>
-              </a:rPr>
-              <a:t> on </a:t>
-            </a:r>
-            <a:r>
-              <a:rPr lang="en-US" dirty="0" err="1">
-                <a:latin typeface="Arial" panose="020B0604020202020204" pitchFamily="34" charset="0"/>
-                <a:cs typeface="Arial" panose="020B0604020202020204" pitchFamily="34" charset="0"/>
-              </a:rPr>
-              <a:t>qh.dw_query_history_shk</a:t>
-            </a:r>
-            <a:r>
-              <a:rPr lang="en-US" dirty="0">
-                <a:latin typeface="Arial" panose="020B0604020202020204" pitchFamily="34" charset="0"/>
-                <a:cs typeface="Arial" panose="020B0604020202020204" pitchFamily="34" charset="0"/>
-              </a:rPr>
-              <a:t> = </a:t>
-            </a:r>
-            <a:r>
-              <a:rPr lang="en-US" dirty="0" err="1">
-                <a:latin typeface="Arial" panose="020B0604020202020204" pitchFamily="34" charset="0"/>
-                <a:cs typeface="Arial" panose="020B0604020202020204" pitchFamily="34" charset="0"/>
-              </a:rPr>
-              <a:t>cjcs.dw_query_history_shk</a:t>
-            </a:r>
-            <a:endParaRPr lang="en-US" dirty="0">
-              <a:latin typeface="Arial" panose="020B0604020202020204" pitchFamily="34" charset="0"/>
-              <a:cs typeface="Arial" panose="020B0604020202020204" pitchFamily="34" charset="0"/>
-            </a:endParaRPr>
-          </a:p>
-          <a:p>
-            <a:pPr marL="0" indent="0">
-              <a:spcBef>
-                <a:spcPts val="400"/>
-              </a:spcBef>
-              <a:buNone/>
-            </a:pPr>
-            <a:r>
-              <a:rPr lang="en-US" dirty="0">
-                <a:latin typeface="Arial" panose="020B0604020202020204" pitchFamily="34" charset="0"/>
-                <a:cs typeface="Arial" panose="020B0604020202020204" pitchFamily="34" charset="0"/>
-              </a:rPr>
-              <a:t>  where</a:t>
-            </a:r>
-          </a:p>
-          <a:p>
-            <a:pPr marL="0" indent="0">
-              <a:spcBef>
-                <a:spcPts val="400"/>
-              </a:spcBef>
-              <a:buNone/>
-            </a:pPr>
-            <a:r>
-              <a:rPr lang="en-US" dirty="0">
-                <a:latin typeface="Arial" panose="020B0604020202020204" pitchFamily="34" charset="0"/>
-                <a:cs typeface="Arial" panose="020B0604020202020204" pitchFamily="34" charset="0"/>
-              </a:rPr>
-              <a:t>      -- </a:t>
-            </a:r>
-            <a:r>
-              <a:rPr lang="en-US" dirty="0" err="1">
-                <a:latin typeface="Arial" panose="020B0604020202020204" pitchFamily="34" charset="0"/>
-                <a:cs typeface="Arial" panose="020B0604020202020204" pitchFamily="34" charset="0"/>
-              </a:rPr>
-              <a:t>cjcs</a:t>
-            </a:r>
-            <a:endParaRPr lang="en-US" dirty="0">
-              <a:latin typeface="Arial" panose="020B0604020202020204" pitchFamily="34" charset="0"/>
-              <a:cs typeface="Arial" panose="020B0604020202020204" pitchFamily="34" charset="0"/>
-            </a:endParaRPr>
-          </a:p>
-          <a:p>
-            <a:pPr marL="0" indent="0">
-              <a:spcBef>
-                <a:spcPts val="400"/>
-              </a:spcBef>
-              <a:buNone/>
-            </a:pPr>
-            <a:r>
-              <a:rPr lang="en-US" dirty="0">
-                <a:latin typeface="Arial" panose="020B0604020202020204" pitchFamily="34" charset="0"/>
-                <a:cs typeface="Arial" panose="020B0604020202020204" pitchFamily="34" charset="0"/>
-              </a:rPr>
-              <a:t>          </a:t>
-            </a:r>
-            <a:r>
-              <a:rPr lang="en-US" dirty="0" err="1">
-                <a:latin typeface="Arial" panose="020B0604020202020204" pitchFamily="34" charset="0"/>
-                <a:cs typeface="Arial" panose="020B0604020202020204" pitchFamily="34" charset="0"/>
-              </a:rPr>
-              <a:t>cjcs.start_time</a:t>
-            </a:r>
-            <a:r>
-              <a:rPr lang="en-US" dirty="0">
-                <a:latin typeface="Arial" panose="020B0604020202020204" pitchFamily="34" charset="0"/>
-                <a:cs typeface="Arial" panose="020B0604020202020204" pitchFamily="34" charset="0"/>
-              </a:rPr>
-              <a:t> &gt;= $</a:t>
-            </a:r>
-            <a:r>
-              <a:rPr lang="en-US" dirty="0" err="1">
-                <a:latin typeface="Arial" panose="020B0604020202020204" pitchFamily="34" charset="0"/>
-                <a:cs typeface="Arial" panose="020B0604020202020204" pitchFamily="34" charset="0"/>
-              </a:rPr>
-              <a:t>l_start_dt</a:t>
-            </a:r>
-            <a:endParaRPr lang="en-US" dirty="0">
-              <a:latin typeface="Arial" panose="020B0604020202020204" pitchFamily="34" charset="0"/>
-              <a:cs typeface="Arial" panose="020B0604020202020204" pitchFamily="34" charset="0"/>
-            </a:endParaRPr>
-          </a:p>
-          <a:p>
-            <a:pPr marL="0" indent="0">
-              <a:spcBef>
-                <a:spcPts val="400"/>
-              </a:spcBef>
-              <a:buNone/>
-            </a:pPr>
-            <a:r>
-              <a:rPr lang="en-US" dirty="0">
-                <a:latin typeface="Arial" panose="020B0604020202020204" pitchFamily="34" charset="0"/>
-                <a:cs typeface="Arial" panose="020B0604020202020204" pitchFamily="34" charset="0"/>
-              </a:rPr>
-              <a:t>      and </a:t>
-            </a:r>
-            <a:r>
-              <a:rPr lang="en-US" dirty="0" err="1">
-                <a:latin typeface="Arial" panose="020B0604020202020204" pitchFamily="34" charset="0"/>
-                <a:cs typeface="Arial" panose="020B0604020202020204" pitchFamily="34" charset="0"/>
-              </a:rPr>
-              <a:t>cjcs.start_time</a:t>
-            </a:r>
-            <a:r>
-              <a:rPr lang="en-US" dirty="0">
-                <a:latin typeface="Arial" panose="020B0604020202020204" pitchFamily="34" charset="0"/>
-                <a:cs typeface="Arial" panose="020B0604020202020204" pitchFamily="34" charset="0"/>
-              </a:rPr>
-              <a:t>  &lt; $</a:t>
-            </a:r>
-            <a:r>
-              <a:rPr lang="en-US" dirty="0" err="1">
-                <a:latin typeface="Arial" panose="020B0604020202020204" pitchFamily="34" charset="0"/>
-                <a:cs typeface="Arial" panose="020B0604020202020204" pitchFamily="34" charset="0"/>
-              </a:rPr>
-              <a:t>l_end_dt</a:t>
-            </a:r>
-            <a:endParaRPr lang="en-US" dirty="0">
-              <a:latin typeface="Arial" panose="020B0604020202020204" pitchFamily="34" charset="0"/>
-              <a:cs typeface="Arial" panose="020B0604020202020204" pitchFamily="34" charset="0"/>
-            </a:endParaRPr>
-          </a:p>
-          <a:p>
-            <a:pPr marL="0" indent="0">
-              <a:spcBef>
-                <a:spcPts val="400"/>
-              </a:spcBef>
-              <a:buNone/>
-            </a:pPr>
-            <a:r>
-              <a:rPr lang="en-US" dirty="0">
-                <a:latin typeface="Arial" panose="020B0604020202020204" pitchFamily="34" charset="0"/>
-                <a:cs typeface="Arial" panose="020B0604020202020204" pitchFamily="34" charset="0"/>
-              </a:rPr>
-              <a:t>      -- </a:t>
-            </a:r>
-            <a:r>
-              <a:rPr lang="en-US" dirty="0" err="1">
-                <a:latin typeface="Arial" panose="020B0604020202020204" pitchFamily="34" charset="0"/>
-                <a:cs typeface="Arial" panose="020B0604020202020204" pitchFamily="34" charset="0"/>
-              </a:rPr>
-              <a:t>qh</a:t>
-            </a:r>
-            <a:endParaRPr lang="en-US" dirty="0">
-              <a:latin typeface="Arial" panose="020B0604020202020204" pitchFamily="34" charset="0"/>
-              <a:cs typeface="Arial" panose="020B0604020202020204" pitchFamily="34" charset="0"/>
-            </a:endParaRPr>
-          </a:p>
-          <a:p>
-            <a:pPr marL="0" indent="0">
-              <a:spcBef>
-                <a:spcPts val="400"/>
-              </a:spcBef>
-              <a:buNone/>
-            </a:pPr>
-            <a:r>
-              <a:rPr lang="en-US" dirty="0">
-                <a:latin typeface="Arial" panose="020B0604020202020204" pitchFamily="34" charset="0"/>
-                <a:cs typeface="Arial" panose="020B0604020202020204" pitchFamily="34" charset="0"/>
-              </a:rPr>
-              <a:t>      and </a:t>
-            </a:r>
-            <a:r>
-              <a:rPr lang="en-US" dirty="0" err="1">
-                <a:latin typeface="Arial" panose="020B0604020202020204" pitchFamily="34" charset="0"/>
-                <a:cs typeface="Arial" panose="020B0604020202020204" pitchFamily="34" charset="0"/>
-              </a:rPr>
-              <a:t>qh.start_time</a:t>
-            </a:r>
-            <a:r>
-              <a:rPr lang="en-US" dirty="0">
-                <a:latin typeface="Arial" panose="020B0604020202020204" pitchFamily="34" charset="0"/>
-                <a:cs typeface="Arial" panose="020B0604020202020204" pitchFamily="34" charset="0"/>
-              </a:rPr>
-              <a:t>  &gt;= $</a:t>
-            </a:r>
-            <a:r>
-              <a:rPr lang="en-US" dirty="0" err="1">
-                <a:latin typeface="Arial" panose="020B0604020202020204" pitchFamily="34" charset="0"/>
-                <a:cs typeface="Arial" panose="020B0604020202020204" pitchFamily="34" charset="0"/>
-              </a:rPr>
-              <a:t>l_start_dt</a:t>
-            </a:r>
-            <a:endParaRPr lang="en-US" dirty="0">
-              <a:latin typeface="Arial" panose="020B0604020202020204" pitchFamily="34" charset="0"/>
-              <a:cs typeface="Arial" panose="020B0604020202020204" pitchFamily="34" charset="0"/>
-            </a:endParaRPr>
-          </a:p>
-          <a:p>
-            <a:pPr marL="0" indent="0">
-              <a:spcBef>
-                <a:spcPts val="400"/>
-              </a:spcBef>
-              <a:buNone/>
-            </a:pPr>
-            <a:r>
-              <a:rPr lang="en-US" dirty="0">
-                <a:latin typeface="Arial" panose="020B0604020202020204" pitchFamily="34" charset="0"/>
-                <a:cs typeface="Arial" panose="020B0604020202020204" pitchFamily="34" charset="0"/>
-              </a:rPr>
-              <a:t>      and </a:t>
-            </a:r>
-            <a:r>
-              <a:rPr lang="en-US" dirty="0" err="1">
-                <a:latin typeface="Arial" panose="020B0604020202020204" pitchFamily="34" charset="0"/>
-                <a:cs typeface="Arial" panose="020B0604020202020204" pitchFamily="34" charset="0"/>
-              </a:rPr>
-              <a:t>qh.start_time</a:t>
-            </a:r>
-            <a:r>
-              <a:rPr lang="en-US" dirty="0">
-                <a:latin typeface="Arial" panose="020B0604020202020204" pitchFamily="34" charset="0"/>
-                <a:cs typeface="Arial" panose="020B0604020202020204" pitchFamily="34" charset="0"/>
-              </a:rPr>
-              <a:t>   &lt; $</a:t>
-            </a:r>
-            <a:r>
-              <a:rPr lang="en-US" dirty="0" err="1">
-                <a:latin typeface="Arial" panose="020B0604020202020204" pitchFamily="34" charset="0"/>
-                <a:cs typeface="Arial" panose="020B0604020202020204" pitchFamily="34" charset="0"/>
-              </a:rPr>
-              <a:t>l_end_dt</a:t>
-            </a:r>
-            <a:endParaRPr lang="en-US" dirty="0">
-              <a:latin typeface="Arial" panose="020B0604020202020204" pitchFamily="34" charset="0"/>
-              <a:cs typeface="Arial" panose="020B0604020202020204" pitchFamily="34" charset="0"/>
-            </a:endParaRPr>
-          </a:p>
-          <a:p>
-            <a:pPr marL="0" indent="0">
-              <a:spcBef>
-                <a:spcPts val="400"/>
-              </a:spcBef>
-              <a:buNone/>
-            </a:pPr>
-            <a:r>
-              <a:rPr lang="en-US" dirty="0">
-                <a:latin typeface="Arial" panose="020B0604020202020204" pitchFamily="34" charset="0"/>
-                <a:cs typeface="Arial" panose="020B0604020202020204" pitchFamily="34" charset="0"/>
-              </a:rPr>
-              <a:t>      and </a:t>
-            </a:r>
-            <a:r>
-              <a:rPr lang="en-US" dirty="0" err="1">
-                <a:latin typeface="Arial" panose="020B0604020202020204" pitchFamily="34" charset="0"/>
-                <a:cs typeface="Arial" panose="020B0604020202020204" pitchFamily="34" charset="0"/>
-              </a:rPr>
-              <a:t>qh.account_name</a:t>
-            </a:r>
-            <a:r>
-              <a:rPr lang="en-US" dirty="0">
-                <a:latin typeface="Arial" panose="020B0604020202020204" pitchFamily="34" charset="0"/>
-                <a:cs typeface="Arial" panose="020B0604020202020204" pitchFamily="34" charset="0"/>
-              </a:rPr>
-              <a:t> in ('DISNEYSTREAMING', 'HULUX')</a:t>
-            </a:r>
-          </a:p>
-          <a:p>
-            <a:pPr marL="0" indent="0">
-              <a:spcBef>
-                <a:spcPts val="400"/>
-              </a:spcBef>
-              <a:buNone/>
-            </a:pPr>
-            <a:r>
-              <a:rPr lang="en-US" dirty="0">
-                <a:latin typeface="Arial" panose="020B0604020202020204" pitchFamily="34" charset="0"/>
-                <a:cs typeface="Arial" panose="020B0604020202020204" pitchFamily="34" charset="0"/>
-              </a:rPr>
-              <a:t>      and </a:t>
-            </a:r>
-            <a:r>
-              <a:rPr lang="en-US" dirty="0" err="1">
-                <a:latin typeface="Arial" panose="020B0604020202020204" pitchFamily="34" charset="0"/>
-                <a:cs typeface="Arial" panose="020B0604020202020204" pitchFamily="34" charset="0"/>
-              </a:rPr>
-              <a:t>qh.warehouse_name</a:t>
-            </a:r>
-            <a:r>
-              <a:rPr lang="en-US" dirty="0">
-                <a:latin typeface="Arial" panose="020B0604020202020204" pitchFamily="34" charset="0"/>
-                <a:cs typeface="Arial" panose="020B0604020202020204" pitchFamily="34" charset="0"/>
-              </a:rPr>
-              <a:t> in ('CUST_MODEL_ETL_WH', 'DISNEY_PLUS_ETL_WH_LARGE', 'DS_REGULAR', 'DS_POWER', 'DPLUS_ANALYTICS_PROD_WH')</a:t>
-            </a:r>
-          </a:p>
-          <a:p>
-            <a:pPr marL="0" indent="0">
-              <a:spcBef>
-                <a:spcPts val="400"/>
-              </a:spcBef>
-              <a:buNone/>
-            </a:pPr>
-            <a:r>
-              <a:rPr lang="en-US" dirty="0">
-                <a:latin typeface="Arial" panose="020B0604020202020204" pitchFamily="34" charset="0"/>
-                <a:cs typeface="Arial" panose="020B0604020202020204" pitchFamily="34" charset="0"/>
-              </a:rPr>
-              <a:t>      and </a:t>
-            </a:r>
-            <a:r>
-              <a:rPr lang="en-US" dirty="0" err="1">
-                <a:latin typeface="Arial" panose="020B0604020202020204" pitchFamily="34" charset="0"/>
-                <a:cs typeface="Arial" panose="020B0604020202020204" pitchFamily="34" charset="0"/>
-              </a:rPr>
-              <a:t>qh.query_tag</a:t>
-            </a:r>
-            <a:r>
-              <a:rPr lang="en-US" dirty="0">
-                <a:latin typeface="Arial" panose="020B0604020202020204" pitchFamily="34" charset="0"/>
-                <a:cs typeface="Arial" panose="020B0604020202020204" pitchFamily="34" charset="0"/>
-              </a:rPr>
-              <a:t> = $</a:t>
-            </a:r>
-            <a:r>
-              <a:rPr lang="en-US" dirty="0" err="1">
-                <a:latin typeface="Arial" panose="020B0604020202020204" pitchFamily="34" charset="0"/>
-                <a:cs typeface="Arial" panose="020B0604020202020204" pitchFamily="34" charset="0"/>
-              </a:rPr>
-              <a:t>query_tag</a:t>
-            </a:r>
-            <a:endParaRPr lang="en-US" dirty="0">
-              <a:latin typeface="Arial" panose="020B0604020202020204" pitchFamily="34" charset="0"/>
-              <a:cs typeface="Arial" panose="020B0604020202020204" pitchFamily="34" charset="0"/>
-            </a:endParaRPr>
-          </a:p>
-          <a:p>
-            <a:pPr marL="0" indent="0">
-              <a:spcBef>
-                <a:spcPts val="400"/>
-              </a:spcBef>
-              <a:buNone/>
-            </a:pPr>
-            <a:endParaRPr lang="en-US" dirty="0">
-              <a:latin typeface="Arial" panose="020B0604020202020204" pitchFamily="34" charset="0"/>
-              <a:cs typeface="Arial" panose="020B0604020202020204" pitchFamily="34" charset="0"/>
-            </a:endParaRPr>
-          </a:p>
-          <a:p>
-            <a:pPr marL="0" indent="0">
-              <a:spcBef>
-                <a:spcPts val="400"/>
-              </a:spcBef>
-              <a:buNone/>
-            </a:pPr>
-            <a:r>
-              <a:rPr lang="en-US" dirty="0">
-                <a:latin typeface="Arial" panose="020B0604020202020204" pitchFamily="34" charset="0"/>
-                <a:cs typeface="Arial" panose="020B0604020202020204" pitchFamily="34" charset="0"/>
-              </a:rPr>
-              <a:t>  order by </a:t>
-            </a:r>
-            <a:r>
-              <a:rPr lang="en-US" dirty="0" err="1">
-                <a:latin typeface="Arial" panose="020B0604020202020204" pitchFamily="34" charset="0"/>
-                <a:cs typeface="Arial" panose="020B0604020202020204" pitchFamily="34" charset="0"/>
-              </a:rPr>
-              <a:t>session_id</a:t>
-            </a:r>
-            <a:r>
-              <a:rPr lang="en-US" dirty="0">
-                <a:latin typeface="Arial" panose="020B0604020202020204" pitchFamily="34" charset="0"/>
-                <a:cs typeface="Arial" panose="020B0604020202020204" pitchFamily="34" charset="0"/>
-              </a:rPr>
-              <a:t>, </a:t>
-            </a:r>
-            <a:r>
-              <a:rPr lang="en-US" dirty="0" err="1">
-                <a:latin typeface="Arial" panose="020B0604020202020204" pitchFamily="34" charset="0"/>
-                <a:cs typeface="Arial" panose="020B0604020202020204" pitchFamily="34" charset="0"/>
-              </a:rPr>
-              <a:t>start_time</a:t>
-            </a:r>
-            <a:endParaRPr lang="en-US" dirty="0">
-              <a:latin typeface="Arial" panose="020B0604020202020204" pitchFamily="34" charset="0"/>
-              <a:cs typeface="Arial" panose="020B0604020202020204" pitchFamily="34" charset="0"/>
-            </a:endParaRPr>
-          </a:p>
-          <a:p>
-            <a:pPr marL="0" indent="0">
-              <a:spcBef>
-                <a:spcPts val="400"/>
-              </a:spcBef>
-              <a:buNone/>
-            </a:pPr>
-            <a:r>
-              <a:rPr lang="en-US" dirty="0">
-                <a:latin typeface="Arial" panose="020B0604020202020204" pitchFamily="34" charset="0"/>
-                <a:cs typeface="Arial" panose="020B0604020202020204" pitchFamily="34" charset="0"/>
-              </a:rPr>
-              <a:t>)</a:t>
-            </a:r>
-          </a:p>
-          <a:p>
-            <a:pPr marL="0" indent="0">
-              <a:spcBef>
-                <a:spcPts val="400"/>
-              </a:spcBef>
-              <a:buNone/>
-            </a:pPr>
-            <a:r>
-              <a:rPr lang="en-US" dirty="0">
-                <a:latin typeface="Arial" panose="020B0604020202020204" pitchFamily="34" charset="0"/>
-                <a:cs typeface="Arial" panose="020B0604020202020204" pitchFamily="34" charset="0"/>
-              </a:rPr>
-              <a:t>//select * from </a:t>
-            </a:r>
-            <a:r>
-              <a:rPr lang="en-US" dirty="0" err="1">
-                <a:latin typeface="Arial" panose="020B0604020202020204" pitchFamily="34" charset="0"/>
-                <a:cs typeface="Arial" panose="020B0604020202020204" pitchFamily="34" charset="0"/>
-              </a:rPr>
-              <a:t>raw_results</a:t>
-            </a:r>
-            <a:r>
-              <a:rPr lang="en-US" dirty="0">
-                <a:latin typeface="Arial" panose="020B0604020202020204" pitchFamily="34" charset="0"/>
-                <a:cs typeface="Arial" panose="020B0604020202020204" pitchFamily="34" charset="0"/>
-              </a:rPr>
-              <a:t> order by </a:t>
-            </a:r>
-            <a:r>
-              <a:rPr lang="en-US" dirty="0" err="1">
-                <a:latin typeface="Arial" panose="020B0604020202020204" pitchFamily="34" charset="0"/>
-                <a:cs typeface="Arial" panose="020B0604020202020204" pitchFamily="34" charset="0"/>
-              </a:rPr>
-              <a:t>start_time</a:t>
-            </a:r>
-            <a:r>
-              <a:rPr lang="en-US" dirty="0">
-                <a:latin typeface="Arial" panose="020B0604020202020204" pitchFamily="34" charset="0"/>
-                <a:cs typeface="Arial" panose="020B0604020202020204" pitchFamily="34" charset="0"/>
-              </a:rPr>
-              <a:t>;</a:t>
-            </a:r>
-          </a:p>
-          <a:p>
-            <a:pPr marL="0" indent="0">
-              <a:spcBef>
-                <a:spcPts val="400"/>
-              </a:spcBef>
-              <a:buNone/>
-            </a:pPr>
-            <a:endParaRPr lang="en-US" dirty="0">
-              <a:latin typeface="Arial" panose="020B0604020202020204" pitchFamily="34" charset="0"/>
-              <a:cs typeface="Arial" panose="020B0604020202020204" pitchFamily="34" charset="0"/>
-            </a:endParaRPr>
-          </a:p>
-          <a:p>
-            <a:pPr marL="0" indent="0">
-              <a:spcBef>
-                <a:spcPts val="400"/>
-              </a:spcBef>
-              <a:buNone/>
-            </a:pPr>
-            <a:r>
-              <a:rPr lang="en-US" dirty="0">
-                <a:latin typeface="Arial" panose="020B0604020202020204" pitchFamily="34" charset="0"/>
-                <a:cs typeface="Arial" panose="020B0604020202020204" pitchFamily="34" charset="0"/>
-              </a:rPr>
-              <a:t>SELECT </a:t>
-            </a:r>
-          </a:p>
-          <a:p>
-            <a:pPr marL="0" indent="0">
-              <a:spcBef>
-                <a:spcPts val="400"/>
-              </a:spcBef>
-              <a:buNone/>
-            </a:pPr>
-            <a:r>
-              <a:rPr lang="en-US" dirty="0" err="1">
-                <a:latin typeface="Arial" panose="020B0604020202020204" pitchFamily="34" charset="0"/>
-                <a:cs typeface="Arial" panose="020B0604020202020204" pitchFamily="34" charset="0"/>
-              </a:rPr>
-              <a:t>query_tag</a:t>
-            </a:r>
-            <a:endParaRPr lang="en-US" dirty="0">
-              <a:latin typeface="Arial" panose="020B0604020202020204" pitchFamily="34" charset="0"/>
-              <a:cs typeface="Arial" panose="020B0604020202020204" pitchFamily="34" charset="0"/>
-            </a:endParaRPr>
-          </a:p>
-          <a:p>
-            <a:pPr marL="0" indent="0">
-              <a:spcBef>
-                <a:spcPts val="400"/>
-              </a:spcBef>
-              <a:buNone/>
-            </a:pPr>
-            <a:r>
-              <a:rPr lang="en-US" dirty="0">
-                <a:latin typeface="Arial" panose="020B0604020202020204" pitchFamily="34" charset="0"/>
-                <a:cs typeface="Arial" panose="020B0604020202020204" pitchFamily="34" charset="0"/>
-              </a:rPr>
-              <a:t>,</a:t>
-            </a:r>
-            <a:r>
-              <a:rPr lang="en-US" dirty="0" err="1">
-                <a:latin typeface="Arial" panose="020B0604020202020204" pitchFamily="34" charset="0"/>
-                <a:cs typeface="Arial" panose="020B0604020202020204" pitchFamily="34" charset="0"/>
-              </a:rPr>
-              <a:t>account_name</a:t>
-            </a:r>
-            <a:endParaRPr lang="en-US" dirty="0">
-              <a:latin typeface="Arial" panose="020B0604020202020204" pitchFamily="34" charset="0"/>
-              <a:cs typeface="Arial" panose="020B0604020202020204" pitchFamily="34" charset="0"/>
-            </a:endParaRPr>
-          </a:p>
-          <a:p>
-            <a:pPr marL="0" indent="0">
-              <a:spcBef>
-                <a:spcPts val="400"/>
-              </a:spcBef>
-              <a:buNone/>
-            </a:pPr>
-            <a:r>
-              <a:rPr lang="en-US" dirty="0">
-                <a:latin typeface="Arial" panose="020B0604020202020204" pitchFamily="34" charset="0"/>
-                <a:cs typeface="Arial" panose="020B0604020202020204" pitchFamily="34" charset="0"/>
-              </a:rPr>
-              <a:t>,</a:t>
-            </a:r>
-            <a:r>
-              <a:rPr lang="en-US" dirty="0" err="1">
-                <a:latin typeface="Arial" panose="020B0604020202020204" pitchFamily="34" charset="0"/>
-                <a:cs typeface="Arial" panose="020B0604020202020204" pitchFamily="34" charset="0"/>
-              </a:rPr>
-              <a:t>user_name</a:t>
-            </a:r>
-            <a:endParaRPr lang="en-US" dirty="0">
-              <a:latin typeface="Arial" panose="020B0604020202020204" pitchFamily="34" charset="0"/>
-              <a:cs typeface="Arial" panose="020B0604020202020204" pitchFamily="34" charset="0"/>
-            </a:endParaRPr>
-          </a:p>
-          <a:p>
-            <a:pPr marL="0" indent="0">
-              <a:spcBef>
-                <a:spcPts val="400"/>
-              </a:spcBef>
-              <a:buNone/>
-            </a:pPr>
-            <a:r>
-              <a:rPr lang="en-US" dirty="0">
-                <a:latin typeface="Arial" panose="020B0604020202020204" pitchFamily="34" charset="0"/>
-                <a:cs typeface="Arial" panose="020B0604020202020204" pitchFamily="34" charset="0"/>
-              </a:rPr>
-              <a:t>,</a:t>
-            </a:r>
-            <a:r>
-              <a:rPr lang="en-US" dirty="0" err="1">
-                <a:latin typeface="Arial" panose="020B0604020202020204" pitchFamily="34" charset="0"/>
-                <a:cs typeface="Arial" panose="020B0604020202020204" pitchFamily="34" charset="0"/>
-              </a:rPr>
-              <a:t>role_name</a:t>
-            </a:r>
-            <a:endParaRPr lang="en-US" dirty="0">
-              <a:latin typeface="Arial" panose="020B0604020202020204" pitchFamily="34" charset="0"/>
-              <a:cs typeface="Arial" panose="020B0604020202020204" pitchFamily="34" charset="0"/>
-            </a:endParaRPr>
-          </a:p>
-          <a:p>
-            <a:pPr marL="0" indent="0">
-              <a:spcBef>
-                <a:spcPts val="400"/>
-              </a:spcBef>
-              <a:buNone/>
-            </a:pPr>
-            <a:r>
-              <a:rPr lang="en-US" dirty="0">
-                <a:latin typeface="Arial" panose="020B0604020202020204" pitchFamily="34" charset="0"/>
-                <a:cs typeface="Arial" panose="020B0604020202020204" pitchFamily="34" charset="0"/>
-              </a:rPr>
-              <a:t>,</a:t>
-            </a:r>
-            <a:r>
-              <a:rPr lang="en-US" dirty="0" err="1">
-                <a:latin typeface="Arial" panose="020B0604020202020204" pitchFamily="34" charset="0"/>
-                <a:cs typeface="Arial" panose="020B0604020202020204" pitchFamily="34" charset="0"/>
-              </a:rPr>
-              <a:t>warehouse_name</a:t>
-            </a:r>
-            <a:endParaRPr lang="en-US" dirty="0">
-              <a:latin typeface="Arial" panose="020B0604020202020204" pitchFamily="34" charset="0"/>
-              <a:cs typeface="Arial" panose="020B0604020202020204" pitchFamily="34" charset="0"/>
-            </a:endParaRPr>
-          </a:p>
-          <a:p>
-            <a:pPr marL="0" indent="0">
-              <a:spcBef>
-                <a:spcPts val="400"/>
-              </a:spcBef>
-              <a:buNone/>
-            </a:pPr>
-            <a:r>
-              <a:rPr lang="en-US" dirty="0">
-                <a:latin typeface="Arial" panose="020B0604020202020204" pitchFamily="34" charset="0"/>
-                <a:cs typeface="Arial" panose="020B0604020202020204" pitchFamily="34" charset="0"/>
-              </a:rPr>
-              <a:t>,day(</a:t>
-            </a:r>
-            <a:r>
-              <a:rPr lang="en-US" dirty="0" err="1">
-                <a:latin typeface="Arial" panose="020B0604020202020204" pitchFamily="34" charset="0"/>
-                <a:cs typeface="Arial" panose="020B0604020202020204" pitchFamily="34" charset="0"/>
-              </a:rPr>
-              <a:t>start_time</a:t>
-            </a:r>
-            <a:r>
-              <a:rPr lang="en-US" dirty="0">
-                <a:latin typeface="Arial" panose="020B0604020202020204" pitchFamily="34" charset="0"/>
-                <a:cs typeface="Arial" panose="020B0604020202020204" pitchFamily="34" charset="0"/>
-              </a:rPr>
-              <a:t>) as day</a:t>
-            </a:r>
-          </a:p>
-          <a:p>
-            <a:pPr marL="0" indent="0">
-              <a:spcBef>
-                <a:spcPts val="400"/>
-              </a:spcBef>
-              <a:buNone/>
-            </a:pPr>
-            <a:r>
-              <a:rPr lang="en-US" dirty="0">
-                <a:latin typeface="Arial" panose="020B0604020202020204" pitchFamily="34" charset="0"/>
-                <a:cs typeface="Arial" panose="020B0604020202020204" pitchFamily="34" charset="0"/>
-              </a:rPr>
-              <a:t>//,week(</a:t>
-            </a:r>
-            <a:r>
-              <a:rPr lang="en-US" dirty="0" err="1">
-                <a:latin typeface="Arial" panose="020B0604020202020204" pitchFamily="34" charset="0"/>
-                <a:cs typeface="Arial" panose="020B0604020202020204" pitchFamily="34" charset="0"/>
-              </a:rPr>
-              <a:t>start_time</a:t>
-            </a:r>
-            <a:r>
-              <a:rPr lang="en-US" dirty="0">
-                <a:latin typeface="Arial" panose="020B0604020202020204" pitchFamily="34" charset="0"/>
-                <a:cs typeface="Arial" panose="020B0604020202020204" pitchFamily="34" charset="0"/>
-              </a:rPr>
-              <a:t>) as week</a:t>
-            </a:r>
-          </a:p>
-          <a:p>
-            <a:pPr marL="0" indent="0">
-              <a:spcBef>
-                <a:spcPts val="400"/>
-              </a:spcBef>
-              <a:buNone/>
-            </a:pPr>
-            <a:r>
-              <a:rPr lang="en-US" dirty="0">
-                <a:latin typeface="Arial" panose="020B0604020202020204" pitchFamily="34" charset="0"/>
-                <a:cs typeface="Arial" panose="020B0604020202020204" pitchFamily="34" charset="0"/>
-              </a:rPr>
-              <a:t>//,min(</a:t>
-            </a:r>
-            <a:r>
-              <a:rPr lang="en-US" dirty="0" err="1">
-                <a:latin typeface="Arial" panose="020B0604020202020204" pitchFamily="34" charset="0"/>
-                <a:cs typeface="Arial" panose="020B0604020202020204" pitchFamily="34" charset="0"/>
-              </a:rPr>
-              <a:t>start_time</a:t>
-            </a:r>
-            <a:r>
-              <a:rPr lang="en-US" dirty="0">
-                <a:latin typeface="Arial" panose="020B0604020202020204" pitchFamily="34" charset="0"/>
-                <a:cs typeface="Arial" panose="020B0604020202020204" pitchFamily="34" charset="0"/>
-              </a:rPr>
-              <a:t>) as </a:t>
-            </a:r>
-            <a:r>
-              <a:rPr lang="en-US" dirty="0" err="1">
-                <a:latin typeface="Arial" panose="020B0604020202020204" pitchFamily="34" charset="0"/>
-                <a:cs typeface="Arial" panose="020B0604020202020204" pitchFamily="34" charset="0"/>
-              </a:rPr>
-              <a:t>min_start</a:t>
-            </a:r>
-            <a:endParaRPr lang="en-US" dirty="0">
-              <a:latin typeface="Arial" panose="020B0604020202020204" pitchFamily="34" charset="0"/>
-              <a:cs typeface="Arial" panose="020B0604020202020204" pitchFamily="34" charset="0"/>
-            </a:endParaRPr>
-          </a:p>
-          <a:p>
-            <a:pPr marL="0" indent="0">
-              <a:spcBef>
-                <a:spcPts val="400"/>
-              </a:spcBef>
-              <a:buNone/>
-            </a:pPr>
-            <a:r>
-              <a:rPr lang="en-US" dirty="0">
-                <a:latin typeface="Arial" panose="020B0604020202020204" pitchFamily="34" charset="0"/>
-                <a:cs typeface="Arial" panose="020B0604020202020204" pitchFamily="34" charset="0"/>
-              </a:rPr>
-              <a:t>//,max(</a:t>
-            </a:r>
-            <a:r>
-              <a:rPr lang="en-US" dirty="0" err="1">
-                <a:latin typeface="Arial" panose="020B0604020202020204" pitchFamily="34" charset="0"/>
-                <a:cs typeface="Arial" panose="020B0604020202020204" pitchFamily="34" charset="0"/>
-              </a:rPr>
-              <a:t>start_time</a:t>
-            </a:r>
-            <a:r>
-              <a:rPr lang="en-US" dirty="0">
-                <a:latin typeface="Arial" panose="020B0604020202020204" pitchFamily="34" charset="0"/>
-                <a:cs typeface="Arial" panose="020B0604020202020204" pitchFamily="34" charset="0"/>
-              </a:rPr>
-              <a:t>) as </a:t>
-            </a:r>
-            <a:r>
-              <a:rPr lang="en-US" dirty="0" err="1">
-                <a:latin typeface="Arial" panose="020B0604020202020204" pitchFamily="34" charset="0"/>
-                <a:cs typeface="Arial" panose="020B0604020202020204" pitchFamily="34" charset="0"/>
-              </a:rPr>
-              <a:t>max_start</a:t>
-            </a:r>
-            <a:endParaRPr lang="en-US" dirty="0">
-              <a:latin typeface="Arial" panose="020B0604020202020204" pitchFamily="34" charset="0"/>
-              <a:cs typeface="Arial" panose="020B0604020202020204" pitchFamily="34" charset="0"/>
-            </a:endParaRPr>
-          </a:p>
-          <a:p>
-            <a:pPr marL="0" indent="0">
-              <a:spcBef>
-                <a:spcPts val="400"/>
-              </a:spcBef>
-              <a:buNone/>
-            </a:pPr>
-            <a:r>
-              <a:rPr lang="en-US" dirty="0">
-                <a:latin typeface="Arial" panose="020B0604020202020204" pitchFamily="34" charset="0"/>
-                <a:cs typeface="Arial" panose="020B0604020202020204" pitchFamily="34" charset="0"/>
-              </a:rPr>
-              <a:t>,count( distinct </a:t>
-            </a:r>
-            <a:r>
-              <a:rPr lang="en-US" dirty="0" err="1">
-                <a:latin typeface="Arial" panose="020B0604020202020204" pitchFamily="34" charset="0"/>
-                <a:cs typeface="Arial" panose="020B0604020202020204" pitchFamily="34" charset="0"/>
-              </a:rPr>
-              <a:t>dw_query_history_shk</a:t>
-            </a:r>
-            <a:r>
-              <a:rPr lang="en-US" dirty="0">
-                <a:latin typeface="Arial" panose="020B0604020202020204" pitchFamily="34" charset="0"/>
-                <a:cs typeface="Arial" panose="020B0604020202020204" pitchFamily="34" charset="0"/>
-              </a:rPr>
-              <a:t> )  as </a:t>
-            </a:r>
-            <a:r>
-              <a:rPr lang="en-US" dirty="0" err="1">
-                <a:latin typeface="Arial" panose="020B0604020202020204" pitchFamily="34" charset="0"/>
-                <a:cs typeface="Arial" panose="020B0604020202020204" pitchFamily="34" charset="0"/>
-              </a:rPr>
-              <a:t>job_cnt</a:t>
-            </a:r>
-            <a:endParaRPr lang="en-US" dirty="0">
-              <a:latin typeface="Arial" panose="020B0604020202020204" pitchFamily="34" charset="0"/>
-              <a:cs typeface="Arial" panose="020B0604020202020204" pitchFamily="34" charset="0"/>
-            </a:endParaRPr>
-          </a:p>
-          <a:p>
-            <a:pPr marL="0" indent="0">
-              <a:spcBef>
-                <a:spcPts val="400"/>
-              </a:spcBef>
-              <a:buNone/>
-            </a:pPr>
-            <a:r>
-              <a:rPr lang="en-US" dirty="0">
-                <a:latin typeface="Arial" panose="020B0604020202020204" pitchFamily="34" charset="0"/>
-                <a:cs typeface="Arial" panose="020B0604020202020204" pitchFamily="34" charset="0"/>
-              </a:rPr>
-              <a:t>,sum( </a:t>
-            </a:r>
-            <a:r>
-              <a:rPr lang="en-US" dirty="0" err="1">
-                <a:latin typeface="Arial" panose="020B0604020202020204" pitchFamily="34" charset="0"/>
-                <a:cs typeface="Arial" panose="020B0604020202020204" pitchFamily="34" charset="0"/>
-              </a:rPr>
-              <a:t>job_credits_used_compute</a:t>
-            </a:r>
-            <a:r>
-              <a:rPr lang="en-US" dirty="0">
-                <a:latin typeface="Arial" panose="020B0604020202020204" pitchFamily="34" charset="0"/>
-                <a:cs typeface="Arial" panose="020B0604020202020204" pitchFamily="34" charset="0"/>
-              </a:rPr>
-              <a:t> )       as </a:t>
-            </a:r>
-            <a:r>
-              <a:rPr lang="en-US" dirty="0" err="1">
-                <a:latin typeface="Arial" panose="020B0604020202020204" pitchFamily="34" charset="0"/>
-                <a:cs typeface="Arial" panose="020B0604020202020204" pitchFamily="34" charset="0"/>
-              </a:rPr>
-              <a:t>total_job_credits_used_compute</a:t>
-            </a:r>
-            <a:endParaRPr lang="en-US" dirty="0">
-              <a:latin typeface="Arial" panose="020B0604020202020204" pitchFamily="34" charset="0"/>
-              <a:cs typeface="Arial" panose="020B0604020202020204" pitchFamily="34" charset="0"/>
-            </a:endParaRPr>
-          </a:p>
-          <a:p>
-            <a:pPr marL="0" indent="0">
-              <a:spcBef>
-                <a:spcPts val="400"/>
-              </a:spcBef>
-              <a:buNone/>
-            </a:pPr>
-            <a:r>
-              <a:rPr lang="en-US" dirty="0">
-                <a:latin typeface="Arial" panose="020B0604020202020204" pitchFamily="34" charset="0"/>
-                <a:cs typeface="Arial" panose="020B0604020202020204" pitchFamily="34" charset="0"/>
-              </a:rPr>
-              <a:t>,round( sum( </a:t>
-            </a:r>
-            <a:r>
-              <a:rPr lang="en-US" dirty="0" err="1">
-                <a:latin typeface="Arial" panose="020B0604020202020204" pitchFamily="34" charset="0"/>
-                <a:cs typeface="Arial" panose="020B0604020202020204" pitchFamily="34" charset="0"/>
-              </a:rPr>
-              <a:t>execution_time_mins</a:t>
-            </a:r>
-            <a:r>
-              <a:rPr lang="en-US" dirty="0">
-                <a:latin typeface="Arial" panose="020B0604020202020204" pitchFamily="34" charset="0"/>
-                <a:cs typeface="Arial" panose="020B0604020202020204" pitchFamily="34" charset="0"/>
-              </a:rPr>
-              <a:t> ), 2 )               as </a:t>
-            </a:r>
-            <a:r>
-              <a:rPr lang="en-US" dirty="0" err="1">
-                <a:latin typeface="Arial" panose="020B0604020202020204" pitchFamily="34" charset="0"/>
-                <a:cs typeface="Arial" panose="020B0604020202020204" pitchFamily="34" charset="0"/>
-              </a:rPr>
-              <a:t>total_execution_time_mins</a:t>
-            </a:r>
-            <a:endParaRPr lang="en-US" dirty="0">
-              <a:latin typeface="Arial" panose="020B0604020202020204" pitchFamily="34" charset="0"/>
-              <a:cs typeface="Arial" panose="020B0604020202020204" pitchFamily="34" charset="0"/>
-            </a:endParaRPr>
-          </a:p>
-          <a:p>
-            <a:pPr marL="0" indent="0">
-              <a:spcBef>
-                <a:spcPts val="400"/>
-              </a:spcBef>
-              <a:buNone/>
-            </a:pPr>
-            <a:r>
-              <a:rPr lang="en-US" dirty="0">
-                <a:latin typeface="Arial" panose="020B0604020202020204" pitchFamily="34" charset="0"/>
-                <a:cs typeface="Arial" panose="020B0604020202020204" pitchFamily="34" charset="0"/>
-              </a:rPr>
-              <a:t>,round( sum( </a:t>
-            </a:r>
-            <a:r>
-              <a:rPr lang="en-US" dirty="0" err="1">
-                <a:latin typeface="Arial" panose="020B0604020202020204" pitchFamily="34" charset="0"/>
-                <a:cs typeface="Arial" panose="020B0604020202020204" pitchFamily="34" charset="0"/>
-              </a:rPr>
-              <a:t>gb_scanned</a:t>
-            </a:r>
-            <a:r>
-              <a:rPr lang="en-US" dirty="0">
-                <a:latin typeface="Arial" panose="020B0604020202020204" pitchFamily="34" charset="0"/>
-                <a:cs typeface="Arial" panose="020B0604020202020204" pitchFamily="34" charset="0"/>
-              </a:rPr>
-              <a:t> ), 2 )         as </a:t>
-            </a:r>
-            <a:r>
-              <a:rPr lang="en-US" dirty="0" err="1">
-                <a:latin typeface="Arial" panose="020B0604020202020204" pitchFamily="34" charset="0"/>
-                <a:cs typeface="Arial" panose="020B0604020202020204" pitchFamily="34" charset="0"/>
-              </a:rPr>
-              <a:t>total_gb_scanned</a:t>
-            </a:r>
-            <a:endParaRPr lang="en-US" dirty="0">
-              <a:latin typeface="Arial" panose="020B0604020202020204" pitchFamily="34" charset="0"/>
-              <a:cs typeface="Arial" panose="020B0604020202020204" pitchFamily="34" charset="0"/>
-            </a:endParaRPr>
-          </a:p>
-          <a:p>
-            <a:pPr marL="0" indent="0">
-              <a:spcBef>
-                <a:spcPts val="400"/>
-              </a:spcBef>
-              <a:buNone/>
-            </a:pPr>
-            <a:r>
-              <a:rPr lang="en-US" dirty="0">
-                <a:latin typeface="Arial" panose="020B0604020202020204" pitchFamily="34" charset="0"/>
-                <a:cs typeface="Arial" panose="020B0604020202020204" pitchFamily="34" charset="0"/>
-              </a:rPr>
-              <a:t>from </a:t>
-            </a:r>
-            <a:r>
-              <a:rPr lang="en-US" dirty="0" err="1">
-                <a:latin typeface="Arial" panose="020B0604020202020204" pitchFamily="34" charset="0"/>
-                <a:cs typeface="Arial" panose="020B0604020202020204" pitchFamily="34" charset="0"/>
-              </a:rPr>
-              <a:t>raw_results</a:t>
-            </a:r>
-            <a:endParaRPr lang="en-US" dirty="0">
-              <a:latin typeface="Arial" panose="020B0604020202020204" pitchFamily="34" charset="0"/>
-              <a:cs typeface="Arial" panose="020B0604020202020204" pitchFamily="34" charset="0"/>
-            </a:endParaRPr>
-          </a:p>
-          <a:p>
-            <a:pPr marL="0" indent="0">
-              <a:spcBef>
-                <a:spcPts val="400"/>
-              </a:spcBef>
-              <a:buNone/>
-            </a:pPr>
-            <a:r>
-              <a:rPr lang="en-US" dirty="0">
-                <a:latin typeface="Arial" panose="020B0604020202020204" pitchFamily="34" charset="0"/>
-                <a:cs typeface="Arial" panose="020B0604020202020204" pitchFamily="34" charset="0"/>
-              </a:rPr>
-              <a:t>group by 1,2,3,4,5,6</a:t>
-            </a:r>
-          </a:p>
-          <a:p>
-            <a:pPr marL="0" indent="0">
-              <a:spcBef>
-                <a:spcPts val="400"/>
-              </a:spcBef>
-              <a:buNone/>
-            </a:pPr>
-            <a:r>
-              <a:rPr lang="en-US" dirty="0">
-                <a:latin typeface="Arial" panose="020B0604020202020204" pitchFamily="34" charset="0"/>
-                <a:cs typeface="Arial" panose="020B0604020202020204" pitchFamily="34" charset="0"/>
-              </a:rPr>
-              <a:t>order by 6</a:t>
-            </a:r>
-          </a:p>
-          <a:p>
-            <a:pPr marL="0" indent="0">
-              <a:spcBef>
-                <a:spcPts val="400"/>
-              </a:spcBef>
-              <a:buNone/>
-            </a:pPr>
-            <a:r>
-              <a:rPr lang="en-US" dirty="0">
-                <a:latin typeface="Arial" panose="020B0604020202020204" pitchFamily="34" charset="0"/>
-                <a:cs typeface="Arial" panose="020B0604020202020204" pitchFamily="34" charset="0"/>
-              </a:rPr>
-              <a:t>;</a:t>
-            </a:r>
-          </a:p>
-        </p:txBody>
-      </p:sp>
-    </p:spTree>
-    <p:extLst>
-      <p:ext uri="{BB962C8B-B14F-4D97-AF65-F5344CB8AC3E}">
-        <p14:creationId xmlns:p14="http://schemas.microsoft.com/office/powerpoint/2010/main" val="207762095"/>
-      </p:ext>
-    </p:extLst>
-  </p:cSld>
-  <p:clrMapOvr>
-    <a:masterClrMapping/>
-  </p:clrMapOvr>
-</p:sld>
-</file>
-
 <file path=ppt/slides/slide2.xml><?xml version="1.0" encoding="utf-8"?>
 <p:sld xmlns:a="http://schemas.openxmlformats.org/drawingml/2006/main" xmlns:r="http://schemas.openxmlformats.org/officeDocument/2006/relationships" xmlns:p="http://schemas.openxmlformats.org/presentationml/2006/main">
   <p:cSld>
@@ -26820,19 +23172,19 @@
           <a:lstStyle/>
           <a:p>
             <a:r>
-              <a:rPr lang="en-US"/>
+              <a:rPr lang="en-US" dirty="0"/>
               <a:t>Issue Discovery</a:t>
             </a:r>
             <a:br>
-              <a:rPr lang="en-US"/>
+              <a:rPr lang="en-US" dirty="0"/>
             </a:br>
             <a:r>
-              <a:rPr lang="en-US">
+              <a:rPr lang="en-US" sz="2000" dirty="0">
                 <a:latin typeface="+mn-lt"/>
               </a:rPr>
               <a:t>(what was the business problem)</a:t>
             </a:r>
-            <a:endParaRPr lang="en-US"/>
+            <a:endParaRPr lang="en-US" sz="2000" dirty="0"/>
           </a:p>
         </p:txBody>
       </p:sp>
@@ -26852,7 +23204,7 @@
             <p:ph idx="1"/>
             <p:extLst>
               <p:ext uri="{D42A27DB-BD31-4B8C-83A1-F6EECF244321}">
-                <p14:modId xmlns:p14="http://schemas.microsoft.com/office/powerpoint/2010/main" val="544073182"/>
+                <p14:modId xmlns:p14="http://schemas.microsoft.com/office/powerpoint/2010/main" val="2926127044"/>
               </p:ext>
             </p:extLst>
           </p:nvPr>
@@ -26867,6 +23219,62 @@
           </a:graphicData>
         </a:graphic>
       </p:graphicFrame>
+      <p:sp>
+        <p:nvSpPr>
+          <p:cNvPr id="3" name="Explosion 1 2">
+            <a:extLst>
+              <a:ext uri="{FF2B5EF4-FFF2-40B4-BE49-F238E27FC236}">
+                <a16:creationId xmlns:a16="http://schemas.microsoft.com/office/drawing/2014/main" id="{62C69FDA-699F-B547-B951-8A57967DC91C}"/>
+              </a:ext>
+            </a:extLst>
+          </p:cNvPr>
+          <p:cNvSpPr/>
+          <p:nvPr/>
+        </p:nvSpPr>
+        <p:spPr>
+          <a:xfrm>
+            <a:off x="9265920" y="2926080"/>
+            <a:ext cx="1493520" cy="1005840"/>
+          </a:xfrm>
+          <a:prstGeom prst="irregularSeal1">
+            <a:avLst/>
+          </a:prstGeom>
+          <a:solidFill>
+            <a:srgbClr val="FFFF00"/>
+          </a:solidFill>
+        </p:spPr>
+        <p:style>
+          <a:lnRef idx="2">
+            <a:schemeClr val="accent1">
+              <a:shade val="50000"/>
+            </a:schemeClr>
+          </a:lnRef>
+          <a:fillRef idx="1">
+            <a:schemeClr val="accent1"/>
+          </a:fillRef>
+          <a:effectRef idx="0">
+            <a:schemeClr val="accent1"/>
+          </a:effectRef>
+          <a:fontRef idx="minor">
+            <a:schemeClr val="lt1"/>
+          </a:fontRef>
+        </p:style>
+        <p:txBody>
+          <a:bodyPr rtlCol="0" anchor="ctr"/>
+          <a:lstStyle/>
+          <a:p>
+            <a:pPr algn="ctr"/>
+            <a:r>
+              <a:rPr lang="en-US" dirty="0">
+                <a:solidFill>
+                  <a:schemeClr val="bg1"/>
+                </a:solidFill>
+              </a:rPr>
+              <a:t>Crucial</a:t>
+            </a:r>
+          </a:p>
+        </p:txBody>
+      </p:sp>
     </p:spTree>
     <p:extLst>
       <p:ext uri="{BB962C8B-B14F-4D97-AF65-F5344CB8AC3E}">
@@ -26921,118 +23329,15 @@
           <a:lstStyle/>
           <a:p>
             <a:r>
-              <a:rPr lang="en-US" sz="3600"/>
-              <a:t>Issue Analysis  - Questions To Ask</a:t>
-            </a:r>
-            <a:br>
-              <a:rPr lang="en-US"/>
-            </a:br>
-            <a:r>
-              <a:rPr lang="en-US" sz="2000"/>
-              <a:t>(what was the technical problem)</a:t>
-            </a:r>
-            <a:endParaRPr lang="en-US" sz="2000" dirty="0"/>
-          </a:p>
-        </p:txBody>
-      </p:sp>
-      <p:graphicFrame>
-        <p:nvGraphicFramePr>
-          <p:cNvPr id="10" name="Content Placeholder 6">
-            <a:extLst>
-              <a:ext uri="{FF2B5EF4-FFF2-40B4-BE49-F238E27FC236}">
-                <a16:creationId xmlns:a16="http://schemas.microsoft.com/office/drawing/2014/main" id="{8ED87CB7-1608-453E-9876-14B458AF313D}"/>
-              </a:ext>
-            </a:extLst>
-          </p:cNvPr>
-          <p:cNvGraphicFramePr>
-            <a:graphicFrameLocks noGrp="1"/>
-          </p:cNvGraphicFramePr>
-          <p:nvPr>
-            <p:ph idx="1"/>
-            <p:extLst>
-              <p:ext uri="{D42A27DB-BD31-4B8C-83A1-F6EECF244321}">
-                <p14:modId xmlns:p14="http://schemas.microsoft.com/office/powerpoint/2010/main" val="3310389378"/>
-              </p:ext>
-            </p:extLst>
-          </p:nvPr>
-        </p:nvGraphicFramePr>
-        <p:xfrm>
-          <a:off x="1141412" y="2249487"/>
-          <a:ext cx="9905999" cy="3541714"/>
-        </p:xfrm>
-        <a:graphic>
-          <a:graphicData uri="http://schemas.openxmlformats.org/drawingml/2006/diagram">
-            <dgm:relIds xmlns:dgm="http://schemas.openxmlformats.org/drawingml/2006/diagram" xmlns:r="http://schemas.openxmlformats.org/officeDocument/2006/relationships" r:dm="rId2" r:lo="rId3" r:qs="rId4" r:cs="rId5"/>
-          </a:graphicData>
-        </a:graphic>
-      </p:graphicFrame>
-    </p:spTree>
-    <p:extLst>
-      <p:ext uri="{BB962C8B-B14F-4D97-AF65-F5344CB8AC3E}">
-        <p14:creationId xmlns:p14="http://schemas.microsoft.com/office/powerpoint/2010/main" val="2868259286"/>
-      </p:ext>
-    </p:extLst>
-  </p:cSld>
-  <p:clrMapOvr>
-    <a:masterClrMapping/>
-  </p:clrMapOvr>
-</p:sld>
-</file>
-
-<file path=ppt/slides/slide5.xml><?xml version="1.0" encoding="utf-8"?>
-<p:sld xmlns:a="http://schemas.openxmlformats.org/drawingml/2006/main" xmlns:r="http://schemas.openxmlformats.org/officeDocument/2006/relationships" xmlns:p="http://schemas.openxmlformats.org/presentationml/2006/main">
-  <p:cSld>
-    <p:spTree>
-      <p:nvGrpSpPr>
-        <p:cNvPr id="1" name=""/>
-        <p:cNvGrpSpPr/>
-        <p:nvPr/>
-      </p:nvGrpSpPr>
-      <p:grpSpPr>
-        <a:xfrm>
-          <a:off x="0" y="0"/>
-          <a:ext cx="0" cy="0"/>
-          <a:chOff x="0" y="0"/>
-          <a:chExt cx="0" cy="0"/>
-        </a:xfrm>
-      </p:grpSpPr>
-      <p:sp>
-        <p:nvSpPr>
-          <p:cNvPr id="2" name="Title 1">
-            <a:extLst>
-              <a:ext uri="{FF2B5EF4-FFF2-40B4-BE49-F238E27FC236}">
-                <a16:creationId xmlns:a16="http://schemas.microsoft.com/office/drawing/2014/main" id="{35CE596C-D19A-6E47-93C0-D86F90D8F9A8}"/>
-              </a:ext>
-            </a:extLst>
-          </p:cNvPr>
-          <p:cNvSpPr>
-            <a:spLocks noGrp="1"/>
-          </p:cNvSpPr>
-          <p:nvPr>
-            <p:ph type="title"/>
-          </p:nvPr>
-        </p:nvSpPr>
-        <p:spPr/>
-        <p:txBody>
-          <a:bodyPr>
-            <a:normAutofit/>
-          </a:bodyPr>
-          <a:lstStyle/>
-          <a:p>
-            <a:r>
               <a:rPr lang="en-US" sz="3600" dirty="0"/>
-              <a:t>Issue Analysis  - Findings for </a:t>
-            </a:r>
-            <a:r>
-              <a:rPr lang="en-US" sz="3600" dirty="0" err="1"/>
-              <a:t>october</a:t>
+              <a:t>Issue Analysis – Key Indicators</a:t>
             </a:r>
             <a:br>
               <a:rPr lang="en-US" dirty="0"/>
             </a:br>
             <a:r>
               <a:rPr lang="en-US" sz="2000" dirty="0"/>
-              <a:t>(what was the technical problem)</a:t>
+              <a:t>(what is the technical problem)</a:t>
             </a:r>
           </a:p>
         </p:txBody>
@@ -27053,7 +23358,7 @@
             <p:ph idx="1"/>
             <p:extLst>
               <p:ext uri="{D42A27DB-BD31-4B8C-83A1-F6EECF244321}">
-                <p14:modId xmlns:p14="http://schemas.microsoft.com/office/powerpoint/2010/main" val="2923865344"/>
+                <p14:modId xmlns:p14="http://schemas.microsoft.com/office/powerpoint/2010/main" val="2428747450"/>
               </p:ext>
             </p:extLst>
           </p:nvPr>
@@ -27068,6 +23373,60 @@
           </a:graphicData>
         </a:graphic>
       </p:graphicFrame>
+      <p:sp>
+        <p:nvSpPr>
+          <p:cNvPr id="3" name="TextBox 2">
+            <a:extLst>
+              <a:ext uri="{FF2B5EF4-FFF2-40B4-BE49-F238E27FC236}">
+                <a16:creationId xmlns:a16="http://schemas.microsoft.com/office/drawing/2014/main" id="{A0AE6B0A-BBA4-F646-958C-7D51A6E0CE82}"/>
+              </a:ext>
+            </a:extLst>
+          </p:cNvPr>
+          <p:cNvSpPr txBox="1"/>
+          <p:nvPr/>
+        </p:nvSpPr>
+        <p:spPr>
+          <a:xfrm>
+            <a:off x="1141412" y="6208793"/>
+            <a:ext cx="9905999" cy="452866"/>
+          </a:xfrm>
+          <a:prstGeom prst="rect">
+            <a:avLst/>
+          </a:prstGeom>
+          <a:solidFill>
+            <a:srgbClr val="9ACD4C">
+              <a:hueOff val="0"/>
+              <a:satOff val="0"/>
+              <a:lumOff val="0"/>
+              <a:alphaOff val="0"/>
+            </a:srgbClr>
+          </a:solidFill>
+          <a:ln w="15875" cap="flat" cmpd="sng" algn="ctr">
+            <a:solidFill>
+              <a:prstClr val="white">
+                <a:hueOff val="0"/>
+                <a:satOff val="0"/>
+                <a:lumOff val="0"/>
+                <a:alphaOff val="0"/>
+              </a:prstClr>
+            </a:solidFill>
+            <a:prstDash val="solid"/>
+          </a:ln>
+          <a:effectLst/>
+        </p:spPr>
+        <p:txBody>
+          <a:bodyPr spcFirstLastPara="0" vert="horz" wrap="square" lIns="83820" tIns="83820" rIns="83820" bIns="83820" numCol="1" spcCol="1270" anchor="ctr" anchorCtr="0">
+            <a:noAutofit/>
+          </a:bodyPr>
+          <a:lstStyle/>
+          <a:p>
+            <a:r>
+              <a:rPr lang="en-US" sz="2400" dirty="0"/>
+              <a:t>Conclusion: Individual query is efficient, but the process needs to be optimized.</a:t>
+            </a:r>
+          </a:p>
+        </p:txBody>
+      </p:sp>
     </p:spTree>
     <p:extLst>
       <p:ext uri="{BB962C8B-B14F-4D97-AF65-F5344CB8AC3E}">
@@ -27081,7 +23440,7 @@
 </p:sld>
 </file>
 
-<file path=ppt/slides/slide6.xml><?xml version="1.0" encoding="utf-8"?>
+<file path=ppt/slides/slide5.xml><?xml version="1.0" encoding="utf-8"?>
 <p:sld xmlns:a="http://schemas.openxmlformats.org/drawingml/2006/main" xmlns:r="http://schemas.openxmlformats.org/officeDocument/2006/relationships" xmlns:p="http://schemas.openxmlformats.org/presentationml/2006/main">
   <p:cSld>
     <p:spTree>
@@ -27136,146 +23495,41 @@
           </a:p>
         </p:txBody>
       </p:sp>
-      <p:sp>
-        <p:nvSpPr>
-          <p:cNvPr id="3" name="Content Placeholder 2">
+      <p:graphicFrame>
+        <p:nvGraphicFramePr>
+          <p:cNvPr id="4" name="Content Placeholder 3">
             <a:extLst>
               <a:ext uri="{FF2B5EF4-FFF2-40B4-BE49-F238E27FC236}">
-                <a16:creationId xmlns:a16="http://schemas.microsoft.com/office/drawing/2014/main" id="{C3546CD6-2258-F148-8D55-85E54EF2AC04}"/>
+                <a16:creationId xmlns:a16="http://schemas.microsoft.com/office/drawing/2014/main" id="{862B1D76-6681-A54A-BC2C-A99938DA1687}"/>
               </a:ext>
             </a:extLst>
           </p:cNvPr>
-          <p:cNvSpPr>
-            <a:spLocks noGrp="1"/>
-          </p:cNvSpPr>
+          <p:cNvGraphicFramePr>
+            <a:graphicFrameLocks noGrp="1"/>
+          </p:cNvGraphicFramePr>
           <p:nvPr>
             <p:ph idx="1"/>
+            <p:extLst>
+              <p:ext uri="{D42A27DB-BD31-4B8C-83A1-F6EECF244321}">
+                <p14:modId xmlns:p14="http://schemas.microsoft.com/office/powerpoint/2010/main" val="1904736165"/>
+              </p:ext>
+            </p:extLst>
           </p:nvPr>
-        </p:nvSpPr>
-        <p:spPr>
-          <a:xfrm>
-            <a:off x="1141412" y="2249486"/>
-            <a:ext cx="9905999" cy="4133025"/>
-          </a:xfrm>
-        </p:spPr>
-        <p:txBody>
-          <a:bodyPr>
-            <a:normAutofit fontScale="92500" lnSpcReduction="10000"/>
-          </a:bodyPr>
-          <a:lstStyle/>
-          <a:p>
-            <a:r>
-              <a:rPr lang="en-US" dirty="0"/>
-              <a:t>Refactor the </a:t>
-            </a:r>
-            <a:r>
-              <a:rPr lang="en-US" dirty="0" err="1"/>
-              <a:t>sql</a:t>
-            </a:r>
-            <a:r>
-              <a:rPr lang="en-US" dirty="0"/>
-              <a:t> and </a:t>
-            </a:r>
-            <a:r>
-              <a:rPr lang="en-US" dirty="0" err="1"/>
-              <a:t>databricks</a:t>
-            </a:r>
-            <a:r>
-              <a:rPr lang="en-US" dirty="0"/>
-              <a:t> notebooks such that:</a:t>
-            </a:r>
-          </a:p>
-          <a:p>
-            <a:pPr lvl="1"/>
-            <a:r>
-              <a:rPr lang="en-US" dirty="0"/>
-              <a:t>The pipeline is run </a:t>
-            </a:r>
-            <a:r>
-              <a:rPr lang="en-US" u="sng" dirty="0"/>
-              <a:t>once per country</a:t>
-            </a:r>
-            <a:r>
-              <a:rPr lang="en-US" dirty="0"/>
-              <a:t> </a:t>
-            </a:r>
-            <a:r>
-              <a:rPr lang="en-US" b="1" dirty="0"/>
-              <a:t>(</a:t>
-            </a:r>
-            <a:r>
-              <a:rPr lang="en-US" dirty="0"/>
-              <a:t>instead of once per title) with all target titles that belong to it in a </a:t>
-            </a:r>
-            <a:r>
-              <a:rPr lang="en-US" b="1" dirty="0"/>
-              <a:t>single large</a:t>
-            </a:r>
-            <a:r>
-              <a:rPr lang="en-US" dirty="0"/>
-              <a:t> </a:t>
-            </a:r>
-            <a:r>
-              <a:rPr lang="en-US" b="1" dirty="0"/>
-              <a:t>batch.</a:t>
-            </a:r>
-            <a:endParaRPr lang="en-US" dirty="0"/>
-          </a:p>
-          <a:p>
-            <a:pPr lvl="1"/>
-            <a:r>
-              <a:rPr lang="en-US" dirty="0"/>
-              <a:t>Consolidate queries for different countries by using raw tables instead of views.</a:t>
-            </a:r>
-          </a:p>
-          <a:p>
-            <a:pPr lvl="1"/>
-            <a:r>
-              <a:rPr lang="en-US" dirty="0"/>
-              <a:t>Break the single CTE into multiple queries that save their results to transient tables at key points.</a:t>
-            </a:r>
-          </a:p>
-          <a:p>
-            <a:pPr lvl="1"/>
-            <a:r>
-              <a:rPr lang="en-US" dirty="0"/>
-              <a:t>Reduced code &amp; </a:t>
-            </a:r>
-            <a:r>
-              <a:rPr lang="en-US" dirty="0" err="1"/>
-              <a:t>sql</a:t>
-            </a:r>
-            <a:r>
-              <a:rPr lang="en-US" dirty="0"/>
-              <a:t> duplication for future maintainability</a:t>
-            </a:r>
-          </a:p>
-          <a:p>
-            <a:pPr lvl="1"/>
-            <a:r>
-              <a:rPr lang="en-US" dirty="0"/>
-              <a:t>Added some basic metrics for monitoring over time</a:t>
-            </a:r>
-          </a:p>
-          <a:p>
-            <a:r>
-              <a:rPr lang="en-US" dirty="0"/>
-              <a:t>The expectation is that it would eliminate duplicate queries and I/O in a significant way.</a:t>
-            </a:r>
-          </a:p>
-          <a:p>
-            <a:endParaRPr lang="en-US" sz="1800" b="1" dirty="0">
-              <a:solidFill>
-                <a:schemeClr val="lt1"/>
-              </a:solidFill>
-            </a:endParaRPr>
-          </a:p>
-        </p:txBody>
-      </p:sp>
+        </p:nvGraphicFramePr>
+        <p:xfrm>
+          <a:off x="1141413" y="2249488"/>
+          <a:ext cx="9906000" cy="3541712"/>
+        </p:xfrm>
+        <a:graphic>
+          <a:graphicData uri="http://schemas.openxmlformats.org/drawingml/2006/diagram">
+            <dgm:relIds xmlns:dgm="http://schemas.openxmlformats.org/drawingml/2006/diagram" xmlns:r="http://schemas.openxmlformats.org/officeDocument/2006/relationships" r:dm="rId3" r:lo="rId4" r:qs="rId5" r:cs="rId6"/>
+          </a:graphicData>
+        </a:graphic>
+      </p:graphicFrame>
     </p:spTree>
     <p:extLst>
       <p:ext uri="{BB962C8B-B14F-4D97-AF65-F5344CB8AC3E}">
-        <p14:creationId xmlns:p14="http://schemas.microsoft.com/office/powerpoint/2010/main" val="1632270011"/>
+        <p14:creationId xmlns:p14="http://schemas.microsoft.com/office/powerpoint/2010/main" val="1074548393"/>
       </p:ext>
     </p:extLst>
   </p:cSld>
@@ -27285,7 +23539,7 @@
 </p:sld>
 </file>
 
-<file path=ppt/slides/slide7.xml><?xml version="1.0" encoding="utf-8"?>
+<file path=ppt/slides/slide6.xml><?xml version="1.0" encoding="utf-8"?>
 <p:sld xmlns:a="http://schemas.openxmlformats.org/drawingml/2006/main" xmlns:r="http://schemas.openxmlformats.org/officeDocument/2006/relationships" xmlns:p="http://schemas.openxmlformats.org/presentationml/2006/main">
   <p:cSld>
     <p:spTree>
@@ -28040,7 +24294,7 @@
 </p:sld>
 </file>
 
-<file path=ppt/slides/slide8.xml><?xml version="1.0" encoding="utf-8"?>
+<file path=ppt/slides/slide7.xml><?xml version="1.0" encoding="utf-8"?>
 <p:sld xmlns:a="http://schemas.openxmlformats.org/drawingml/2006/main" xmlns:r="http://schemas.openxmlformats.org/officeDocument/2006/relationships" xmlns:p="http://schemas.openxmlformats.org/presentationml/2006/main">
   <p:cSld>
     <p:spTree>
@@ -28165,6 +24419,92 @@
 </p:sld>
 </file>
 
+<file path=ppt/slides/slide8.xml><?xml version="1.0" encoding="utf-8"?>
+<p:sld xmlns:a="http://schemas.openxmlformats.org/drawingml/2006/main" xmlns:r="http://schemas.openxmlformats.org/officeDocument/2006/relationships" xmlns:p="http://schemas.openxmlformats.org/presentationml/2006/main">
+  <p:cSld>
+    <p:spTree>
+      <p:nvGrpSpPr>
+        <p:cNvPr id="1" name=""/>
+        <p:cNvGrpSpPr/>
+        <p:nvPr/>
+      </p:nvGrpSpPr>
+      <p:grpSpPr>
+        <a:xfrm>
+          <a:off x="0" y="0"/>
+          <a:ext cx="0" cy="0"/>
+          <a:chOff x="0" y="0"/>
+          <a:chExt cx="0" cy="0"/>
+        </a:xfrm>
+      </p:grpSpPr>
+      <p:sp>
+        <p:nvSpPr>
+          <p:cNvPr id="2" name="Title 1">
+            <a:extLst>
+              <a:ext uri="{FF2B5EF4-FFF2-40B4-BE49-F238E27FC236}">
+                <a16:creationId xmlns:a16="http://schemas.microsoft.com/office/drawing/2014/main" id="{E91ABD10-D246-734E-BD13-B26C22513A3E}"/>
+              </a:ext>
+            </a:extLst>
+          </p:cNvPr>
+          <p:cNvSpPr>
+            <a:spLocks noGrp="1"/>
+          </p:cNvSpPr>
+          <p:nvPr>
+            <p:ph type="title"/>
+          </p:nvPr>
+        </p:nvSpPr>
+        <p:spPr/>
+        <p:txBody>
+          <a:bodyPr/>
+          <a:lstStyle/>
+          <a:p>
+            <a:r>
+              <a:rPr lang="en-US" dirty="0"/>
+              <a:t>Questions?</a:t>
+            </a:r>
+          </a:p>
+        </p:txBody>
+      </p:sp>
+      <p:sp>
+        <p:nvSpPr>
+          <p:cNvPr id="3" name="Text Placeholder 2">
+            <a:extLst>
+              <a:ext uri="{FF2B5EF4-FFF2-40B4-BE49-F238E27FC236}">
+                <a16:creationId xmlns:a16="http://schemas.microsoft.com/office/drawing/2014/main" id="{EC4CE334-05D4-2545-B0D5-686A11305AB3}"/>
+              </a:ext>
+            </a:extLst>
+          </p:cNvPr>
+          <p:cNvSpPr>
+            <a:spLocks noGrp="1"/>
+          </p:cNvSpPr>
+          <p:nvPr>
+            <p:ph type="body" idx="1"/>
+          </p:nvPr>
+        </p:nvSpPr>
+        <p:spPr/>
+        <p:txBody>
+          <a:bodyPr/>
+          <a:lstStyle/>
+          <a:p>
+            <a:r>
+              <a:rPr lang="en-US" dirty="0"/>
+              <a:t> </a:t>
+            </a:r>
+          </a:p>
+        </p:txBody>
+      </p:sp>
+    </p:spTree>
+    <p:extLst>
+      <p:ext uri="{BB962C8B-B14F-4D97-AF65-F5344CB8AC3E}">
+        <p14:creationId xmlns:p14="http://schemas.microsoft.com/office/powerpoint/2010/main" val="3868308576"/>
+      </p:ext>
+    </p:extLst>
+  </p:cSld>
+  <p:clrMapOvr>
+    <a:masterClrMapping/>
+  </p:clrMapOvr>
+</p:sld>
+</file>
+
 <file path=ppt/slides/slide9.xml><?xml version="1.0" encoding="utf-8"?>
 <p:sld xmlns:a="http://schemas.openxmlformats.org/drawingml/2006/main" xmlns:r="http://schemas.openxmlformats.org/officeDocument/2006/relationships" xmlns:p="http://schemas.openxmlformats.org/presentationml/2006/main">
   <p:cSld>
@@ -28187,7 +24527,7 @@
           <p:cNvPr id="2" name="Title 1">
             <a:extLst>
               <a:ext uri="{FF2B5EF4-FFF2-40B4-BE49-F238E27FC236}">
-                <a16:creationId xmlns:a16="http://schemas.microsoft.com/office/drawing/2014/main" id="{87BB8986-EA17-C048-AF5F-BFBB8735AA66}"/>
+                <a16:creationId xmlns:a16="http://schemas.microsoft.com/office/drawing/2014/main" id="{A4433FBA-ED0B-1542-8BD9-43450A7E0E6B}"/>
               </a:ext>
             </a:extLst>
           </p:cNvPr>
@@ -28212,10 +24552,10 @@
       </p:sp>
       <p:sp>
         <p:nvSpPr>
-          <p:cNvPr id="3" name="Text Placeholder 2">
+          <p:cNvPr id="3" name="Content Placeholder 2">
             <a:extLst>
               <a:ext uri="{FF2B5EF4-FFF2-40B4-BE49-F238E27FC236}">
-                <a16:creationId xmlns:a16="http://schemas.microsoft.com/office/drawing/2014/main" id="{63200D38-DC92-A74A-8F61-C95AF03489A7}"/>
+                <a16:creationId xmlns:a16="http://schemas.microsoft.com/office/drawing/2014/main" id="{0DE0E645-AF1E-9E45-BFA9-FC7C3164ACA8}"/>
               </a:ext>
             </a:extLst>
           </p:cNvPr>
@@ -28223,7 +24563,7 @@
             <a:spLocks noGrp="1"/>
           </p:cNvSpPr>
           <p:nvPr>
-            <p:ph type="body" idx="1"/>
+            <p:ph idx="1"/>
           </p:nvPr>
         </p:nvSpPr>
         <p:spPr/>
@@ -28231,14 +24571,29 @@
           <a:bodyPr/>
           <a:lstStyle/>
           <a:p>
-            <a:endParaRPr lang="en-US"/>
+            <a:r>
+              <a:rPr lang="en-US" dirty="0">
+                <a:hlinkClick r:id="rId2"/>
+              </a:rPr>
+              <a:t>query for original process metrics</a:t>
+            </a:r>
+            <a:endParaRPr lang="en-US" dirty="0"/>
+          </a:p>
+          <a:p>
+            <a:r>
+              <a:rPr lang="en-US" dirty="0">
+                <a:hlinkClick r:id="rId3"/>
+              </a:rPr>
+              <a:t>query for new process metrics</a:t>
+            </a:r>
+            <a:endParaRPr lang="en-US" dirty="0"/>
           </a:p>
         </p:txBody>
       </p:sp>
     </p:spTree>
     <p:extLst>
       <p:ext uri="{BB962C8B-B14F-4D97-AF65-F5344CB8AC3E}">
-        <p14:creationId xmlns:p14="http://schemas.microsoft.com/office/powerpoint/2010/main" val="2947660696"/>
+        <p14:creationId xmlns:p14="http://schemas.microsoft.com/office/powerpoint/2010/main" val="166667208"/>
       </p:ext>
     </p:extLst>
   </p:cSld>

--- a/disney/SnowflakeOptimization-CrossoverTitles.pptx
+++ b/disney/SnowflakeOptimization-CrossoverTitles.pptx
@@ -5,18 +5,19 @@
     <p:sldMasterId id="2147483648" r:id="rId1"/>
   </p:sldMasterIdLst>
   <p:notesMasterIdLst>
-    <p:notesMasterId r:id="rId11"/>
+    <p:notesMasterId r:id="rId12"/>
   </p:notesMasterIdLst>
   <p:sldIdLst>
     <p:sldId id="256" r:id="rId2"/>
     <p:sldId id="260" r:id="rId3"/>
     <p:sldId id="261" r:id="rId4"/>
-    <p:sldId id="266" r:id="rId5"/>
-    <p:sldId id="272" r:id="rId6"/>
-    <p:sldId id="263" r:id="rId7"/>
-    <p:sldId id="264" r:id="rId8"/>
-    <p:sldId id="273" r:id="rId9"/>
-    <p:sldId id="271" r:id="rId10"/>
+    <p:sldId id="274" r:id="rId5"/>
+    <p:sldId id="266" r:id="rId6"/>
+    <p:sldId id="272" r:id="rId7"/>
+    <p:sldId id="263" r:id="rId8"/>
+    <p:sldId id="264" r:id="rId9"/>
+    <p:sldId id="273" r:id="rId10"/>
+    <p:sldId id="275" r:id="rId11"/>
   </p:sldIdLst>
   <p:sldSz cx="12192000" cy="6858000"/>
   <p:notesSz cx="6858000" cy="9144000"/>
@@ -2399,6 +2400,925 @@
 </dgm:colorsDef>
 </file>
 
+<file path=ppt/diagrams/colors4.xml><?xml version="1.0" encoding="utf-8"?>
+<dgm:colorsDef xmlns:dgm="http://schemas.openxmlformats.org/drawingml/2006/diagram" xmlns:a="http://schemas.openxmlformats.org/drawingml/2006/main" uniqueId="urn:microsoft.com/office/officeart/2005/8/colors/colorful1">
+  <dgm:title val=""/>
+  <dgm:desc val=""/>
+  <dgm:catLst>
+    <dgm:cat type="colorful" pri="10100"/>
+  </dgm:catLst>
+  <dgm:styleLbl name="node0">
+    <dgm:fillClrLst meth="repeat">
+      <a:schemeClr val="accent1"/>
+    </dgm:fillClrLst>
+    <dgm:linClrLst meth="repeat">
+      <a:schemeClr val="lt1"/>
+    </dgm:linClrLst>
+    <dgm:effectClrLst/>
+    <dgm:txLinClrLst/>
+    <dgm:txFillClrLst/>
+    <dgm:txEffectClrLst/>
+  </dgm:styleLbl>
+  <dgm:styleLbl name="node1">
+    <dgm:fillClrLst meth="repeat">
+      <a:schemeClr val="accent2"/>
+      <a:schemeClr val="accent3"/>
+      <a:schemeClr val="accent4"/>
+      <a:schemeClr val="accent5"/>
+      <a:schemeClr val="accent6"/>
+    </dgm:fillClrLst>
+    <dgm:linClrLst meth="repeat">
+      <a:schemeClr val="lt1"/>
+    </dgm:linClrLst>
+    <dgm:effectClrLst/>
+    <dgm:txLinClrLst/>
+    <dgm:txFillClrLst/>
+    <dgm:txEffectClrLst/>
+  </dgm:styleLbl>
+  <dgm:styleLbl name="alignNode1">
+    <dgm:fillClrLst meth="repeat">
+      <a:schemeClr val="accent2"/>
+      <a:schemeClr val="accent3"/>
+      <a:schemeClr val="accent4"/>
+      <a:schemeClr val="accent5"/>
+      <a:schemeClr val="accent6"/>
+    </dgm:fillClrLst>
+    <dgm:linClrLst meth="repeat">
+      <a:schemeClr val="accent2"/>
+      <a:schemeClr val="accent3"/>
+      <a:schemeClr val="accent4"/>
+      <a:schemeClr val="accent5"/>
+      <a:schemeClr val="accent6"/>
+    </dgm:linClrLst>
+    <dgm:effectClrLst/>
+    <dgm:txLinClrLst/>
+    <dgm:txFillClrLst/>
+    <dgm:txEffectClrLst/>
+  </dgm:styleLbl>
+  <dgm:styleLbl name="lnNode1">
+    <dgm:fillClrLst meth="repeat">
+      <a:schemeClr val="accent2"/>
+      <a:schemeClr val="accent3"/>
+      <a:schemeClr val="accent4"/>
+      <a:schemeClr val="accent5"/>
+      <a:schemeClr val="accent6"/>
+    </dgm:fillClrLst>
+    <dgm:linClrLst meth="repeat">
+      <a:schemeClr val="lt1"/>
+    </dgm:linClrLst>
+    <dgm:effectClrLst/>
+    <dgm:txLinClrLst/>
+    <dgm:txFillClrLst/>
+    <dgm:txEffectClrLst/>
+  </dgm:styleLbl>
+  <dgm:styleLbl name="vennNode1">
+    <dgm:fillClrLst meth="repeat">
+      <a:schemeClr val="accent2">
+        <a:alpha val="50000"/>
+      </a:schemeClr>
+      <a:schemeClr val="accent3">
+        <a:alpha val="50000"/>
+      </a:schemeClr>
+      <a:schemeClr val="accent4">
+        <a:alpha val="50000"/>
+      </a:schemeClr>
+      <a:schemeClr val="accent5">
+        <a:alpha val="50000"/>
+      </a:schemeClr>
+      <a:schemeClr val="accent6">
+        <a:alpha val="50000"/>
+      </a:schemeClr>
+    </dgm:fillClrLst>
+    <dgm:linClrLst meth="repeat">
+      <a:schemeClr val="lt1"/>
+    </dgm:linClrLst>
+    <dgm:effectClrLst/>
+    <dgm:txLinClrLst/>
+    <dgm:txFillClrLst/>
+    <dgm:txEffectClrLst/>
+  </dgm:styleLbl>
+  <dgm:styleLbl name="node2">
+    <dgm:fillClrLst>
+      <a:schemeClr val="accent2"/>
+    </dgm:fillClrLst>
+    <dgm:linClrLst meth="repeat">
+      <a:schemeClr val="lt1"/>
+    </dgm:linClrLst>
+    <dgm:effectClrLst/>
+    <dgm:txLinClrLst/>
+    <dgm:txFillClrLst/>
+    <dgm:txEffectClrLst/>
+  </dgm:styleLbl>
+  <dgm:styleLbl name="node3">
+    <dgm:fillClrLst>
+      <a:schemeClr val="accent3"/>
+    </dgm:fillClrLst>
+    <dgm:linClrLst meth="repeat">
+      <a:schemeClr val="lt1"/>
+    </dgm:linClrLst>
+    <dgm:effectClrLst/>
+    <dgm:txLinClrLst/>
+    <dgm:txFillClrLst/>
+    <dgm:txEffectClrLst/>
+  </dgm:styleLbl>
+  <dgm:styleLbl name="node4">
+    <dgm:fillClrLst>
+      <a:schemeClr val="accent4"/>
+    </dgm:fillClrLst>
+    <dgm:linClrLst meth="repeat">
+      <a:schemeClr val="lt1"/>
+    </dgm:linClrLst>
+    <dgm:effectClrLst/>
+    <dgm:txLinClrLst/>
+    <dgm:txFillClrLst/>
+    <dgm:txEffectClrLst/>
+  </dgm:styleLbl>
+  <dgm:styleLbl name="fgImgPlace1">
+    <dgm:fillClrLst meth="repeat">
+      <a:schemeClr val="accent2">
+        <a:tint val="50000"/>
+      </a:schemeClr>
+      <a:schemeClr val="accent3">
+        <a:tint val="50000"/>
+      </a:schemeClr>
+      <a:schemeClr val="accent4">
+        <a:tint val="50000"/>
+      </a:schemeClr>
+      <a:schemeClr val="accent5">
+        <a:tint val="50000"/>
+      </a:schemeClr>
+      <a:schemeClr val="accent6">
+        <a:tint val="50000"/>
+      </a:schemeClr>
+    </dgm:fillClrLst>
+    <dgm:linClrLst meth="repeat">
+      <a:schemeClr val="lt1"/>
+    </dgm:linClrLst>
+    <dgm:effectClrLst/>
+    <dgm:txLinClrLst/>
+    <dgm:txFillClrLst meth="repeat">
+      <a:schemeClr val="lt1"/>
+    </dgm:txFillClrLst>
+    <dgm:txEffectClrLst/>
+  </dgm:styleLbl>
+  <dgm:styleLbl name="alignImgPlace1">
+    <dgm:fillClrLst>
+      <a:schemeClr val="accent1">
+        <a:tint val="50000"/>
+      </a:schemeClr>
+      <a:schemeClr val="accent2">
+        <a:tint val="20000"/>
+      </a:schemeClr>
+    </dgm:fillClrLst>
+    <dgm:linClrLst meth="repeat">
+      <a:schemeClr val="lt1"/>
+    </dgm:linClrLst>
+    <dgm:effectClrLst/>
+    <dgm:txLinClrLst/>
+    <dgm:txFillClrLst meth="repeat">
+      <a:schemeClr val="lt1"/>
+    </dgm:txFillClrLst>
+    <dgm:txEffectClrLst/>
+  </dgm:styleLbl>
+  <dgm:styleLbl name="bgImgPlace1">
+    <dgm:fillClrLst>
+      <a:schemeClr val="accent1">
+        <a:tint val="50000"/>
+      </a:schemeClr>
+      <a:schemeClr val="accent2">
+        <a:tint val="20000"/>
+      </a:schemeClr>
+    </dgm:fillClrLst>
+    <dgm:linClrLst meth="repeat">
+      <a:schemeClr val="lt1"/>
+    </dgm:linClrLst>
+    <dgm:effectClrLst/>
+    <dgm:txLinClrLst/>
+    <dgm:txFillClrLst meth="repeat">
+      <a:schemeClr val="lt1"/>
+    </dgm:txFillClrLst>
+    <dgm:txEffectClrLst/>
+  </dgm:styleLbl>
+  <dgm:styleLbl name="sibTrans2D1">
+    <dgm:fillClrLst meth="repeat">
+      <a:schemeClr val="accent2"/>
+      <a:schemeClr val="accent3"/>
+      <a:schemeClr val="accent4"/>
+      <a:schemeClr val="accent5"/>
+      <a:schemeClr val="accent6"/>
+    </dgm:fillClrLst>
+    <dgm:linClrLst meth="cycle">
+      <a:schemeClr val="lt1"/>
+    </dgm:linClrLst>
+    <dgm:effectClrLst/>
+    <dgm:txLinClrLst/>
+    <dgm:txFillClrLst/>
+    <dgm:txEffectClrLst/>
+  </dgm:styleLbl>
+  <dgm:styleLbl name="fgSibTrans2D1">
+    <dgm:fillClrLst meth="repeat">
+      <a:schemeClr val="accent2"/>
+      <a:schemeClr val="accent3"/>
+      <a:schemeClr val="accent4"/>
+      <a:schemeClr val="accent5"/>
+      <a:schemeClr val="accent6"/>
+    </dgm:fillClrLst>
+    <dgm:linClrLst meth="cycle">
+      <a:schemeClr val="lt1"/>
+    </dgm:linClrLst>
+    <dgm:effectClrLst/>
+    <dgm:txLinClrLst/>
+    <dgm:txFillClrLst meth="repeat">
+      <a:schemeClr val="lt1"/>
+    </dgm:txFillClrLst>
+    <dgm:txEffectClrLst/>
+  </dgm:styleLbl>
+  <dgm:styleLbl name="bgSibTrans2D1">
+    <dgm:fillClrLst meth="repeat">
+      <a:schemeClr val="accent2"/>
+      <a:schemeClr val="accent3"/>
+      <a:schemeClr val="accent4"/>
+      <a:schemeClr val="accent5"/>
+      <a:schemeClr val="accent6"/>
+    </dgm:fillClrLst>
+    <dgm:linClrLst meth="cycle">
+      <a:schemeClr val="lt1"/>
+    </dgm:linClrLst>
+    <dgm:effectClrLst/>
+    <dgm:txLinClrLst/>
+    <dgm:txFillClrLst meth="repeat">
+      <a:schemeClr val="lt1"/>
+    </dgm:txFillClrLst>
+    <dgm:txEffectClrLst/>
+  </dgm:styleLbl>
+  <dgm:styleLbl name="sibTrans1D1">
+    <dgm:fillClrLst meth="repeat">
+      <a:schemeClr val="accent2"/>
+      <a:schemeClr val="accent3"/>
+      <a:schemeClr val="accent4"/>
+      <a:schemeClr val="accent5"/>
+      <a:schemeClr val="accent6"/>
+    </dgm:fillClrLst>
+    <dgm:linClrLst meth="repeat">
+      <a:schemeClr val="accent2"/>
+      <a:schemeClr val="accent3"/>
+      <a:schemeClr val="accent4"/>
+      <a:schemeClr val="accent5"/>
+      <a:schemeClr val="accent6"/>
+    </dgm:linClrLst>
+    <dgm:effectClrLst/>
+    <dgm:txLinClrLst/>
+    <dgm:txFillClrLst meth="repeat">
+      <a:schemeClr val="tx1"/>
+    </dgm:txFillClrLst>
+    <dgm:txEffectClrLst/>
+  </dgm:styleLbl>
+  <dgm:styleLbl name="callout">
+    <dgm:fillClrLst meth="repeat">
+      <a:schemeClr val="accent2"/>
+    </dgm:fillClrLst>
+    <dgm:linClrLst meth="repeat">
+      <a:schemeClr val="accent2">
+        <a:tint val="50000"/>
+      </a:schemeClr>
+    </dgm:linClrLst>
+    <dgm:effectClrLst/>
+    <dgm:txLinClrLst/>
+    <dgm:txFillClrLst meth="repeat">
+      <a:schemeClr val="tx1"/>
+    </dgm:txFillClrLst>
+    <dgm:txEffectClrLst/>
+  </dgm:styleLbl>
+  <dgm:styleLbl name="asst0">
+    <dgm:fillClrLst meth="repeat">
+      <a:schemeClr val="accent1"/>
+    </dgm:fillClrLst>
+    <dgm:linClrLst meth="repeat">
+      <a:schemeClr val="lt1"/>
+    </dgm:linClrLst>
+    <dgm:effectClrLst/>
+    <dgm:txLinClrLst/>
+    <dgm:txFillClrLst/>
+    <dgm:txEffectClrLst/>
+  </dgm:styleLbl>
+  <dgm:styleLbl name="asst1">
+    <dgm:fillClrLst meth="repeat">
+      <a:schemeClr val="accent2"/>
+    </dgm:fillClrLst>
+    <dgm:linClrLst meth="repeat">
+      <a:schemeClr val="lt1"/>
+    </dgm:linClrLst>
+    <dgm:effectClrLst/>
+    <dgm:txLinClrLst/>
+    <dgm:txFillClrLst/>
+    <dgm:txEffectClrLst/>
+  </dgm:styleLbl>
+  <dgm:styleLbl name="asst2">
+    <dgm:fillClrLst>
+      <a:schemeClr val="accent3"/>
+    </dgm:fillClrLst>
+    <dgm:linClrLst meth="repeat">
+      <a:schemeClr val="lt1"/>
+    </dgm:linClrLst>
+    <dgm:effectClrLst/>
+    <dgm:txLinClrLst/>
+    <dgm:txFillClrLst/>
+    <dgm:txEffectClrLst/>
+  </dgm:styleLbl>
+  <dgm:styleLbl name="asst3">
+    <dgm:fillClrLst>
+      <a:schemeClr val="accent4"/>
+    </dgm:fillClrLst>
+    <dgm:linClrLst meth="repeat">
+      <a:schemeClr val="lt1"/>
+    </dgm:linClrLst>
+    <dgm:effectClrLst/>
+    <dgm:txLinClrLst/>
+    <dgm:txFillClrLst/>
+    <dgm:txEffectClrLst/>
+  </dgm:styleLbl>
+  <dgm:styleLbl name="asst4">
+    <dgm:fillClrLst>
+      <a:schemeClr val="accent5"/>
+    </dgm:fillClrLst>
+    <dgm:linClrLst meth="repeat">
+      <a:schemeClr val="lt1"/>
+    </dgm:linClrLst>
+    <dgm:effectClrLst/>
+    <dgm:txLinClrLst/>
+    <dgm:txFillClrLst/>
+    <dgm:txEffectClrLst/>
+  </dgm:styleLbl>
+  <dgm:styleLbl name="parChTrans2D1">
+    <dgm:fillClrLst meth="repeat">
+      <a:schemeClr val="accent2"/>
+    </dgm:fillClrLst>
+    <dgm:linClrLst meth="repeat">
+      <a:schemeClr val="lt1"/>
+    </dgm:linClrLst>
+    <dgm:effectClrLst/>
+    <dgm:txLinClrLst/>
+    <dgm:txFillClrLst meth="repeat">
+      <a:schemeClr val="lt1"/>
+    </dgm:txFillClrLst>
+    <dgm:txEffectClrLst/>
+  </dgm:styleLbl>
+  <dgm:styleLbl name="parChTrans2D2">
+    <dgm:fillClrLst meth="repeat">
+      <a:schemeClr val="accent3"/>
+    </dgm:fillClrLst>
+    <dgm:linClrLst meth="repeat">
+      <a:schemeClr val="lt1"/>
+    </dgm:linClrLst>
+    <dgm:effectClrLst/>
+    <dgm:txLinClrLst/>
+    <dgm:txFillClrLst/>
+    <dgm:txEffectClrLst/>
+  </dgm:styleLbl>
+  <dgm:styleLbl name="parChTrans2D3">
+    <dgm:fillClrLst meth="repeat">
+      <a:schemeClr val="accent4"/>
+    </dgm:fillClrLst>
+    <dgm:linClrLst meth="repeat">
+      <a:schemeClr val="lt1"/>
+    </dgm:linClrLst>
+    <dgm:effectClrLst/>
+    <dgm:txLinClrLst/>
+    <dgm:txFillClrLst/>
+    <dgm:txEffectClrLst/>
+  </dgm:styleLbl>
+  <dgm:styleLbl name="parChTrans2D4">
+    <dgm:fillClrLst meth="repeat">
+      <a:schemeClr val="accent5"/>
+    </dgm:fillClrLst>
+    <dgm:linClrLst meth="repeat">
+      <a:schemeClr val="lt1"/>
+    </dgm:linClrLst>
+    <dgm:effectClrLst/>
+    <dgm:txLinClrLst/>
+    <dgm:txFillClrLst meth="repeat">
+      <a:schemeClr val="lt1"/>
+    </dgm:txFillClrLst>
+    <dgm:txEffectClrLst/>
+  </dgm:styleLbl>
+  <dgm:styleLbl name="parChTrans1D1">
+    <dgm:fillClrLst meth="repeat">
+      <a:schemeClr val="accent2"/>
+    </dgm:fillClrLst>
+    <dgm:linClrLst meth="repeat">
+      <a:schemeClr val="accent1"/>
+    </dgm:linClrLst>
+    <dgm:effectClrLst/>
+    <dgm:txLinClrLst/>
+    <dgm:txFillClrLst meth="repeat">
+      <a:schemeClr val="tx1"/>
+    </dgm:txFillClrLst>
+    <dgm:txEffectClrLst/>
+  </dgm:styleLbl>
+  <dgm:styleLbl name="parChTrans1D2">
+    <dgm:fillClrLst meth="repeat">
+      <a:schemeClr val="accent3">
+        <a:tint val="90000"/>
+      </a:schemeClr>
+    </dgm:fillClrLst>
+    <dgm:linClrLst meth="repeat">
+      <a:schemeClr val="accent2"/>
+    </dgm:linClrLst>
+    <dgm:effectClrLst/>
+    <dgm:txLinClrLst/>
+    <dgm:txFillClrLst meth="repeat">
+      <a:schemeClr val="tx1"/>
+    </dgm:txFillClrLst>
+    <dgm:txEffectClrLst/>
+  </dgm:styleLbl>
+  <dgm:styleLbl name="parChTrans1D3">
+    <dgm:fillClrLst meth="repeat">
+      <a:schemeClr val="accent4">
+        <a:tint val="70000"/>
+      </a:schemeClr>
+    </dgm:fillClrLst>
+    <dgm:linClrLst meth="repeat">
+      <a:schemeClr val="accent3"/>
+    </dgm:linClrLst>
+    <dgm:effectClrLst/>
+    <dgm:txLinClrLst/>
+    <dgm:txFillClrLst meth="repeat">
+      <a:schemeClr val="tx1"/>
+    </dgm:txFillClrLst>
+    <dgm:txEffectClrLst/>
+  </dgm:styleLbl>
+  <dgm:styleLbl name="parChTrans1D4">
+    <dgm:fillClrLst meth="repeat">
+      <a:schemeClr val="accent5">
+        <a:tint val="50000"/>
+      </a:schemeClr>
+    </dgm:fillClrLst>
+    <dgm:linClrLst meth="repeat">
+      <a:schemeClr val="accent4"/>
+    </dgm:linClrLst>
+    <dgm:effectClrLst/>
+    <dgm:txLinClrLst/>
+    <dgm:txFillClrLst meth="repeat">
+      <a:schemeClr val="tx1"/>
+    </dgm:txFillClrLst>
+    <dgm:txEffectClrLst/>
+  </dgm:styleLbl>
+  <dgm:styleLbl name="fgAcc1">
+    <dgm:fillClrLst meth="repeat">
+      <a:schemeClr val="lt1">
+        <a:alpha val="90000"/>
+      </a:schemeClr>
+    </dgm:fillClrLst>
+    <dgm:linClrLst meth="repeat">
+      <a:schemeClr val="accent2"/>
+      <a:schemeClr val="accent3"/>
+      <a:schemeClr val="accent4"/>
+      <a:schemeClr val="accent5"/>
+      <a:schemeClr val="accent6"/>
+    </dgm:linClrLst>
+    <dgm:effectClrLst/>
+    <dgm:txLinClrLst/>
+    <dgm:txFillClrLst meth="repeat">
+      <a:schemeClr val="dk1"/>
+    </dgm:txFillClrLst>
+    <dgm:txEffectClrLst/>
+  </dgm:styleLbl>
+  <dgm:styleLbl name="conFgAcc1">
+    <dgm:fillClrLst meth="repeat">
+      <a:schemeClr val="lt1">
+        <a:alpha val="90000"/>
+      </a:schemeClr>
+    </dgm:fillClrLst>
+    <dgm:linClrLst meth="repeat">
+      <a:schemeClr val="accent2"/>
+      <a:schemeClr val="accent3"/>
+      <a:schemeClr val="accent4"/>
+      <a:schemeClr val="accent5"/>
+      <a:schemeClr val="accent6"/>
+    </dgm:linClrLst>
+    <dgm:effectClrLst/>
+    <dgm:txLinClrLst/>
+    <dgm:txFillClrLst meth="repeat">
+      <a:schemeClr val="dk1"/>
+    </dgm:txFillClrLst>
+    <dgm:txEffectClrLst/>
+  </dgm:styleLbl>
+  <dgm:styleLbl name="alignAcc1">
+    <dgm:fillClrLst meth="repeat">
+      <a:schemeClr val="lt1">
+        <a:alpha val="90000"/>
+      </a:schemeClr>
+    </dgm:fillClrLst>
+    <dgm:linClrLst meth="repeat">
+      <a:schemeClr val="accent2"/>
+      <a:schemeClr val="accent3"/>
+      <a:schemeClr val="accent4"/>
+      <a:schemeClr val="accent5"/>
+      <a:schemeClr val="accent6"/>
+    </dgm:linClrLst>
+    <dgm:effectClrLst/>
+    <dgm:txLinClrLst/>
+    <dgm:txFillClrLst meth="repeat">
+      <a:schemeClr val="dk1"/>
+    </dgm:txFillClrLst>
+    <dgm:txEffectClrLst/>
+  </dgm:styleLbl>
+  <dgm:styleLbl name="trAlignAcc1">
+    <dgm:fillClrLst meth="repeat">
+      <a:schemeClr val="lt1">
+        <a:alpha val="40000"/>
+      </a:schemeClr>
+    </dgm:fillClrLst>
+    <dgm:linClrLst meth="repeat">
+      <a:schemeClr val="accent1"/>
+    </dgm:linClrLst>
+    <dgm:effectClrLst/>
+    <dgm:txLinClrLst/>
+    <dgm:txFillClrLst meth="repeat">
+      <a:schemeClr val="dk1"/>
+    </dgm:txFillClrLst>
+    <dgm:txEffectClrLst/>
+  </dgm:styleLbl>
+  <dgm:styleLbl name="bgAcc1">
+    <dgm:fillClrLst meth="repeat">
+      <a:schemeClr val="lt1">
+        <a:alpha val="90000"/>
+      </a:schemeClr>
+    </dgm:fillClrLst>
+    <dgm:linClrLst meth="repeat">
+      <a:schemeClr val="accent2"/>
+      <a:schemeClr val="accent3"/>
+      <a:schemeClr val="accent4"/>
+      <a:schemeClr val="accent5"/>
+      <a:schemeClr val="accent6"/>
+    </dgm:linClrLst>
+    <dgm:effectClrLst/>
+    <dgm:txLinClrLst/>
+    <dgm:txFillClrLst meth="repeat">
+      <a:schemeClr val="dk1"/>
+    </dgm:txFillClrLst>
+    <dgm:txEffectClrLst/>
+  </dgm:styleLbl>
+  <dgm:styleLbl name="solidFgAcc1">
+    <dgm:fillClrLst meth="repeat">
+      <a:schemeClr val="lt1"/>
+    </dgm:fillClrLst>
+    <dgm:linClrLst meth="repeat">
+      <a:schemeClr val="accent2"/>
+      <a:schemeClr val="accent3"/>
+      <a:schemeClr val="accent4"/>
+      <a:schemeClr val="accent5"/>
+      <a:schemeClr val="accent6"/>
+    </dgm:linClrLst>
+    <dgm:effectClrLst/>
+    <dgm:txLinClrLst/>
+    <dgm:txFillClrLst meth="repeat">
+      <a:schemeClr val="dk1"/>
+    </dgm:txFillClrLst>
+    <dgm:txEffectClrLst/>
+  </dgm:styleLbl>
+  <dgm:styleLbl name="solidAlignAcc1">
+    <dgm:fillClrLst meth="repeat">
+      <a:schemeClr val="lt1"/>
+    </dgm:fillClrLst>
+    <dgm:linClrLst meth="repeat">
+      <a:schemeClr val="accent2"/>
+      <a:schemeClr val="accent3"/>
+      <a:schemeClr val="accent4"/>
+      <a:schemeClr val="accent5"/>
+      <a:schemeClr val="accent6"/>
+    </dgm:linClrLst>
+    <dgm:effectClrLst/>
+    <dgm:txLinClrLst/>
+    <dgm:txFillClrLst meth="repeat">
+      <a:schemeClr val="dk1"/>
+    </dgm:txFillClrLst>
+    <dgm:txEffectClrLst/>
+  </dgm:styleLbl>
+  <dgm:styleLbl name="solidBgAcc1">
+    <dgm:fillClrLst meth="repeat">
+      <a:schemeClr val="lt1"/>
+    </dgm:fillClrLst>
+    <dgm:linClrLst meth="repeat">
+      <a:schemeClr val="accent2"/>
+      <a:schemeClr val="accent3"/>
+      <a:schemeClr val="accent4"/>
+      <a:schemeClr val="accent5"/>
+      <a:schemeClr val="accent6"/>
+    </dgm:linClrLst>
+    <dgm:effectClrLst/>
+    <dgm:txLinClrLst/>
+    <dgm:txFillClrLst meth="repeat">
+      <a:schemeClr val="dk1"/>
+    </dgm:txFillClrLst>
+    <dgm:txEffectClrLst/>
+  </dgm:styleLbl>
+  <dgm:styleLbl name="fgAccFollowNode1">
+    <dgm:fillClrLst meth="repeat">
+      <a:schemeClr val="accent2">
+        <a:tint val="40000"/>
+        <a:alpha val="90000"/>
+      </a:schemeClr>
+      <a:schemeClr val="accent3">
+        <a:tint val="40000"/>
+        <a:alpha val="90000"/>
+      </a:schemeClr>
+      <a:schemeClr val="accent4">
+        <a:tint val="40000"/>
+        <a:alpha val="90000"/>
+      </a:schemeClr>
+      <a:schemeClr val="accent5">
+        <a:tint val="40000"/>
+        <a:alpha val="90000"/>
+      </a:schemeClr>
+      <a:schemeClr val="accent6">
+        <a:tint val="40000"/>
+        <a:alpha val="90000"/>
+      </a:schemeClr>
+    </dgm:fillClrLst>
+    <dgm:linClrLst meth="repeat">
+      <a:schemeClr val="accent2">
+        <a:tint val="40000"/>
+        <a:alpha val="90000"/>
+      </a:schemeClr>
+      <a:schemeClr val="accent3">
+        <a:tint val="40000"/>
+        <a:alpha val="90000"/>
+      </a:schemeClr>
+      <a:schemeClr val="accent4">
+        <a:tint val="40000"/>
+        <a:alpha val="90000"/>
+      </a:schemeClr>
+      <a:schemeClr val="accent5">
+        <a:tint val="40000"/>
+        <a:alpha val="90000"/>
+      </a:schemeClr>
+      <a:schemeClr val="accent6">
+        <a:tint val="40000"/>
+        <a:alpha val="90000"/>
+      </a:schemeClr>
+    </dgm:linClrLst>
+    <dgm:effectClrLst/>
+    <dgm:txLinClrLst/>
+    <dgm:txFillClrLst meth="repeat">
+      <a:schemeClr val="dk1"/>
+    </dgm:txFillClrLst>
+    <dgm:txEffectClrLst/>
+  </dgm:styleLbl>
+  <dgm:styleLbl name="alignAccFollowNode1">
+    <dgm:fillClrLst meth="repeat">
+      <a:schemeClr val="accent2">
+        <a:tint val="40000"/>
+        <a:alpha val="90000"/>
+      </a:schemeClr>
+      <a:schemeClr val="accent3">
+        <a:tint val="40000"/>
+        <a:alpha val="90000"/>
+      </a:schemeClr>
+      <a:schemeClr val="accent4">
+        <a:tint val="40000"/>
+        <a:alpha val="90000"/>
+      </a:schemeClr>
+      <a:schemeClr val="accent5">
+        <a:tint val="40000"/>
+        <a:alpha val="90000"/>
+      </a:schemeClr>
+      <a:schemeClr val="accent6">
+        <a:tint val="40000"/>
+        <a:alpha val="90000"/>
+      </a:schemeClr>
+    </dgm:fillClrLst>
+    <dgm:linClrLst meth="repeat">
+      <a:schemeClr val="accent2">
+        <a:tint val="40000"/>
+        <a:alpha val="90000"/>
+      </a:schemeClr>
+      <a:schemeClr val="accent3">
+        <a:tint val="40000"/>
+        <a:alpha val="90000"/>
+      </a:schemeClr>
+      <a:schemeClr val="accent4">
+        <a:tint val="40000"/>
+        <a:alpha val="90000"/>
+      </a:schemeClr>
+      <a:schemeClr val="accent5">
+        <a:tint val="40000"/>
+        <a:alpha val="90000"/>
+      </a:schemeClr>
+      <a:schemeClr val="accent6">
+        <a:tint val="40000"/>
+        <a:alpha val="90000"/>
+      </a:schemeClr>
+    </dgm:linClrLst>
+    <dgm:effectClrLst/>
+    <dgm:txLinClrLst/>
+    <dgm:txFillClrLst meth="repeat">
+      <a:schemeClr val="dk1"/>
+    </dgm:txFillClrLst>
+    <dgm:txEffectClrLst/>
+  </dgm:styleLbl>
+  <dgm:styleLbl name="bgAccFollowNode1">
+    <dgm:fillClrLst meth="repeat">
+      <a:schemeClr val="accent2">
+        <a:tint val="40000"/>
+        <a:alpha val="90000"/>
+      </a:schemeClr>
+      <a:schemeClr val="accent3">
+        <a:tint val="40000"/>
+        <a:alpha val="90000"/>
+      </a:schemeClr>
+      <a:schemeClr val="accent4">
+        <a:tint val="40000"/>
+        <a:alpha val="90000"/>
+      </a:schemeClr>
+      <a:schemeClr val="accent5">
+        <a:tint val="40000"/>
+        <a:alpha val="90000"/>
+      </a:schemeClr>
+      <a:schemeClr val="accent6">
+        <a:tint val="40000"/>
+        <a:alpha val="90000"/>
+      </a:schemeClr>
+    </dgm:fillClrLst>
+    <dgm:linClrLst meth="repeat">
+      <a:schemeClr val="accent2">
+        <a:tint val="40000"/>
+        <a:alpha val="90000"/>
+      </a:schemeClr>
+      <a:schemeClr val="accent3">
+        <a:tint val="40000"/>
+        <a:alpha val="90000"/>
+      </a:schemeClr>
+      <a:schemeClr val="accent4">
+        <a:tint val="40000"/>
+        <a:alpha val="90000"/>
+      </a:schemeClr>
+      <a:schemeClr val="accent5">
+        <a:tint val="40000"/>
+        <a:alpha val="90000"/>
+      </a:schemeClr>
+      <a:schemeClr val="accent6">
+        <a:tint val="40000"/>
+        <a:alpha val="90000"/>
+      </a:schemeClr>
+    </dgm:linClrLst>
+    <dgm:effectClrLst/>
+    <dgm:txLinClrLst/>
+    <dgm:txFillClrLst meth="repeat">
+      <a:schemeClr val="dk1"/>
+    </dgm:txFillClrLst>
+    <dgm:txEffectClrLst/>
+  </dgm:styleLbl>
+  <dgm:styleLbl name="fgAcc0">
+    <dgm:fillClrLst meth="repeat">
+      <a:schemeClr val="lt1">
+        <a:alpha val="90000"/>
+      </a:schemeClr>
+    </dgm:fillClrLst>
+    <dgm:linClrLst>
+      <a:schemeClr val="accent1"/>
+    </dgm:linClrLst>
+    <dgm:effectClrLst/>
+    <dgm:txLinClrLst/>
+    <dgm:txFillClrLst meth="repeat">
+      <a:schemeClr val="dk1"/>
+    </dgm:txFillClrLst>
+    <dgm:txEffectClrLst/>
+  </dgm:styleLbl>
+  <dgm:styleLbl name="fgAcc2">
+    <dgm:fillClrLst meth="repeat">
+      <a:schemeClr val="lt1">
+        <a:alpha val="90000"/>
+      </a:schemeClr>
+    </dgm:fillClrLst>
+    <dgm:linClrLst>
+      <a:schemeClr val="accent2"/>
+    </dgm:linClrLst>
+    <dgm:effectClrLst/>
+    <dgm:txLinClrLst/>
+    <dgm:txFillClrLst meth="repeat">
+      <a:schemeClr val="dk1"/>
+    </dgm:txFillClrLst>
+    <dgm:txEffectClrLst/>
+  </dgm:styleLbl>
+  <dgm:styleLbl name="fgAcc3">
+    <dgm:fillClrLst meth="repeat">
+      <a:schemeClr val="lt1">
+        <a:alpha val="90000"/>
+      </a:schemeClr>
+    </dgm:fillClrLst>
+    <dgm:linClrLst>
+      <a:schemeClr val="accent3"/>
+    </dgm:linClrLst>
+    <dgm:effectClrLst/>
+    <dgm:txLinClrLst/>
+    <dgm:txFillClrLst meth="repeat">
+      <a:schemeClr val="dk1"/>
+    </dgm:txFillClrLst>
+    <dgm:txEffectClrLst/>
+  </dgm:styleLbl>
+  <dgm:styleLbl name="fgAcc4">
+    <dgm:fillClrLst meth="repeat">
+      <a:schemeClr val="lt1">
+        <a:alpha val="90000"/>
+      </a:schemeClr>
+    </dgm:fillClrLst>
+    <dgm:linClrLst>
+      <a:schemeClr val="accent4"/>
+    </dgm:linClrLst>
+    <dgm:effectClrLst/>
+    <dgm:txLinClrLst/>
+    <dgm:txFillClrLst meth="repeat">
+      <a:schemeClr val="dk1"/>
+    </dgm:txFillClrLst>
+    <dgm:txEffectClrLst/>
+  </dgm:styleLbl>
+  <dgm:styleLbl name="bgShp">
+    <dgm:fillClrLst meth="repeat">
+      <a:schemeClr val="accent2">
+        <a:tint val="40000"/>
+      </a:schemeClr>
+    </dgm:fillClrLst>
+    <dgm:linClrLst meth="repeat">
+      <a:schemeClr val="dk1"/>
+    </dgm:linClrLst>
+    <dgm:effectClrLst/>
+    <dgm:txLinClrLst/>
+    <dgm:txFillClrLst meth="repeat">
+      <a:schemeClr val="dk1"/>
+    </dgm:txFillClrLst>
+    <dgm:txEffectClrLst/>
+  </dgm:styleLbl>
+  <dgm:styleLbl name="dkBgShp">
+    <dgm:fillClrLst meth="repeat">
+      <a:schemeClr val="accent2">
+        <a:shade val="90000"/>
+      </a:schemeClr>
+    </dgm:fillClrLst>
+    <dgm:linClrLst meth="repeat">
+      <a:schemeClr val="dk1"/>
+    </dgm:linClrLst>
+    <dgm:effectClrLst/>
+    <dgm:txLinClrLst/>
+    <dgm:txFillClrLst meth="repeat">
+      <a:schemeClr val="lt1"/>
+    </dgm:txFillClrLst>
+    <dgm:txEffectClrLst/>
+  </dgm:styleLbl>
+  <dgm:styleLbl name="trBgShp">
+    <dgm:fillClrLst meth="repeat">
+      <a:schemeClr val="accent1">
+        <a:tint val="50000"/>
+        <a:alpha val="40000"/>
+      </a:schemeClr>
+    </dgm:fillClrLst>
+    <dgm:linClrLst meth="repeat">
+      <a:schemeClr val="accent2"/>
+    </dgm:linClrLst>
+    <dgm:effectClrLst/>
+    <dgm:txLinClrLst/>
+    <dgm:txFillClrLst meth="repeat">
+      <a:schemeClr val="lt1"/>
+    </dgm:txFillClrLst>
+    <dgm:txEffectClrLst/>
+  </dgm:styleLbl>
+  <dgm:styleLbl name="fgShp">
+    <dgm:fillClrLst meth="repeat">
+      <a:schemeClr val="accent2">
+        <a:tint val="40000"/>
+      </a:schemeClr>
+    </dgm:fillClrLst>
+    <dgm:linClrLst meth="repeat">
+      <a:schemeClr val="lt1"/>
+    </dgm:linClrLst>
+    <dgm:effectClrLst/>
+    <dgm:txLinClrLst/>
+    <dgm:txFillClrLst meth="repeat">
+      <a:schemeClr val="dk1"/>
+    </dgm:txFillClrLst>
+    <dgm:txEffectClrLst/>
+  </dgm:styleLbl>
+  <dgm:styleLbl name="revTx">
+    <dgm:fillClrLst meth="repeat">
+      <a:schemeClr val="lt1">
+        <a:alpha val="0"/>
+      </a:schemeClr>
+    </dgm:fillClrLst>
+    <dgm:linClrLst meth="repeat">
+      <a:schemeClr val="dk1">
+        <a:alpha val="0"/>
+      </a:schemeClr>
+    </dgm:linClrLst>
+    <dgm:effectClrLst/>
+    <dgm:txLinClrLst/>
+    <dgm:txFillClrLst meth="repeat">
+      <a:schemeClr val="tx1"/>
+    </dgm:txFillClrLst>
+    <dgm:txEffectClrLst/>
+  </dgm:styleLbl>
+</dgm:colorsDef>
+</file>
+
 <file path=ppt/diagrams/data1.xml><?xml version="1.0" encoding="utf-8"?>
 <dgm:dataModel xmlns:dgm="http://schemas.openxmlformats.org/drawingml/2006/diagram" xmlns:a="http://schemas.openxmlformats.org/drawingml/2006/main">
   <dgm:ptLst>
@@ -2414,15 +3334,21 @@
       </dgm:t>
     </dgm:pt>
     <dgm:pt modelId="{6ACEB3D6-E050-43D3-B6A6-A441BB6AC691}">
-      <dgm:prSet/>
+      <dgm:prSet custT="1"/>
       <dgm:spPr/>
       <dgm:t>
         <a:bodyPr/>
         <a:lstStyle/>
         <a:p>
           <a:r>
-            <a:rPr lang="en-US"/>
-            <a:t>There is a need to reduce Snowflake usage cost across the company.</a:t>
+            <a:rPr lang="en-US" sz="2000" dirty="0"/>
+            <a:t>Need to reduce Snowflake usage across the company.</a:t>
+          </a:r>
+        </a:p>
+        <a:p>
+          <a:r>
+            <a:rPr lang="en-US" sz="2000" dirty="0"/>
+            <a:t>(save money for Disney and time for users)</a:t>
           </a:r>
         </a:p>
       </dgm:t>
@@ -2434,39 +3360,37 @@
         <a:bodyPr/>
         <a:lstStyle/>
         <a:p>
-          <a:endParaRPr lang="en-US"/>
+          <a:endParaRPr lang="en-US" sz="2000"/>
         </a:p>
       </dgm:t>
     </dgm:pt>
     <dgm:pt modelId="{DB828793-B1C3-479B-B18F-DECCEEE5F854}" type="sibTrans" cxnId="{24E277AE-5E7F-470B-8EB9-F57552890E74}">
-      <dgm:prSet/>
+      <dgm:prSet custT="1"/>
       <dgm:spPr/>
       <dgm:t>
         <a:bodyPr/>
         <a:lstStyle/>
         <a:p>
-          <a:endParaRPr lang="en-US"/>
+          <a:endParaRPr lang="en-US" sz="2000"/>
         </a:p>
       </dgm:t>
     </dgm:pt>
     <dgm:pt modelId="{12E5102F-2FBA-480C-9B01-6753A5072826}">
-      <dgm:prSet/>
+      <dgm:prSet custT="1"/>
       <dgm:spPr/>
       <dgm:t>
         <a:bodyPr/>
         <a:lstStyle/>
         <a:p>
           <a:r>
-            <a:rPr lang="en-US" dirty="0"/>
-            <a:t>Ran “</a:t>
+            <a:rPr lang="en-US" sz="2000" dirty="0"/>
+            <a:t>Identify biggest queries.  (monoliths &amp; shards)</a:t>
           </a:r>
+        </a:p>
+        <a:p>
           <a:r>
-            <a:rPr lang="en-US" dirty="0" err="1"/>
-            <a:t>sql</a:t>
-          </a:r>
-          <a:r>
-            <a:rPr lang="en-US" dirty="0"/>
-            <a:t> aggregation” query to identify highest cost snowflake queries.</a:t>
+            <a:rPr lang="en-US" sz="2000" dirty="0"/>
+            <a:t>(query provided by Data Engineering)</a:t>
           </a:r>
         </a:p>
       </dgm:t>
@@ -2478,38 +3402,44 @@
         <a:bodyPr/>
         <a:lstStyle/>
         <a:p>
-          <a:endParaRPr lang="en-US"/>
+          <a:endParaRPr lang="en-US" sz="2000"/>
         </a:p>
       </dgm:t>
     </dgm:pt>
     <dgm:pt modelId="{270F810A-F865-40B4-A38D-BD83D350CE2C}" type="sibTrans" cxnId="{7BE15EBB-A8AF-445B-A084-C9215A4D35EA}">
-      <dgm:prSet/>
+      <dgm:prSet custT="1"/>
       <dgm:spPr/>
       <dgm:t>
         <a:bodyPr/>
         <a:lstStyle/>
         <a:p>
-          <a:endParaRPr lang="en-US"/>
+          <a:endParaRPr lang="en-US" sz="2000"/>
         </a:p>
       </dgm:t>
     </dgm:pt>
     <dgm:pt modelId="{06584CC2-FDE9-4B28-9EBA-794F2643C0E2}">
-      <dgm:prSet/>
+      <dgm:prSet custT="1"/>
       <dgm:spPr/>
       <dgm:t>
         <a:bodyPr/>
         <a:lstStyle/>
         <a:p>
           <a:r>
-            <a:rPr lang="en-US" dirty="0"/>
-            <a:t>Identified the crossover titles query as the most expensive  (~$20k/</a:t>
+            <a:rPr lang="en-US" sz="2000" dirty="0"/>
+            <a:t>Identified the crossover titles query as the most expensive  </a:t>
+          </a:r>
+        </a:p>
+        <a:p>
+          <a:r>
+            <a:rPr lang="en-US" sz="2000" dirty="0"/>
+            <a:t>(~$20k/</a:t>
           </a:r>
           <a:r>
-            <a:rPr lang="en-US" dirty="0" err="1"/>
+            <a:rPr lang="en-US" sz="2000" dirty="0" err="1"/>
             <a:t>mo</a:t>
           </a:r>
           <a:r>
-            <a:rPr lang="en-US" dirty="0"/>
+            <a:rPr lang="en-US" sz="2000" dirty="0"/>
             <a:t>, 3X the next largest query)</a:t>
           </a:r>
         </a:p>
@@ -2522,30 +3452,30 @@
         <a:bodyPr/>
         <a:lstStyle/>
         <a:p>
-          <a:endParaRPr lang="en-US"/>
+          <a:endParaRPr lang="en-US" sz="2000"/>
         </a:p>
       </dgm:t>
     </dgm:pt>
     <dgm:pt modelId="{7D6A47C1-F012-46A6-945F-0750CB9562E0}" type="sibTrans" cxnId="{38F988FC-BA54-477B-9FC4-659157AA9F3C}">
-      <dgm:prSet/>
+      <dgm:prSet custT="1"/>
       <dgm:spPr/>
       <dgm:t>
         <a:bodyPr/>
         <a:lstStyle/>
         <a:p>
-          <a:endParaRPr lang="en-US"/>
+          <a:endParaRPr lang="en-US" sz="2000"/>
         </a:p>
       </dgm:t>
     </dgm:pt>
     <dgm:pt modelId="{26519098-29F0-4C48-8E85-65893ACBFD9B}">
-      <dgm:prSet/>
+      <dgm:prSet custT="1"/>
       <dgm:spPr/>
       <dgm:t>
         <a:bodyPr/>
         <a:lstStyle/>
         <a:p>
           <a:r>
-            <a:rPr lang="en-US"/>
+            <a:rPr lang="en-US" sz="2000" dirty="0"/>
             <a:t>Reached out to Content Analytics team to gain context and formulate a plan.</a:t>
           </a:r>
         </a:p>
@@ -2558,18 +3488,54 @@
         <a:bodyPr/>
         <a:lstStyle/>
         <a:p>
-          <a:endParaRPr lang="en-US"/>
+          <a:endParaRPr lang="en-US" sz="2000"/>
         </a:p>
       </dgm:t>
     </dgm:pt>
     <dgm:pt modelId="{36E526DF-E56E-457E-A2A9-49C577CC4603}" type="sibTrans" cxnId="{DA7597A0-DCA3-4626-9AF4-5C009A2F2B9D}">
+      <dgm:prSet custT="1"/>
+      <dgm:spPr/>
+      <dgm:t>
+        <a:bodyPr/>
+        <a:lstStyle/>
+        <a:p>
+          <a:endParaRPr lang="en-US" sz="2000"/>
+        </a:p>
+      </dgm:t>
+    </dgm:pt>
+    <dgm:pt modelId="{045DFC1C-3AB6-324B-9672-68C1F336816D}">
+      <dgm:prSet custT="1"/>
+      <dgm:spPr/>
+      <dgm:t>
+        <a:bodyPr/>
+        <a:lstStyle/>
+        <a:p>
+          <a:r>
+            <a:rPr lang="en-US" sz="2000" dirty="0"/>
+            <a:t>Crossover Titles process identifies ”for accounts who watched X, here are the other most watched titles”. </a:t>
+          </a:r>
+        </a:p>
+      </dgm:t>
+    </dgm:pt>
+    <dgm:pt modelId="{7397E60C-A6AA-9C4B-B999-911E81495B65}" type="parTrans" cxnId="{F38A04F6-AE98-B246-8655-E366C3B6F35B}">
       <dgm:prSet/>
       <dgm:spPr/>
       <dgm:t>
         <a:bodyPr/>
         <a:lstStyle/>
         <a:p>
-          <a:endParaRPr lang="en-US"/>
+          <a:endParaRPr lang="en-US" sz="2000"/>
+        </a:p>
+      </dgm:t>
+    </dgm:pt>
+    <dgm:pt modelId="{7D518720-C2DB-7648-A220-9565C08DDCDD}" type="sibTrans" cxnId="{F38A04F6-AE98-B246-8655-E366C3B6F35B}">
+      <dgm:prSet/>
+      <dgm:spPr/>
+      <dgm:t>
+        <a:bodyPr/>
+        <a:lstStyle/>
+        <a:p>
+          <a:endParaRPr lang="en-US" sz="2000"/>
         </a:p>
       </dgm:t>
     </dgm:pt>
@@ -2589,88 +3555,112 @@
       </dgm:prSet>
       <dgm:spPr/>
     </dgm:pt>
-    <dgm:pt modelId="{EB83A0D5-6E70-AA43-BA1E-F8E34F2C1B9F}" type="pres">
-      <dgm:prSet presAssocID="{76763341-E7EF-4CDB-A4D3-5852D73F6C6C}" presName="FourNodes_1" presStyleLbl="node1" presStyleIdx="0" presStyleCnt="4">
+    <dgm:pt modelId="{9F98E594-53E4-4942-8559-24A7B127E955}" type="pres">
+      <dgm:prSet presAssocID="{76763341-E7EF-4CDB-A4D3-5852D73F6C6C}" presName="FiveNodes_1" presStyleLbl="node1" presStyleIdx="0" presStyleCnt="5">
         <dgm:presLayoutVars>
           <dgm:bulletEnabled val="1"/>
         </dgm:presLayoutVars>
       </dgm:prSet>
       <dgm:spPr/>
     </dgm:pt>
-    <dgm:pt modelId="{9BB8B0CC-F959-8B4E-815D-BEC64E55BA02}" type="pres">
-      <dgm:prSet presAssocID="{76763341-E7EF-4CDB-A4D3-5852D73F6C6C}" presName="FourNodes_2" presStyleLbl="node1" presStyleIdx="1" presStyleCnt="4">
+    <dgm:pt modelId="{AAC7B72B-1EAA-7945-BB1A-CA83665FF709}" type="pres">
+      <dgm:prSet presAssocID="{76763341-E7EF-4CDB-A4D3-5852D73F6C6C}" presName="FiveNodes_2" presStyleLbl="node1" presStyleIdx="1" presStyleCnt="5">
         <dgm:presLayoutVars>
           <dgm:bulletEnabled val="1"/>
         </dgm:presLayoutVars>
       </dgm:prSet>
       <dgm:spPr/>
     </dgm:pt>
-    <dgm:pt modelId="{3C737A83-C879-F84F-955C-435A25C26572}" type="pres">
-      <dgm:prSet presAssocID="{76763341-E7EF-4CDB-A4D3-5852D73F6C6C}" presName="FourNodes_3" presStyleLbl="node1" presStyleIdx="2" presStyleCnt="4">
+    <dgm:pt modelId="{D091D37F-B3E8-774A-87A5-156C49C5B8AA}" type="pres">
+      <dgm:prSet presAssocID="{76763341-E7EF-4CDB-A4D3-5852D73F6C6C}" presName="FiveNodes_3" presStyleLbl="node1" presStyleIdx="2" presStyleCnt="5">
         <dgm:presLayoutVars>
           <dgm:bulletEnabled val="1"/>
         </dgm:presLayoutVars>
       </dgm:prSet>
       <dgm:spPr/>
     </dgm:pt>
-    <dgm:pt modelId="{5DE676EC-A895-DC45-8F1E-EBBD620A63A1}" type="pres">
-      <dgm:prSet presAssocID="{76763341-E7EF-4CDB-A4D3-5852D73F6C6C}" presName="FourNodes_4" presStyleLbl="node1" presStyleIdx="3" presStyleCnt="4">
+    <dgm:pt modelId="{6F8C2642-11BF-DA4A-9EE1-26C79F843E04}" type="pres">
+      <dgm:prSet presAssocID="{76763341-E7EF-4CDB-A4D3-5852D73F6C6C}" presName="FiveNodes_4" presStyleLbl="node1" presStyleIdx="3" presStyleCnt="5">
         <dgm:presLayoutVars>
           <dgm:bulletEnabled val="1"/>
         </dgm:presLayoutVars>
       </dgm:prSet>
       <dgm:spPr/>
     </dgm:pt>
-    <dgm:pt modelId="{085D6788-80A0-364C-8E1F-9AFC1C9BFE3B}" type="pres">
-      <dgm:prSet presAssocID="{76763341-E7EF-4CDB-A4D3-5852D73F6C6C}" presName="FourConn_1-2" presStyleLbl="fgAccFollowNode1" presStyleIdx="0" presStyleCnt="3">
+    <dgm:pt modelId="{CFF23337-855E-DA43-B69D-DCE2D564459B}" type="pres">
+      <dgm:prSet presAssocID="{76763341-E7EF-4CDB-A4D3-5852D73F6C6C}" presName="FiveNodes_5" presStyleLbl="node1" presStyleIdx="4" presStyleCnt="5" custLinFactNeighborX="179">
         <dgm:presLayoutVars>
           <dgm:bulletEnabled val="1"/>
         </dgm:presLayoutVars>
       </dgm:prSet>
       <dgm:spPr/>
     </dgm:pt>
-    <dgm:pt modelId="{5418D7AF-3374-BC4C-8701-62DB896B3AA4}" type="pres">
-      <dgm:prSet presAssocID="{76763341-E7EF-4CDB-A4D3-5852D73F6C6C}" presName="FourConn_2-3" presStyleLbl="fgAccFollowNode1" presStyleIdx="1" presStyleCnt="3">
+    <dgm:pt modelId="{D6F60572-755A-7041-B2AF-A552680A2B91}" type="pres">
+      <dgm:prSet presAssocID="{76763341-E7EF-4CDB-A4D3-5852D73F6C6C}" presName="FiveConn_1-2" presStyleLbl="fgAccFollowNode1" presStyleIdx="0" presStyleCnt="4">
         <dgm:presLayoutVars>
           <dgm:bulletEnabled val="1"/>
         </dgm:presLayoutVars>
       </dgm:prSet>
       <dgm:spPr/>
     </dgm:pt>
-    <dgm:pt modelId="{5B1EB630-92C2-944F-B458-1C05936AC18E}" type="pres">
-      <dgm:prSet presAssocID="{76763341-E7EF-4CDB-A4D3-5852D73F6C6C}" presName="FourConn_3-4" presStyleLbl="fgAccFollowNode1" presStyleIdx="2" presStyleCnt="3">
+    <dgm:pt modelId="{39F1B8BA-C4E0-F645-8DA3-51BDF6D4C00F}" type="pres">
+      <dgm:prSet presAssocID="{76763341-E7EF-4CDB-A4D3-5852D73F6C6C}" presName="FiveConn_2-3" presStyleLbl="fgAccFollowNode1" presStyleIdx="1" presStyleCnt="4">
         <dgm:presLayoutVars>
           <dgm:bulletEnabled val="1"/>
         </dgm:presLayoutVars>
       </dgm:prSet>
       <dgm:spPr/>
     </dgm:pt>
-    <dgm:pt modelId="{EEFCBA08-92EE-4143-A64E-2CAE59222CCC}" type="pres">
-      <dgm:prSet presAssocID="{76763341-E7EF-4CDB-A4D3-5852D73F6C6C}" presName="FourNodes_1_text" presStyleLbl="node1" presStyleIdx="3" presStyleCnt="4">
+    <dgm:pt modelId="{49A7410E-7001-3A4D-B9A5-1079641A1F2D}" type="pres">
+      <dgm:prSet presAssocID="{76763341-E7EF-4CDB-A4D3-5852D73F6C6C}" presName="FiveConn_3-4" presStyleLbl="fgAccFollowNode1" presStyleIdx="2" presStyleCnt="4">
         <dgm:presLayoutVars>
           <dgm:bulletEnabled val="1"/>
         </dgm:presLayoutVars>
       </dgm:prSet>
       <dgm:spPr/>
     </dgm:pt>
-    <dgm:pt modelId="{989441D0-30C6-844D-BF81-EC6BF7610C02}" type="pres">
-      <dgm:prSet presAssocID="{76763341-E7EF-4CDB-A4D3-5852D73F6C6C}" presName="FourNodes_2_text" presStyleLbl="node1" presStyleIdx="3" presStyleCnt="4">
+    <dgm:pt modelId="{5D1DA847-5BF4-084B-963B-6585AD1709D4}" type="pres">
+      <dgm:prSet presAssocID="{76763341-E7EF-4CDB-A4D3-5852D73F6C6C}" presName="FiveConn_4-5" presStyleLbl="fgAccFollowNode1" presStyleIdx="3" presStyleCnt="4">
         <dgm:presLayoutVars>
           <dgm:bulletEnabled val="1"/>
         </dgm:presLayoutVars>
       </dgm:prSet>
       <dgm:spPr/>
     </dgm:pt>
-    <dgm:pt modelId="{A1E40B69-AC40-884E-8EA9-FDE1C4134308}" type="pres">
-      <dgm:prSet presAssocID="{76763341-E7EF-4CDB-A4D3-5852D73F6C6C}" presName="FourNodes_3_text" presStyleLbl="node1" presStyleIdx="3" presStyleCnt="4">
+    <dgm:pt modelId="{01BF33CC-A8F4-1A4B-9E6E-3AB41CCFAE25}" type="pres">
+      <dgm:prSet presAssocID="{76763341-E7EF-4CDB-A4D3-5852D73F6C6C}" presName="FiveNodes_1_text" presStyleLbl="node1" presStyleIdx="4" presStyleCnt="5">
         <dgm:presLayoutVars>
           <dgm:bulletEnabled val="1"/>
         </dgm:presLayoutVars>
       </dgm:prSet>
       <dgm:spPr/>
     </dgm:pt>
-    <dgm:pt modelId="{204DE1DE-FAC5-3949-9F98-61BD27BF8783}" type="pres">
-      <dgm:prSet presAssocID="{76763341-E7EF-4CDB-A4D3-5852D73F6C6C}" presName="FourNodes_4_text" presStyleLbl="node1" presStyleIdx="3" presStyleCnt="4">
+    <dgm:pt modelId="{80A71C11-6AB6-584F-9E80-DD59B04A00B6}" type="pres">
+      <dgm:prSet presAssocID="{76763341-E7EF-4CDB-A4D3-5852D73F6C6C}" presName="FiveNodes_2_text" presStyleLbl="node1" presStyleIdx="4" presStyleCnt="5">
+        <dgm:presLayoutVars>
+          <dgm:bulletEnabled val="1"/>
+        </dgm:presLayoutVars>
+      </dgm:prSet>
+      <dgm:spPr/>
+    </dgm:pt>
+    <dgm:pt modelId="{048D5D50-27AE-3E4B-A77A-8D4DE9470BE3}" type="pres">
+      <dgm:prSet presAssocID="{76763341-E7EF-4CDB-A4D3-5852D73F6C6C}" presName="FiveNodes_3_text" presStyleLbl="node1" presStyleIdx="4" presStyleCnt="5">
+        <dgm:presLayoutVars>
+          <dgm:bulletEnabled val="1"/>
+        </dgm:presLayoutVars>
+      </dgm:prSet>
+      <dgm:spPr/>
+    </dgm:pt>
+    <dgm:pt modelId="{FC72328F-8317-F545-BA92-C41413DEFAD6}" type="pres">
+      <dgm:prSet presAssocID="{76763341-E7EF-4CDB-A4D3-5852D73F6C6C}" presName="FiveNodes_4_text" presStyleLbl="node1" presStyleIdx="4" presStyleCnt="5">
+        <dgm:presLayoutVars>
+          <dgm:bulletEnabled val="1"/>
+        </dgm:presLayoutVars>
+      </dgm:prSet>
+      <dgm:spPr/>
+    </dgm:pt>
+    <dgm:pt modelId="{B73C2FFD-90CD-1A41-AF84-40F5FEFAE04D}" type="pres">
+      <dgm:prSet presAssocID="{76763341-E7EF-4CDB-A4D3-5852D73F6C6C}" presName="FiveNodes_5_text" presStyleLbl="node1" presStyleIdx="4" presStyleCnt="5">
         <dgm:presLayoutVars>
           <dgm:bulletEnabled val="1"/>
         </dgm:presLayoutVars>
@@ -2679,34 +3669,41 @@
     </dgm:pt>
   </dgm:ptLst>
   <dgm:cxnLst>
-    <dgm:cxn modelId="{C6157F46-6702-C34D-A305-51B896539005}" type="presOf" srcId="{DB828793-B1C3-479B-B18F-DECCEEE5F854}" destId="{085D6788-80A0-364C-8E1F-9AFC1C9BFE3B}" srcOrd="0" destOrd="0" presId="urn:microsoft.com/office/officeart/2005/8/layout/vProcess5"/>
-    <dgm:cxn modelId="{3C61665B-6AE6-0D41-8DFB-F72CD28D0596}" type="presOf" srcId="{06584CC2-FDE9-4B28-9EBA-794F2643C0E2}" destId="{A1E40B69-AC40-884E-8EA9-FDE1C4134308}" srcOrd="1" destOrd="0" presId="urn:microsoft.com/office/officeart/2005/8/layout/vProcess5"/>
-    <dgm:cxn modelId="{450C8760-A6DE-1544-BCB3-70D29A8FEEFA}" type="presOf" srcId="{7D6A47C1-F012-46A6-945F-0750CB9562E0}" destId="{5B1EB630-92C2-944F-B458-1C05936AC18E}" srcOrd="0" destOrd="0" presId="urn:microsoft.com/office/officeart/2005/8/layout/vProcess5"/>
-    <dgm:cxn modelId="{74F52C79-8E78-1244-A249-E04127D694E3}" type="presOf" srcId="{06584CC2-FDE9-4B28-9EBA-794F2643C0E2}" destId="{3C737A83-C879-F84F-955C-435A25C26572}" srcOrd="0" destOrd="0" presId="urn:microsoft.com/office/officeart/2005/8/layout/vProcess5"/>
-    <dgm:cxn modelId="{CB9CF97D-12FC-CD44-9068-A49FABAAC9CE}" type="presOf" srcId="{6ACEB3D6-E050-43D3-B6A6-A441BB6AC691}" destId="{EB83A0D5-6E70-AA43-BA1E-F8E34F2C1B9F}" srcOrd="0" destOrd="0" presId="urn:microsoft.com/office/officeart/2005/8/layout/vProcess5"/>
+    <dgm:cxn modelId="{A1674229-BF7B-3B4D-8A45-16917EA39077}" type="presOf" srcId="{06584CC2-FDE9-4B28-9EBA-794F2643C0E2}" destId="{048D5D50-27AE-3E4B-A77A-8D4DE9470BE3}" srcOrd="1" destOrd="0" presId="urn:microsoft.com/office/officeart/2005/8/layout/vProcess5"/>
+    <dgm:cxn modelId="{D85F0E2F-C0B1-3C42-9E95-3485F6C23874}" type="presOf" srcId="{12E5102F-2FBA-480C-9B01-6753A5072826}" destId="{AAC7B72B-1EAA-7945-BB1A-CA83665FF709}" srcOrd="0" destOrd="0" presId="urn:microsoft.com/office/officeart/2005/8/layout/vProcess5"/>
+    <dgm:cxn modelId="{E4C0D933-85C9-6B49-9459-E42226C30CEE}" type="presOf" srcId="{6ACEB3D6-E050-43D3-B6A6-A441BB6AC691}" destId="{01BF33CC-A8F4-1A4B-9E6E-3AB41CCFAE25}" srcOrd="1" destOrd="0" presId="urn:microsoft.com/office/officeart/2005/8/layout/vProcess5"/>
+    <dgm:cxn modelId="{E1423540-42E8-C94E-9BC0-A98A44F67587}" type="presOf" srcId="{26519098-29F0-4C48-8E85-65893ACBFD9B}" destId="{6F8C2642-11BF-DA4A-9EE1-26C79F843E04}" srcOrd="0" destOrd="0" presId="urn:microsoft.com/office/officeart/2005/8/layout/vProcess5"/>
+    <dgm:cxn modelId="{0E5EC05E-7885-5E4B-B84E-8E47DE0BACA4}" type="presOf" srcId="{12E5102F-2FBA-480C-9B01-6753A5072826}" destId="{80A71C11-6AB6-584F-9E80-DD59B04A00B6}" srcOrd="1" destOrd="0" presId="urn:microsoft.com/office/officeart/2005/8/layout/vProcess5"/>
+    <dgm:cxn modelId="{1362F060-9541-2E48-9AD9-4BE000B8C625}" type="presOf" srcId="{06584CC2-FDE9-4B28-9EBA-794F2643C0E2}" destId="{D091D37F-B3E8-774A-87A5-156C49C5B8AA}" srcOrd="0" destOrd="0" presId="urn:microsoft.com/office/officeart/2005/8/layout/vProcess5"/>
+    <dgm:cxn modelId="{980E0A65-F5D0-FB47-8680-081F0E75D6E6}" type="presOf" srcId="{045DFC1C-3AB6-324B-9672-68C1F336816D}" destId="{B73C2FFD-90CD-1A41-AF84-40F5FEFAE04D}" srcOrd="1" destOrd="0" presId="urn:microsoft.com/office/officeart/2005/8/layout/vProcess5"/>
+    <dgm:cxn modelId="{8AA38B69-4AB3-554D-B4F0-86BB632621E8}" type="presOf" srcId="{270F810A-F865-40B4-A38D-BD83D350CE2C}" destId="{39F1B8BA-C4E0-F645-8DA3-51BDF6D4C00F}" srcOrd="0" destOrd="0" presId="urn:microsoft.com/office/officeart/2005/8/layout/vProcess5"/>
+    <dgm:cxn modelId="{0574B76D-8CE4-8941-AD94-6A6CF5B366CF}" type="presOf" srcId="{7D6A47C1-F012-46A6-945F-0750CB9562E0}" destId="{49A7410E-7001-3A4D-B9A5-1079641A1F2D}" srcOrd="0" destOrd="0" presId="urn:microsoft.com/office/officeart/2005/8/layout/vProcess5"/>
+    <dgm:cxn modelId="{EB5B697A-E28C-5443-9A70-2E821461D7C7}" type="presOf" srcId="{045DFC1C-3AB6-324B-9672-68C1F336816D}" destId="{CFF23337-855E-DA43-B69D-DCE2D564459B}" srcOrd="0" destOrd="0" presId="urn:microsoft.com/office/officeart/2005/8/layout/vProcess5"/>
     <dgm:cxn modelId="{A27A9881-39B5-B540-AA1F-42564A21A0C1}" type="presOf" srcId="{76763341-E7EF-4CDB-A4D3-5852D73F6C6C}" destId="{6B578E7F-B882-2B4F-977C-CEA17C8C4BEE}" srcOrd="0" destOrd="0" presId="urn:microsoft.com/office/officeart/2005/8/layout/vProcess5"/>
+    <dgm:cxn modelId="{B2D54395-8BC4-764E-A64E-668CF627FC95}" type="presOf" srcId="{26519098-29F0-4C48-8E85-65893ACBFD9B}" destId="{FC72328F-8317-F545-BA92-C41413DEFAD6}" srcOrd="1" destOrd="0" presId="urn:microsoft.com/office/officeart/2005/8/layout/vProcess5"/>
+    <dgm:cxn modelId="{FEB62499-63C4-AF44-BD24-C68C4157021C}" type="presOf" srcId="{6ACEB3D6-E050-43D3-B6A6-A441BB6AC691}" destId="{9F98E594-53E4-4942-8559-24A7B127E955}" srcOrd="0" destOrd="0" presId="urn:microsoft.com/office/officeart/2005/8/layout/vProcess5"/>
     <dgm:cxn modelId="{DA7597A0-DCA3-4626-9AF4-5C009A2F2B9D}" srcId="{76763341-E7EF-4CDB-A4D3-5852D73F6C6C}" destId="{26519098-29F0-4C48-8E85-65893ACBFD9B}" srcOrd="3" destOrd="0" parTransId="{165F5DD9-C06D-4BA2-B022-E7B9AA524A7A}" sibTransId="{36E526DF-E56E-457E-A2A9-49C577CC4603}"/>
-    <dgm:cxn modelId="{F92431A2-054E-3A44-9A2D-B9BB9DD9EBDF}" type="presOf" srcId="{12E5102F-2FBA-480C-9B01-6753A5072826}" destId="{989441D0-30C6-844D-BF81-EC6BF7610C02}" srcOrd="1" destOrd="0" presId="urn:microsoft.com/office/officeart/2005/8/layout/vProcess5"/>
-    <dgm:cxn modelId="{B86AA4A5-6ADA-ED4A-AD37-35C85201BBE4}" type="presOf" srcId="{12E5102F-2FBA-480C-9B01-6753A5072826}" destId="{9BB8B0CC-F959-8B4E-815D-BEC64E55BA02}" srcOrd="0" destOrd="0" presId="urn:microsoft.com/office/officeart/2005/8/layout/vProcess5"/>
     <dgm:cxn modelId="{24E277AE-5E7F-470B-8EB9-F57552890E74}" srcId="{76763341-E7EF-4CDB-A4D3-5852D73F6C6C}" destId="{6ACEB3D6-E050-43D3-B6A6-A441BB6AC691}" srcOrd="0" destOrd="0" parTransId="{61A037D0-C649-4F2F-A265-B0F5FD2A5F82}" sibTransId="{DB828793-B1C3-479B-B18F-DECCEEE5F854}"/>
-    <dgm:cxn modelId="{8F5670B3-89E2-5647-BC16-DC19C8ACC9D1}" type="presOf" srcId="{270F810A-F865-40B4-A38D-BD83D350CE2C}" destId="{5418D7AF-3374-BC4C-8701-62DB896B3AA4}" srcOrd="0" destOrd="0" presId="urn:microsoft.com/office/officeart/2005/8/layout/vProcess5"/>
     <dgm:cxn modelId="{7BE15EBB-A8AF-445B-A084-C9215A4D35EA}" srcId="{76763341-E7EF-4CDB-A4D3-5852D73F6C6C}" destId="{12E5102F-2FBA-480C-9B01-6753A5072826}" srcOrd="1" destOrd="0" parTransId="{58295C87-8A24-4BE3-ABDC-A31D13B15E6C}" sibTransId="{270F810A-F865-40B4-A38D-BD83D350CE2C}"/>
-    <dgm:cxn modelId="{7EAADCBF-F44B-854D-8C5D-616DD75FD81F}" type="presOf" srcId="{26519098-29F0-4C48-8E85-65893ACBFD9B}" destId="{5DE676EC-A895-DC45-8F1E-EBBD620A63A1}" srcOrd="0" destOrd="0" presId="urn:microsoft.com/office/officeart/2005/8/layout/vProcess5"/>
-    <dgm:cxn modelId="{5E5DBAD5-8A9E-4649-9765-632ABBA48D04}" type="presOf" srcId="{6ACEB3D6-E050-43D3-B6A6-A441BB6AC691}" destId="{EEFCBA08-92EE-4143-A64E-2CAE59222CCC}" srcOrd="1" destOrd="0" presId="urn:microsoft.com/office/officeart/2005/8/layout/vProcess5"/>
-    <dgm:cxn modelId="{D81464F2-D1D7-CB4E-86D6-73E17A795921}" type="presOf" srcId="{26519098-29F0-4C48-8E85-65893ACBFD9B}" destId="{204DE1DE-FAC5-3949-9F98-61BD27BF8783}" srcOrd="1" destOrd="0" presId="urn:microsoft.com/office/officeart/2005/8/layout/vProcess5"/>
+    <dgm:cxn modelId="{6C1A88E8-501C-B64C-83B8-23E41EC18D09}" type="presOf" srcId="{36E526DF-E56E-457E-A2A9-49C577CC4603}" destId="{5D1DA847-5BF4-084B-963B-6585AD1709D4}" srcOrd="0" destOrd="0" presId="urn:microsoft.com/office/officeart/2005/8/layout/vProcess5"/>
+    <dgm:cxn modelId="{F38A04F6-AE98-B246-8655-E366C3B6F35B}" srcId="{76763341-E7EF-4CDB-A4D3-5852D73F6C6C}" destId="{045DFC1C-3AB6-324B-9672-68C1F336816D}" srcOrd="4" destOrd="0" parTransId="{7397E60C-A6AA-9C4B-B999-911E81495B65}" sibTransId="{7D518720-C2DB-7648-A220-9565C08DDCDD}"/>
+    <dgm:cxn modelId="{EC6713FA-2CCD-DD44-A634-075EF638ECE8}" type="presOf" srcId="{DB828793-B1C3-479B-B18F-DECCEEE5F854}" destId="{D6F60572-755A-7041-B2AF-A552680A2B91}" srcOrd="0" destOrd="0" presId="urn:microsoft.com/office/officeart/2005/8/layout/vProcess5"/>
     <dgm:cxn modelId="{38F988FC-BA54-477B-9FC4-659157AA9F3C}" srcId="{76763341-E7EF-4CDB-A4D3-5852D73F6C6C}" destId="{06584CC2-FDE9-4B28-9EBA-794F2643C0E2}" srcOrd="2" destOrd="0" parTransId="{7B2E010E-0849-4D84-A980-D3008CD22E55}" sibTransId="{7D6A47C1-F012-46A6-945F-0750CB9562E0}"/>
     <dgm:cxn modelId="{13CDAE64-DDE7-1045-B0A1-20CE1BAFA633}" type="presParOf" srcId="{6B578E7F-B882-2B4F-977C-CEA17C8C4BEE}" destId="{72AADFF5-02B5-FE4F-994D-3D424B913609}" srcOrd="0" destOrd="0" presId="urn:microsoft.com/office/officeart/2005/8/layout/vProcess5"/>
-    <dgm:cxn modelId="{69E730C9-79EF-2948-A60C-5C3E64EAD8A4}" type="presParOf" srcId="{6B578E7F-B882-2B4F-977C-CEA17C8C4BEE}" destId="{EB83A0D5-6E70-AA43-BA1E-F8E34F2C1B9F}" srcOrd="1" destOrd="0" presId="urn:microsoft.com/office/officeart/2005/8/layout/vProcess5"/>
-    <dgm:cxn modelId="{63F7CE05-8C95-404B-A33D-9B119E208AD8}" type="presParOf" srcId="{6B578E7F-B882-2B4F-977C-CEA17C8C4BEE}" destId="{9BB8B0CC-F959-8B4E-815D-BEC64E55BA02}" srcOrd="2" destOrd="0" presId="urn:microsoft.com/office/officeart/2005/8/layout/vProcess5"/>
-    <dgm:cxn modelId="{6D3A153C-A95D-5A4E-A5F3-1A92910B3098}" type="presParOf" srcId="{6B578E7F-B882-2B4F-977C-CEA17C8C4BEE}" destId="{3C737A83-C879-F84F-955C-435A25C26572}" srcOrd="3" destOrd="0" presId="urn:microsoft.com/office/officeart/2005/8/layout/vProcess5"/>
-    <dgm:cxn modelId="{085540A0-FB66-4A47-8B90-68C018C56D60}" type="presParOf" srcId="{6B578E7F-B882-2B4F-977C-CEA17C8C4BEE}" destId="{5DE676EC-A895-DC45-8F1E-EBBD620A63A1}" srcOrd="4" destOrd="0" presId="urn:microsoft.com/office/officeart/2005/8/layout/vProcess5"/>
-    <dgm:cxn modelId="{C2A03AA9-09C9-D44E-A054-7AAA78632C11}" type="presParOf" srcId="{6B578E7F-B882-2B4F-977C-CEA17C8C4BEE}" destId="{085D6788-80A0-364C-8E1F-9AFC1C9BFE3B}" srcOrd="5" destOrd="0" presId="urn:microsoft.com/office/officeart/2005/8/layout/vProcess5"/>
-    <dgm:cxn modelId="{6FE90CF8-BABD-5346-832E-84A6E5545A00}" type="presParOf" srcId="{6B578E7F-B882-2B4F-977C-CEA17C8C4BEE}" destId="{5418D7AF-3374-BC4C-8701-62DB896B3AA4}" srcOrd="6" destOrd="0" presId="urn:microsoft.com/office/officeart/2005/8/layout/vProcess5"/>
-    <dgm:cxn modelId="{DDFC0910-EE00-1649-B848-FCEEEE7A8013}" type="presParOf" srcId="{6B578E7F-B882-2B4F-977C-CEA17C8C4BEE}" destId="{5B1EB630-92C2-944F-B458-1C05936AC18E}" srcOrd="7" destOrd="0" presId="urn:microsoft.com/office/officeart/2005/8/layout/vProcess5"/>
-    <dgm:cxn modelId="{4D0D425E-904F-034C-8852-BACF6FF77490}" type="presParOf" srcId="{6B578E7F-B882-2B4F-977C-CEA17C8C4BEE}" destId="{EEFCBA08-92EE-4143-A64E-2CAE59222CCC}" srcOrd="8" destOrd="0" presId="urn:microsoft.com/office/officeart/2005/8/layout/vProcess5"/>
-    <dgm:cxn modelId="{514C3EB3-AD8D-2746-A68E-B4233F00A453}" type="presParOf" srcId="{6B578E7F-B882-2B4F-977C-CEA17C8C4BEE}" destId="{989441D0-30C6-844D-BF81-EC6BF7610C02}" srcOrd="9" destOrd="0" presId="urn:microsoft.com/office/officeart/2005/8/layout/vProcess5"/>
-    <dgm:cxn modelId="{4C20C818-4D21-344E-8EB1-16959CE4BCA9}" type="presParOf" srcId="{6B578E7F-B882-2B4F-977C-CEA17C8C4BEE}" destId="{A1E40B69-AC40-884E-8EA9-FDE1C4134308}" srcOrd="10" destOrd="0" presId="urn:microsoft.com/office/officeart/2005/8/layout/vProcess5"/>
-    <dgm:cxn modelId="{A852103A-84B8-0C44-A997-C41867683A7A}" type="presParOf" srcId="{6B578E7F-B882-2B4F-977C-CEA17C8C4BEE}" destId="{204DE1DE-FAC5-3949-9F98-61BD27BF8783}" srcOrd="11" destOrd="0" presId="urn:microsoft.com/office/officeart/2005/8/layout/vProcess5"/>
+    <dgm:cxn modelId="{09BE0A2E-0E34-234A-9642-59927C1D11DF}" type="presParOf" srcId="{6B578E7F-B882-2B4F-977C-CEA17C8C4BEE}" destId="{9F98E594-53E4-4942-8559-24A7B127E955}" srcOrd="1" destOrd="0" presId="urn:microsoft.com/office/officeart/2005/8/layout/vProcess5"/>
+    <dgm:cxn modelId="{4C2B37C7-C580-1D4F-8ACB-F698888D766A}" type="presParOf" srcId="{6B578E7F-B882-2B4F-977C-CEA17C8C4BEE}" destId="{AAC7B72B-1EAA-7945-BB1A-CA83665FF709}" srcOrd="2" destOrd="0" presId="urn:microsoft.com/office/officeart/2005/8/layout/vProcess5"/>
+    <dgm:cxn modelId="{1180EFDA-B8B3-AB40-8BB3-8C1AF076E979}" type="presParOf" srcId="{6B578E7F-B882-2B4F-977C-CEA17C8C4BEE}" destId="{D091D37F-B3E8-774A-87A5-156C49C5B8AA}" srcOrd="3" destOrd="0" presId="urn:microsoft.com/office/officeart/2005/8/layout/vProcess5"/>
+    <dgm:cxn modelId="{000DD391-8BD5-3B47-9D6B-A89847801A98}" type="presParOf" srcId="{6B578E7F-B882-2B4F-977C-CEA17C8C4BEE}" destId="{6F8C2642-11BF-DA4A-9EE1-26C79F843E04}" srcOrd="4" destOrd="0" presId="urn:microsoft.com/office/officeart/2005/8/layout/vProcess5"/>
+    <dgm:cxn modelId="{CBC31C84-4FC9-384A-83F0-C2CF873C6737}" type="presParOf" srcId="{6B578E7F-B882-2B4F-977C-CEA17C8C4BEE}" destId="{CFF23337-855E-DA43-B69D-DCE2D564459B}" srcOrd="5" destOrd="0" presId="urn:microsoft.com/office/officeart/2005/8/layout/vProcess5"/>
+    <dgm:cxn modelId="{8C1CF080-3C36-2A4D-A9CA-91633ED526CE}" type="presParOf" srcId="{6B578E7F-B882-2B4F-977C-CEA17C8C4BEE}" destId="{D6F60572-755A-7041-B2AF-A552680A2B91}" srcOrd="6" destOrd="0" presId="urn:microsoft.com/office/officeart/2005/8/layout/vProcess5"/>
+    <dgm:cxn modelId="{BFB795F2-AAE3-B148-90E1-D7BD453DD669}" type="presParOf" srcId="{6B578E7F-B882-2B4F-977C-CEA17C8C4BEE}" destId="{39F1B8BA-C4E0-F645-8DA3-51BDF6D4C00F}" srcOrd="7" destOrd="0" presId="urn:microsoft.com/office/officeart/2005/8/layout/vProcess5"/>
+    <dgm:cxn modelId="{0C032EB2-1820-4C4A-8E4D-2524A748F25E}" type="presParOf" srcId="{6B578E7F-B882-2B4F-977C-CEA17C8C4BEE}" destId="{49A7410E-7001-3A4D-B9A5-1079641A1F2D}" srcOrd="8" destOrd="0" presId="urn:microsoft.com/office/officeart/2005/8/layout/vProcess5"/>
+    <dgm:cxn modelId="{826A2158-3449-174B-BD5A-C73AE43EA03E}" type="presParOf" srcId="{6B578E7F-B882-2B4F-977C-CEA17C8C4BEE}" destId="{5D1DA847-5BF4-084B-963B-6585AD1709D4}" srcOrd="9" destOrd="0" presId="urn:microsoft.com/office/officeart/2005/8/layout/vProcess5"/>
+    <dgm:cxn modelId="{1A142F12-2E83-A14F-8358-24090FBF49A7}" type="presParOf" srcId="{6B578E7F-B882-2B4F-977C-CEA17C8C4BEE}" destId="{01BF33CC-A8F4-1A4B-9E6E-3AB41CCFAE25}" srcOrd="10" destOrd="0" presId="urn:microsoft.com/office/officeart/2005/8/layout/vProcess5"/>
+    <dgm:cxn modelId="{583AC367-464D-D942-A428-4B48B745C710}" type="presParOf" srcId="{6B578E7F-B882-2B4F-977C-CEA17C8C4BEE}" destId="{80A71C11-6AB6-584F-9E80-DD59B04A00B6}" srcOrd="11" destOrd="0" presId="urn:microsoft.com/office/officeart/2005/8/layout/vProcess5"/>
+    <dgm:cxn modelId="{CCABC30A-5DBB-9E48-9C7E-2BB358F7AD2D}" type="presParOf" srcId="{6B578E7F-B882-2B4F-977C-CEA17C8C4BEE}" destId="{048D5D50-27AE-3E4B-A77A-8D4DE9470BE3}" srcOrd="12" destOrd="0" presId="urn:microsoft.com/office/officeart/2005/8/layout/vProcess5"/>
+    <dgm:cxn modelId="{45709BCB-D519-8843-A7A1-E2A36605A452}" type="presParOf" srcId="{6B578E7F-B882-2B4F-977C-CEA17C8C4BEE}" destId="{FC72328F-8317-F545-BA92-C41413DEFAD6}" srcOrd="13" destOrd="0" presId="urn:microsoft.com/office/officeart/2005/8/layout/vProcess5"/>
+    <dgm:cxn modelId="{D792AD87-B414-CA4A-99EA-1972D57DB3CE}" type="presParOf" srcId="{6B578E7F-B882-2B4F-977C-CEA17C8C4BEE}" destId="{B73C2FFD-90CD-1A41-AF84-40F5FEFAE04D}" srcOrd="14" destOrd="0" presId="urn:microsoft.com/office/officeart/2005/8/layout/vProcess5"/>
   </dgm:cxnLst>
   <dgm:bg/>
   <dgm:whole/>
@@ -3099,31 +4096,31 @@
     </dgm:pt>
   </dgm:ptLst>
   <dgm:cxnLst>
-    <dgm:cxn modelId="{41417410-3388-7047-A2E2-64597C8D117B}" type="presOf" srcId="{7DA97665-E253-894E-9B94-E644A320D22B}" destId="{39B4580C-2988-C34E-9A13-010AFB1EE2D0}" srcOrd="0" destOrd="0" presId="urn:microsoft.com/office/officeart/2005/8/layout/vList2"/>
+    <dgm:cxn modelId="{B399D219-AFA2-D746-A0A6-D96EECD92F45}" type="presOf" srcId="{91E3C22C-11CD-4D45-ACAE-49F96148A27A}" destId="{35D21C13-C3D5-E144-9CE4-568F0728E7E3}" srcOrd="0" destOrd="0" presId="urn:microsoft.com/office/officeart/2005/8/layout/vList2"/>
+    <dgm:cxn modelId="{E92F5321-E011-4443-8FD6-CDC533B0899B}" type="presOf" srcId="{7DA97665-E253-894E-9B94-E644A320D22B}" destId="{39B4580C-2988-C34E-9A13-010AFB1EE2D0}" srcOrd="0" destOrd="0" presId="urn:microsoft.com/office/officeart/2005/8/layout/vList2"/>
+    <dgm:cxn modelId="{CA9C9722-662D-7540-B024-5A0D1C5E5CD5}" type="presOf" srcId="{4543A2E0-4083-EC48-8644-5BA3C10ADE7F}" destId="{9E0BEB80-1F9F-454D-94A0-4DF74F076C7E}" srcOrd="0" destOrd="0" presId="urn:microsoft.com/office/officeart/2005/8/layout/vList2"/>
     <dgm:cxn modelId="{EB571F24-D466-8844-AD6B-8FEC071C9EC2}" srcId="{398572C2-FBA0-4791-931B-311B953519D4}" destId="{4543A2E0-4083-EC48-8644-5BA3C10ADE7F}" srcOrd="0" destOrd="0" parTransId="{0186A0F5-BA29-9D4D-9F9D-7C90655E2D7D}" sibTransId="{8ECDC2FA-E9AF-1741-B9B3-1008F8ECBC35}"/>
     <dgm:cxn modelId="{A7493F3A-2D68-404D-80CE-BADBB8887943}" srcId="{EA8988B4-08D2-487B-93FF-9DBBB6AE70ED}" destId="{7DA97665-E253-894E-9B94-E644A320D22B}" srcOrd="0" destOrd="0" parTransId="{D8ED3D56-619D-CF4D-A036-1586E00DCF0F}" sibTransId="{C4EB72D9-F096-1840-A1FE-D2CE26123584}"/>
+    <dgm:cxn modelId="{A3815A4D-1F9B-A441-8CAB-6D5435802F1A}" type="presOf" srcId="{38515E18-56B6-B44D-9463-1D6C969293E5}" destId="{728ED7AB-5F73-6D49-A324-58B4E98AB987}" srcOrd="0" destOrd="0" presId="urn:microsoft.com/office/officeart/2005/8/layout/vList2"/>
+    <dgm:cxn modelId="{EE328B55-631A-3641-B151-05FF232C07E3}" type="presOf" srcId="{398572C2-FBA0-4791-931B-311B953519D4}" destId="{C9ED9B44-59A8-304F-88A9-053787E93183}" srcOrd="0" destOrd="0" presId="urn:microsoft.com/office/officeart/2005/8/layout/vList2"/>
     <dgm:cxn modelId="{BA8F2457-99B5-4A41-B480-B1FC3FE82157}" srcId="{6BE01BAC-645A-473A-B492-AE620FC672EC}" destId="{BA1A8308-E8CE-4047-87C0-64BB57E15D21}" srcOrd="2" destOrd="0" parTransId="{C7B02188-1725-456D-B685-096AC290B2A9}" sibTransId="{6000667A-50AA-4673-B844-E68E4F204834}"/>
-    <dgm:cxn modelId="{A50E9557-550A-874A-B6DC-606DDCD8F175}" type="presOf" srcId="{4543A2E0-4083-EC48-8644-5BA3C10ADE7F}" destId="{9E0BEB80-1F9F-454D-94A0-4DF74F076C7E}" srcOrd="0" destOrd="0" presId="urn:microsoft.com/office/officeart/2005/8/layout/vList2"/>
+    <dgm:cxn modelId="{D08F785B-AD5F-2241-BD26-B4D54D4D1FC9}" type="presOf" srcId="{EA8988B4-08D2-487B-93FF-9DBBB6AE70ED}" destId="{22C1114D-C6FA-AB4E-864E-38F0A8011831}" srcOrd="0" destOrd="0" presId="urn:microsoft.com/office/officeart/2005/8/layout/vList2"/>
     <dgm:cxn modelId="{59CA7363-7C0E-4752-9CA7-5F00F393F393}" srcId="{6BE01BAC-645A-473A-B492-AE620FC672EC}" destId="{EFB350B2-7C54-4739-9ABA-057A55A310B1}" srcOrd="0" destOrd="0" parTransId="{70F61AF9-174E-4F7E-A590-6299AB7EE394}" sibTransId="{F72958F6-1911-47EE-884F-47A99F8CB6F8}"/>
     <dgm:cxn modelId="{79B22D68-ED81-944E-9182-A516AF7F9563}" srcId="{BA1A8308-E8CE-4047-87C0-64BB57E15D21}" destId="{91E3C22C-11CD-4D45-ACAE-49F96148A27A}" srcOrd="0" destOrd="0" parTransId="{8B1BE44F-58FC-8F4C-9E0E-DFAD9777C9F1}" sibTransId="{09232CB7-21D2-AC41-9D63-FF6D946D1C69}"/>
-    <dgm:cxn modelId="{19A5786C-C51C-DE4D-82B3-32BBB9EB4D02}" type="presOf" srcId="{EA8988B4-08D2-487B-93FF-9DBBB6AE70ED}" destId="{22C1114D-C6FA-AB4E-864E-38F0A8011831}" srcOrd="0" destOrd="0" presId="urn:microsoft.com/office/officeart/2005/8/layout/vList2"/>
-    <dgm:cxn modelId="{10238D75-912A-6D48-9B37-26276E4C3874}" type="presOf" srcId="{EFB350B2-7C54-4739-9ABA-057A55A310B1}" destId="{1004DFB4-A053-1D41-89AF-F452F8EFF88E}" srcOrd="0" destOrd="0" presId="urn:microsoft.com/office/officeart/2005/8/layout/vList2"/>
     <dgm:cxn modelId="{74BDE177-384F-4660-AFB6-4859703D38F8}" srcId="{6BE01BAC-645A-473A-B492-AE620FC672EC}" destId="{EA8988B4-08D2-487B-93FF-9DBBB6AE70ED}" srcOrd="1" destOrd="0" parTransId="{16BFAADB-3576-491A-9D54-B4FC86171375}" sibTransId="{45244174-CAA2-4092-AC91-2ACCFC2BD85C}"/>
-    <dgm:cxn modelId="{1345E381-2F54-F042-ADAC-BD6814C7BFCE}" type="presOf" srcId="{6BE01BAC-645A-473A-B492-AE620FC672EC}" destId="{6C1A1EE9-DC20-8F4C-9BE2-98F465F7852C}" srcOrd="0" destOrd="0" presId="urn:microsoft.com/office/officeart/2005/8/layout/vList2"/>
+    <dgm:cxn modelId="{863A1B78-02B3-7E41-9E97-21173FA66A5E}" type="presOf" srcId="{EFB350B2-7C54-4739-9ABA-057A55A310B1}" destId="{1004DFB4-A053-1D41-89AF-F452F8EFF88E}" srcOrd="0" destOrd="0" presId="urn:microsoft.com/office/officeart/2005/8/layout/vList2"/>
+    <dgm:cxn modelId="{197F3094-797D-2047-B397-CAD9B6306769}" type="presOf" srcId="{BA1A8308-E8CE-4047-87C0-64BB57E15D21}" destId="{24207DA8-E27E-0248-A599-BF819522D3AD}" srcOrd="0" destOrd="0" presId="urn:microsoft.com/office/officeart/2005/8/layout/vList2"/>
     <dgm:cxn modelId="{5BB03FA8-F37E-B94D-B986-218C49931EF8}" srcId="{EFB350B2-7C54-4739-9ABA-057A55A310B1}" destId="{38515E18-56B6-B44D-9463-1D6C969293E5}" srcOrd="0" destOrd="0" parTransId="{CC5B6733-224D-ED48-8BCC-3939AB3415AF}" sibTransId="{2A2318BC-318B-CC44-9777-1F295CF9886E}"/>
-    <dgm:cxn modelId="{72C3C0BF-8601-9B4D-968E-E339A07AABD7}" type="presOf" srcId="{BA1A8308-E8CE-4047-87C0-64BB57E15D21}" destId="{24207DA8-E27E-0248-A599-BF819522D3AD}" srcOrd="0" destOrd="0" presId="urn:microsoft.com/office/officeart/2005/8/layout/vList2"/>
-    <dgm:cxn modelId="{83BA85D5-C179-A343-A42E-DCE4D4C03F36}" type="presOf" srcId="{398572C2-FBA0-4791-931B-311B953519D4}" destId="{C9ED9B44-59A8-304F-88A9-053787E93183}" srcOrd="0" destOrd="0" presId="urn:microsoft.com/office/officeart/2005/8/layout/vList2"/>
-    <dgm:cxn modelId="{1CEEEAE9-3DC8-B44D-AF00-E8B6E53649E2}" type="presOf" srcId="{91E3C22C-11CD-4D45-ACAE-49F96148A27A}" destId="{35D21C13-C3D5-E144-9CE4-568F0728E7E3}" srcOrd="0" destOrd="0" presId="urn:microsoft.com/office/officeart/2005/8/layout/vList2"/>
-    <dgm:cxn modelId="{A1F873EA-0238-DA4A-BEA4-E0394128C556}" type="presOf" srcId="{38515E18-56B6-B44D-9463-1D6C969293E5}" destId="{728ED7AB-5F73-6D49-A324-58B4E98AB987}" srcOrd="0" destOrd="0" presId="urn:microsoft.com/office/officeart/2005/8/layout/vList2"/>
+    <dgm:cxn modelId="{4266F3AB-5B7D-DC42-A48D-1A43B874B657}" type="presOf" srcId="{6BE01BAC-645A-473A-B492-AE620FC672EC}" destId="{6C1A1EE9-DC20-8F4C-9BE2-98F465F7852C}" srcOrd="0" destOrd="0" presId="urn:microsoft.com/office/officeart/2005/8/layout/vList2"/>
     <dgm:cxn modelId="{A76439F4-C2B6-43EF-B529-E53C687400A3}" srcId="{6BE01BAC-645A-473A-B492-AE620FC672EC}" destId="{398572C2-FBA0-4791-931B-311B953519D4}" srcOrd="3" destOrd="0" parTransId="{A03F6F0B-8E40-4940-B11A-19C4E1C23B28}" sibTransId="{C11A0B4D-244B-47D2-87B5-A6919899347C}"/>
-    <dgm:cxn modelId="{726C39B5-D5E8-D444-B030-3818FDEEB9D9}" type="presParOf" srcId="{6C1A1EE9-DC20-8F4C-9BE2-98F465F7852C}" destId="{1004DFB4-A053-1D41-89AF-F452F8EFF88E}" srcOrd="0" destOrd="0" presId="urn:microsoft.com/office/officeart/2005/8/layout/vList2"/>
-    <dgm:cxn modelId="{CBD1C7E5-BE84-6E4C-A678-6B6C085445C4}" type="presParOf" srcId="{6C1A1EE9-DC20-8F4C-9BE2-98F465F7852C}" destId="{728ED7AB-5F73-6D49-A324-58B4E98AB987}" srcOrd="1" destOrd="0" presId="urn:microsoft.com/office/officeart/2005/8/layout/vList2"/>
-    <dgm:cxn modelId="{008E9521-FD06-0A4B-895F-6B6ECE55DB26}" type="presParOf" srcId="{6C1A1EE9-DC20-8F4C-9BE2-98F465F7852C}" destId="{22C1114D-C6FA-AB4E-864E-38F0A8011831}" srcOrd="2" destOrd="0" presId="urn:microsoft.com/office/officeart/2005/8/layout/vList2"/>
-    <dgm:cxn modelId="{0864B061-7D85-5E44-9023-1DCDCDAD2847}" type="presParOf" srcId="{6C1A1EE9-DC20-8F4C-9BE2-98F465F7852C}" destId="{39B4580C-2988-C34E-9A13-010AFB1EE2D0}" srcOrd="3" destOrd="0" presId="urn:microsoft.com/office/officeart/2005/8/layout/vList2"/>
-    <dgm:cxn modelId="{EA7BBDF7-670C-A541-926D-AFCEDC805CB1}" type="presParOf" srcId="{6C1A1EE9-DC20-8F4C-9BE2-98F465F7852C}" destId="{24207DA8-E27E-0248-A599-BF819522D3AD}" srcOrd="4" destOrd="0" presId="urn:microsoft.com/office/officeart/2005/8/layout/vList2"/>
-    <dgm:cxn modelId="{11E64B5E-03B6-F548-956E-1682F95CF4F7}" type="presParOf" srcId="{6C1A1EE9-DC20-8F4C-9BE2-98F465F7852C}" destId="{35D21C13-C3D5-E144-9CE4-568F0728E7E3}" srcOrd="5" destOrd="0" presId="urn:microsoft.com/office/officeart/2005/8/layout/vList2"/>
-    <dgm:cxn modelId="{C0A2A668-4C25-384C-BD6F-40C5B38C5F78}" type="presParOf" srcId="{6C1A1EE9-DC20-8F4C-9BE2-98F465F7852C}" destId="{C9ED9B44-59A8-304F-88A9-053787E93183}" srcOrd="6" destOrd="0" presId="urn:microsoft.com/office/officeart/2005/8/layout/vList2"/>
-    <dgm:cxn modelId="{E065AF3A-65AE-4240-9C2D-7D67C70FBC3E}" type="presParOf" srcId="{6C1A1EE9-DC20-8F4C-9BE2-98F465F7852C}" destId="{9E0BEB80-1F9F-454D-94A0-4DF74F076C7E}" srcOrd="7" destOrd="0" presId="urn:microsoft.com/office/officeart/2005/8/layout/vList2"/>
+    <dgm:cxn modelId="{64C5655F-A1D2-BA4E-838A-165B46F875EE}" type="presParOf" srcId="{6C1A1EE9-DC20-8F4C-9BE2-98F465F7852C}" destId="{1004DFB4-A053-1D41-89AF-F452F8EFF88E}" srcOrd="0" destOrd="0" presId="urn:microsoft.com/office/officeart/2005/8/layout/vList2"/>
+    <dgm:cxn modelId="{B4AFF435-8ABC-6842-A8D7-777C7F07C6EA}" type="presParOf" srcId="{6C1A1EE9-DC20-8F4C-9BE2-98F465F7852C}" destId="{728ED7AB-5F73-6D49-A324-58B4E98AB987}" srcOrd="1" destOrd="0" presId="urn:microsoft.com/office/officeart/2005/8/layout/vList2"/>
+    <dgm:cxn modelId="{B6F734EA-CED6-CA44-AB6E-2052ABC30FA9}" type="presParOf" srcId="{6C1A1EE9-DC20-8F4C-9BE2-98F465F7852C}" destId="{22C1114D-C6FA-AB4E-864E-38F0A8011831}" srcOrd="2" destOrd="0" presId="urn:microsoft.com/office/officeart/2005/8/layout/vList2"/>
+    <dgm:cxn modelId="{FCDE231F-026C-9943-A46C-1DEEF38121A7}" type="presParOf" srcId="{6C1A1EE9-DC20-8F4C-9BE2-98F465F7852C}" destId="{39B4580C-2988-C34E-9A13-010AFB1EE2D0}" srcOrd="3" destOrd="0" presId="urn:microsoft.com/office/officeart/2005/8/layout/vList2"/>
+    <dgm:cxn modelId="{8E0ACAC2-A368-864F-91BA-ABD76414C39C}" type="presParOf" srcId="{6C1A1EE9-DC20-8F4C-9BE2-98F465F7852C}" destId="{24207DA8-E27E-0248-A599-BF819522D3AD}" srcOrd="4" destOrd="0" presId="urn:microsoft.com/office/officeart/2005/8/layout/vList2"/>
+    <dgm:cxn modelId="{CF160EA5-ED37-F843-A983-5EA735B9282E}" type="presParOf" srcId="{6C1A1EE9-DC20-8F4C-9BE2-98F465F7852C}" destId="{35D21C13-C3D5-E144-9CE4-568F0728E7E3}" srcOrd="5" destOrd="0" presId="urn:microsoft.com/office/officeart/2005/8/layout/vList2"/>
+    <dgm:cxn modelId="{177DEEEB-5C87-A542-BD42-5396185C506B}" type="presParOf" srcId="{6C1A1EE9-DC20-8F4C-9BE2-98F465F7852C}" destId="{C9ED9B44-59A8-304F-88A9-053787E93183}" srcOrd="6" destOrd="0" presId="urn:microsoft.com/office/officeart/2005/8/layout/vList2"/>
+    <dgm:cxn modelId="{E9C5D12C-724B-D844-A95A-AA5D029562A7}" type="presParOf" srcId="{6C1A1EE9-DC20-8F4C-9BE2-98F465F7852C}" destId="{9E0BEB80-1F9F-454D-94A0-4DF74F076C7E}" srcOrd="7" destOrd="0" presId="urn:microsoft.com/office/officeart/2005/8/layout/vList2"/>
   </dgm:cxnLst>
   <dgm:bg/>
   <dgm:whole/>
@@ -3157,9 +4154,10 @@
         <a:lstStyle/>
         <a:p>
           <a:r>
-            <a:rPr lang="en-US" dirty="0"/>
-            <a:t>Process</a:t>
+            <a:rPr lang="en-US"/>
+            <a:t>Query</a:t>
           </a:r>
+          <a:endParaRPr lang="en-US" dirty="0"/>
         </a:p>
       </dgm:t>
     </dgm:pt>
@@ -3186,15 +4184,19 @@
       </dgm:t>
     </dgm:pt>
     <dgm:pt modelId="{0E981560-6AB4-414A-B2D8-A15D45D35FC2}">
-      <dgm:prSet phldrT="[Text]"/>
+      <dgm:prSet phldrT="[Text]" custT="1"/>
       <dgm:spPr/>
       <dgm:t>
         <a:bodyPr/>
         <a:lstStyle/>
         <a:p>
           <a:r>
-            <a:rPr lang="en-US" b="0" dirty="0"/>
-            <a:t>batch queries by country</a:t>
+            <a:rPr lang="en-US" sz="3300" b="1" dirty="0"/>
+            <a:t>Batch queries by country </a:t>
+          </a:r>
+          <a:r>
+            <a:rPr lang="en-US" sz="2400" b="1" dirty="0"/>
+            <a:t>(62k &gt;&gt; 88)</a:t>
           </a:r>
         </a:p>
       </dgm:t>
@@ -3221,114 +4223,6 @@
         </a:p>
       </dgm:t>
     </dgm:pt>
-    <dgm:pt modelId="{9D5AE504-7BE3-0F40-853C-FFA2B9C23613}">
-      <dgm:prSet phldrT="[Text]"/>
-      <dgm:spPr/>
-      <dgm:t>
-        <a:bodyPr/>
-        <a:lstStyle/>
-        <a:p>
-          <a:r>
-            <a:rPr lang="en-US" dirty="0"/>
-            <a:t>Query</a:t>
-          </a:r>
-        </a:p>
-      </dgm:t>
-    </dgm:pt>
-    <dgm:pt modelId="{C336CC67-218F-554B-922F-E33B90F2DC4F}" type="parTrans" cxnId="{F3522DB1-753C-F446-BA45-3E41746B7C2B}">
-      <dgm:prSet/>
-      <dgm:spPr/>
-      <dgm:t>
-        <a:bodyPr/>
-        <a:lstStyle/>
-        <a:p>
-          <a:endParaRPr lang="en-US"/>
-        </a:p>
-      </dgm:t>
-    </dgm:pt>
-    <dgm:pt modelId="{C2B149FA-87BE-ED44-BE49-EA03F4940C28}" type="sibTrans" cxnId="{F3522DB1-753C-F446-BA45-3E41746B7C2B}">
-      <dgm:prSet/>
-      <dgm:spPr/>
-      <dgm:t>
-        <a:bodyPr/>
-        <a:lstStyle/>
-        <a:p>
-          <a:endParaRPr lang="en-US"/>
-        </a:p>
-      </dgm:t>
-    </dgm:pt>
-    <dgm:pt modelId="{ED370D6B-56DC-3644-8F31-E01DDDC217FC}">
-      <dgm:prSet phldrT="[Text]"/>
-      <dgm:spPr/>
-      <dgm:t>
-        <a:bodyPr/>
-        <a:lstStyle/>
-        <a:p>
-          <a:r>
-            <a:rPr lang="en-US" dirty="0"/>
-            <a:t>raw tables over views</a:t>
-          </a:r>
-        </a:p>
-      </dgm:t>
-    </dgm:pt>
-    <dgm:pt modelId="{D670628D-6798-214D-8F26-FEC15276E769}" type="parTrans" cxnId="{7954DF63-F4F4-3C47-A839-8AE93A1BE97D}">
-      <dgm:prSet/>
-      <dgm:spPr/>
-      <dgm:t>
-        <a:bodyPr/>
-        <a:lstStyle/>
-        <a:p>
-          <a:endParaRPr lang="en-US"/>
-        </a:p>
-      </dgm:t>
-    </dgm:pt>
-    <dgm:pt modelId="{51FB706E-4367-3842-80F9-C8E6830C1F2D}" type="sibTrans" cxnId="{7954DF63-F4F4-3C47-A839-8AE93A1BE97D}">
-      <dgm:prSet/>
-      <dgm:spPr/>
-      <dgm:t>
-        <a:bodyPr/>
-        <a:lstStyle/>
-        <a:p>
-          <a:endParaRPr lang="en-US"/>
-        </a:p>
-      </dgm:t>
-    </dgm:pt>
-    <dgm:pt modelId="{A7A00B56-2463-3D46-8F5A-4318A982075F}">
-      <dgm:prSet phldrT="[Text]"/>
-      <dgm:spPr/>
-      <dgm:t>
-        <a:bodyPr/>
-        <a:lstStyle/>
-        <a:p>
-          <a:r>
-            <a:rPr lang="en-US" dirty="0"/>
-            <a:t>break CTE into key transient tables</a:t>
-          </a:r>
-        </a:p>
-      </dgm:t>
-    </dgm:pt>
-    <dgm:pt modelId="{E1976EFC-40DF-0644-848C-63AF2235940C}" type="parTrans" cxnId="{A125B7EA-4078-5F4A-9A3A-F8777B9DB500}">
-      <dgm:prSet/>
-      <dgm:spPr/>
-      <dgm:t>
-        <a:bodyPr/>
-        <a:lstStyle/>
-        <a:p>
-          <a:endParaRPr lang="en-US"/>
-        </a:p>
-      </dgm:t>
-    </dgm:pt>
-    <dgm:pt modelId="{5738E164-8F8C-924B-8622-B1E805AB047B}" type="sibTrans" cxnId="{A125B7EA-4078-5F4A-9A3A-F8777B9DB500}">
-      <dgm:prSet/>
-      <dgm:spPr/>
-      <dgm:t>
-        <a:bodyPr/>
-        <a:lstStyle/>
-        <a:p>
-          <a:endParaRPr lang="en-US"/>
-        </a:p>
-      </dgm:t>
-    </dgm:pt>
     <dgm:pt modelId="{2711FCA8-CD53-524A-AE44-E81D952CBA52}">
       <dgm:prSet phldrT="[Text]"/>
       <dgm:spPr/>
@@ -3337,8 +4231,8 @@
         <a:lstStyle/>
         <a:p>
           <a:r>
-            <a:rPr lang="en-US" dirty="0"/>
-            <a:t>“DRY” it up</a:t>
+            <a:rPr lang="en-US" sz="3300" dirty="0"/>
+            <a:t>“D.R.Y.” code up</a:t>
           </a:r>
         </a:p>
       </dgm:t>
@@ -3373,7 +4267,7 @@
         <a:lstStyle/>
         <a:p>
           <a:r>
-            <a:rPr lang="en-US" dirty="0"/>
+            <a:rPr lang="en-US" sz="3300" dirty="0"/>
             <a:t>Metrics for monitoring</a:t>
           </a:r>
         </a:p>
@@ -3391,6 +4285,120 @@
       </dgm:t>
     </dgm:pt>
     <dgm:pt modelId="{C799B876-BE08-DA46-9AB1-F55C695F68AF}" type="sibTrans" cxnId="{8B798BD3-04DC-C849-A7D4-A01010E76EB8}">
+      <dgm:prSet/>
+      <dgm:spPr/>
+      <dgm:t>
+        <a:bodyPr/>
+        <a:lstStyle/>
+        <a:p>
+          <a:endParaRPr lang="en-US"/>
+        </a:p>
+      </dgm:t>
+    </dgm:pt>
+    <dgm:pt modelId="{AB73BB6A-1559-DC46-A6F6-EB1C1CE4646F}">
+      <dgm:prSet phldrT="[Text]"/>
+      <dgm:spPr/>
+      <dgm:t>
+        <a:bodyPr/>
+        <a:lstStyle/>
+        <a:p>
+          <a:r>
+            <a:rPr lang="en-US" b="1" dirty="0"/>
+            <a:t>Break CTE into key transient tables</a:t>
+          </a:r>
+          <a:endParaRPr lang="en-US" dirty="0"/>
+        </a:p>
+      </dgm:t>
+    </dgm:pt>
+    <dgm:pt modelId="{CE1A22F5-753C-2548-A20E-E4002033B2AD}" type="parTrans" cxnId="{E893DE88-74BF-9B46-8AAC-3A480A8EB2E3}">
+      <dgm:prSet/>
+      <dgm:spPr/>
+      <dgm:t>
+        <a:bodyPr/>
+        <a:lstStyle/>
+        <a:p>
+          <a:endParaRPr lang="en-US"/>
+        </a:p>
+      </dgm:t>
+    </dgm:pt>
+    <dgm:pt modelId="{8C31E032-3120-6744-A83C-1A413A12E7CB}" type="sibTrans" cxnId="{E893DE88-74BF-9B46-8AAC-3A480A8EB2E3}">
+      <dgm:prSet/>
+      <dgm:spPr/>
+      <dgm:t>
+        <a:bodyPr/>
+        <a:lstStyle/>
+        <a:p>
+          <a:endParaRPr lang="en-US"/>
+        </a:p>
+      </dgm:t>
+    </dgm:pt>
+    <dgm:pt modelId="{CBACC036-7D63-D54A-AD81-3036A9F36F66}">
+      <dgm:prSet phldrT="[Text]"/>
+      <dgm:spPr/>
+      <dgm:t>
+        <a:bodyPr/>
+        <a:lstStyle/>
+        <a:p>
+          <a:r>
+            <a:rPr lang="en-US"/>
+            <a:t>Process</a:t>
+          </a:r>
+          <a:endParaRPr lang="en-US" dirty="0"/>
+        </a:p>
+      </dgm:t>
+    </dgm:pt>
+    <dgm:pt modelId="{6B51F482-5861-7B49-9D23-E6D545EFD5CF}" type="parTrans" cxnId="{85167E5E-3A75-3240-9700-AA5F2584750C}">
+      <dgm:prSet/>
+      <dgm:spPr/>
+      <dgm:t>
+        <a:bodyPr/>
+        <a:lstStyle/>
+        <a:p>
+          <a:endParaRPr lang="en-US"/>
+        </a:p>
+      </dgm:t>
+    </dgm:pt>
+    <dgm:pt modelId="{54997A87-9059-1841-ADF6-43B8B5FDE156}" type="sibTrans" cxnId="{85167E5E-3A75-3240-9700-AA5F2584750C}">
+      <dgm:prSet/>
+      <dgm:spPr/>
+      <dgm:t>
+        <a:bodyPr/>
+        <a:lstStyle/>
+        <a:p>
+          <a:endParaRPr lang="en-US"/>
+        </a:p>
+      </dgm:t>
+    </dgm:pt>
+    <dgm:pt modelId="{6D1AC936-7942-C74A-BD89-429F10979EAD}">
+      <dgm:prSet phldrT="[Text]"/>
+      <dgm:spPr/>
+      <dgm:t>
+        <a:bodyPr/>
+        <a:lstStyle/>
+        <a:p>
+          <a:r>
+            <a:rPr lang="en-US" dirty="0"/>
+            <a:t>Use raw tables over views</a:t>
+          </a:r>
+          <a:br>
+            <a:rPr lang="en-US" dirty="0"/>
+          </a:br>
+          <a:endParaRPr lang="en-US" dirty="0"/>
+        </a:p>
+      </dgm:t>
+    </dgm:pt>
+    <dgm:pt modelId="{3A70711B-D20E-FF47-89CA-123EBC9C57AA}" type="parTrans" cxnId="{48335482-F9A8-1242-873B-5CAF686A077F}">
+      <dgm:prSet/>
+      <dgm:spPr/>
+      <dgm:t>
+        <a:bodyPr/>
+        <a:lstStyle/>
+        <a:p>
+          <a:endParaRPr lang="en-US"/>
+        </a:p>
+      </dgm:t>
+    </dgm:pt>
+    <dgm:pt modelId="{9F9D9704-F5C8-3448-ABAC-D85D94E8302B}" type="sibTrans" cxnId="{48335482-F9A8-1242-873B-5CAF686A077F}">
       <dgm:prSet/>
       <dgm:spPr/>
       <dgm:t>
@@ -3433,16 +4441,16 @@
       </dgm:prSet>
       <dgm:spPr/>
     </dgm:pt>
-    <dgm:pt modelId="{1F59EF79-52C4-BC40-A47D-E7A2F2A33378}" type="pres">
+    <dgm:pt modelId="{A7C253D9-8448-EB44-BE6F-C4A92CDAB603}" type="pres">
       <dgm:prSet presAssocID="{17EE18F6-7677-B546-9E11-0598B2641C7B}" presName="space" presStyleCnt="0"/>
       <dgm:spPr/>
     </dgm:pt>
-    <dgm:pt modelId="{4DE52279-27BF-AF4B-A922-C589E3179691}" type="pres">
-      <dgm:prSet presAssocID="{9D5AE504-7BE3-0F40-853C-FFA2B9C23613}" presName="composite" presStyleCnt="0"/>
+    <dgm:pt modelId="{178837F2-20AC-9344-B4FB-9EA93E459E3B}" type="pres">
+      <dgm:prSet presAssocID="{CBACC036-7D63-D54A-AD81-3036A9F36F66}" presName="composite" presStyleCnt="0"/>
       <dgm:spPr/>
     </dgm:pt>
-    <dgm:pt modelId="{67E7F70F-58F3-4043-B6CC-DDEAA9E16969}" type="pres">
-      <dgm:prSet presAssocID="{9D5AE504-7BE3-0F40-853C-FFA2B9C23613}" presName="parTx" presStyleLbl="alignNode1" presStyleIdx="1" presStyleCnt="2">
+    <dgm:pt modelId="{7D7ADFD5-0A81-1743-8FCD-0661BCD7FBC1}" type="pres">
+      <dgm:prSet presAssocID="{CBACC036-7D63-D54A-AD81-3036A9F36F66}" presName="parTx" presStyleLbl="alignNode1" presStyleIdx="1" presStyleCnt="2">
         <dgm:presLayoutVars>
           <dgm:chMax val="0"/>
           <dgm:chPref val="0"/>
@@ -3451,8 +4459,8 @@
       </dgm:prSet>
       <dgm:spPr/>
     </dgm:pt>
-    <dgm:pt modelId="{3FA08CA1-1D00-2E41-86DE-A2EB935855C1}" type="pres">
-      <dgm:prSet presAssocID="{9D5AE504-7BE3-0F40-853C-FFA2B9C23613}" presName="desTx" presStyleLbl="alignAccFollowNode1" presStyleIdx="1" presStyleCnt="2">
+    <dgm:pt modelId="{C22A1FE7-C138-6D43-BB67-EF4E64AC48BB}" type="pres">
+      <dgm:prSet presAssocID="{CBACC036-7D63-D54A-AD81-3036A9F36F66}" presName="desTx" presStyleLbl="alignAccFollowNode1" presStyleIdx="1" presStyleCnt="2">
         <dgm:presLayoutVars>
           <dgm:bulletEnabled val="1"/>
         </dgm:presLayoutVars>
@@ -3462,33 +4470,330 @@
   </dgm:ptLst>
   <dgm:cxnLst>
     <dgm:cxn modelId="{3F53940D-83A9-E24D-B4D4-DE9077317A9B}" srcId="{B25FF43C-8B5A-034A-BB9B-764220BC74B7}" destId="{0F380CEC-7E5F-1944-A9AE-7E8B0AD77278}" srcOrd="0" destOrd="0" parTransId="{27A75174-61C6-0A4A-A834-77A44389875F}" sibTransId="{17EE18F6-7677-B546-9E11-0598B2641C7B}"/>
-    <dgm:cxn modelId="{40337F3D-388C-7645-858F-6F034B8843D5}" srcId="{0F380CEC-7E5F-1944-A9AE-7E8B0AD77278}" destId="{2711FCA8-CD53-524A-AE44-E81D952CBA52}" srcOrd="1" destOrd="0" parTransId="{1E040A45-FCBB-674D-AE7B-4B931C02B2AB}" sibTransId="{898BB43D-5DEE-9C40-833A-3DE0F692425A}"/>
+    <dgm:cxn modelId="{42094915-84AB-444B-BBE0-4D8808498327}" type="presOf" srcId="{AB73BB6A-1559-DC46-A6F6-EB1C1CE4646F}" destId="{919375B1-6706-3741-B6E5-D29FB402CDF3}" srcOrd="0" destOrd="0" presId="urn:microsoft.com/office/officeart/2005/8/layout/hList1"/>
+    <dgm:cxn modelId="{44E8B622-226C-FC4A-AD32-A221DE60EB04}" type="presOf" srcId="{CBACC036-7D63-D54A-AD81-3036A9F36F66}" destId="{7D7ADFD5-0A81-1743-8FCD-0661BCD7FBC1}" srcOrd="0" destOrd="0" presId="urn:microsoft.com/office/officeart/2005/8/layout/hList1"/>
+    <dgm:cxn modelId="{D2BBD72C-E5F8-6C40-8626-78A62E5A943D}" type="presOf" srcId="{0E981560-6AB4-414A-B2D8-A15D45D35FC2}" destId="{C22A1FE7-C138-6D43-BB67-EF4E64AC48BB}" srcOrd="0" destOrd="0" presId="urn:microsoft.com/office/officeart/2005/8/layout/hList1"/>
+    <dgm:cxn modelId="{40337F3D-388C-7645-858F-6F034B8843D5}" srcId="{CBACC036-7D63-D54A-AD81-3036A9F36F66}" destId="{2711FCA8-CD53-524A-AE44-E81D952CBA52}" srcOrd="1" destOrd="0" parTransId="{1E040A45-FCBB-674D-AE7B-4B931C02B2AB}" sibTransId="{898BB43D-5DEE-9C40-833A-3DE0F692425A}"/>
     <dgm:cxn modelId="{1C3E2C3F-9146-594C-AD69-BC097A9A12A7}" type="presOf" srcId="{0F380CEC-7E5F-1944-A9AE-7E8B0AD77278}" destId="{64674F3B-1F7F-2143-A05C-3597567A73FE}" srcOrd="0" destOrd="0" presId="urn:microsoft.com/office/officeart/2005/8/layout/hList1"/>
-    <dgm:cxn modelId="{7954DF63-F4F4-3C47-A839-8AE93A1BE97D}" srcId="{9D5AE504-7BE3-0F40-853C-FFA2B9C23613}" destId="{ED370D6B-56DC-3644-8F31-E01DDDC217FC}" srcOrd="0" destOrd="0" parTransId="{D670628D-6798-214D-8F26-FEC15276E769}" sibTransId="{51FB706E-4367-3842-80F9-C8E6830C1F2D}"/>
-    <dgm:cxn modelId="{C378C075-BDAD-9849-836B-ACCA53E25E2F}" type="presOf" srcId="{9D5AE504-7BE3-0F40-853C-FFA2B9C23613}" destId="{67E7F70F-58F3-4043-B6CC-DDEAA9E16969}" srcOrd="0" destOrd="0" presId="urn:microsoft.com/office/officeart/2005/8/layout/hList1"/>
-    <dgm:cxn modelId="{9B964A78-0D3F-0845-BE5B-4B614C125722}" type="presOf" srcId="{0E981560-6AB4-414A-B2D8-A15D45D35FC2}" destId="{919375B1-6706-3741-B6E5-D29FB402CDF3}" srcOrd="0" destOrd="0" presId="urn:microsoft.com/office/officeart/2005/8/layout/hList1"/>
-    <dgm:cxn modelId="{55A67984-670F-7A4A-AFE8-09BD24999594}" type="presOf" srcId="{ED370D6B-56DC-3644-8F31-E01DDDC217FC}" destId="{3FA08CA1-1D00-2E41-86DE-A2EB935855C1}" srcOrd="0" destOrd="0" presId="urn:microsoft.com/office/officeart/2005/8/layout/hList1"/>
-    <dgm:cxn modelId="{36ED86A4-1628-114A-AF9E-9C7279767445}" srcId="{0F380CEC-7E5F-1944-A9AE-7E8B0AD77278}" destId="{0E981560-6AB4-414A-B2D8-A15D45D35FC2}" srcOrd="0" destOrd="0" parTransId="{E60888FC-82B0-7949-AC4A-5A24D470FF52}" sibTransId="{6D72548F-3563-0F48-935A-055E0D702957}"/>
+    <dgm:cxn modelId="{85167E5E-3A75-3240-9700-AA5F2584750C}" srcId="{B25FF43C-8B5A-034A-BB9B-764220BC74B7}" destId="{CBACC036-7D63-D54A-AD81-3036A9F36F66}" srcOrd="1" destOrd="0" parTransId="{6B51F482-5861-7B49-9D23-E6D545EFD5CF}" sibTransId="{54997A87-9059-1841-ADF6-43B8B5FDE156}"/>
+    <dgm:cxn modelId="{D1847573-238A-7940-88C9-3C8B436BA27C}" type="presOf" srcId="{2711FCA8-CD53-524A-AE44-E81D952CBA52}" destId="{C22A1FE7-C138-6D43-BB67-EF4E64AC48BB}" srcOrd="0" destOrd="1" presId="urn:microsoft.com/office/officeart/2005/8/layout/hList1"/>
+    <dgm:cxn modelId="{9467CB77-9A5F-A94B-B59C-9269FA858FC8}" type="presOf" srcId="{8D8EE846-E530-564F-92A2-B9A7A08D77BC}" destId="{C22A1FE7-C138-6D43-BB67-EF4E64AC48BB}" srcOrd="0" destOrd="2" presId="urn:microsoft.com/office/officeart/2005/8/layout/hList1"/>
+    <dgm:cxn modelId="{48335482-F9A8-1242-873B-5CAF686A077F}" srcId="{0F380CEC-7E5F-1944-A9AE-7E8B0AD77278}" destId="{6D1AC936-7942-C74A-BD89-429F10979EAD}" srcOrd="1" destOrd="0" parTransId="{3A70711B-D20E-FF47-89CA-123EBC9C57AA}" sibTransId="{9F9D9704-F5C8-3448-ABAC-D85D94E8302B}"/>
+    <dgm:cxn modelId="{E893DE88-74BF-9B46-8AAC-3A480A8EB2E3}" srcId="{0F380CEC-7E5F-1944-A9AE-7E8B0AD77278}" destId="{AB73BB6A-1559-DC46-A6F6-EB1C1CE4646F}" srcOrd="0" destOrd="0" parTransId="{CE1A22F5-753C-2548-A20E-E4002033B2AD}" sibTransId="{8C31E032-3120-6744-A83C-1A413A12E7CB}"/>
+    <dgm:cxn modelId="{36ED86A4-1628-114A-AF9E-9C7279767445}" srcId="{CBACC036-7D63-D54A-AD81-3036A9F36F66}" destId="{0E981560-6AB4-414A-B2D8-A15D45D35FC2}" srcOrd="0" destOrd="0" parTransId="{E60888FC-82B0-7949-AC4A-5A24D470FF52}" sibTransId="{6D72548F-3563-0F48-935A-055E0D702957}"/>
     <dgm:cxn modelId="{FEA229AB-D9CD-574B-81CC-10B7137AB7D1}" type="presOf" srcId="{B25FF43C-8B5A-034A-BB9B-764220BC74B7}" destId="{AD97F533-2F8F-6F42-BD00-A8CFB4F41D90}" srcOrd="0" destOrd="0" presId="urn:microsoft.com/office/officeart/2005/8/layout/hList1"/>
-    <dgm:cxn modelId="{F3522DB1-753C-F446-BA45-3E41746B7C2B}" srcId="{B25FF43C-8B5A-034A-BB9B-764220BC74B7}" destId="{9D5AE504-7BE3-0F40-853C-FFA2B9C23613}" srcOrd="1" destOrd="0" parTransId="{C336CC67-218F-554B-922F-E33B90F2DC4F}" sibTransId="{C2B149FA-87BE-ED44-BE49-EA03F4940C28}"/>
-    <dgm:cxn modelId="{DB5E27CD-6F2A-9B44-8A53-A6642CFC1CFB}" type="presOf" srcId="{A7A00B56-2463-3D46-8F5A-4318A982075F}" destId="{3FA08CA1-1D00-2E41-86DE-A2EB935855C1}" srcOrd="0" destOrd="1" presId="urn:microsoft.com/office/officeart/2005/8/layout/hList1"/>
-    <dgm:cxn modelId="{8B798BD3-04DC-C849-A7D4-A01010E76EB8}" srcId="{0F380CEC-7E5F-1944-A9AE-7E8B0AD77278}" destId="{8D8EE846-E530-564F-92A2-B9A7A08D77BC}" srcOrd="2" destOrd="0" parTransId="{89AF42A3-868B-5B4D-84A8-F97F74B537C3}" sibTransId="{C799B876-BE08-DA46-9AB1-F55C695F68AF}"/>
-    <dgm:cxn modelId="{F01F0CDF-2AB0-4049-AD16-882E9C0C2B27}" type="presOf" srcId="{2711FCA8-CD53-524A-AE44-E81D952CBA52}" destId="{919375B1-6706-3741-B6E5-D29FB402CDF3}" srcOrd="0" destOrd="1" presId="urn:microsoft.com/office/officeart/2005/8/layout/hList1"/>
-    <dgm:cxn modelId="{A125B7EA-4078-5F4A-9A3A-F8777B9DB500}" srcId="{9D5AE504-7BE3-0F40-853C-FFA2B9C23613}" destId="{A7A00B56-2463-3D46-8F5A-4318A982075F}" srcOrd="1" destOrd="0" parTransId="{E1976EFC-40DF-0644-848C-63AF2235940C}" sibTransId="{5738E164-8F8C-924B-8622-B1E805AB047B}"/>
-    <dgm:cxn modelId="{3B6A24FD-958F-314F-B390-7ED6931AB5DA}" type="presOf" srcId="{8D8EE846-E530-564F-92A2-B9A7A08D77BC}" destId="{919375B1-6706-3741-B6E5-D29FB402CDF3}" srcOrd="0" destOrd="2" presId="urn:microsoft.com/office/officeart/2005/8/layout/hList1"/>
+    <dgm:cxn modelId="{CE7DFAC5-B42A-CD42-87E6-91961139C703}" type="presOf" srcId="{6D1AC936-7942-C74A-BD89-429F10979EAD}" destId="{919375B1-6706-3741-B6E5-D29FB402CDF3}" srcOrd="0" destOrd="1" presId="urn:microsoft.com/office/officeart/2005/8/layout/hList1"/>
+    <dgm:cxn modelId="{8B798BD3-04DC-C849-A7D4-A01010E76EB8}" srcId="{CBACC036-7D63-D54A-AD81-3036A9F36F66}" destId="{8D8EE846-E530-564F-92A2-B9A7A08D77BC}" srcOrd="2" destOrd="0" parTransId="{89AF42A3-868B-5B4D-84A8-F97F74B537C3}" sibTransId="{C799B876-BE08-DA46-9AB1-F55C695F68AF}"/>
     <dgm:cxn modelId="{B116E7CC-3FC8-5A40-B929-B09EED817191}" type="presParOf" srcId="{AD97F533-2F8F-6F42-BD00-A8CFB4F41D90}" destId="{AA94A074-18EE-BC40-ACB6-4A382C797CDD}" srcOrd="0" destOrd="0" presId="urn:microsoft.com/office/officeart/2005/8/layout/hList1"/>
     <dgm:cxn modelId="{07ADEFA6-A58C-1C46-98C6-E6393E81B4C4}" type="presParOf" srcId="{AA94A074-18EE-BC40-ACB6-4A382C797CDD}" destId="{64674F3B-1F7F-2143-A05C-3597567A73FE}" srcOrd="0" destOrd="0" presId="urn:microsoft.com/office/officeart/2005/8/layout/hList1"/>
     <dgm:cxn modelId="{F6B5AACA-F54E-A64B-9964-5F9E7674E040}" type="presParOf" srcId="{AA94A074-18EE-BC40-ACB6-4A382C797CDD}" destId="{919375B1-6706-3741-B6E5-D29FB402CDF3}" srcOrd="1" destOrd="0" presId="urn:microsoft.com/office/officeart/2005/8/layout/hList1"/>
-    <dgm:cxn modelId="{EC713AF6-BCED-0946-920D-5C5BC87BF61D}" type="presParOf" srcId="{AD97F533-2F8F-6F42-BD00-A8CFB4F41D90}" destId="{1F59EF79-52C4-BC40-A47D-E7A2F2A33378}" srcOrd="1" destOrd="0" presId="urn:microsoft.com/office/officeart/2005/8/layout/hList1"/>
-    <dgm:cxn modelId="{7C63FD00-8549-CE4B-8810-5D3FB4626905}" type="presParOf" srcId="{AD97F533-2F8F-6F42-BD00-A8CFB4F41D90}" destId="{4DE52279-27BF-AF4B-A922-C589E3179691}" srcOrd="2" destOrd="0" presId="urn:microsoft.com/office/officeart/2005/8/layout/hList1"/>
-    <dgm:cxn modelId="{682ECD19-83F7-0D4E-A915-A74EC2496E78}" type="presParOf" srcId="{4DE52279-27BF-AF4B-A922-C589E3179691}" destId="{67E7F70F-58F3-4043-B6CC-DDEAA9E16969}" srcOrd="0" destOrd="0" presId="urn:microsoft.com/office/officeart/2005/8/layout/hList1"/>
-    <dgm:cxn modelId="{77C59822-4EA2-4943-9930-F63A7147E2C0}" type="presParOf" srcId="{4DE52279-27BF-AF4B-A922-C589E3179691}" destId="{3FA08CA1-1D00-2E41-86DE-A2EB935855C1}" srcOrd="1" destOrd="0" presId="urn:microsoft.com/office/officeart/2005/8/layout/hList1"/>
+    <dgm:cxn modelId="{5C479852-821C-7549-85A5-5B5C7587B364}" type="presParOf" srcId="{AD97F533-2F8F-6F42-BD00-A8CFB4F41D90}" destId="{A7C253D9-8448-EB44-BE6F-C4A92CDAB603}" srcOrd="1" destOrd="0" presId="urn:microsoft.com/office/officeart/2005/8/layout/hList1"/>
+    <dgm:cxn modelId="{BA5B74A0-B368-4048-B356-F270BB458AAD}" type="presParOf" srcId="{AD97F533-2F8F-6F42-BD00-A8CFB4F41D90}" destId="{178837F2-20AC-9344-B4FB-9EA93E459E3B}" srcOrd="2" destOrd="0" presId="urn:microsoft.com/office/officeart/2005/8/layout/hList1"/>
+    <dgm:cxn modelId="{64A0A174-CD55-CA4E-815C-527AE0C86E7E}" type="presParOf" srcId="{178837F2-20AC-9344-B4FB-9EA93E459E3B}" destId="{7D7ADFD5-0A81-1743-8FCD-0661BCD7FBC1}" srcOrd="0" destOrd="0" presId="urn:microsoft.com/office/officeart/2005/8/layout/hList1"/>
+    <dgm:cxn modelId="{2C97E8A9-9E43-CF44-AE5C-E869ECB3A3CD}" type="presParOf" srcId="{178837F2-20AC-9344-B4FB-9EA93E459E3B}" destId="{C22A1FE7-C138-6D43-BB67-EF4E64AC48BB}" srcOrd="1" destOrd="0" presId="urn:microsoft.com/office/officeart/2005/8/layout/hList1"/>
   </dgm:cxnLst>
   <dgm:bg/>
   <dgm:whole/>
   <dgm:extLst>
     <a:ext uri="http://schemas.microsoft.com/office/drawing/2008/diagram">
       <dsp:dataModelExt xmlns:dsp="http://schemas.microsoft.com/office/drawing/2008/diagram" relId="rId7" minVer="http://schemas.openxmlformats.org/drawingml/2006/diagram"/>
+    </a:ext>
+  </dgm:extLst>
+</dgm:dataModel>
+</file>
+
+<file path=ppt/diagrams/data4.xml><?xml version="1.0" encoding="utf-8"?>
+<dgm:dataModel xmlns:dgm="http://schemas.openxmlformats.org/drawingml/2006/diagram" xmlns:a="http://schemas.openxmlformats.org/drawingml/2006/main">
+  <dgm:ptLst>
+    <dgm:pt modelId="{3722E59E-228A-4E61-B736-EE2F1F4EF8FF}" type="doc">
+      <dgm:prSet loTypeId="urn:microsoft.com/office/officeart/2016/7/layout/LinearBlockProcessNumbered" loCatId="process" qsTypeId="urn:microsoft.com/office/officeart/2005/8/quickstyle/simple4" qsCatId="simple" csTypeId="urn:microsoft.com/office/officeart/2005/8/colors/colorful1" csCatId="colorful" phldr="1"/>
+      <dgm:spPr/>
+      <dgm:t>
+        <a:bodyPr/>
+        <a:lstStyle/>
+        <a:p>
+          <a:endParaRPr lang="en-US"/>
+        </a:p>
+      </dgm:t>
+    </dgm:pt>
+    <dgm:pt modelId="{90573A1F-722A-4669-97F6-2AF1472D9A27}">
+      <dgm:prSet/>
+      <dgm:spPr/>
+      <dgm:t>
+        <a:bodyPr/>
+        <a:lstStyle/>
+        <a:p>
+          <a:r>
+            <a:rPr lang="en-US" dirty="0"/>
+            <a:t>To identify big queries, need to look for:</a:t>
+          </a:r>
+          <a:br>
+            <a:rPr lang="en-US" dirty="0"/>
+          </a:br>
+          <a:r>
+            <a:rPr lang="en-US" dirty="0"/>
+            <a:t>- single large queries </a:t>
+          </a:r>
+        </a:p>
+        <a:p>
+          <a:r>
+            <a:rPr lang="en-US" dirty="0"/>
+            <a:t>- groups of related small queries</a:t>
+          </a:r>
+        </a:p>
+      </dgm:t>
+    </dgm:pt>
+    <dgm:pt modelId="{09600E9F-D384-40D6-ABE9-1007ECF60E70}" type="parTrans" cxnId="{6643D9DA-B73B-41CA-A7E0-E60F0B53B2CF}">
+      <dgm:prSet/>
+      <dgm:spPr/>
+      <dgm:t>
+        <a:bodyPr/>
+        <a:lstStyle/>
+        <a:p>
+          <a:endParaRPr lang="en-US"/>
+        </a:p>
+      </dgm:t>
+    </dgm:pt>
+    <dgm:pt modelId="{5394C32F-866B-4764-AC31-C54542C1E807}" type="sibTrans" cxnId="{6643D9DA-B73B-41CA-A7E0-E60F0B53B2CF}">
+      <dgm:prSet phldrT="01" phldr="0"/>
+      <dgm:spPr/>
+      <dgm:t>
+        <a:bodyPr/>
+        <a:lstStyle/>
+        <a:p>
+          <a:r>
+            <a:rPr lang="en-US"/>
+            <a:t>01</a:t>
+          </a:r>
+        </a:p>
+      </dgm:t>
+    </dgm:pt>
+    <dgm:pt modelId="{9FF93213-3519-45EA-A712-C9E1A242061B}">
+      <dgm:prSet/>
+      <dgm:spPr/>
+      <dgm:t>
+        <a:bodyPr/>
+        <a:lstStyle/>
+        <a:p>
+          <a:r>
+            <a:rPr lang="en-US" dirty="0"/>
+            <a:t>Look at the big picture.</a:t>
+          </a:r>
+        </a:p>
+        <a:p>
+          <a:endParaRPr lang="en-US" dirty="0"/>
+        </a:p>
+        <a:p>
+          <a:r>
+            <a:rPr lang="en-US" dirty="0"/>
+            <a:t>Process efficiency is just as important as query efficiency. </a:t>
+          </a:r>
+        </a:p>
+      </dgm:t>
+    </dgm:pt>
+    <dgm:pt modelId="{6302C3E9-E1BD-415E-9A85-C2E273A0AE55}" type="parTrans" cxnId="{BC20CF0D-666B-48D7-B0F2-9363C892B42C}">
+      <dgm:prSet/>
+      <dgm:spPr/>
+      <dgm:t>
+        <a:bodyPr/>
+        <a:lstStyle/>
+        <a:p>
+          <a:endParaRPr lang="en-US"/>
+        </a:p>
+      </dgm:t>
+    </dgm:pt>
+    <dgm:pt modelId="{7FEBF4A5-3C39-40C0-B03D-EB9ACC0C6EE8}" type="sibTrans" cxnId="{BC20CF0D-666B-48D7-B0F2-9363C892B42C}">
+      <dgm:prSet phldrT="02" phldr="0"/>
+      <dgm:spPr/>
+      <dgm:t>
+        <a:bodyPr/>
+        <a:lstStyle/>
+        <a:p>
+          <a:r>
+            <a:rPr lang="en-US"/>
+            <a:t>02</a:t>
+          </a:r>
+        </a:p>
+      </dgm:t>
+    </dgm:pt>
+    <dgm:pt modelId="{C2EE571C-F432-49DC-BCE2-B64D3CB68FD0}">
+      <dgm:prSet/>
+      <dgm:spPr/>
+      <dgm:t>
+        <a:bodyPr/>
+        <a:lstStyle/>
+        <a:p>
+          <a:r>
+            <a:rPr lang="en-US" dirty="0"/>
+            <a:t>Add tags to queries to identify issues and track performance.</a:t>
+          </a:r>
+        </a:p>
+      </dgm:t>
+    </dgm:pt>
+    <dgm:pt modelId="{DAC2DC7A-035A-4D70-9108-E49623B80682}" type="parTrans" cxnId="{BD72B3E8-6120-4FEF-BCE7-DADB9E93C6CB}">
+      <dgm:prSet/>
+      <dgm:spPr/>
+      <dgm:t>
+        <a:bodyPr/>
+        <a:lstStyle/>
+        <a:p>
+          <a:endParaRPr lang="en-US"/>
+        </a:p>
+      </dgm:t>
+    </dgm:pt>
+    <dgm:pt modelId="{B340F93D-98B6-4BFC-B38B-C571FCF1F95A}" type="sibTrans" cxnId="{BD72B3E8-6120-4FEF-BCE7-DADB9E93C6CB}">
+      <dgm:prSet phldrT="03" phldr="0"/>
+      <dgm:spPr/>
+      <dgm:t>
+        <a:bodyPr/>
+        <a:lstStyle/>
+        <a:p>
+          <a:r>
+            <a:rPr lang="en-US"/>
+            <a:t>03</a:t>
+          </a:r>
+        </a:p>
+      </dgm:t>
+    </dgm:pt>
+    <dgm:pt modelId="{95D8D465-9088-1640-94CD-2B7457010CE1}" type="pres">
+      <dgm:prSet presAssocID="{3722E59E-228A-4E61-B736-EE2F1F4EF8FF}" presName="Name0" presStyleCnt="0">
+        <dgm:presLayoutVars>
+          <dgm:animLvl val="lvl"/>
+          <dgm:resizeHandles val="exact"/>
+        </dgm:presLayoutVars>
+      </dgm:prSet>
+      <dgm:spPr/>
+    </dgm:pt>
+    <dgm:pt modelId="{C4FEFB07-6F3D-324D-A21C-4AC6C7376564}" type="pres">
+      <dgm:prSet presAssocID="{90573A1F-722A-4669-97F6-2AF1472D9A27}" presName="compositeNode" presStyleCnt="0">
+        <dgm:presLayoutVars>
+          <dgm:bulletEnabled val="1"/>
+        </dgm:presLayoutVars>
+      </dgm:prSet>
+      <dgm:spPr/>
+    </dgm:pt>
+    <dgm:pt modelId="{49E241AD-1497-5042-949E-6C68978FB157}" type="pres">
+      <dgm:prSet presAssocID="{90573A1F-722A-4669-97F6-2AF1472D9A27}" presName="bgRect" presStyleLbl="alignNode1" presStyleIdx="0" presStyleCnt="3"/>
+      <dgm:spPr/>
+    </dgm:pt>
+    <dgm:pt modelId="{D1B002EE-9ADF-A74F-AFE7-A84814946310}" type="pres">
+      <dgm:prSet presAssocID="{5394C32F-866B-4764-AC31-C54542C1E807}" presName="sibTransNodeRect" presStyleLbl="alignNode1" presStyleIdx="0" presStyleCnt="3">
+        <dgm:presLayoutVars>
+          <dgm:chMax val="0"/>
+          <dgm:bulletEnabled val="1"/>
+        </dgm:presLayoutVars>
+      </dgm:prSet>
+      <dgm:spPr/>
+    </dgm:pt>
+    <dgm:pt modelId="{155BF7F1-0559-F84D-AF6B-3471D809B570}" type="pres">
+      <dgm:prSet presAssocID="{90573A1F-722A-4669-97F6-2AF1472D9A27}" presName="nodeRect" presStyleLbl="alignNode1" presStyleIdx="0" presStyleCnt="3">
+        <dgm:presLayoutVars>
+          <dgm:bulletEnabled val="1"/>
+        </dgm:presLayoutVars>
+      </dgm:prSet>
+      <dgm:spPr/>
+    </dgm:pt>
+    <dgm:pt modelId="{CDF02D7D-8F2F-5045-9FFB-7285B79E316C}" type="pres">
+      <dgm:prSet presAssocID="{5394C32F-866B-4764-AC31-C54542C1E807}" presName="sibTrans" presStyleCnt="0"/>
+      <dgm:spPr/>
+    </dgm:pt>
+    <dgm:pt modelId="{BF69D9EA-D399-7245-8139-41E93FEC2BCA}" type="pres">
+      <dgm:prSet presAssocID="{9FF93213-3519-45EA-A712-C9E1A242061B}" presName="compositeNode" presStyleCnt="0">
+        <dgm:presLayoutVars>
+          <dgm:bulletEnabled val="1"/>
+        </dgm:presLayoutVars>
+      </dgm:prSet>
+      <dgm:spPr/>
+    </dgm:pt>
+    <dgm:pt modelId="{BA51D021-AA14-1645-A59C-B96C50FB12C8}" type="pres">
+      <dgm:prSet presAssocID="{9FF93213-3519-45EA-A712-C9E1A242061B}" presName="bgRect" presStyleLbl="alignNode1" presStyleIdx="1" presStyleCnt="3"/>
+      <dgm:spPr/>
+    </dgm:pt>
+    <dgm:pt modelId="{0D342789-A7C1-A94B-87DB-66801DE2CB9E}" type="pres">
+      <dgm:prSet presAssocID="{7FEBF4A5-3C39-40C0-B03D-EB9ACC0C6EE8}" presName="sibTransNodeRect" presStyleLbl="alignNode1" presStyleIdx="1" presStyleCnt="3">
+        <dgm:presLayoutVars>
+          <dgm:chMax val="0"/>
+          <dgm:bulletEnabled val="1"/>
+        </dgm:presLayoutVars>
+      </dgm:prSet>
+      <dgm:spPr/>
+    </dgm:pt>
+    <dgm:pt modelId="{5A59C918-B634-C949-A2E1-932E732829F8}" type="pres">
+      <dgm:prSet presAssocID="{9FF93213-3519-45EA-A712-C9E1A242061B}" presName="nodeRect" presStyleLbl="alignNode1" presStyleIdx="1" presStyleCnt="3">
+        <dgm:presLayoutVars>
+          <dgm:bulletEnabled val="1"/>
+        </dgm:presLayoutVars>
+      </dgm:prSet>
+      <dgm:spPr/>
+    </dgm:pt>
+    <dgm:pt modelId="{5F126B63-604A-F243-8FAA-8805D3EFE141}" type="pres">
+      <dgm:prSet presAssocID="{7FEBF4A5-3C39-40C0-B03D-EB9ACC0C6EE8}" presName="sibTrans" presStyleCnt="0"/>
+      <dgm:spPr/>
+    </dgm:pt>
+    <dgm:pt modelId="{640B5823-29C1-AB41-A8AA-DDEB69C7EA5C}" type="pres">
+      <dgm:prSet presAssocID="{C2EE571C-F432-49DC-BCE2-B64D3CB68FD0}" presName="compositeNode" presStyleCnt="0">
+        <dgm:presLayoutVars>
+          <dgm:bulletEnabled val="1"/>
+        </dgm:presLayoutVars>
+      </dgm:prSet>
+      <dgm:spPr/>
+    </dgm:pt>
+    <dgm:pt modelId="{DEF5E673-E1E8-8A48-ABE1-CD9AEFAC2C20}" type="pres">
+      <dgm:prSet presAssocID="{C2EE571C-F432-49DC-BCE2-B64D3CB68FD0}" presName="bgRect" presStyleLbl="alignNode1" presStyleIdx="2" presStyleCnt="3"/>
+      <dgm:spPr/>
+    </dgm:pt>
+    <dgm:pt modelId="{D4E58B78-6DC3-AE45-A2FE-0CA3541C1F66}" type="pres">
+      <dgm:prSet presAssocID="{B340F93D-98B6-4BFC-B38B-C571FCF1F95A}" presName="sibTransNodeRect" presStyleLbl="alignNode1" presStyleIdx="2" presStyleCnt="3">
+        <dgm:presLayoutVars>
+          <dgm:chMax val="0"/>
+          <dgm:bulletEnabled val="1"/>
+        </dgm:presLayoutVars>
+      </dgm:prSet>
+      <dgm:spPr/>
+    </dgm:pt>
+    <dgm:pt modelId="{225D90B9-963F-904D-94A6-B05BFBCA86AC}" type="pres">
+      <dgm:prSet presAssocID="{C2EE571C-F432-49DC-BCE2-B64D3CB68FD0}" presName="nodeRect" presStyleLbl="alignNode1" presStyleIdx="2" presStyleCnt="3">
+        <dgm:presLayoutVars>
+          <dgm:bulletEnabled val="1"/>
+        </dgm:presLayoutVars>
+      </dgm:prSet>
+      <dgm:spPr/>
+    </dgm:pt>
+  </dgm:ptLst>
+  <dgm:cxnLst>
+    <dgm:cxn modelId="{BC20CF0D-666B-48D7-B0F2-9363C892B42C}" srcId="{3722E59E-228A-4E61-B736-EE2F1F4EF8FF}" destId="{9FF93213-3519-45EA-A712-C9E1A242061B}" srcOrd="1" destOrd="0" parTransId="{6302C3E9-E1BD-415E-9A85-C2E273A0AE55}" sibTransId="{7FEBF4A5-3C39-40C0-B03D-EB9ACC0C6EE8}"/>
+    <dgm:cxn modelId="{D8A8F615-67E2-5949-8DE3-7C45EF892754}" type="presOf" srcId="{90573A1F-722A-4669-97F6-2AF1472D9A27}" destId="{49E241AD-1497-5042-949E-6C68978FB157}" srcOrd="0" destOrd="0" presId="urn:microsoft.com/office/officeart/2016/7/layout/LinearBlockProcessNumbered"/>
+    <dgm:cxn modelId="{CBB7801D-0E3D-704D-A568-1CB22743AE45}" type="presOf" srcId="{B340F93D-98B6-4BFC-B38B-C571FCF1F95A}" destId="{D4E58B78-6DC3-AE45-A2FE-0CA3541C1F66}" srcOrd="0" destOrd="0" presId="urn:microsoft.com/office/officeart/2016/7/layout/LinearBlockProcessNumbered"/>
+    <dgm:cxn modelId="{93377A25-8369-2E4F-B63D-0E7729D97296}" type="presOf" srcId="{90573A1F-722A-4669-97F6-2AF1472D9A27}" destId="{155BF7F1-0559-F84D-AF6B-3471D809B570}" srcOrd="1" destOrd="0" presId="urn:microsoft.com/office/officeart/2016/7/layout/LinearBlockProcessNumbered"/>
+    <dgm:cxn modelId="{1286F25C-EC18-7A4E-8CD1-0AA510D79EB7}" type="presOf" srcId="{3722E59E-228A-4E61-B736-EE2F1F4EF8FF}" destId="{95D8D465-9088-1640-94CD-2B7457010CE1}" srcOrd="0" destOrd="0" presId="urn:microsoft.com/office/officeart/2016/7/layout/LinearBlockProcessNumbered"/>
+    <dgm:cxn modelId="{6A0E368E-4E19-9943-B658-7361660B072D}" type="presOf" srcId="{C2EE571C-F432-49DC-BCE2-B64D3CB68FD0}" destId="{DEF5E673-E1E8-8A48-ABE1-CD9AEFAC2C20}" srcOrd="0" destOrd="0" presId="urn:microsoft.com/office/officeart/2016/7/layout/LinearBlockProcessNumbered"/>
+    <dgm:cxn modelId="{16FCDBA7-73E5-C349-AC66-E93F929130E9}" type="presOf" srcId="{5394C32F-866B-4764-AC31-C54542C1E807}" destId="{D1B002EE-9ADF-A74F-AFE7-A84814946310}" srcOrd="0" destOrd="0" presId="urn:microsoft.com/office/officeart/2016/7/layout/LinearBlockProcessNumbered"/>
+    <dgm:cxn modelId="{A7F174D8-1B13-5140-B309-E453EF1E4E56}" type="presOf" srcId="{9FF93213-3519-45EA-A712-C9E1A242061B}" destId="{BA51D021-AA14-1645-A59C-B96C50FB12C8}" srcOrd="0" destOrd="0" presId="urn:microsoft.com/office/officeart/2016/7/layout/LinearBlockProcessNumbered"/>
+    <dgm:cxn modelId="{6643D9DA-B73B-41CA-A7E0-E60F0B53B2CF}" srcId="{3722E59E-228A-4E61-B736-EE2F1F4EF8FF}" destId="{90573A1F-722A-4669-97F6-2AF1472D9A27}" srcOrd="0" destOrd="0" parTransId="{09600E9F-D384-40D6-ABE9-1007ECF60E70}" sibTransId="{5394C32F-866B-4764-AC31-C54542C1E807}"/>
+    <dgm:cxn modelId="{84594CDF-F723-AC45-8465-AA642B1951FF}" type="presOf" srcId="{9FF93213-3519-45EA-A712-C9E1A242061B}" destId="{5A59C918-B634-C949-A2E1-932E732829F8}" srcOrd="1" destOrd="0" presId="urn:microsoft.com/office/officeart/2016/7/layout/LinearBlockProcessNumbered"/>
+    <dgm:cxn modelId="{BEA7F1E1-39A5-544C-86A3-5764CA9A9BC4}" type="presOf" srcId="{C2EE571C-F432-49DC-BCE2-B64D3CB68FD0}" destId="{225D90B9-963F-904D-94A6-B05BFBCA86AC}" srcOrd="1" destOrd="0" presId="urn:microsoft.com/office/officeart/2016/7/layout/LinearBlockProcessNumbered"/>
+    <dgm:cxn modelId="{C33328E8-B63E-574C-9727-D261F9F7D32A}" type="presOf" srcId="{7FEBF4A5-3C39-40C0-B03D-EB9ACC0C6EE8}" destId="{0D342789-A7C1-A94B-87DB-66801DE2CB9E}" srcOrd="0" destOrd="0" presId="urn:microsoft.com/office/officeart/2016/7/layout/LinearBlockProcessNumbered"/>
+    <dgm:cxn modelId="{BD72B3E8-6120-4FEF-BCE7-DADB9E93C6CB}" srcId="{3722E59E-228A-4E61-B736-EE2F1F4EF8FF}" destId="{C2EE571C-F432-49DC-BCE2-B64D3CB68FD0}" srcOrd="2" destOrd="0" parTransId="{DAC2DC7A-035A-4D70-9108-E49623B80682}" sibTransId="{B340F93D-98B6-4BFC-B38B-C571FCF1F95A}"/>
+    <dgm:cxn modelId="{CD89A947-77F0-DA4A-B914-4CA66E7BA472}" type="presParOf" srcId="{95D8D465-9088-1640-94CD-2B7457010CE1}" destId="{C4FEFB07-6F3D-324D-A21C-4AC6C7376564}" srcOrd="0" destOrd="0" presId="urn:microsoft.com/office/officeart/2016/7/layout/LinearBlockProcessNumbered"/>
+    <dgm:cxn modelId="{E25F4718-7405-3849-8E83-5D61D8085F38}" type="presParOf" srcId="{C4FEFB07-6F3D-324D-A21C-4AC6C7376564}" destId="{49E241AD-1497-5042-949E-6C68978FB157}" srcOrd="0" destOrd="0" presId="urn:microsoft.com/office/officeart/2016/7/layout/LinearBlockProcessNumbered"/>
+    <dgm:cxn modelId="{B70A0479-FF97-BE42-BAF8-872D2BA4344B}" type="presParOf" srcId="{C4FEFB07-6F3D-324D-A21C-4AC6C7376564}" destId="{D1B002EE-9ADF-A74F-AFE7-A84814946310}" srcOrd="1" destOrd="0" presId="urn:microsoft.com/office/officeart/2016/7/layout/LinearBlockProcessNumbered"/>
+    <dgm:cxn modelId="{2FBB583E-85E6-3040-B196-48EAD15E74F2}" type="presParOf" srcId="{C4FEFB07-6F3D-324D-A21C-4AC6C7376564}" destId="{155BF7F1-0559-F84D-AF6B-3471D809B570}" srcOrd="2" destOrd="0" presId="urn:microsoft.com/office/officeart/2016/7/layout/LinearBlockProcessNumbered"/>
+    <dgm:cxn modelId="{65693539-079C-1140-ABD3-8B62AC65A373}" type="presParOf" srcId="{95D8D465-9088-1640-94CD-2B7457010CE1}" destId="{CDF02D7D-8F2F-5045-9FFB-7285B79E316C}" srcOrd="1" destOrd="0" presId="urn:microsoft.com/office/officeart/2016/7/layout/LinearBlockProcessNumbered"/>
+    <dgm:cxn modelId="{674C51B2-B4B0-1D4A-8CC1-96110B70826F}" type="presParOf" srcId="{95D8D465-9088-1640-94CD-2B7457010CE1}" destId="{BF69D9EA-D399-7245-8139-41E93FEC2BCA}" srcOrd="2" destOrd="0" presId="urn:microsoft.com/office/officeart/2016/7/layout/LinearBlockProcessNumbered"/>
+    <dgm:cxn modelId="{2D50195A-9794-3144-92F8-E1521990521E}" type="presParOf" srcId="{BF69D9EA-D399-7245-8139-41E93FEC2BCA}" destId="{BA51D021-AA14-1645-A59C-B96C50FB12C8}" srcOrd="0" destOrd="0" presId="urn:microsoft.com/office/officeart/2016/7/layout/LinearBlockProcessNumbered"/>
+    <dgm:cxn modelId="{5A6477B1-5D3A-2945-839B-CD9EDFE85707}" type="presParOf" srcId="{BF69D9EA-D399-7245-8139-41E93FEC2BCA}" destId="{0D342789-A7C1-A94B-87DB-66801DE2CB9E}" srcOrd="1" destOrd="0" presId="urn:microsoft.com/office/officeart/2016/7/layout/LinearBlockProcessNumbered"/>
+    <dgm:cxn modelId="{652983AE-B437-6649-B735-7D7DA528B2A1}" type="presParOf" srcId="{BF69D9EA-D399-7245-8139-41E93FEC2BCA}" destId="{5A59C918-B634-C949-A2E1-932E732829F8}" srcOrd="2" destOrd="0" presId="urn:microsoft.com/office/officeart/2016/7/layout/LinearBlockProcessNumbered"/>
+    <dgm:cxn modelId="{01A13F2A-BB12-FA4D-A52F-7A14EC134C3F}" type="presParOf" srcId="{95D8D465-9088-1640-94CD-2B7457010CE1}" destId="{5F126B63-604A-F243-8FAA-8805D3EFE141}" srcOrd="3" destOrd="0" presId="urn:microsoft.com/office/officeart/2016/7/layout/LinearBlockProcessNumbered"/>
+    <dgm:cxn modelId="{407EE251-F998-C345-86C4-B2D6F019BCD5}" type="presParOf" srcId="{95D8D465-9088-1640-94CD-2B7457010CE1}" destId="{640B5823-29C1-AB41-A8AA-DDEB69C7EA5C}" srcOrd="4" destOrd="0" presId="urn:microsoft.com/office/officeart/2016/7/layout/LinearBlockProcessNumbered"/>
+    <dgm:cxn modelId="{A332BC2B-DE1F-F14B-BC4F-57807DB74190}" type="presParOf" srcId="{640B5823-29C1-AB41-A8AA-DDEB69C7EA5C}" destId="{DEF5E673-E1E8-8A48-ABE1-CD9AEFAC2C20}" srcOrd="0" destOrd="0" presId="urn:microsoft.com/office/officeart/2016/7/layout/LinearBlockProcessNumbered"/>
+    <dgm:cxn modelId="{9C858ED6-8C58-044B-8005-EDA3B28DA807}" type="presParOf" srcId="{640B5823-29C1-AB41-A8AA-DDEB69C7EA5C}" destId="{D4E58B78-6DC3-AE45-A2FE-0CA3541C1F66}" srcOrd="1" destOrd="0" presId="urn:microsoft.com/office/officeart/2016/7/layout/LinearBlockProcessNumbered"/>
+    <dgm:cxn modelId="{E1063336-ECC7-EA42-9D67-64DF75D7089F}" type="presParOf" srcId="{640B5823-29C1-AB41-A8AA-DDEB69C7EA5C}" destId="{225D90B9-963F-904D-94A6-B05BFBCA86AC}" srcOrd="2" destOrd="0" presId="urn:microsoft.com/office/officeart/2016/7/layout/LinearBlockProcessNumbered"/>
+  </dgm:cxnLst>
+  <dgm:bg/>
+  <dgm:whole/>
+  <dgm:extLst>
+    <a:ext uri="http://schemas.microsoft.com/office/drawing/2008/diagram">
+      <dsp:dataModelExt xmlns:dsp="http://schemas.microsoft.com/office/drawing/2008/diagram" relId="rId8" minVer="http://schemas.openxmlformats.org/drawingml/2006/diagram"/>
     </a:ext>
   </dgm:extLst>
 </dgm:dataModel>
@@ -3502,7 +4807,7 @@
       <dsp:cNvGrpSpPr/>
     </dsp:nvGrpSpPr>
     <dsp:grpSpPr/>
-    <dsp:sp modelId="{EB83A0D5-6E70-AA43-BA1E-F8E34F2C1B9F}">
+    <dsp:sp modelId="{9F98E594-53E4-4942-8559-24A7B127E955}">
       <dsp:nvSpPr>
         <dsp:cNvPr id="0" name=""/>
         <dsp:cNvSpPr/>
@@ -3510,7 +4815,7 @@
       <dsp:spPr>
         <a:xfrm>
           <a:off x="0" y="0"/>
-          <a:ext cx="7924800" cy="691398"/>
+          <a:ext cx="7627620" cy="670081"/>
         </a:xfrm>
         <a:prstGeom prst="roundRect">
           <a:avLst>
@@ -3582,25 +4887,43 @@
             <a:buNone/>
           </a:pPr>
           <a:r>
-            <a:rPr lang="en-US" sz="2000" kern="1200"/>
-            <a:t>There is a need to reduce Snowflake usage cost across the company.</a:t>
+            <a:rPr lang="en-US" sz="2000" kern="1200" dirty="0"/>
+            <a:t>Need to reduce Snowflake usage across the company.</a:t>
+          </a:r>
+        </a:p>
+        <a:p>
+          <a:pPr marL="0" lvl="0" indent="0" algn="l" defTabSz="889000">
+            <a:lnSpc>
+              <a:spcPct val="90000"/>
+            </a:lnSpc>
+            <a:spcBef>
+              <a:spcPct val="0"/>
+            </a:spcBef>
+            <a:spcAft>
+              <a:spcPct val="35000"/>
+            </a:spcAft>
+            <a:buNone/>
+          </a:pPr>
+          <a:r>
+            <a:rPr lang="en-US" sz="2000" kern="1200" dirty="0"/>
+            <a:t>(save money for Disney and time for users)</a:t>
           </a:r>
         </a:p>
       </dsp:txBody>
       <dsp:txXfrm>
-        <a:off x="20250" y="20250"/>
-        <a:ext cx="7120304" cy="650898"/>
+        <a:off x="19626" y="19626"/>
+        <a:ext cx="6826150" cy="630829"/>
       </dsp:txXfrm>
     </dsp:sp>
-    <dsp:sp modelId="{9BB8B0CC-F959-8B4E-815D-BEC64E55BA02}">
+    <dsp:sp modelId="{AAC7B72B-1EAA-7945-BB1A-CA83665FF709}">
       <dsp:nvSpPr>
         <dsp:cNvPr id="0" name=""/>
         <dsp:cNvSpPr/>
       </dsp:nvSpPr>
       <dsp:spPr>
         <a:xfrm>
-          <a:off x="663701" y="817107"/>
-          <a:ext cx="7924800" cy="691398"/>
+          <a:off x="569595" y="763147"/>
+          <a:ext cx="7627620" cy="670081"/>
         </a:xfrm>
         <a:prstGeom prst="roundRect">
           <a:avLst>
@@ -3611,9 +4934,9 @@
           <a:gsLst>
             <a:gs pos="0">
               <a:schemeClr val="accent5">
-                <a:hueOff val="-1102852"/>
-                <a:satOff val="-5923"/>
-                <a:lumOff val="2026"/>
+                <a:hueOff val="-827139"/>
+                <a:satOff val="-4443"/>
+                <a:lumOff val="1519"/>
                 <a:alphaOff val="0"/>
                 <a:tint val="94000"/>
                 <a:satMod val="105000"/>
@@ -3622,9 +4945,9 @@
             </a:gs>
             <a:gs pos="100000">
               <a:schemeClr val="accent5">
-                <a:hueOff val="-1102852"/>
-                <a:satOff val="-5923"/>
-                <a:lumOff val="2026"/>
+                <a:hueOff val="-827139"/>
+                <a:satOff val="-4443"/>
+                <a:lumOff val="1519"/>
                 <a:alphaOff val="0"/>
                 <a:shade val="74000"/>
                 <a:satMod val="128000"/>
@@ -3673,32 +4996,42 @@
           </a:pPr>
           <a:r>
             <a:rPr lang="en-US" sz="2000" kern="1200" dirty="0"/>
-            <a:t>Ran “</a:t>
+            <a:t>Identify biggest queries.  (monoliths &amp; shards)</a:t>
           </a:r>
-          <a:r>
-            <a:rPr lang="en-US" sz="2000" kern="1200" dirty="0" err="1"/>
-            <a:t>sql</a:t>
-          </a:r>
+        </a:p>
+        <a:p>
+          <a:pPr marL="0" lvl="0" indent="0" algn="l" defTabSz="889000">
+            <a:lnSpc>
+              <a:spcPct val="90000"/>
+            </a:lnSpc>
+            <a:spcBef>
+              <a:spcPct val="0"/>
+            </a:spcBef>
+            <a:spcAft>
+              <a:spcPct val="35000"/>
+            </a:spcAft>
+            <a:buNone/>
+          </a:pPr>
           <a:r>
             <a:rPr lang="en-US" sz="2000" kern="1200" dirty="0"/>
-            <a:t> aggregation” query to identify highest cost snowflake queries.</a:t>
+            <a:t>(query provided by Data Engineering)</a:t>
           </a:r>
         </a:p>
       </dsp:txBody>
       <dsp:txXfrm>
-        <a:off x="683951" y="837357"/>
-        <a:ext cx="6771188" cy="650898"/>
+        <a:off x="589221" y="782773"/>
+        <a:ext cx="6583220" cy="630829"/>
       </dsp:txXfrm>
     </dsp:sp>
-    <dsp:sp modelId="{3C737A83-C879-F84F-955C-435A25C26572}">
+    <dsp:sp modelId="{D091D37F-B3E8-774A-87A5-156C49C5B8AA}">
       <dsp:nvSpPr>
         <dsp:cNvPr id="0" name=""/>
         <dsp:cNvSpPr/>
       </dsp:nvSpPr>
       <dsp:spPr>
         <a:xfrm>
-          <a:off x="1317498" y="1634214"/>
-          <a:ext cx="7924800" cy="691398"/>
+          <a:off x="1139189" y="1526295"/>
+          <a:ext cx="7627620" cy="670081"/>
         </a:xfrm>
         <a:prstGeom prst="roundRect">
           <a:avLst>
@@ -3709,9 +5042,9 @@
           <a:gsLst>
             <a:gs pos="0">
               <a:schemeClr val="accent5">
-                <a:hueOff val="-2205704"/>
-                <a:satOff val="-11847"/>
-                <a:lumOff val="4052"/>
+                <a:hueOff val="-1654278"/>
+                <a:satOff val="-8885"/>
+                <a:lumOff val="3039"/>
                 <a:alphaOff val="0"/>
                 <a:tint val="94000"/>
                 <a:satMod val="105000"/>
@@ -3720,9 +5053,9 @@
             </a:gs>
             <a:gs pos="100000">
               <a:schemeClr val="accent5">
-                <a:hueOff val="-2205704"/>
-                <a:satOff val="-11847"/>
-                <a:lumOff val="4052"/>
+                <a:hueOff val="-1654278"/>
+                <a:satOff val="-8885"/>
+                <a:lumOff val="3039"/>
                 <a:alphaOff val="0"/>
                 <a:shade val="74000"/>
                 <a:satMod val="128000"/>
@@ -3771,7 +5104,25 @@
           </a:pPr>
           <a:r>
             <a:rPr lang="en-US" sz="2000" kern="1200" dirty="0"/>
-            <a:t>Identified the crossover titles query as the most expensive  (~$20k/</a:t>
+            <a:t>Identified the crossover titles query as the most expensive  </a:t>
+          </a:r>
+        </a:p>
+        <a:p>
+          <a:pPr marL="0" lvl="0" indent="0" algn="l" defTabSz="889000">
+            <a:lnSpc>
+              <a:spcPct val="90000"/>
+            </a:lnSpc>
+            <a:spcBef>
+              <a:spcPct val="0"/>
+            </a:spcBef>
+            <a:spcAft>
+              <a:spcPct val="35000"/>
+            </a:spcAft>
+            <a:buNone/>
+          </a:pPr>
+          <a:r>
+            <a:rPr lang="en-US" sz="2000" kern="1200" dirty="0"/>
+            <a:t>(~$20k/</a:t>
           </a:r>
           <a:r>
             <a:rPr lang="en-US" sz="2000" kern="1200" dirty="0" err="1"/>
@@ -3784,19 +5135,109 @@
         </a:p>
       </dsp:txBody>
       <dsp:txXfrm>
-        <a:off x="1337748" y="1654464"/>
-        <a:ext cx="6781094" cy="650898"/>
+        <a:off x="1158815" y="1545921"/>
+        <a:ext cx="6583220" cy="630829"/>
       </dsp:txXfrm>
     </dsp:sp>
-    <dsp:sp modelId="{5DE676EC-A895-DC45-8F1E-EBBD620A63A1}">
+    <dsp:sp modelId="{6F8C2642-11BF-DA4A-9EE1-26C79F843E04}">
       <dsp:nvSpPr>
         <dsp:cNvPr id="0" name=""/>
         <dsp:cNvSpPr/>
       </dsp:nvSpPr>
       <dsp:spPr>
         <a:xfrm>
-          <a:off x="1981200" y="2451322"/>
-          <a:ext cx="7924800" cy="691398"/>
+          <a:off x="1708784" y="2289443"/>
+          <a:ext cx="7627620" cy="670081"/>
+        </a:xfrm>
+        <a:prstGeom prst="roundRect">
+          <a:avLst>
+            <a:gd name="adj" fmla="val 10000"/>
+          </a:avLst>
+        </a:prstGeom>
+        <a:gradFill rotWithShape="0">
+          <a:gsLst>
+            <a:gs pos="0">
+              <a:schemeClr val="accent5">
+                <a:hueOff val="-2481417"/>
+                <a:satOff val="-13328"/>
+                <a:lumOff val="4558"/>
+                <a:alphaOff val="0"/>
+                <a:tint val="94000"/>
+                <a:satMod val="105000"/>
+                <a:lumMod val="102000"/>
+              </a:schemeClr>
+            </a:gs>
+            <a:gs pos="100000">
+              <a:schemeClr val="accent5">
+                <a:hueOff val="-2481417"/>
+                <a:satOff val="-13328"/>
+                <a:lumOff val="4558"/>
+                <a:alphaOff val="0"/>
+                <a:shade val="74000"/>
+                <a:satMod val="128000"/>
+                <a:lumMod val="100000"/>
+              </a:schemeClr>
+            </a:gs>
+          </a:gsLst>
+          <a:lin ang="5400000" scaled="0"/>
+        </a:gradFill>
+        <a:ln>
+          <a:noFill/>
+        </a:ln>
+        <a:effectLst/>
+      </dsp:spPr>
+      <dsp:style>
+        <a:lnRef idx="0">
+          <a:scrgbClr r="0" g="0" b="0"/>
+        </a:lnRef>
+        <a:fillRef idx="3">
+          <a:scrgbClr r="0" g="0" b="0"/>
+        </a:fillRef>
+        <a:effectRef idx="2">
+          <a:scrgbClr r="0" g="0" b="0"/>
+        </a:effectRef>
+        <a:fontRef idx="minor">
+          <a:schemeClr val="lt1"/>
+        </a:fontRef>
+      </dsp:style>
+      <dsp:txBody>
+        <a:bodyPr spcFirstLastPara="0" vert="horz" wrap="square" lIns="76200" tIns="76200" rIns="76200" bIns="76200" numCol="1" spcCol="1270" anchor="ctr" anchorCtr="0">
+          <a:noAutofit/>
+        </a:bodyPr>
+        <a:lstStyle/>
+        <a:p>
+          <a:pPr marL="0" lvl="0" indent="0" algn="l" defTabSz="889000">
+            <a:lnSpc>
+              <a:spcPct val="90000"/>
+            </a:lnSpc>
+            <a:spcBef>
+              <a:spcPct val="0"/>
+            </a:spcBef>
+            <a:spcAft>
+              <a:spcPct val="35000"/>
+            </a:spcAft>
+            <a:buNone/>
+          </a:pPr>
+          <a:r>
+            <a:rPr lang="en-US" sz="2000" kern="1200" dirty="0"/>
+            <a:t>Reached out to Content Analytics team to gain context and formulate a plan.</a:t>
+          </a:r>
+        </a:p>
+      </dsp:txBody>
+      <dsp:txXfrm>
+        <a:off x="1728410" y="2309069"/>
+        <a:ext cx="6583220" cy="630829"/>
+      </dsp:txXfrm>
+    </dsp:sp>
+    <dsp:sp modelId="{CFF23337-855E-DA43-B69D-DCE2D564459B}">
+      <dsp:nvSpPr>
+        <dsp:cNvPr id="0" name=""/>
+        <dsp:cNvSpPr/>
+      </dsp:nvSpPr>
+      <dsp:spPr>
+        <a:xfrm>
+          <a:off x="2278379" y="3052591"/>
+          <a:ext cx="7627620" cy="670081"/>
         </a:xfrm>
         <a:prstGeom prst="roundRect">
           <a:avLst>
@@ -3868,25 +5309,25 @@
             <a:buNone/>
           </a:pPr>
           <a:r>
-            <a:rPr lang="en-US" sz="2000" kern="1200"/>
-            <a:t>Reached out to Content Analytics team to gain context and formulate a plan.</a:t>
+            <a:rPr lang="en-US" sz="2000" kern="1200" dirty="0"/>
+            <a:t>Crossover Titles process identifies ”for accounts who watched X, here are the other most watched titles”. </a:t>
           </a:r>
         </a:p>
       </dsp:txBody>
       <dsp:txXfrm>
-        <a:off x="2001450" y="2471572"/>
-        <a:ext cx="6771188" cy="650898"/>
+        <a:off x="2298005" y="3072217"/>
+        <a:ext cx="6583220" cy="630829"/>
       </dsp:txXfrm>
     </dsp:sp>
-    <dsp:sp modelId="{085D6788-80A0-364C-8E1F-9AFC1C9BFE3B}">
+    <dsp:sp modelId="{D6F60572-755A-7041-B2AF-A552680A2B91}">
       <dsp:nvSpPr>
         <dsp:cNvPr id="0" name=""/>
         <dsp:cNvSpPr/>
       </dsp:nvSpPr>
       <dsp:spPr>
         <a:xfrm>
-          <a:off x="7475390" y="529548"/>
-          <a:ext cx="449409" cy="449409"/>
+          <a:off x="7192067" y="489531"/>
+          <a:ext cx="435552" cy="435552"/>
         </a:xfrm>
         <a:prstGeom prst="downArrow">
           <a:avLst>
@@ -3932,12 +5373,12 @@
         <a:fontRef idx="minor"/>
       </dsp:style>
       <dsp:txBody>
-        <a:bodyPr spcFirstLastPara="0" vert="horz" wrap="square" lIns="27940" tIns="27940" rIns="27940" bIns="27940" numCol="1" spcCol="1270" anchor="ctr" anchorCtr="0">
+        <a:bodyPr spcFirstLastPara="0" vert="horz" wrap="square" lIns="25400" tIns="25400" rIns="25400" bIns="25400" numCol="1" spcCol="1270" anchor="ctr" anchorCtr="0">
           <a:noAutofit/>
         </a:bodyPr>
         <a:lstStyle/>
         <a:p>
-          <a:pPr marL="0" lvl="0" indent="0" algn="ctr" defTabSz="977900">
+          <a:pPr marL="0" lvl="0" indent="0" algn="ctr" defTabSz="889000">
             <a:lnSpc>
               <a:spcPct val="90000"/>
             </a:lnSpc>
@@ -3949,23 +5390,23 @@
             </a:spcAft>
             <a:buNone/>
           </a:pPr>
-          <a:endParaRPr lang="en-US" sz="2200" kern="1200"/>
+          <a:endParaRPr lang="en-US" sz="2000" kern="1200"/>
         </a:p>
       </dsp:txBody>
       <dsp:txXfrm>
-        <a:off x="7576507" y="529548"/>
-        <a:ext cx="247175" cy="338180"/>
+        <a:off x="7290066" y="489531"/>
+        <a:ext cx="239554" cy="327753"/>
       </dsp:txXfrm>
     </dsp:sp>
-    <dsp:sp modelId="{5418D7AF-3374-BC4C-8701-62DB896B3AA4}">
+    <dsp:sp modelId="{39F1B8BA-C4E0-F645-8DA3-51BDF6D4C00F}">
       <dsp:nvSpPr>
         <dsp:cNvPr id="0" name=""/>
         <dsp:cNvSpPr/>
       </dsp:nvSpPr>
       <dsp:spPr>
         <a:xfrm>
-          <a:off x="8139092" y="1346655"/>
-          <a:ext cx="449409" cy="449409"/>
+          <a:off x="7761662" y="1252679"/>
+          <a:ext cx="435552" cy="435552"/>
         </a:xfrm>
         <a:prstGeom prst="downArrow">
           <a:avLst>
@@ -3977,9 +5418,9 @@
           <a:schemeClr val="accent5">
             <a:tint val="40000"/>
             <a:alpha val="90000"/>
-            <a:hueOff val="-1894363"/>
-            <a:satOff val="-6849"/>
-            <a:lumOff val="462"/>
+            <a:hueOff val="-1262909"/>
+            <a:satOff val="-4566"/>
+            <a:lumOff val="308"/>
             <a:alphaOff val="0"/>
           </a:schemeClr>
         </a:solidFill>
@@ -4011,12 +5452,12 @@
         <a:fontRef idx="minor"/>
       </dsp:style>
       <dsp:txBody>
-        <a:bodyPr spcFirstLastPara="0" vert="horz" wrap="square" lIns="27940" tIns="27940" rIns="27940" bIns="27940" numCol="1" spcCol="1270" anchor="ctr" anchorCtr="0">
+        <a:bodyPr spcFirstLastPara="0" vert="horz" wrap="square" lIns="25400" tIns="25400" rIns="25400" bIns="25400" numCol="1" spcCol="1270" anchor="ctr" anchorCtr="0">
           <a:noAutofit/>
         </a:bodyPr>
         <a:lstStyle/>
         <a:p>
-          <a:pPr marL="0" lvl="0" indent="0" algn="ctr" defTabSz="977900">
+          <a:pPr marL="0" lvl="0" indent="0" algn="ctr" defTabSz="889000">
             <a:lnSpc>
               <a:spcPct val="90000"/>
             </a:lnSpc>
@@ -4028,23 +5469,102 @@
             </a:spcAft>
             <a:buNone/>
           </a:pPr>
-          <a:endParaRPr lang="en-US" sz="2200" kern="1200"/>
+          <a:endParaRPr lang="en-US" sz="2000" kern="1200"/>
         </a:p>
       </dsp:txBody>
       <dsp:txXfrm>
-        <a:off x="8240209" y="1346655"/>
-        <a:ext cx="247175" cy="338180"/>
+        <a:off x="7859661" y="1252679"/>
+        <a:ext cx="239554" cy="327753"/>
       </dsp:txXfrm>
     </dsp:sp>
-    <dsp:sp modelId="{5B1EB630-92C2-944F-B458-1C05936AC18E}">
+    <dsp:sp modelId="{49A7410E-7001-3A4D-B9A5-1079641A1F2D}">
       <dsp:nvSpPr>
         <dsp:cNvPr id="0" name=""/>
         <dsp:cNvSpPr/>
       </dsp:nvSpPr>
       <dsp:spPr>
         <a:xfrm>
-          <a:off x="8792888" y="2163763"/>
-          <a:ext cx="449409" cy="449409"/>
+          <a:off x="8331257" y="2004659"/>
+          <a:ext cx="435552" cy="435552"/>
+        </a:xfrm>
+        <a:prstGeom prst="downArrow">
+          <a:avLst>
+            <a:gd name="adj1" fmla="val 55000"/>
+            <a:gd name="adj2" fmla="val 45000"/>
+          </a:avLst>
+        </a:prstGeom>
+        <a:solidFill>
+          <a:schemeClr val="accent5">
+            <a:tint val="40000"/>
+            <a:alpha val="90000"/>
+            <a:hueOff val="-2525817"/>
+            <a:satOff val="-9133"/>
+            <a:lumOff val="615"/>
+            <a:alphaOff val="0"/>
+          </a:schemeClr>
+        </a:solidFill>
+        <a:ln w="9525" cap="flat" cmpd="sng" algn="ctr">
+          <a:solidFill>
+            <a:schemeClr val="accent5">
+              <a:tint val="40000"/>
+              <a:alpha val="90000"/>
+              <a:hueOff val="0"/>
+              <a:satOff val="0"/>
+              <a:lumOff val="0"/>
+              <a:alphaOff val="0"/>
+            </a:schemeClr>
+          </a:solidFill>
+          <a:prstDash val="solid"/>
+        </a:ln>
+        <a:effectLst/>
+      </dsp:spPr>
+      <dsp:style>
+        <a:lnRef idx="1">
+          <a:scrgbClr r="0" g="0" b="0"/>
+        </a:lnRef>
+        <a:fillRef idx="1">
+          <a:scrgbClr r="0" g="0" b="0"/>
+        </a:fillRef>
+        <a:effectRef idx="0">
+          <a:scrgbClr r="0" g="0" b="0"/>
+        </a:effectRef>
+        <a:fontRef idx="minor"/>
+      </dsp:style>
+      <dsp:txBody>
+        <a:bodyPr spcFirstLastPara="0" vert="horz" wrap="square" lIns="25400" tIns="25400" rIns="25400" bIns="25400" numCol="1" spcCol="1270" anchor="ctr" anchorCtr="0">
+          <a:noAutofit/>
+        </a:bodyPr>
+        <a:lstStyle/>
+        <a:p>
+          <a:pPr marL="0" lvl="0" indent="0" algn="ctr" defTabSz="889000">
+            <a:lnSpc>
+              <a:spcPct val="90000"/>
+            </a:lnSpc>
+            <a:spcBef>
+              <a:spcPct val="0"/>
+            </a:spcBef>
+            <a:spcAft>
+              <a:spcPct val="35000"/>
+            </a:spcAft>
+            <a:buNone/>
+          </a:pPr>
+          <a:endParaRPr lang="en-US" sz="2000" kern="1200"/>
+        </a:p>
+      </dsp:txBody>
+      <dsp:txXfrm>
+        <a:off x="8429256" y="2004659"/>
+        <a:ext cx="239554" cy="327753"/>
+      </dsp:txXfrm>
+    </dsp:sp>
+    <dsp:sp modelId="{5D1DA847-5BF4-084B-963B-6585AD1709D4}">
+      <dsp:nvSpPr>
+        <dsp:cNvPr id="0" name=""/>
+        <dsp:cNvSpPr/>
+      </dsp:nvSpPr>
+      <dsp:spPr>
+        <a:xfrm>
+          <a:off x="8900852" y="2775252"/>
+          <a:ext cx="435552" cy="435552"/>
         </a:xfrm>
         <a:prstGeom prst="downArrow">
           <a:avLst>
@@ -4090,12 +5610,12 @@
         <a:fontRef idx="minor"/>
       </dsp:style>
       <dsp:txBody>
-        <a:bodyPr spcFirstLastPara="0" vert="horz" wrap="square" lIns="27940" tIns="27940" rIns="27940" bIns="27940" numCol="1" spcCol="1270" anchor="ctr" anchorCtr="0">
+        <a:bodyPr spcFirstLastPara="0" vert="horz" wrap="square" lIns="25400" tIns="25400" rIns="25400" bIns="25400" numCol="1" spcCol="1270" anchor="ctr" anchorCtr="0">
           <a:noAutofit/>
         </a:bodyPr>
         <a:lstStyle/>
         <a:p>
-          <a:pPr marL="0" lvl="0" indent="0" algn="ctr" defTabSz="977900">
+          <a:pPr marL="0" lvl="0" indent="0" algn="ctr" defTabSz="889000">
             <a:lnSpc>
               <a:spcPct val="90000"/>
             </a:lnSpc>
@@ -4107,12 +5627,12 @@
             </a:spcAft>
             <a:buNone/>
           </a:pPr>
-          <a:endParaRPr lang="en-US" sz="2200" kern="1200"/>
+          <a:endParaRPr lang="en-US" sz="2000" kern="1200"/>
         </a:p>
       </dsp:txBody>
       <dsp:txXfrm>
-        <a:off x="8894005" y="2163763"/>
-        <a:ext cx="247175" cy="338180"/>
+        <a:off x="8998851" y="2775252"/>
+        <a:ext cx="239554" cy="327753"/>
       </dsp:txXfrm>
     </dsp:sp>
   </dsp:spTree>
@@ -4134,8 +5654,8 @@
       </dsp:nvSpPr>
       <dsp:spPr>
         <a:xfrm>
-          <a:off x="0" y="38356"/>
-          <a:ext cx="9905999" cy="501930"/>
+          <a:off x="0" y="38355"/>
+          <a:ext cx="6886307" cy="501930"/>
         </a:xfrm>
         <a:prstGeom prst="roundRect">
           <a:avLst/>
@@ -4200,8 +5720,8 @@
         </a:p>
       </dsp:txBody>
       <dsp:txXfrm>
-        <a:off x="24502" y="62858"/>
-        <a:ext cx="9856995" cy="452926"/>
+        <a:off x="24502" y="62857"/>
+        <a:ext cx="6837303" cy="452926"/>
       </dsp:txXfrm>
     </dsp:sp>
     <dsp:sp modelId="{728ED7AB-5F73-6D49-A324-58B4E98AB987}">
@@ -4211,8 +5731,8 @@
       </dsp:nvSpPr>
       <dsp:spPr>
         <a:xfrm>
-          <a:off x="0" y="540286"/>
-          <a:ext cx="9905999" cy="364320"/>
+          <a:off x="0" y="540285"/>
+          <a:ext cx="6886307" cy="364320"/>
         </a:xfrm>
         <a:prstGeom prst="rect">
           <a:avLst/>
@@ -4236,7 +5756,7 @@
         <a:fontRef idx="minor"/>
       </dsp:style>
       <dsp:txBody>
-        <a:bodyPr spcFirstLastPara="0" vert="horz" wrap="square" lIns="314515" tIns="27940" rIns="156464" bIns="27940" numCol="1" spcCol="1270" anchor="t" anchorCtr="0">
+        <a:bodyPr spcFirstLastPara="0" vert="horz" wrap="square" lIns="218640" tIns="27940" rIns="156464" bIns="27940" numCol="1" spcCol="1270" anchor="t" anchorCtr="0">
           <a:noAutofit/>
         </a:bodyPr>
         <a:lstStyle/>
@@ -4260,8 +5780,8 @@
         </a:p>
       </dsp:txBody>
       <dsp:txXfrm>
-        <a:off x="0" y="540286"/>
-        <a:ext cx="9905999" cy="364320"/>
+        <a:off x="0" y="540285"/>
+        <a:ext cx="6886307" cy="364320"/>
       </dsp:txXfrm>
     </dsp:sp>
     <dsp:sp modelId="{22C1114D-C6FA-AB4E-864E-38F0A8011831}">
@@ -4271,8 +5791,8 @@
       </dsp:nvSpPr>
       <dsp:spPr>
         <a:xfrm>
-          <a:off x="0" y="904606"/>
-          <a:ext cx="9905999" cy="501930"/>
+          <a:off x="0" y="904605"/>
+          <a:ext cx="6886307" cy="501930"/>
         </a:xfrm>
         <a:prstGeom prst="roundRect">
           <a:avLst/>
@@ -4337,8 +5857,8 @@
         </a:p>
       </dsp:txBody>
       <dsp:txXfrm>
-        <a:off x="24502" y="929108"/>
-        <a:ext cx="9856995" cy="452926"/>
+        <a:off x="24502" y="929107"/>
+        <a:ext cx="6837303" cy="452926"/>
       </dsp:txXfrm>
     </dsp:sp>
     <dsp:sp modelId="{39B4580C-2988-C34E-9A13-010AFB1EE2D0}">
@@ -4348,8 +5868,8 @@
       </dsp:nvSpPr>
       <dsp:spPr>
         <a:xfrm>
-          <a:off x="0" y="1406536"/>
-          <a:ext cx="9905999" cy="364320"/>
+          <a:off x="0" y="1406535"/>
+          <a:ext cx="6886307" cy="364320"/>
         </a:xfrm>
         <a:prstGeom prst="rect">
           <a:avLst/>
@@ -4373,7 +5893,7 @@
         <a:fontRef idx="minor"/>
       </dsp:style>
       <dsp:txBody>
-        <a:bodyPr spcFirstLastPara="0" vert="horz" wrap="square" lIns="314515" tIns="27940" rIns="156464" bIns="27940" numCol="1" spcCol="1270" anchor="t" anchorCtr="0">
+        <a:bodyPr spcFirstLastPara="0" vert="horz" wrap="square" lIns="218640" tIns="27940" rIns="156464" bIns="27940" numCol="1" spcCol="1270" anchor="t" anchorCtr="0">
           <a:noAutofit/>
         </a:bodyPr>
         <a:lstStyle/>
@@ -4397,8 +5917,8 @@
         </a:p>
       </dsp:txBody>
       <dsp:txXfrm>
-        <a:off x="0" y="1406536"/>
-        <a:ext cx="9905999" cy="364320"/>
+        <a:off x="0" y="1406535"/>
+        <a:ext cx="6886307" cy="364320"/>
       </dsp:txXfrm>
     </dsp:sp>
     <dsp:sp modelId="{24207DA8-E27E-0248-A599-BF819522D3AD}">
@@ -4408,8 +5928,8 @@
       </dsp:nvSpPr>
       <dsp:spPr>
         <a:xfrm>
-          <a:off x="0" y="1770857"/>
-          <a:ext cx="9905999" cy="501930"/>
+          <a:off x="0" y="1770856"/>
+          <a:ext cx="6886307" cy="501930"/>
         </a:xfrm>
         <a:prstGeom prst="roundRect">
           <a:avLst/>
@@ -4474,8 +5994,8 @@
         </a:p>
       </dsp:txBody>
       <dsp:txXfrm>
-        <a:off x="24502" y="1795359"/>
-        <a:ext cx="9856995" cy="452926"/>
+        <a:off x="24502" y="1795358"/>
+        <a:ext cx="6837303" cy="452926"/>
       </dsp:txXfrm>
     </dsp:sp>
     <dsp:sp modelId="{35D21C13-C3D5-E144-9CE4-568F0728E7E3}">
@@ -4485,8 +6005,8 @@
       </dsp:nvSpPr>
       <dsp:spPr>
         <a:xfrm>
-          <a:off x="0" y="2272787"/>
-          <a:ext cx="9905999" cy="364320"/>
+          <a:off x="0" y="2272786"/>
+          <a:ext cx="6886307" cy="364320"/>
         </a:xfrm>
         <a:prstGeom prst="rect">
           <a:avLst/>
@@ -4510,7 +6030,7 @@
         <a:fontRef idx="minor"/>
       </dsp:style>
       <dsp:txBody>
-        <a:bodyPr spcFirstLastPara="0" vert="horz" wrap="square" lIns="314515" tIns="27940" rIns="156464" bIns="27940" numCol="1" spcCol="1270" anchor="t" anchorCtr="0">
+        <a:bodyPr spcFirstLastPara="0" vert="horz" wrap="square" lIns="218640" tIns="27940" rIns="156464" bIns="27940" numCol="1" spcCol="1270" anchor="t" anchorCtr="0">
           <a:noAutofit/>
         </a:bodyPr>
         <a:lstStyle/>
@@ -4534,8 +6054,8 @@
         </a:p>
       </dsp:txBody>
       <dsp:txXfrm>
-        <a:off x="0" y="2272787"/>
-        <a:ext cx="9905999" cy="364320"/>
+        <a:off x="0" y="2272786"/>
+        <a:ext cx="6886307" cy="364320"/>
       </dsp:txXfrm>
     </dsp:sp>
     <dsp:sp modelId="{C9ED9B44-59A8-304F-88A9-053787E93183}">
@@ -4545,8 +6065,8 @@
       </dsp:nvSpPr>
       <dsp:spPr>
         <a:xfrm>
-          <a:off x="0" y="2637106"/>
-          <a:ext cx="9905999" cy="501930"/>
+          <a:off x="0" y="2637105"/>
+          <a:ext cx="6886307" cy="501930"/>
         </a:xfrm>
         <a:prstGeom prst="roundRect">
           <a:avLst/>
@@ -4611,8 +6131,8 @@
         </a:p>
       </dsp:txBody>
       <dsp:txXfrm>
-        <a:off x="24502" y="2661608"/>
-        <a:ext cx="9856995" cy="452926"/>
+        <a:off x="24502" y="2661607"/>
+        <a:ext cx="6837303" cy="452926"/>
       </dsp:txXfrm>
     </dsp:sp>
     <dsp:sp modelId="{9E0BEB80-1F9F-454D-94A0-4DF74F076C7E}">
@@ -4622,8 +6142,8 @@
       </dsp:nvSpPr>
       <dsp:spPr>
         <a:xfrm>
-          <a:off x="0" y="3139037"/>
-          <a:ext cx="9905999" cy="364320"/>
+          <a:off x="0" y="3139036"/>
+          <a:ext cx="6886307" cy="364320"/>
         </a:xfrm>
         <a:prstGeom prst="rect">
           <a:avLst/>
@@ -4647,7 +6167,7 @@
         <a:fontRef idx="minor"/>
       </dsp:style>
       <dsp:txBody>
-        <a:bodyPr spcFirstLastPara="0" vert="horz" wrap="square" lIns="314515" tIns="27940" rIns="156464" bIns="27940" numCol="1" spcCol="1270" anchor="t" anchorCtr="0">
+        <a:bodyPr spcFirstLastPara="0" vert="horz" wrap="square" lIns="218640" tIns="27940" rIns="156464" bIns="27940" numCol="1" spcCol="1270" anchor="t" anchorCtr="0">
           <a:noAutofit/>
         </a:bodyPr>
         <a:lstStyle/>
@@ -4671,8 +6191,8 @@
         </a:p>
       </dsp:txBody>
       <dsp:txXfrm>
-        <a:off x="0" y="3139037"/>
-        <a:ext cx="9905999" cy="364320"/>
+        <a:off x="0" y="3139036"/>
+        <a:ext cx="6886307" cy="364320"/>
       </dsp:txXfrm>
     </dsp:sp>
   </dsp:spTree>
@@ -4694,8 +6214,8 @@
       </dsp:nvSpPr>
       <dsp:spPr>
         <a:xfrm>
-          <a:off x="48" y="65918"/>
-          <a:ext cx="4628926" cy="1008000"/>
+          <a:off x="48" y="50820"/>
+          <a:ext cx="4628926" cy="892800"/>
         </a:xfrm>
         <a:prstGeom prst="rect">
           <a:avLst/>
@@ -4736,12 +6256,12 @@
         </a:fontRef>
       </dsp:style>
       <dsp:txBody>
-        <a:bodyPr spcFirstLastPara="0" vert="horz" wrap="square" lIns="248920" tIns="142240" rIns="248920" bIns="142240" numCol="1" spcCol="1270" anchor="ctr" anchorCtr="0">
+        <a:bodyPr spcFirstLastPara="0" vert="horz" wrap="square" lIns="220472" tIns="125984" rIns="220472" bIns="125984" numCol="1" spcCol="1270" anchor="ctr" anchorCtr="0">
           <a:noAutofit/>
         </a:bodyPr>
         <a:lstStyle/>
         <a:p>
-          <a:pPr marL="0" lvl="0" indent="0" algn="ctr" defTabSz="1555750">
+          <a:pPr marL="0" lvl="0" indent="0" algn="ctr" defTabSz="1377950">
             <a:lnSpc>
               <a:spcPct val="90000"/>
             </a:lnSpc>
@@ -4754,14 +6274,15 @@
             <a:buNone/>
           </a:pPr>
           <a:r>
-            <a:rPr lang="en-US" sz="3500" kern="1200" dirty="0"/>
-            <a:t>Process</a:t>
+            <a:rPr lang="en-US" sz="3100" kern="1200"/>
+            <a:t>Query</a:t>
           </a:r>
+          <a:endParaRPr lang="en-US" sz="3100" kern="1200" dirty="0"/>
         </a:p>
       </dsp:txBody>
       <dsp:txXfrm>
-        <a:off x="48" y="65918"/>
-        <a:ext cx="4628926" cy="1008000"/>
+        <a:off x="48" y="50820"/>
+        <a:ext cx="4628926" cy="892800"/>
       </dsp:txXfrm>
     </dsp:sp>
     <dsp:sp modelId="{919375B1-6706-3741-B6E5-D29FB402CDF3}">
@@ -4771,8 +6292,8 @@
       </dsp:nvSpPr>
       <dsp:spPr>
         <a:xfrm>
-          <a:off x="48" y="1073918"/>
-          <a:ext cx="4628926" cy="2401874"/>
+          <a:off x="48" y="943620"/>
+          <a:ext cx="4628926" cy="2425207"/>
         </a:xfrm>
         <a:prstGeom prst="rect">
           <a:avLst/>
@@ -4815,12 +6336,12 @@
         <a:fontRef idx="minor"/>
       </dsp:style>
       <dsp:txBody>
-        <a:bodyPr spcFirstLastPara="0" vert="horz" wrap="square" lIns="186690" tIns="186690" rIns="248920" bIns="280035" numCol="1" spcCol="1270" anchor="t" anchorCtr="0">
+        <a:bodyPr spcFirstLastPara="0" vert="horz" wrap="square" lIns="165354" tIns="165354" rIns="220472" bIns="248031" numCol="1" spcCol="1270" anchor="t" anchorCtr="0">
           <a:noAutofit/>
         </a:bodyPr>
         <a:lstStyle/>
         <a:p>
-          <a:pPr marL="285750" lvl="1" indent="-285750" algn="l" defTabSz="1555750">
+          <a:pPr marL="285750" lvl="1" indent="-285750" algn="l" defTabSz="1377950">
             <a:lnSpc>
               <a:spcPct val="90000"/>
             </a:lnSpc>
@@ -4833,12 +6354,13 @@
             <a:buChar char="•"/>
           </a:pPr>
           <a:r>
-            <a:rPr lang="en-US" sz="3500" b="0" kern="1200" dirty="0"/>
-            <a:t>batch queries by country</a:t>
+            <a:rPr lang="en-US" sz="3100" b="1" kern="1200" dirty="0"/>
+            <a:t>Break CTE into key transient tables</a:t>
           </a:r>
+          <a:endParaRPr lang="en-US" sz="3100" kern="1200" dirty="0"/>
         </a:p>
         <a:p>
-          <a:pPr marL="285750" lvl="1" indent="-285750" algn="l" defTabSz="1555750">
+          <a:pPr marL="285750" lvl="1" indent="-285750" algn="l" defTabSz="1377950">
             <a:lnSpc>
               <a:spcPct val="90000"/>
             </a:lnSpc>
@@ -4851,43 +6373,29 @@
             <a:buChar char="•"/>
           </a:pPr>
           <a:r>
-            <a:rPr lang="en-US" sz="3500" kern="1200" dirty="0"/>
-            <a:t>“DRY” it up</a:t>
+            <a:rPr lang="en-US" sz="3100" kern="1200" dirty="0"/>
+            <a:t>Use raw tables over views</a:t>
           </a:r>
-        </a:p>
-        <a:p>
-          <a:pPr marL="285750" lvl="1" indent="-285750" algn="l" defTabSz="1555750">
-            <a:lnSpc>
-              <a:spcPct val="90000"/>
-            </a:lnSpc>
-            <a:spcBef>
-              <a:spcPct val="0"/>
-            </a:spcBef>
-            <a:spcAft>
-              <a:spcPct val="15000"/>
-            </a:spcAft>
-            <a:buChar char="•"/>
-          </a:pPr>
-          <a:r>
-            <a:rPr lang="en-US" sz="3500" kern="1200" dirty="0"/>
-            <a:t>Metrics for monitoring</a:t>
-          </a:r>
+          <a:br>
+            <a:rPr lang="en-US" sz="3100" kern="1200" dirty="0"/>
+          </a:br>
+          <a:endParaRPr lang="en-US" sz="3100" kern="1200" dirty="0"/>
         </a:p>
       </dsp:txBody>
       <dsp:txXfrm>
-        <a:off x="48" y="1073918"/>
-        <a:ext cx="4628926" cy="2401874"/>
+        <a:off x="48" y="943620"/>
+        <a:ext cx="4628926" cy="2425207"/>
       </dsp:txXfrm>
     </dsp:sp>
-    <dsp:sp modelId="{67E7F70F-58F3-4043-B6CC-DDEAA9E16969}">
+    <dsp:sp modelId="{7D7ADFD5-0A81-1743-8FCD-0661BCD7FBC1}">
       <dsp:nvSpPr>
         <dsp:cNvPr id="0" name=""/>
         <dsp:cNvSpPr/>
       </dsp:nvSpPr>
       <dsp:spPr>
         <a:xfrm>
-          <a:off x="5277024" y="65918"/>
-          <a:ext cx="4628926" cy="1008000"/>
+          <a:off x="5277024" y="50820"/>
+          <a:ext cx="4628926" cy="892800"/>
         </a:xfrm>
         <a:prstGeom prst="rect">
           <a:avLst/>
@@ -4928,12 +6436,12 @@
         </a:fontRef>
       </dsp:style>
       <dsp:txBody>
-        <a:bodyPr spcFirstLastPara="0" vert="horz" wrap="square" lIns="248920" tIns="142240" rIns="248920" bIns="142240" numCol="1" spcCol="1270" anchor="ctr" anchorCtr="0">
+        <a:bodyPr spcFirstLastPara="0" vert="horz" wrap="square" lIns="220472" tIns="125984" rIns="220472" bIns="125984" numCol="1" spcCol="1270" anchor="ctr" anchorCtr="0">
           <a:noAutofit/>
         </a:bodyPr>
         <a:lstStyle/>
         <a:p>
-          <a:pPr marL="0" lvl="0" indent="0" algn="ctr" defTabSz="1555750">
+          <a:pPr marL="0" lvl="0" indent="0" algn="ctr" defTabSz="1377950">
             <a:lnSpc>
               <a:spcPct val="90000"/>
             </a:lnSpc>
@@ -4946,25 +6454,26 @@
             <a:buNone/>
           </a:pPr>
           <a:r>
-            <a:rPr lang="en-US" sz="3500" kern="1200" dirty="0"/>
-            <a:t>Query</a:t>
+            <a:rPr lang="en-US" sz="3100" kern="1200"/>
+            <a:t>Process</a:t>
           </a:r>
+          <a:endParaRPr lang="en-US" sz="3100" kern="1200" dirty="0"/>
         </a:p>
       </dsp:txBody>
       <dsp:txXfrm>
-        <a:off x="5277024" y="65918"/>
-        <a:ext cx="4628926" cy="1008000"/>
+        <a:off x="5277024" y="50820"/>
+        <a:ext cx="4628926" cy="892800"/>
       </dsp:txXfrm>
     </dsp:sp>
-    <dsp:sp modelId="{3FA08CA1-1D00-2E41-86DE-A2EB935855C1}">
+    <dsp:sp modelId="{C22A1FE7-C138-6D43-BB67-EF4E64AC48BB}">
       <dsp:nvSpPr>
         <dsp:cNvPr id="0" name=""/>
         <dsp:cNvSpPr/>
       </dsp:nvSpPr>
       <dsp:spPr>
         <a:xfrm>
-          <a:off x="5277024" y="1073918"/>
-          <a:ext cx="4628926" cy="2401874"/>
+          <a:off x="5277024" y="943620"/>
+          <a:ext cx="4628926" cy="2425207"/>
         </a:xfrm>
         <a:prstGeom prst="rect">
           <a:avLst/>
@@ -5007,12 +6516,12 @@
         <a:fontRef idx="minor"/>
       </dsp:style>
       <dsp:txBody>
-        <a:bodyPr spcFirstLastPara="0" vert="horz" wrap="square" lIns="186690" tIns="186690" rIns="248920" bIns="280035" numCol="1" spcCol="1270" anchor="t" anchorCtr="0">
+        <a:bodyPr spcFirstLastPara="0" vert="horz" wrap="square" lIns="176022" tIns="176022" rIns="234696" bIns="264033" numCol="1" spcCol="1270" anchor="t" anchorCtr="0">
           <a:noAutofit/>
         </a:bodyPr>
         <a:lstStyle/>
         <a:p>
-          <a:pPr marL="285750" lvl="1" indent="-285750" algn="l" defTabSz="1555750">
+          <a:pPr marL="285750" lvl="1" indent="-285750" algn="l" defTabSz="1466850">
             <a:lnSpc>
               <a:spcPct val="90000"/>
             </a:lnSpc>
@@ -5025,12 +6534,16 @@
             <a:buChar char="•"/>
           </a:pPr>
           <a:r>
-            <a:rPr lang="en-US" sz="3500" kern="1200" dirty="0"/>
-            <a:t>raw tables over views</a:t>
+            <a:rPr lang="en-US" sz="3300" b="1" kern="1200" dirty="0"/>
+            <a:t>Batch queries by country </a:t>
+          </a:r>
+          <a:r>
+            <a:rPr lang="en-US" sz="2400" b="1" kern="1200" dirty="0"/>
+            <a:t>(62k &gt;&gt; 88)</a:t>
           </a:r>
         </a:p>
         <a:p>
-          <a:pPr marL="285750" lvl="1" indent="-285750" algn="l" defTabSz="1555750">
+          <a:pPr marL="285750" lvl="1" indent="-285750" algn="l" defTabSz="1466850">
             <a:lnSpc>
               <a:spcPct val="90000"/>
             </a:lnSpc>
@@ -5043,14 +6556,582 @@
             <a:buChar char="•"/>
           </a:pPr>
           <a:r>
-            <a:rPr lang="en-US" sz="3500" kern="1200" dirty="0"/>
-            <a:t>break CTE into key transient tables</a:t>
+            <a:rPr lang="en-US" sz="3300" kern="1200" dirty="0"/>
+            <a:t>“D.R.Y.” code up</a:t>
+          </a:r>
+        </a:p>
+        <a:p>
+          <a:pPr marL="285750" lvl="1" indent="-285750" algn="l" defTabSz="1466850">
+            <a:lnSpc>
+              <a:spcPct val="90000"/>
+            </a:lnSpc>
+            <a:spcBef>
+              <a:spcPct val="0"/>
+            </a:spcBef>
+            <a:spcAft>
+              <a:spcPct val="15000"/>
+            </a:spcAft>
+            <a:buChar char="•"/>
+          </a:pPr>
+          <a:r>
+            <a:rPr lang="en-US" sz="3300" kern="1200" dirty="0"/>
+            <a:t>Metrics for monitoring</a:t>
           </a:r>
         </a:p>
       </dsp:txBody>
       <dsp:txXfrm>
-        <a:off x="5277024" y="1073918"/>
-        <a:ext cx="4628926" cy="2401874"/>
+        <a:off x="5277024" y="943620"/>
+        <a:ext cx="4628926" cy="2425207"/>
+      </dsp:txXfrm>
+    </dsp:sp>
+  </dsp:spTree>
+</dsp:drawing>
+</file>
+
+<file path=ppt/diagrams/drawing4.xml><?xml version="1.0" encoding="utf-8"?>
+<dsp:drawing xmlns:dgm="http://schemas.openxmlformats.org/drawingml/2006/diagram" xmlns:dsp="http://schemas.microsoft.com/office/drawing/2008/diagram" xmlns:a="http://schemas.openxmlformats.org/drawingml/2006/main">
+  <dsp:spTree>
+    <dsp:nvGrpSpPr>
+      <dsp:cNvPr id="0" name=""/>
+      <dsp:cNvGrpSpPr/>
+    </dsp:nvGrpSpPr>
+    <dsp:grpSpPr/>
+    <dsp:sp modelId="{49E241AD-1497-5042-949E-6C68978FB157}">
+      <dsp:nvSpPr>
+        <dsp:cNvPr id="0" name=""/>
+        <dsp:cNvSpPr/>
+      </dsp:nvSpPr>
+      <dsp:spPr>
+        <a:xfrm>
+          <a:off x="773" y="0"/>
+          <a:ext cx="3134320" cy="3142721"/>
+        </a:xfrm>
+        <a:prstGeom prst="rect">
+          <a:avLst/>
+        </a:prstGeom>
+        <a:gradFill rotWithShape="0">
+          <a:gsLst>
+            <a:gs pos="0">
+              <a:schemeClr val="accent2">
+                <a:hueOff val="0"/>
+                <a:satOff val="0"/>
+                <a:lumOff val="0"/>
+                <a:alphaOff val="0"/>
+                <a:tint val="94000"/>
+                <a:satMod val="105000"/>
+                <a:lumMod val="102000"/>
+              </a:schemeClr>
+            </a:gs>
+            <a:gs pos="100000">
+              <a:schemeClr val="accent2">
+                <a:hueOff val="0"/>
+                <a:satOff val="0"/>
+                <a:lumOff val="0"/>
+                <a:alphaOff val="0"/>
+                <a:shade val="74000"/>
+                <a:satMod val="128000"/>
+                <a:lumMod val="100000"/>
+              </a:schemeClr>
+            </a:gs>
+          </a:gsLst>
+          <a:lin ang="5400000" scaled="0"/>
+        </a:gradFill>
+        <a:ln w="9525" cap="flat" cmpd="sng" algn="ctr">
+          <a:solidFill>
+            <a:schemeClr val="accent2">
+              <a:hueOff val="0"/>
+              <a:satOff val="0"/>
+              <a:lumOff val="0"/>
+              <a:alphaOff val="0"/>
+            </a:schemeClr>
+          </a:solidFill>
+          <a:prstDash val="solid"/>
+        </a:ln>
+        <a:effectLst/>
+      </dsp:spPr>
+      <dsp:style>
+        <a:lnRef idx="1">
+          <a:scrgbClr r="0" g="0" b="0"/>
+        </a:lnRef>
+        <a:fillRef idx="3">
+          <a:scrgbClr r="0" g="0" b="0"/>
+        </a:fillRef>
+        <a:effectRef idx="2">
+          <a:scrgbClr r="0" g="0" b="0"/>
+        </a:effectRef>
+        <a:fontRef idx="minor">
+          <a:schemeClr val="lt1"/>
+        </a:fontRef>
+      </dsp:style>
+      <dsp:txBody>
+        <a:bodyPr spcFirstLastPara="0" vert="horz" wrap="square" lIns="309601" tIns="0" rIns="309601" bIns="330200" numCol="1" spcCol="1270" anchor="t" anchorCtr="0">
+          <a:noAutofit/>
+        </a:bodyPr>
+        <a:lstStyle/>
+        <a:p>
+          <a:pPr marL="0" lvl="0" indent="0" algn="l" defTabSz="933450">
+            <a:lnSpc>
+              <a:spcPct val="90000"/>
+            </a:lnSpc>
+            <a:spcBef>
+              <a:spcPct val="0"/>
+            </a:spcBef>
+            <a:spcAft>
+              <a:spcPct val="35000"/>
+            </a:spcAft>
+            <a:buNone/>
+          </a:pPr>
+          <a:r>
+            <a:rPr lang="en-US" sz="2100" kern="1200" dirty="0"/>
+            <a:t>To identify big queries, need to look for:</a:t>
+          </a:r>
+          <a:br>
+            <a:rPr lang="en-US" sz="2100" kern="1200" dirty="0"/>
+          </a:br>
+          <a:r>
+            <a:rPr lang="en-US" sz="2100" kern="1200" dirty="0"/>
+            <a:t>- single large queries </a:t>
+          </a:r>
+        </a:p>
+        <a:p>
+          <a:pPr marL="0" lvl="0" indent="0" algn="l" defTabSz="933450">
+            <a:lnSpc>
+              <a:spcPct val="90000"/>
+            </a:lnSpc>
+            <a:spcBef>
+              <a:spcPct val="0"/>
+            </a:spcBef>
+            <a:spcAft>
+              <a:spcPct val="35000"/>
+            </a:spcAft>
+            <a:buNone/>
+          </a:pPr>
+          <a:r>
+            <a:rPr lang="en-US" sz="2100" kern="1200" dirty="0"/>
+            <a:t>- groups of related small queries</a:t>
+          </a:r>
+        </a:p>
+      </dsp:txBody>
+      <dsp:txXfrm>
+        <a:off x="773" y="1257088"/>
+        <a:ext cx="3134320" cy="1885632"/>
+      </dsp:txXfrm>
+    </dsp:sp>
+    <dsp:sp modelId="{D1B002EE-9ADF-A74F-AFE7-A84814946310}">
+      <dsp:nvSpPr>
+        <dsp:cNvPr id="0" name=""/>
+        <dsp:cNvSpPr/>
+      </dsp:nvSpPr>
+      <dsp:spPr>
+        <a:xfrm>
+          <a:off x="773" y="0"/>
+          <a:ext cx="3134320" cy="1257088"/>
+        </a:xfrm>
+        <a:prstGeom prst="rect">
+          <a:avLst/>
+        </a:prstGeom>
+        <a:noFill/>
+        <a:ln w="9525" cap="flat" cmpd="sng" algn="ctr">
+          <a:noFill/>
+          <a:prstDash val="solid"/>
+        </a:ln>
+        <a:effectLst/>
+        <a:sp3d/>
+      </dsp:spPr>
+      <dsp:style>
+        <a:lnRef idx="1">
+          <a:scrgbClr r="0" g="0" b="0"/>
+        </a:lnRef>
+        <a:fillRef idx="3">
+          <a:scrgbClr r="0" g="0" b="0"/>
+        </a:fillRef>
+        <a:effectRef idx="2">
+          <a:scrgbClr r="0" g="0" b="0"/>
+        </a:effectRef>
+        <a:fontRef idx="minor">
+          <a:schemeClr val="lt1"/>
+        </a:fontRef>
+      </dsp:style>
+      <dsp:txBody>
+        <a:bodyPr spcFirstLastPara="0" vert="horz" wrap="square" lIns="309601" tIns="165100" rIns="309601" bIns="165100" numCol="1" spcCol="1270" anchor="ctr" anchorCtr="0">
+          <a:noAutofit/>
+        </a:bodyPr>
+        <a:lstStyle/>
+        <a:p>
+          <a:pPr marL="0" lvl="0" indent="0" algn="l" defTabSz="2933700">
+            <a:lnSpc>
+              <a:spcPct val="90000"/>
+            </a:lnSpc>
+            <a:spcBef>
+              <a:spcPct val="0"/>
+            </a:spcBef>
+            <a:spcAft>
+              <a:spcPct val="35000"/>
+            </a:spcAft>
+            <a:buNone/>
+          </a:pPr>
+          <a:r>
+            <a:rPr lang="en-US" sz="6600" kern="1200"/>
+            <a:t>01</a:t>
+          </a:r>
+        </a:p>
+      </dsp:txBody>
+      <dsp:txXfrm>
+        <a:off x="773" y="0"/>
+        <a:ext cx="3134320" cy="1257088"/>
+      </dsp:txXfrm>
+    </dsp:sp>
+    <dsp:sp modelId="{BA51D021-AA14-1645-A59C-B96C50FB12C8}">
+      <dsp:nvSpPr>
+        <dsp:cNvPr id="0" name=""/>
+        <dsp:cNvSpPr/>
+      </dsp:nvSpPr>
+      <dsp:spPr>
+        <a:xfrm>
+          <a:off x="3385839" y="0"/>
+          <a:ext cx="3134320" cy="3142721"/>
+        </a:xfrm>
+        <a:prstGeom prst="rect">
+          <a:avLst/>
+        </a:prstGeom>
+        <a:gradFill rotWithShape="0">
+          <a:gsLst>
+            <a:gs pos="0">
+              <a:schemeClr val="accent3">
+                <a:hueOff val="0"/>
+                <a:satOff val="0"/>
+                <a:lumOff val="0"/>
+                <a:alphaOff val="0"/>
+                <a:tint val="94000"/>
+                <a:satMod val="105000"/>
+                <a:lumMod val="102000"/>
+              </a:schemeClr>
+            </a:gs>
+            <a:gs pos="100000">
+              <a:schemeClr val="accent3">
+                <a:hueOff val="0"/>
+                <a:satOff val="0"/>
+                <a:lumOff val="0"/>
+                <a:alphaOff val="0"/>
+                <a:shade val="74000"/>
+                <a:satMod val="128000"/>
+                <a:lumMod val="100000"/>
+              </a:schemeClr>
+            </a:gs>
+          </a:gsLst>
+          <a:lin ang="5400000" scaled="0"/>
+        </a:gradFill>
+        <a:ln w="9525" cap="flat" cmpd="sng" algn="ctr">
+          <a:solidFill>
+            <a:schemeClr val="accent3">
+              <a:hueOff val="0"/>
+              <a:satOff val="0"/>
+              <a:lumOff val="0"/>
+              <a:alphaOff val="0"/>
+            </a:schemeClr>
+          </a:solidFill>
+          <a:prstDash val="solid"/>
+        </a:ln>
+        <a:effectLst/>
+      </dsp:spPr>
+      <dsp:style>
+        <a:lnRef idx="1">
+          <a:scrgbClr r="0" g="0" b="0"/>
+        </a:lnRef>
+        <a:fillRef idx="3">
+          <a:scrgbClr r="0" g="0" b="0"/>
+        </a:fillRef>
+        <a:effectRef idx="2">
+          <a:scrgbClr r="0" g="0" b="0"/>
+        </a:effectRef>
+        <a:fontRef idx="minor">
+          <a:schemeClr val="lt1"/>
+        </a:fontRef>
+      </dsp:style>
+      <dsp:txBody>
+        <a:bodyPr spcFirstLastPara="0" vert="horz" wrap="square" lIns="309601" tIns="0" rIns="309601" bIns="330200" numCol="1" spcCol="1270" anchor="t" anchorCtr="0">
+          <a:noAutofit/>
+        </a:bodyPr>
+        <a:lstStyle/>
+        <a:p>
+          <a:pPr marL="0" lvl="0" indent="0" algn="l" defTabSz="933450">
+            <a:lnSpc>
+              <a:spcPct val="90000"/>
+            </a:lnSpc>
+            <a:spcBef>
+              <a:spcPct val="0"/>
+            </a:spcBef>
+            <a:spcAft>
+              <a:spcPct val="35000"/>
+            </a:spcAft>
+            <a:buNone/>
+          </a:pPr>
+          <a:r>
+            <a:rPr lang="en-US" sz="2100" kern="1200" dirty="0"/>
+            <a:t>Look at the big picture.</a:t>
+          </a:r>
+        </a:p>
+        <a:p>
+          <a:pPr marL="0" lvl="0" indent="0" algn="l" defTabSz="933450">
+            <a:lnSpc>
+              <a:spcPct val="90000"/>
+            </a:lnSpc>
+            <a:spcBef>
+              <a:spcPct val="0"/>
+            </a:spcBef>
+            <a:spcAft>
+              <a:spcPct val="35000"/>
+            </a:spcAft>
+            <a:buNone/>
+          </a:pPr>
+          <a:endParaRPr lang="en-US" sz="2100" kern="1200" dirty="0"/>
+        </a:p>
+        <a:p>
+          <a:pPr marL="0" lvl="0" indent="0" algn="l" defTabSz="933450">
+            <a:lnSpc>
+              <a:spcPct val="90000"/>
+            </a:lnSpc>
+            <a:spcBef>
+              <a:spcPct val="0"/>
+            </a:spcBef>
+            <a:spcAft>
+              <a:spcPct val="35000"/>
+            </a:spcAft>
+            <a:buNone/>
+          </a:pPr>
+          <a:r>
+            <a:rPr lang="en-US" sz="2100" kern="1200" dirty="0"/>
+            <a:t>Process efficiency is just as important as query efficiency. </a:t>
+          </a:r>
+        </a:p>
+      </dsp:txBody>
+      <dsp:txXfrm>
+        <a:off x="3385839" y="1257088"/>
+        <a:ext cx="3134320" cy="1885632"/>
+      </dsp:txXfrm>
+    </dsp:sp>
+    <dsp:sp modelId="{0D342789-A7C1-A94B-87DB-66801DE2CB9E}">
+      <dsp:nvSpPr>
+        <dsp:cNvPr id="0" name=""/>
+        <dsp:cNvSpPr/>
+      </dsp:nvSpPr>
+      <dsp:spPr>
+        <a:xfrm>
+          <a:off x="3385839" y="0"/>
+          <a:ext cx="3134320" cy="1257088"/>
+        </a:xfrm>
+        <a:prstGeom prst="rect">
+          <a:avLst/>
+        </a:prstGeom>
+        <a:noFill/>
+        <a:ln w="9525" cap="flat" cmpd="sng" algn="ctr">
+          <a:noFill/>
+          <a:prstDash val="solid"/>
+        </a:ln>
+        <a:effectLst/>
+        <a:sp3d/>
+      </dsp:spPr>
+      <dsp:style>
+        <a:lnRef idx="1">
+          <a:scrgbClr r="0" g="0" b="0"/>
+        </a:lnRef>
+        <a:fillRef idx="3">
+          <a:scrgbClr r="0" g="0" b="0"/>
+        </a:fillRef>
+        <a:effectRef idx="2">
+          <a:scrgbClr r="0" g="0" b="0"/>
+        </a:effectRef>
+        <a:fontRef idx="minor">
+          <a:schemeClr val="lt1"/>
+        </a:fontRef>
+      </dsp:style>
+      <dsp:txBody>
+        <a:bodyPr spcFirstLastPara="0" vert="horz" wrap="square" lIns="309601" tIns="165100" rIns="309601" bIns="165100" numCol="1" spcCol="1270" anchor="ctr" anchorCtr="0">
+          <a:noAutofit/>
+        </a:bodyPr>
+        <a:lstStyle/>
+        <a:p>
+          <a:pPr marL="0" lvl="0" indent="0" algn="l" defTabSz="2933700">
+            <a:lnSpc>
+              <a:spcPct val="90000"/>
+            </a:lnSpc>
+            <a:spcBef>
+              <a:spcPct val="0"/>
+            </a:spcBef>
+            <a:spcAft>
+              <a:spcPct val="35000"/>
+            </a:spcAft>
+            <a:buNone/>
+          </a:pPr>
+          <a:r>
+            <a:rPr lang="en-US" sz="6600" kern="1200"/>
+            <a:t>02</a:t>
+          </a:r>
+        </a:p>
+      </dsp:txBody>
+      <dsp:txXfrm>
+        <a:off x="3385839" y="0"/>
+        <a:ext cx="3134320" cy="1257088"/>
+      </dsp:txXfrm>
+    </dsp:sp>
+    <dsp:sp modelId="{DEF5E673-E1E8-8A48-ABE1-CD9AEFAC2C20}">
+      <dsp:nvSpPr>
+        <dsp:cNvPr id="0" name=""/>
+        <dsp:cNvSpPr/>
+      </dsp:nvSpPr>
+      <dsp:spPr>
+        <a:xfrm>
+          <a:off x="6770905" y="0"/>
+          <a:ext cx="3134320" cy="3142721"/>
+        </a:xfrm>
+        <a:prstGeom prst="rect">
+          <a:avLst/>
+        </a:prstGeom>
+        <a:gradFill rotWithShape="0">
+          <a:gsLst>
+            <a:gs pos="0">
+              <a:schemeClr val="accent4">
+                <a:hueOff val="0"/>
+                <a:satOff val="0"/>
+                <a:lumOff val="0"/>
+                <a:alphaOff val="0"/>
+                <a:tint val="94000"/>
+                <a:satMod val="105000"/>
+                <a:lumMod val="102000"/>
+              </a:schemeClr>
+            </a:gs>
+            <a:gs pos="100000">
+              <a:schemeClr val="accent4">
+                <a:hueOff val="0"/>
+                <a:satOff val="0"/>
+                <a:lumOff val="0"/>
+                <a:alphaOff val="0"/>
+                <a:shade val="74000"/>
+                <a:satMod val="128000"/>
+                <a:lumMod val="100000"/>
+              </a:schemeClr>
+            </a:gs>
+          </a:gsLst>
+          <a:lin ang="5400000" scaled="0"/>
+        </a:gradFill>
+        <a:ln w="9525" cap="flat" cmpd="sng" algn="ctr">
+          <a:solidFill>
+            <a:schemeClr val="accent4">
+              <a:hueOff val="0"/>
+              <a:satOff val="0"/>
+              <a:lumOff val="0"/>
+              <a:alphaOff val="0"/>
+            </a:schemeClr>
+          </a:solidFill>
+          <a:prstDash val="solid"/>
+        </a:ln>
+        <a:effectLst/>
+      </dsp:spPr>
+      <dsp:style>
+        <a:lnRef idx="1">
+          <a:scrgbClr r="0" g="0" b="0"/>
+        </a:lnRef>
+        <a:fillRef idx="3">
+          <a:scrgbClr r="0" g="0" b="0"/>
+        </a:fillRef>
+        <a:effectRef idx="2">
+          <a:scrgbClr r="0" g="0" b="0"/>
+        </a:effectRef>
+        <a:fontRef idx="minor">
+          <a:schemeClr val="lt1"/>
+        </a:fontRef>
+      </dsp:style>
+      <dsp:txBody>
+        <a:bodyPr spcFirstLastPara="0" vert="horz" wrap="square" lIns="309601" tIns="0" rIns="309601" bIns="330200" numCol="1" spcCol="1270" anchor="t" anchorCtr="0">
+          <a:noAutofit/>
+        </a:bodyPr>
+        <a:lstStyle/>
+        <a:p>
+          <a:pPr marL="0" lvl="0" indent="0" algn="l" defTabSz="933450">
+            <a:lnSpc>
+              <a:spcPct val="90000"/>
+            </a:lnSpc>
+            <a:spcBef>
+              <a:spcPct val="0"/>
+            </a:spcBef>
+            <a:spcAft>
+              <a:spcPct val="35000"/>
+            </a:spcAft>
+            <a:buNone/>
+          </a:pPr>
+          <a:r>
+            <a:rPr lang="en-US" sz="2100" kern="1200" dirty="0"/>
+            <a:t>Add tags to queries to identify issues and track performance.</a:t>
+          </a:r>
+        </a:p>
+      </dsp:txBody>
+      <dsp:txXfrm>
+        <a:off x="6770905" y="1257088"/>
+        <a:ext cx="3134320" cy="1885632"/>
+      </dsp:txXfrm>
+    </dsp:sp>
+    <dsp:sp modelId="{D4E58B78-6DC3-AE45-A2FE-0CA3541C1F66}">
+      <dsp:nvSpPr>
+        <dsp:cNvPr id="0" name=""/>
+        <dsp:cNvSpPr/>
+      </dsp:nvSpPr>
+      <dsp:spPr>
+        <a:xfrm>
+          <a:off x="6770905" y="0"/>
+          <a:ext cx="3134320" cy="1257088"/>
+        </a:xfrm>
+        <a:prstGeom prst="rect">
+          <a:avLst/>
+        </a:prstGeom>
+        <a:noFill/>
+        <a:ln w="9525" cap="flat" cmpd="sng" algn="ctr">
+          <a:noFill/>
+          <a:prstDash val="solid"/>
+        </a:ln>
+        <a:effectLst/>
+        <a:sp3d/>
+      </dsp:spPr>
+      <dsp:style>
+        <a:lnRef idx="1">
+          <a:scrgbClr r="0" g="0" b="0"/>
+        </a:lnRef>
+        <a:fillRef idx="3">
+          <a:scrgbClr r="0" g="0" b="0"/>
+        </a:fillRef>
+        <a:effectRef idx="2">
+          <a:scrgbClr r="0" g="0" b="0"/>
+        </a:effectRef>
+        <a:fontRef idx="minor">
+          <a:schemeClr val="lt1"/>
+        </a:fontRef>
+      </dsp:style>
+      <dsp:txBody>
+        <a:bodyPr spcFirstLastPara="0" vert="horz" wrap="square" lIns="309601" tIns="165100" rIns="309601" bIns="165100" numCol="1" spcCol="1270" anchor="ctr" anchorCtr="0">
+          <a:noAutofit/>
+        </a:bodyPr>
+        <a:lstStyle/>
+        <a:p>
+          <a:pPr marL="0" lvl="0" indent="0" algn="l" defTabSz="2933700">
+            <a:lnSpc>
+              <a:spcPct val="90000"/>
+            </a:lnSpc>
+            <a:spcBef>
+              <a:spcPct val="0"/>
+            </a:spcBef>
+            <a:spcAft>
+              <a:spcPct val="35000"/>
+            </a:spcAft>
+            <a:buNone/>
+          </a:pPr>
+          <a:r>
+            <a:rPr lang="en-US" sz="6600" kern="1200"/>
+            <a:t>03</a:t>
+          </a:r>
+        </a:p>
+      </dsp:txBody>
+      <dsp:txXfrm>
+        <a:off x="6770905" y="0"/>
+        <a:ext cx="3134320" cy="1257088"/>
       </dsp:txXfrm>
     </dsp:sp>
   </dsp:spTree>
@@ -6667,6 +8748,272 @@
 </dgm:layoutDef>
 </file>
 
+<file path=ppt/diagrams/layout4.xml><?xml version="1.0" encoding="utf-8"?>
+<dgm:layoutDef xmlns:dgm="http://schemas.openxmlformats.org/drawingml/2006/diagram" xmlns:a="http://schemas.openxmlformats.org/drawingml/2006/main" uniqueId="urn:microsoft.com/office/officeart/2016/7/layout/LinearBlockProcessNumbered">
+  <dgm:title val="Linear Block Process Numbered"/>
+  <dgm:desc val="Used to show a progression; a timeline; sequential steps in a task, process, or workflow; or to emphasize movement or direction. Automatic numbers have been introduced to show the steps of the process. Level 1 text and Level 2 text both appears in a rectangle."/>
+  <dgm:catLst>
+    <dgm:cat type="process" pri="500"/>
+  </dgm:catLst>
+  <dgm:sampData>
+    <dgm:dataModel>
+      <dgm:ptLst>
+        <dgm:pt modelId="0" type="doc"/>
+        <dgm:pt modelId="1">
+          <dgm:prSet phldr="1"/>
+        </dgm:pt>
+        <dgm:pt modelId="11">
+          <dgm:prSet phldr="1"/>
+        </dgm:pt>
+        <dgm:pt modelId="2">
+          <dgm:prSet phldr="1"/>
+        </dgm:pt>
+        <dgm:pt modelId="21">
+          <dgm:prSet phldr="1"/>
+        </dgm:pt>
+        <dgm:pt modelId="3">
+          <dgm:prSet phldr="1"/>
+        </dgm:pt>
+        <dgm:pt modelId="31">
+          <dgm:prSet phldr="1"/>
+        </dgm:pt>
+        <dgm:pt modelId="101" type="sibTrans" cxnId="4">
+          <dgm:prSet phldrT="1"/>
+          <dgm:t>
+            <a:bodyPr/>
+            <a:lstStyle/>
+            <a:p>
+              <a:r>
+                <a:t>01</a:t>
+              </a:r>
+            </a:p>
+          </dgm:t>
+        </dgm:pt>
+        <dgm:pt modelId="201" type="sibTrans" cxnId="5">
+          <dgm:prSet phldrT="2"/>
+          <dgm:t>
+            <a:bodyPr/>
+            <a:lstStyle/>
+            <a:p>
+              <a:r>
+                <a:t>02</a:t>
+              </a:r>
+            </a:p>
+          </dgm:t>
+        </dgm:pt>
+        <dgm:pt modelId="301" type="sibTrans" cxnId="6">
+          <dgm:prSet phldrT="3"/>
+          <dgm:t>
+            <a:bodyPr/>
+            <a:lstStyle/>
+            <a:p>
+              <a:r>
+                <a:t>03</a:t>
+              </a:r>
+            </a:p>
+          </dgm:t>
+        </dgm:pt>
+      </dgm:ptLst>
+      <dgm:cxnLst>
+        <dgm:cxn modelId="4" srcId="0" destId="1" srcOrd="0" destOrd="0" sibTransId="101"/>
+        <dgm:cxn modelId="5" srcId="0" destId="2" srcOrd="1" destOrd="0" sibTransId="201"/>
+        <dgm:cxn modelId="6" srcId="0" destId="3" srcOrd="2" destOrd="0" sibTransId="301"/>
+        <dgm:cxn modelId="13" srcId="1" destId="11" srcOrd="0" destOrd="0"/>
+        <dgm:cxn modelId="23" srcId="2" destId="21" srcOrd="0" destOrd="0"/>
+        <dgm:cxn modelId="33" srcId="3" destId="31" srcOrd="0" destOrd="0"/>
+      </dgm:cxnLst>
+      <dgm:bg/>
+      <dgm:whole/>
+    </dgm:dataModel>
+  </dgm:sampData>
+  <dgm:styleData>
+    <dgm:dataModel>
+      <dgm:ptLst>
+        <dgm:pt modelId="0" type="doc"/>
+        <dgm:pt modelId="1"/>
+        <dgm:pt modelId="11"/>
+        <dgm:pt modelId="2"/>
+        <dgm:pt modelId="21"/>
+      </dgm:ptLst>
+      <dgm:cxnLst>
+        <dgm:cxn modelId="4" srcId="0" destId="1" srcOrd="0" destOrd="0"/>
+        <dgm:cxn modelId="5" srcId="0" destId="2" srcOrd="1" destOrd="0"/>
+        <dgm:cxn modelId="13" srcId="1" destId="11" srcOrd="0" destOrd="0"/>
+        <dgm:cxn modelId="23" srcId="2" destId="21" srcOrd="0" destOrd="0"/>
+      </dgm:cxnLst>
+      <dgm:bg/>
+      <dgm:whole/>
+    </dgm:dataModel>
+  </dgm:styleData>
+  <dgm:clrData>
+    <dgm:dataModel>
+      <dgm:ptLst>
+        <dgm:pt modelId="0" type="doc"/>
+        <dgm:pt modelId="1"/>
+        <dgm:pt modelId="11"/>
+        <dgm:pt modelId="2"/>
+        <dgm:pt modelId="21"/>
+        <dgm:pt modelId="3"/>
+        <dgm:pt modelId="31"/>
+        <dgm:pt modelId="4"/>
+        <dgm:pt modelId="41"/>
+      </dgm:ptLst>
+      <dgm:cxnLst>
+        <dgm:cxn modelId="5" srcId="0" destId="1" srcOrd="0" destOrd="0"/>
+        <dgm:cxn modelId="6" srcId="0" destId="2" srcOrd="1" destOrd="0"/>
+        <dgm:cxn modelId="7" srcId="0" destId="3" srcOrd="2" destOrd="0"/>
+        <dgm:cxn modelId="8" srcId="0" destId="4" srcOrd="3" destOrd="0"/>
+        <dgm:cxn modelId="13" srcId="1" destId="11" srcOrd="0" destOrd="0"/>
+        <dgm:cxn modelId="23" srcId="2" destId="21" srcOrd="0" destOrd="0"/>
+        <dgm:cxn modelId="33" srcId="3" destId="31" srcOrd="0" destOrd="0"/>
+        <dgm:cxn modelId="43" srcId="4" destId="41" srcOrd="0" destOrd="0"/>
+      </dgm:cxnLst>
+      <dgm:bg/>
+      <dgm:whole/>
+    </dgm:dataModel>
+  </dgm:clrData>
+  <dgm:layoutNode name="Name0">
+    <dgm:varLst>
+      <dgm:animLvl val="lvl"/>
+      <dgm:resizeHandles val="exact"/>
+    </dgm:varLst>
+    <dgm:alg type="lin">
+      <dgm:param type="linDir" val="fromL"/>
+      <dgm:param type="nodeVertAlign" val="t"/>
+    </dgm:alg>
+    <dgm:shape xmlns:r="http://schemas.openxmlformats.org/officeDocument/2006/relationships" r:blip="">
+      <dgm:adjLst/>
+    </dgm:shape>
+    <dgm:presOf/>
+    <dgm:constrLst>
+      <dgm:constr type="h" for="ch" forName="compositeNode" refType="h"/>
+      <dgm:constr type="w" for="ch" forName="compositeNode" refType="w"/>
+      <dgm:constr type="w" for="des" forName="simulatedConn" refType="w" refFor="ch" refForName="compositeNode" fact="0.15"/>
+      <dgm:constr type="h" for="des" forName="simulatedConn" refType="w" refFor="des" refForName="simulatedConn"/>
+      <dgm:constr type="h" for="des" forName="vSp1" refType="w" refFor="ch" refForName="compositeNode" fact="0.8"/>
+      <dgm:constr type="h" for="des" forName="vSp2" refType="w" refFor="ch" refForName="compositeNode" fact="0.07"/>
+      <dgm:constr type="w" for="ch" forName="vProcSp" refType="w" refFor="des" refForName="simulatedConn" op="equ"/>
+      <dgm:constr type="h" for="ch" forName="vProcSp" refType="h" refFor="ch" refForName="compositeNode" op="equ"/>
+      <dgm:constr type="w" for="ch" forName="sibTrans" refType="w" refFor="ch" refForName="compositeNode" fact="0.08"/>
+      <dgm:constr type="primFontSz" for="des" forName="sibTransNodeRect" op="equ"/>
+      <dgm:constr type="primFontSz" for="des" forName="nodeRect" op="equ"/>
+    </dgm:constrLst>
+    <dgm:ruleLst/>
+    <dgm:forEach name="Name4" axis="ch" ptType="node">
+      <dgm:layoutNode name="compositeNode">
+        <dgm:varLst>
+          <dgm:bulletEnabled val="1"/>
+        </dgm:varLst>
+        <dgm:alg type="composite"/>
+        <dgm:constrLst>
+          <dgm:constr type="h" refType="w" op="lte" fact="1.2"/>
+          <dgm:constr type="w" for="ch" forName="bgRect" refType="w"/>
+          <dgm:constr type="h" for="ch" forName="bgRect" refType="h"/>
+          <dgm:constr type="t" for="ch" forName="bgRect"/>
+          <dgm:constr type="l" for="ch" forName="bgRect"/>
+          <dgm:constr type="w" for="ch" forName="sibTransNodeRect" refType="w" refFor="ch" refForName="bgRect"/>
+          <dgm:constr type="h" for="ch" forName="sibTransNodeRect" refType="h" refFor="ch" refForName="bgRect" fact="0.4"/>
+          <dgm:constr type="t" for="ch" forName="sibTransNodeRect"/>
+          <dgm:constr type="l" for="ch" forName="sibTransNodeRect"/>
+          <dgm:constr type="r" for="ch" forName="nodeRect" refType="r" refFor="ch" refForName="bgRect"/>
+          <dgm:constr type="h" for="ch" forName="nodeRect" refType="h" refFor="ch" refForName="bgRect" fact="0.6"/>
+          <dgm:constr type="t" for="ch" forName="nodeRect" refType="b" refFor="ch" refForName="sibTransNodeRect"/>
+          <dgm:constr type="l" for="ch" forName="nodeRect" refType="l" refFor="ch" refForName="bgRect"/>
+        </dgm:constrLst>
+        <dgm:ruleLst>
+          <dgm:rule type="w" for="ch" forName="nodeRect" val="NaN" fact="NaN" max="30"/>
+        </dgm:ruleLst>
+        <dgm:layoutNode name="bgRect" styleLbl="alignNode1">
+          <dgm:alg type="sp"/>
+          <dgm:shape xmlns:r="http://schemas.openxmlformats.org/officeDocument/2006/relationships" type="rect" r:blip="">
+            <dgm:adjLst>
+              <dgm:adj idx="1" val="0.05"/>
+            </dgm:adjLst>
+          </dgm:shape>
+          <dgm:presOf axis="self"/>
+          <dgm:constrLst/>
+          <dgm:ruleLst/>
+        </dgm:layoutNode>
+        <dgm:forEach name="Name19" axis="followSib" ptType="sibTrans" hideLastTrans="0" cnt="1">
+          <dgm:layoutNode name="sibTransNodeRect" styleLbl="alignNode1">
+            <dgm:varLst>
+              <dgm:chMax val="0"/>
+              <dgm:bulletEnabled val="1"/>
+            </dgm:varLst>
+            <dgm:presOf axis="self"/>
+            <dgm:alg type="tx">
+              <dgm:param type="parTxLTRAlign" val="l"/>
+              <dgm:param type="parTxRTLAlign" val="l"/>
+            </dgm:alg>
+            <dgm:shape xmlns:r="http://schemas.openxmlformats.org/officeDocument/2006/relationships" type="rect" r:blip="" hideGeom="1">
+              <dgm:adjLst/>
+            </dgm:shape>
+            <dgm:constrLst>
+              <dgm:constr type="primFontSz" val="66"/>
+              <dgm:constr type="tMarg" val="13"/>
+              <dgm:constr type="lMarg" refType="w" fact="0.28"/>
+              <dgm:constr type="rMarg" refType="w" fact="0.28"/>
+              <dgm:constr type="bMarg" val="13"/>
+            </dgm:constrLst>
+            <dgm:ruleLst>
+              <dgm:rule type="primFontSz" val="14" fact="NaN" max="NaN"/>
+              <dgm:rule type="tMarg" val="13" fact="NaN" max="NaN"/>
+            </dgm:ruleLst>
+          </dgm:layoutNode>
+        </dgm:forEach>
+        <dgm:layoutNode name="nodeRect" styleLbl="alignNode1" moveWith="bgRect">
+          <dgm:varLst>
+            <dgm:bulletEnabled val="1"/>
+          </dgm:varLst>
+          <dgm:alg type="tx">
+            <dgm:param type="parTxLTRAlign" val="l"/>
+            <dgm:param type="parTxRTLAlign" val="r"/>
+            <dgm:param type="txAnchorVert" val="t"/>
+            <dgm:param type="stBulletLvl" val="2"/>
+          </dgm:alg>
+          <dgm:shape xmlns:r="http://schemas.openxmlformats.org/officeDocument/2006/relationships" type="rect" r:blip="" hideGeom="1">
+            <dgm:adjLst/>
+          </dgm:shape>
+          <dgm:presOf axis="desOrSelf" ptType="node"/>
+          <dgm:constrLst>
+            <dgm:constr type="primFontSz" val="26"/>
+            <dgm:constr type="tMarg"/>
+            <dgm:constr type="lMarg" refType="w" fact="0.28"/>
+            <dgm:constr type="rMarg" refType="w" fact="0.28"/>
+            <dgm:constr type="bMarg" val="26"/>
+          </dgm:constrLst>
+          <dgm:ruleLst>
+            <dgm:rule type="primFontSz" val="11" fact="NaN" max="NaN"/>
+          </dgm:ruleLst>
+        </dgm:layoutNode>
+      </dgm:layoutNode>
+      <dgm:forEach name="Name14" axis="followSib" ptType="sibTrans" cnt="1">
+        <dgm:layoutNode name="sibTrans">
+          <dgm:alg type="sp"/>
+          <dgm:shape xmlns:r="http://schemas.openxmlformats.org/officeDocument/2006/relationships" r:blip="">
+            <dgm:adjLst/>
+          </dgm:shape>
+          <dgm:presOf/>
+          <dgm:constrLst/>
+          <dgm:ruleLst/>
+        </dgm:layoutNode>
+      </dgm:forEach>
+    </dgm:forEach>
+  </dgm:layoutNode>
+  <dgm:extLst>
+    <a:ext uri="{4F341089-5ED1-44EC-B178-C955D00A3D55}">
+      <dgm1611:autoBuNodeInfoLst xmlns:dgm1611="http://schemas.microsoft.com/office/drawing/2016/11/diagram">
+        <dgm1611:autoBuNodeInfo lvl="1" ptType="sibTrans">
+          <dgm1611:buPr prefix="" leadZeros="1">
+            <a:buAutoNum type="arabicParenBoth"/>
+          </dgm1611:buPr>
+        </dgm1611:autoBuNodeInfo>
+      </dgm1611:autoBuNodeInfoLst>
+    </a:ext>
+  </dgm:extLst>
+</dgm:layoutDef>
+</file>
+
 <file path=ppt/diagrams/quickStyle1.xml><?xml version="1.0" encoding="utf-8"?>
 <dgm:styleDef xmlns:dgm="http://schemas.openxmlformats.org/drawingml/2006/diagram" xmlns:a="http://schemas.openxmlformats.org/drawingml/2006/main" uniqueId="urn:microsoft.com/office/officeart/2005/8/quickstyle/simple4">
   <dgm:title val=""/>
@@ -9741,6 +12088,1040 @@
         <a:scrgbClr r="0" g="0" b="0"/>
       </a:fillRef>
       <a:effectRef idx="0">
+        <a:scrgbClr r="0" g="0" b="0"/>
+      </a:effectRef>
+      <a:fontRef idx="minor"/>
+    </dgm:style>
+  </dgm:styleLbl>
+  <dgm:styleLbl name="revTx">
+    <dgm:scene3d>
+      <a:camera prst="orthographicFront"/>
+      <a:lightRig rig="threePt" dir="t"/>
+    </dgm:scene3d>
+    <dgm:sp3d/>
+    <dgm:txPr/>
+    <dgm:style>
+      <a:lnRef idx="0">
+        <a:scrgbClr r="0" g="0" b="0"/>
+      </a:lnRef>
+      <a:fillRef idx="0">
+        <a:scrgbClr r="0" g="0" b="0"/>
+      </a:fillRef>
+      <a:effectRef idx="0">
+        <a:scrgbClr r="0" g="0" b="0"/>
+      </a:effectRef>
+      <a:fontRef idx="minor"/>
+    </dgm:style>
+  </dgm:styleLbl>
+</dgm:styleDef>
+</file>
+
+<file path=ppt/diagrams/quickStyle4.xml><?xml version="1.0" encoding="utf-8"?>
+<dgm:styleDef xmlns:dgm="http://schemas.openxmlformats.org/drawingml/2006/diagram" xmlns:a="http://schemas.openxmlformats.org/drawingml/2006/main" uniqueId="urn:microsoft.com/office/officeart/2005/8/quickstyle/simple4">
+  <dgm:title val=""/>
+  <dgm:desc val=""/>
+  <dgm:catLst>
+    <dgm:cat type="simple" pri="10400"/>
+  </dgm:catLst>
+  <dgm:scene3d>
+    <a:camera prst="orthographicFront"/>
+    <a:lightRig rig="threePt" dir="t"/>
+  </dgm:scene3d>
+  <dgm:styleLbl name="node0">
+    <dgm:scene3d>
+      <a:camera prst="orthographicFront"/>
+      <a:lightRig rig="threePt" dir="t"/>
+    </dgm:scene3d>
+    <dgm:sp3d/>
+    <dgm:txPr/>
+    <dgm:style>
+      <a:lnRef idx="0">
+        <a:scrgbClr r="0" g="0" b="0"/>
+      </a:lnRef>
+      <a:fillRef idx="3">
+        <a:scrgbClr r="0" g="0" b="0"/>
+      </a:fillRef>
+      <a:effectRef idx="2">
+        <a:scrgbClr r="0" g="0" b="0"/>
+      </a:effectRef>
+      <a:fontRef idx="minor">
+        <a:schemeClr val="lt1"/>
+      </a:fontRef>
+    </dgm:style>
+  </dgm:styleLbl>
+  <dgm:styleLbl name="lnNode1">
+    <dgm:scene3d>
+      <a:camera prst="orthographicFront"/>
+      <a:lightRig rig="threePt" dir="t"/>
+    </dgm:scene3d>
+    <dgm:sp3d/>
+    <dgm:txPr/>
+    <dgm:style>
+      <a:lnRef idx="1">
+        <a:scrgbClr r="0" g="0" b="0"/>
+      </a:lnRef>
+      <a:fillRef idx="3">
+        <a:scrgbClr r="0" g="0" b="0"/>
+      </a:fillRef>
+      <a:effectRef idx="2">
+        <a:scrgbClr r="0" g="0" b="0"/>
+      </a:effectRef>
+      <a:fontRef idx="minor">
+        <a:schemeClr val="lt1"/>
+      </a:fontRef>
+    </dgm:style>
+  </dgm:styleLbl>
+  <dgm:styleLbl name="vennNode1">
+    <dgm:scene3d>
+      <a:camera prst="orthographicFront"/>
+      <a:lightRig rig="threePt" dir="t"/>
+    </dgm:scene3d>
+    <dgm:sp3d/>
+    <dgm:txPr/>
+    <dgm:style>
+      <a:lnRef idx="0">
+        <a:scrgbClr r="0" g="0" b="0"/>
+      </a:lnRef>
+      <a:fillRef idx="3">
+        <a:scrgbClr r="0" g="0" b="0"/>
+      </a:fillRef>
+      <a:effectRef idx="0">
+        <a:scrgbClr r="0" g="0" b="0"/>
+      </a:effectRef>
+      <a:fontRef idx="minor">
+        <a:schemeClr val="tx1"/>
+      </a:fontRef>
+    </dgm:style>
+  </dgm:styleLbl>
+  <dgm:styleLbl name="alignNode1">
+    <dgm:scene3d>
+      <a:camera prst="orthographicFront"/>
+      <a:lightRig rig="threePt" dir="t"/>
+    </dgm:scene3d>
+    <dgm:sp3d/>
+    <dgm:txPr/>
+    <dgm:style>
+      <a:lnRef idx="1">
+        <a:scrgbClr r="0" g="0" b="0"/>
+      </a:lnRef>
+      <a:fillRef idx="3">
+        <a:scrgbClr r="0" g="0" b="0"/>
+      </a:fillRef>
+      <a:effectRef idx="2">
+        <a:scrgbClr r="0" g="0" b="0"/>
+      </a:effectRef>
+      <a:fontRef idx="minor">
+        <a:schemeClr val="lt1"/>
+      </a:fontRef>
+    </dgm:style>
+  </dgm:styleLbl>
+  <dgm:styleLbl name="node1">
+    <dgm:scene3d>
+      <a:camera prst="orthographicFront"/>
+      <a:lightRig rig="threePt" dir="t"/>
+    </dgm:scene3d>
+    <dgm:sp3d/>
+    <dgm:txPr/>
+    <dgm:style>
+      <a:lnRef idx="0">
+        <a:scrgbClr r="0" g="0" b="0"/>
+      </a:lnRef>
+      <a:fillRef idx="3">
+        <a:scrgbClr r="0" g="0" b="0"/>
+      </a:fillRef>
+      <a:effectRef idx="2">
+        <a:scrgbClr r="0" g="0" b="0"/>
+      </a:effectRef>
+      <a:fontRef idx="minor">
+        <a:schemeClr val="lt1"/>
+      </a:fontRef>
+    </dgm:style>
+  </dgm:styleLbl>
+  <dgm:styleLbl name="node2">
+    <dgm:scene3d>
+      <a:camera prst="orthographicFront"/>
+      <a:lightRig rig="threePt" dir="t"/>
+    </dgm:scene3d>
+    <dgm:sp3d/>
+    <dgm:txPr/>
+    <dgm:style>
+      <a:lnRef idx="0">
+        <a:scrgbClr r="0" g="0" b="0"/>
+      </a:lnRef>
+      <a:fillRef idx="3">
+        <a:scrgbClr r="0" g="0" b="0"/>
+      </a:fillRef>
+      <a:effectRef idx="2">
+        <a:scrgbClr r="0" g="0" b="0"/>
+      </a:effectRef>
+      <a:fontRef idx="minor">
+        <a:schemeClr val="lt1"/>
+      </a:fontRef>
+    </dgm:style>
+  </dgm:styleLbl>
+  <dgm:styleLbl name="node3">
+    <dgm:scene3d>
+      <a:camera prst="orthographicFront"/>
+      <a:lightRig rig="threePt" dir="t"/>
+    </dgm:scene3d>
+    <dgm:sp3d/>
+    <dgm:txPr/>
+    <dgm:style>
+      <a:lnRef idx="0">
+        <a:scrgbClr r="0" g="0" b="0"/>
+      </a:lnRef>
+      <a:fillRef idx="3">
+        <a:scrgbClr r="0" g="0" b="0"/>
+      </a:fillRef>
+      <a:effectRef idx="2">
+        <a:scrgbClr r="0" g="0" b="0"/>
+      </a:effectRef>
+      <a:fontRef idx="minor">
+        <a:schemeClr val="lt1"/>
+      </a:fontRef>
+    </dgm:style>
+  </dgm:styleLbl>
+  <dgm:styleLbl name="node4">
+    <dgm:scene3d>
+      <a:camera prst="orthographicFront"/>
+      <a:lightRig rig="threePt" dir="t"/>
+    </dgm:scene3d>
+    <dgm:sp3d/>
+    <dgm:txPr/>
+    <dgm:style>
+      <a:lnRef idx="0">
+        <a:scrgbClr r="0" g="0" b="0"/>
+      </a:lnRef>
+      <a:fillRef idx="3">
+        <a:scrgbClr r="0" g="0" b="0"/>
+      </a:fillRef>
+      <a:effectRef idx="2">
+        <a:scrgbClr r="0" g="0" b="0"/>
+      </a:effectRef>
+      <a:fontRef idx="minor">
+        <a:schemeClr val="lt1"/>
+      </a:fontRef>
+    </dgm:style>
+  </dgm:styleLbl>
+  <dgm:styleLbl name="fgImgPlace1">
+    <dgm:scene3d>
+      <a:camera prst="orthographicFront"/>
+      <a:lightRig rig="threePt" dir="t"/>
+    </dgm:scene3d>
+    <dgm:sp3d/>
+    <dgm:txPr/>
+    <dgm:style>
+      <a:lnRef idx="0">
+        <a:scrgbClr r="0" g="0" b="0"/>
+      </a:lnRef>
+      <a:fillRef idx="1">
+        <a:scrgbClr r="0" g="0" b="0"/>
+      </a:fillRef>
+      <a:effectRef idx="2">
+        <a:scrgbClr r="0" g="0" b="0"/>
+      </a:effectRef>
+      <a:fontRef idx="minor"/>
+    </dgm:style>
+  </dgm:styleLbl>
+  <dgm:styleLbl name="alignImgPlace1">
+    <dgm:scene3d>
+      <a:camera prst="orthographicFront"/>
+      <a:lightRig rig="threePt" dir="t"/>
+    </dgm:scene3d>
+    <dgm:sp3d/>
+    <dgm:txPr/>
+    <dgm:style>
+      <a:lnRef idx="0">
+        <a:scrgbClr r="0" g="0" b="0"/>
+      </a:lnRef>
+      <a:fillRef idx="1">
+        <a:scrgbClr r="0" g="0" b="0"/>
+      </a:fillRef>
+      <a:effectRef idx="2">
+        <a:scrgbClr r="0" g="0" b="0"/>
+      </a:effectRef>
+      <a:fontRef idx="minor"/>
+    </dgm:style>
+  </dgm:styleLbl>
+  <dgm:styleLbl name="bgImgPlace1">
+    <dgm:scene3d>
+      <a:camera prst="orthographicFront"/>
+      <a:lightRig rig="threePt" dir="t"/>
+    </dgm:scene3d>
+    <dgm:sp3d/>
+    <dgm:txPr/>
+    <dgm:style>
+      <a:lnRef idx="0">
+        <a:scrgbClr r="0" g="0" b="0"/>
+      </a:lnRef>
+      <a:fillRef idx="1">
+        <a:scrgbClr r="0" g="0" b="0"/>
+      </a:fillRef>
+      <a:effectRef idx="2">
+        <a:scrgbClr r="0" g="0" b="0"/>
+      </a:effectRef>
+      <a:fontRef idx="minor"/>
+    </dgm:style>
+  </dgm:styleLbl>
+  <dgm:styleLbl name="sibTrans2D1">
+    <dgm:scene3d>
+      <a:camera prst="orthographicFront"/>
+      <a:lightRig rig="threePt" dir="t"/>
+    </dgm:scene3d>
+    <dgm:sp3d/>
+    <dgm:txPr/>
+    <dgm:style>
+      <a:lnRef idx="0">
+        <a:scrgbClr r="0" g="0" b="0"/>
+      </a:lnRef>
+      <a:fillRef idx="3">
+        <a:scrgbClr r="0" g="0" b="0"/>
+      </a:fillRef>
+      <a:effectRef idx="2">
+        <a:scrgbClr r="0" g="0" b="0"/>
+      </a:effectRef>
+      <a:fontRef idx="minor">
+        <a:schemeClr val="lt1"/>
+      </a:fontRef>
+    </dgm:style>
+  </dgm:styleLbl>
+  <dgm:styleLbl name="fgSibTrans2D1">
+    <dgm:scene3d>
+      <a:camera prst="orthographicFront"/>
+      <a:lightRig rig="threePt" dir="t"/>
+    </dgm:scene3d>
+    <dgm:sp3d/>
+    <dgm:txPr/>
+    <dgm:style>
+      <a:lnRef idx="0">
+        <a:scrgbClr r="0" g="0" b="0"/>
+      </a:lnRef>
+      <a:fillRef idx="3">
+        <a:scrgbClr r="0" g="0" b="0"/>
+      </a:fillRef>
+      <a:effectRef idx="2">
+        <a:scrgbClr r="0" g="0" b="0"/>
+      </a:effectRef>
+      <a:fontRef idx="minor">
+        <a:schemeClr val="lt1"/>
+      </a:fontRef>
+    </dgm:style>
+  </dgm:styleLbl>
+  <dgm:styleLbl name="bgSibTrans2D1">
+    <dgm:scene3d>
+      <a:camera prst="orthographicFront"/>
+      <a:lightRig rig="threePt" dir="t"/>
+    </dgm:scene3d>
+    <dgm:sp3d/>
+    <dgm:txPr/>
+    <dgm:style>
+      <a:lnRef idx="0">
+        <a:scrgbClr r="0" g="0" b="0"/>
+      </a:lnRef>
+      <a:fillRef idx="3">
+        <a:scrgbClr r="0" g="0" b="0"/>
+      </a:fillRef>
+      <a:effectRef idx="2">
+        <a:scrgbClr r="0" g="0" b="0"/>
+      </a:effectRef>
+      <a:fontRef idx="minor">
+        <a:schemeClr val="lt1"/>
+      </a:fontRef>
+    </dgm:style>
+  </dgm:styleLbl>
+  <dgm:styleLbl name="sibTrans1D1">
+    <dgm:scene3d>
+      <a:camera prst="orthographicFront"/>
+      <a:lightRig rig="threePt" dir="t"/>
+    </dgm:scene3d>
+    <dgm:sp3d/>
+    <dgm:txPr/>
+    <dgm:style>
+      <a:lnRef idx="1">
+        <a:scrgbClr r="0" g="0" b="0"/>
+      </a:lnRef>
+      <a:fillRef idx="0">
+        <a:scrgbClr r="0" g="0" b="0"/>
+      </a:fillRef>
+      <a:effectRef idx="0">
+        <a:scrgbClr r="0" g="0" b="0"/>
+      </a:effectRef>
+      <a:fontRef idx="minor"/>
+    </dgm:style>
+  </dgm:styleLbl>
+  <dgm:styleLbl name="callout">
+    <dgm:scene3d>
+      <a:camera prst="orthographicFront"/>
+      <a:lightRig rig="threePt" dir="t"/>
+    </dgm:scene3d>
+    <dgm:sp3d/>
+    <dgm:txPr/>
+    <dgm:style>
+      <a:lnRef idx="2">
+        <a:scrgbClr r="0" g="0" b="0"/>
+      </a:lnRef>
+      <a:fillRef idx="1">
+        <a:scrgbClr r="0" g="0" b="0"/>
+      </a:fillRef>
+      <a:effectRef idx="1">
+        <a:scrgbClr r="0" g="0" b="0"/>
+      </a:effectRef>
+      <a:fontRef idx="minor"/>
+    </dgm:style>
+  </dgm:styleLbl>
+  <dgm:styleLbl name="asst0">
+    <dgm:scene3d>
+      <a:camera prst="orthographicFront"/>
+      <a:lightRig rig="threePt" dir="t"/>
+    </dgm:scene3d>
+    <dgm:sp3d/>
+    <dgm:txPr/>
+    <dgm:style>
+      <a:lnRef idx="0">
+        <a:scrgbClr r="0" g="0" b="0"/>
+      </a:lnRef>
+      <a:fillRef idx="3">
+        <a:scrgbClr r="0" g="0" b="0"/>
+      </a:fillRef>
+      <a:effectRef idx="2">
+        <a:scrgbClr r="0" g="0" b="0"/>
+      </a:effectRef>
+      <a:fontRef idx="minor">
+        <a:schemeClr val="lt1"/>
+      </a:fontRef>
+    </dgm:style>
+  </dgm:styleLbl>
+  <dgm:styleLbl name="asst1">
+    <dgm:scene3d>
+      <a:camera prst="orthographicFront"/>
+      <a:lightRig rig="threePt" dir="t"/>
+    </dgm:scene3d>
+    <dgm:sp3d/>
+    <dgm:txPr/>
+    <dgm:style>
+      <a:lnRef idx="0">
+        <a:scrgbClr r="0" g="0" b="0"/>
+      </a:lnRef>
+      <a:fillRef idx="3">
+        <a:scrgbClr r="0" g="0" b="0"/>
+      </a:fillRef>
+      <a:effectRef idx="2">
+        <a:scrgbClr r="0" g="0" b="0"/>
+      </a:effectRef>
+      <a:fontRef idx="minor">
+        <a:schemeClr val="lt1"/>
+      </a:fontRef>
+    </dgm:style>
+  </dgm:styleLbl>
+  <dgm:styleLbl name="asst2">
+    <dgm:scene3d>
+      <a:camera prst="orthographicFront"/>
+      <a:lightRig rig="threePt" dir="t"/>
+    </dgm:scene3d>
+    <dgm:sp3d/>
+    <dgm:txPr/>
+    <dgm:style>
+      <a:lnRef idx="0">
+        <a:scrgbClr r="0" g="0" b="0"/>
+      </a:lnRef>
+      <a:fillRef idx="3">
+        <a:scrgbClr r="0" g="0" b="0"/>
+      </a:fillRef>
+      <a:effectRef idx="2">
+        <a:scrgbClr r="0" g="0" b="0"/>
+      </a:effectRef>
+      <a:fontRef idx="minor">
+        <a:schemeClr val="lt1"/>
+      </a:fontRef>
+    </dgm:style>
+  </dgm:styleLbl>
+  <dgm:styleLbl name="asst3">
+    <dgm:scene3d>
+      <a:camera prst="orthographicFront"/>
+      <a:lightRig rig="threePt" dir="t"/>
+    </dgm:scene3d>
+    <dgm:sp3d/>
+    <dgm:txPr/>
+    <dgm:style>
+      <a:lnRef idx="0">
+        <a:scrgbClr r="0" g="0" b="0"/>
+      </a:lnRef>
+      <a:fillRef idx="3">
+        <a:scrgbClr r="0" g="0" b="0"/>
+      </a:fillRef>
+      <a:effectRef idx="2">
+        <a:scrgbClr r="0" g="0" b="0"/>
+      </a:effectRef>
+      <a:fontRef idx="minor">
+        <a:schemeClr val="lt1"/>
+      </a:fontRef>
+    </dgm:style>
+  </dgm:styleLbl>
+  <dgm:styleLbl name="asst4">
+    <dgm:scene3d>
+      <a:camera prst="orthographicFront"/>
+      <a:lightRig rig="threePt" dir="t"/>
+    </dgm:scene3d>
+    <dgm:sp3d/>
+    <dgm:txPr/>
+    <dgm:style>
+      <a:lnRef idx="0">
+        <a:scrgbClr r="0" g="0" b="0"/>
+      </a:lnRef>
+      <a:fillRef idx="3">
+        <a:scrgbClr r="0" g="0" b="0"/>
+      </a:fillRef>
+      <a:effectRef idx="2">
+        <a:scrgbClr r="0" g="0" b="0"/>
+      </a:effectRef>
+      <a:fontRef idx="minor">
+        <a:schemeClr val="lt1"/>
+      </a:fontRef>
+    </dgm:style>
+  </dgm:styleLbl>
+  <dgm:styleLbl name="parChTrans2D1">
+    <dgm:scene3d>
+      <a:camera prst="orthographicFront"/>
+      <a:lightRig rig="threePt" dir="t"/>
+    </dgm:scene3d>
+    <dgm:sp3d/>
+    <dgm:txPr/>
+    <dgm:style>
+      <a:lnRef idx="0">
+        <a:scrgbClr r="0" g="0" b="0"/>
+      </a:lnRef>
+      <a:fillRef idx="3">
+        <a:scrgbClr r="0" g="0" b="0"/>
+      </a:fillRef>
+      <a:effectRef idx="2">
+        <a:scrgbClr r="0" g="0" b="0"/>
+      </a:effectRef>
+      <a:fontRef idx="minor">
+        <a:schemeClr val="lt1"/>
+      </a:fontRef>
+    </dgm:style>
+  </dgm:styleLbl>
+  <dgm:styleLbl name="parChTrans2D2">
+    <dgm:scene3d>
+      <a:camera prst="orthographicFront"/>
+      <a:lightRig rig="threePt" dir="t"/>
+    </dgm:scene3d>
+    <dgm:sp3d/>
+    <dgm:txPr/>
+    <dgm:style>
+      <a:lnRef idx="0">
+        <a:scrgbClr r="0" g="0" b="0"/>
+      </a:lnRef>
+      <a:fillRef idx="3">
+        <a:scrgbClr r="0" g="0" b="0"/>
+      </a:fillRef>
+      <a:effectRef idx="2">
+        <a:scrgbClr r="0" g="0" b="0"/>
+      </a:effectRef>
+      <a:fontRef idx="minor">
+        <a:schemeClr val="lt1"/>
+      </a:fontRef>
+    </dgm:style>
+  </dgm:styleLbl>
+  <dgm:styleLbl name="parChTrans2D3">
+    <dgm:scene3d>
+      <a:camera prst="orthographicFront"/>
+      <a:lightRig rig="threePt" dir="t"/>
+    </dgm:scene3d>
+    <dgm:sp3d/>
+    <dgm:txPr/>
+    <dgm:style>
+      <a:lnRef idx="1">
+        <a:scrgbClr r="0" g="0" b="0"/>
+      </a:lnRef>
+      <a:fillRef idx="3">
+        <a:scrgbClr r="0" g="0" b="0"/>
+      </a:fillRef>
+      <a:effectRef idx="2">
+        <a:scrgbClr r="0" g="0" b="0"/>
+      </a:effectRef>
+      <a:fontRef idx="minor">
+        <a:schemeClr val="lt1"/>
+      </a:fontRef>
+    </dgm:style>
+  </dgm:styleLbl>
+  <dgm:styleLbl name="parChTrans2D4">
+    <dgm:scene3d>
+      <a:camera prst="orthographicFront"/>
+      <a:lightRig rig="threePt" dir="t"/>
+    </dgm:scene3d>
+    <dgm:sp3d/>
+    <dgm:txPr/>
+    <dgm:style>
+      <a:lnRef idx="1">
+        <a:scrgbClr r="0" g="0" b="0"/>
+      </a:lnRef>
+      <a:fillRef idx="3">
+        <a:scrgbClr r="0" g="0" b="0"/>
+      </a:fillRef>
+      <a:effectRef idx="2">
+        <a:scrgbClr r="0" g="0" b="0"/>
+      </a:effectRef>
+      <a:fontRef idx="minor">
+        <a:schemeClr val="lt1"/>
+      </a:fontRef>
+    </dgm:style>
+  </dgm:styleLbl>
+  <dgm:styleLbl name="parChTrans1D1">
+    <dgm:scene3d>
+      <a:camera prst="orthographicFront"/>
+      <a:lightRig rig="threePt" dir="t"/>
+    </dgm:scene3d>
+    <dgm:sp3d/>
+    <dgm:txPr/>
+    <dgm:style>
+      <a:lnRef idx="1">
+        <a:scrgbClr r="0" g="0" b="0"/>
+      </a:lnRef>
+      <a:fillRef idx="0">
+        <a:scrgbClr r="0" g="0" b="0"/>
+      </a:fillRef>
+      <a:effectRef idx="0">
+        <a:scrgbClr r="0" g="0" b="0"/>
+      </a:effectRef>
+      <a:fontRef idx="minor"/>
+    </dgm:style>
+  </dgm:styleLbl>
+  <dgm:styleLbl name="parChTrans1D2">
+    <dgm:scene3d>
+      <a:camera prst="orthographicFront"/>
+      <a:lightRig rig="threePt" dir="t"/>
+    </dgm:scene3d>
+    <dgm:sp3d/>
+    <dgm:txPr/>
+    <dgm:style>
+      <a:lnRef idx="1">
+        <a:scrgbClr r="0" g="0" b="0"/>
+      </a:lnRef>
+      <a:fillRef idx="0">
+        <a:scrgbClr r="0" g="0" b="0"/>
+      </a:fillRef>
+      <a:effectRef idx="0">
+        <a:scrgbClr r="0" g="0" b="0"/>
+      </a:effectRef>
+      <a:fontRef idx="minor"/>
+    </dgm:style>
+  </dgm:styleLbl>
+  <dgm:styleLbl name="parChTrans1D3">
+    <dgm:scene3d>
+      <a:camera prst="orthographicFront"/>
+      <a:lightRig rig="threePt" dir="t"/>
+    </dgm:scene3d>
+    <dgm:sp3d/>
+    <dgm:txPr/>
+    <dgm:style>
+      <a:lnRef idx="1">
+        <a:scrgbClr r="0" g="0" b="0"/>
+      </a:lnRef>
+      <a:fillRef idx="0">
+        <a:scrgbClr r="0" g="0" b="0"/>
+      </a:fillRef>
+      <a:effectRef idx="0">
+        <a:scrgbClr r="0" g="0" b="0"/>
+      </a:effectRef>
+      <a:fontRef idx="minor"/>
+    </dgm:style>
+  </dgm:styleLbl>
+  <dgm:styleLbl name="parChTrans1D4">
+    <dgm:scene3d>
+      <a:camera prst="orthographicFront"/>
+      <a:lightRig rig="threePt" dir="t"/>
+    </dgm:scene3d>
+    <dgm:sp3d/>
+    <dgm:txPr/>
+    <dgm:style>
+      <a:lnRef idx="1">
+        <a:scrgbClr r="0" g="0" b="0"/>
+      </a:lnRef>
+      <a:fillRef idx="0">
+        <a:scrgbClr r="0" g="0" b="0"/>
+      </a:fillRef>
+      <a:effectRef idx="0">
+        <a:scrgbClr r="0" g="0" b="0"/>
+      </a:effectRef>
+      <a:fontRef idx="minor"/>
+    </dgm:style>
+  </dgm:styleLbl>
+  <dgm:styleLbl name="fgAcc1">
+    <dgm:scene3d>
+      <a:camera prst="orthographicFront"/>
+      <a:lightRig rig="threePt" dir="t"/>
+    </dgm:scene3d>
+    <dgm:sp3d/>
+    <dgm:txPr/>
+    <dgm:style>
+      <a:lnRef idx="1">
+        <a:scrgbClr r="0" g="0" b="0"/>
+      </a:lnRef>
+      <a:fillRef idx="1">
+        <a:scrgbClr r="0" g="0" b="0"/>
+      </a:fillRef>
+      <a:effectRef idx="0">
+        <a:scrgbClr r="0" g="0" b="0"/>
+      </a:effectRef>
+      <a:fontRef idx="minor"/>
+    </dgm:style>
+  </dgm:styleLbl>
+  <dgm:styleLbl name="conFgAcc1">
+    <dgm:scene3d>
+      <a:camera prst="orthographicFront"/>
+      <a:lightRig rig="threePt" dir="t"/>
+    </dgm:scene3d>
+    <dgm:sp3d/>
+    <dgm:txPr/>
+    <dgm:style>
+      <a:lnRef idx="1">
+        <a:scrgbClr r="0" g="0" b="0"/>
+      </a:lnRef>
+      <a:fillRef idx="1">
+        <a:scrgbClr r="0" g="0" b="0"/>
+      </a:fillRef>
+      <a:effectRef idx="0">
+        <a:scrgbClr r="0" g="0" b="0"/>
+      </a:effectRef>
+      <a:fontRef idx="minor"/>
+    </dgm:style>
+  </dgm:styleLbl>
+  <dgm:styleLbl name="alignAcc1">
+    <dgm:scene3d>
+      <a:camera prst="orthographicFront"/>
+      <a:lightRig rig="threePt" dir="t"/>
+    </dgm:scene3d>
+    <dgm:sp3d/>
+    <dgm:txPr/>
+    <dgm:style>
+      <a:lnRef idx="1">
+        <a:scrgbClr r="0" g="0" b="0"/>
+      </a:lnRef>
+      <a:fillRef idx="1">
+        <a:scrgbClr r="0" g="0" b="0"/>
+      </a:fillRef>
+      <a:effectRef idx="0">
+        <a:scrgbClr r="0" g="0" b="0"/>
+      </a:effectRef>
+      <a:fontRef idx="minor"/>
+    </dgm:style>
+  </dgm:styleLbl>
+  <dgm:styleLbl name="trAlignAcc1">
+    <dgm:scene3d>
+      <a:camera prst="orthographicFront"/>
+      <a:lightRig rig="threePt" dir="t"/>
+    </dgm:scene3d>
+    <dgm:sp3d/>
+    <dgm:txPr/>
+    <dgm:style>
+      <a:lnRef idx="1">
+        <a:scrgbClr r="0" g="0" b="0"/>
+      </a:lnRef>
+      <a:fillRef idx="1">
+        <a:scrgbClr r="0" g="0" b="0"/>
+      </a:fillRef>
+      <a:effectRef idx="0">
+        <a:scrgbClr r="0" g="0" b="0"/>
+      </a:effectRef>
+      <a:fontRef idx="minor"/>
+    </dgm:style>
+  </dgm:styleLbl>
+  <dgm:styleLbl name="bgAcc1">
+    <dgm:scene3d>
+      <a:camera prst="orthographicFront"/>
+      <a:lightRig rig="threePt" dir="t"/>
+    </dgm:scene3d>
+    <dgm:sp3d/>
+    <dgm:txPr/>
+    <dgm:style>
+      <a:lnRef idx="1">
+        <a:scrgbClr r="0" g="0" b="0"/>
+      </a:lnRef>
+      <a:fillRef idx="1">
+        <a:scrgbClr r="0" g="0" b="0"/>
+      </a:fillRef>
+      <a:effectRef idx="0">
+        <a:scrgbClr r="0" g="0" b="0"/>
+      </a:effectRef>
+      <a:fontRef idx="minor"/>
+    </dgm:style>
+  </dgm:styleLbl>
+  <dgm:styleLbl name="solidFgAcc1">
+    <dgm:scene3d>
+      <a:camera prst="orthographicFront"/>
+      <a:lightRig rig="threePt" dir="t"/>
+    </dgm:scene3d>
+    <dgm:sp3d/>
+    <dgm:txPr/>
+    <dgm:style>
+      <a:lnRef idx="1">
+        <a:scrgbClr r="0" g="0" b="0"/>
+      </a:lnRef>
+      <a:fillRef idx="1">
+        <a:scrgbClr r="0" g="0" b="0"/>
+      </a:fillRef>
+      <a:effectRef idx="0">
+        <a:scrgbClr r="0" g="0" b="0"/>
+      </a:effectRef>
+      <a:fontRef idx="minor"/>
+    </dgm:style>
+  </dgm:styleLbl>
+  <dgm:styleLbl name="solidAlignAcc1">
+    <dgm:scene3d>
+      <a:camera prst="orthographicFront"/>
+      <a:lightRig rig="threePt" dir="t"/>
+    </dgm:scene3d>
+    <dgm:sp3d/>
+    <dgm:txPr/>
+    <dgm:style>
+      <a:lnRef idx="1">
+        <a:scrgbClr r="0" g="0" b="0"/>
+      </a:lnRef>
+      <a:fillRef idx="1">
+        <a:scrgbClr r="0" g="0" b="0"/>
+      </a:fillRef>
+      <a:effectRef idx="0">
+        <a:scrgbClr r="0" g="0" b="0"/>
+      </a:effectRef>
+      <a:fontRef idx="minor"/>
+    </dgm:style>
+  </dgm:styleLbl>
+  <dgm:styleLbl name="solidBgAcc1">
+    <dgm:scene3d>
+      <a:camera prst="orthographicFront"/>
+      <a:lightRig rig="threePt" dir="t"/>
+    </dgm:scene3d>
+    <dgm:sp3d/>
+    <dgm:txPr/>
+    <dgm:style>
+      <a:lnRef idx="1">
+        <a:scrgbClr r="0" g="0" b="0"/>
+      </a:lnRef>
+      <a:fillRef idx="1">
+        <a:scrgbClr r="0" g="0" b="0"/>
+      </a:fillRef>
+      <a:effectRef idx="0">
+        <a:scrgbClr r="0" g="0" b="0"/>
+      </a:effectRef>
+      <a:fontRef idx="minor"/>
+    </dgm:style>
+  </dgm:styleLbl>
+  <dgm:styleLbl name="fgAccFollowNode1">
+    <dgm:scene3d>
+      <a:camera prst="orthographicFront"/>
+      <a:lightRig rig="threePt" dir="t"/>
+    </dgm:scene3d>
+    <dgm:sp3d/>
+    <dgm:txPr/>
+    <dgm:style>
+      <a:lnRef idx="1">
+        <a:scrgbClr r="0" g="0" b="0"/>
+      </a:lnRef>
+      <a:fillRef idx="1">
+        <a:scrgbClr r="0" g="0" b="0"/>
+      </a:fillRef>
+      <a:effectRef idx="0">
+        <a:scrgbClr r="0" g="0" b="0"/>
+      </a:effectRef>
+      <a:fontRef idx="minor"/>
+    </dgm:style>
+  </dgm:styleLbl>
+  <dgm:styleLbl name="alignAccFollowNode1">
+    <dgm:scene3d>
+      <a:camera prst="orthographicFront"/>
+      <a:lightRig rig="threePt" dir="t"/>
+    </dgm:scene3d>
+    <dgm:sp3d/>
+    <dgm:txPr/>
+    <dgm:style>
+      <a:lnRef idx="1">
+        <a:scrgbClr r="0" g="0" b="0"/>
+      </a:lnRef>
+      <a:fillRef idx="1">
+        <a:scrgbClr r="0" g="0" b="0"/>
+      </a:fillRef>
+      <a:effectRef idx="0">
+        <a:scrgbClr r="0" g="0" b="0"/>
+      </a:effectRef>
+      <a:fontRef idx="minor"/>
+    </dgm:style>
+  </dgm:styleLbl>
+  <dgm:styleLbl name="bgAccFollowNode1">
+    <dgm:scene3d>
+      <a:camera prst="orthographicFront"/>
+      <a:lightRig rig="threePt" dir="t"/>
+    </dgm:scene3d>
+    <dgm:sp3d/>
+    <dgm:txPr/>
+    <dgm:style>
+      <a:lnRef idx="1">
+        <a:scrgbClr r="0" g="0" b="0"/>
+      </a:lnRef>
+      <a:fillRef idx="1">
+        <a:scrgbClr r="0" g="0" b="0"/>
+      </a:fillRef>
+      <a:effectRef idx="0">
+        <a:scrgbClr r="0" g="0" b="0"/>
+      </a:effectRef>
+      <a:fontRef idx="minor"/>
+    </dgm:style>
+  </dgm:styleLbl>
+  <dgm:styleLbl name="fgAcc0">
+    <dgm:scene3d>
+      <a:camera prst="orthographicFront"/>
+      <a:lightRig rig="threePt" dir="t"/>
+    </dgm:scene3d>
+    <dgm:sp3d/>
+    <dgm:txPr/>
+    <dgm:style>
+      <a:lnRef idx="1">
+        <a:scrgbClr r="0" g="0" b="0"/>
+      </a:lnRef>
+      <a:fillRef idx="1">
+        <a:scrgbClr r="0" g="0" b="0"/>
+      </a:fillRef>
+      <a:effectRef idx="0">
+        <a:scrgbClr r="0" g="0" b="0"/>
+      </a:effectRef>
+      <a:fontRef idx="minor"/>
+    </dgm:style>
+  </dgm:styleLbl>
+  <dgm:styleLbl name="fgAcc2">
+    <dgm:scene3d>
+      <a:camera prst="orthographicFront"/>
+      <a:lightRig rig="threePt" dir="t"/>
+    </dgm:scene3d>
+    <dgm:sp3d/>
+    <dgm:txPr/>
+    <dgm:style>
+      <a:lnRef idx="1">
+        <a:scrgbClr r="0" g="0" b="0"/>
+      </a:lnRef>
+      <a:fillRef idx="1">
+        <a:scrgbClr r="0" g="0" b="0"/>
+      </a:fillRef>
+      <a:effectRef idx="0">
+        <a:scrgbClr r="0" g="0" b="0"/>
+      </a:effectRef>
+      <a:fontRef idx="minor"/>
+    </dgm:style>
+  </dgm:styleLbl>
+  <dgm:styleLbl name="fgAcc3">
+    <dgm:scene3d>
+      <a:camera prst="orthographicFront"/>
+      <a:lightRig rig="threePt" dir="t"/>
+    </dgm:scene3d>
+    <dgm:sp3d/>
+    <dgm:txPr/>
+    <dgm:style>
+      <a:lnRef idx="1">
+        <a:scrgbClr r="0" g="0" b="0"/>
+      </a:lnRef>
+      <a:fillRef idx="1">
+        <a:scrgbClr r="0" g="0" b="0"/>
+      </a:fillRef>
+      <a:effectRef idx="0">
+        <a:scrgbClr r="0" g="0" b="0"/>
+      </a:effectRef>
+      <a:fontRef idx="minor"/>
+    </dgm:style>
+  </dgm:styleLbl>
+  <dgm:styleLbl name="fgAcc4">
+    <dgm:scene3d>
+      <a:camera prst="orthographicFront"/>
+      <a:lightRig rig="threePt" dir="t"/>
+    </dgm:scene3d>
+    <dgm:sp3d/>
+    <dgm:txPr/>
+    <dgm:style>
+      <a:lnRef idx="1">
+        <a:scrgbClr r="0" g="0" b="0"/>
+      </a:lnRef>
+      <a:fillRef idx="1">
+        <a:scrgbClr r="0" g="0" b="0"/>
+      </a:fillRef>
+      <a:effectRef idx="0">
+        <a:scrgbClr r="0" g="0" b="0"/>
+      </a:effectRef>
+      <a:fontRef idx="minor"/>
+    </dgm:style>
+  </dgm:styleLbl>
+  <dgm:styleLbl name="bgShp">
+    <dgm:scene3d>
+      <a:camera prst="orthographicFront"/>
+      <a:lightRig rig="threePt" dir="t"/>
+    </dgm:scene3d>
+    <dgm:sp3d/>
+    <dgm:txPr/>
+    <dgm:style>
+      <a:lnRef idx="0">
+        <a:scrgbClr r="0" g="0" b="0"/>
+      </a:lnRef>
+      <a:fillRef idx="1">
+        <a:scrgbClr r="0" g="0" b="0"/>
+      </a:fillRef>
+      <a:effectRef idx="2">
+        <a:scrgbClr r="0" g="0" b="0"/>
+      </a:effectRef>
+      <a:fontRef idx="minor"/>
+    </dgm:style>
+  </dgm:styleLbl>
+  <dgm:styleLbl name="dkBgShp">
+    <dgm:scene3d>
+      <a:camera prst="orthographicFront"/>
+      <a:lightRig rig="threePt" dir="t"/>
+    </dgm:scene3d>
+    <dgm:sp3d/>
+    <dgm:txPr/>
+    <dgm:style>
+      <a:lnRef idx="0">
+        <a:scrgbClr r="0" g="0" b="0"/>
+      </a:lnRef>
+      <a:fillRef idx="1">
+        <a:scrgbClr r="0" g="0" b="0"/>
+      </a:fillRef>
+      <a:effectRef idx="2">
+        <a:scrgbClr r="0" g="0" b="0"/>
+      </a:effectRef>
+      <a:fontRef idx="minor"/>
+    </dgm:style>
+  </dgm:styleLbl>
+  <dgm:styleLbl name="trBgShp">
+    <dgm:scene3d>
+      <a:camera prst="orthographicFront"/>
+      <a:lightRig rig="threePt" dir="t"/>
+    </dgm:scene3d>
+    <dgm:sp3d/>
+    <dgm:txPr/>
+    <dgm:style>
+      <a:lnRef idx="0">
+        <a:scrgbClr r="0" g="0" b="0"/>
+      </a:lnRef>
+      <a:fillRef idx="1">
+        <a:scrgbClr r="0" g="0" b="0"/>
+      </a:fillRef>
+      <a:effectRef idx="0">
+        <a:scrgbClr r="0" g="0" b="0"/>
+      </a:effectRef>
+      <a:fontRef idx="minor"/>
+    </dgm:style>
+  </dgm:styleLbl>
+  <dgm:styleLbl name="fgShp">
+    <dgm:scene3d>
+      <a:camera prst="orthographicFront"/>
+      <a:lightRig rig="threePt" dir="t"/>
+    </dgm:scene3d>
+    <dgm:sp3d/>
+    <dgm:txPr/>
+    <dgm:style>
+      <a:lnRef idx="0">
+        <a:scrgbClr r="0" g="0" b="0"/>
+      </a:lnRef>
+      <a:fillRef idx="3">
+        <a:scrgbClr r="0" g="0" b="0"/>
+      </a:fillRef>
+      <a:effectRef idx="2">
         <a:scrgbClr r="0" g="0" b="0"/>
       </a:effectRef>
       <a:fontRef idx="minor"/>
@@ -9851,7 +13232,7 @@
           <a:p>
             <a:fld id="{E39FC0D9-EB00-E540-91C2-7FDFFE8279B6}" type="datetimeFigureOut">
               <a:rPr lang="en-US" smtClean="0"/>
-              <a:t>1/6/22</a:t>
+              <a:t>1/25/22</a:t>
             </a:fld>
             <a:endParaRPr lang="en-US"/>
           </a:p>
@@ -10162,6 +13543,188 @@
           <a:bodyPr/>
           <a:lstStyle/>
           <a:p>
+            <a:endParaRPr lang="en-US" dirty="0"/>
+          </a:p>
+        </p:txBody>
+      </p:sp>
+      <p:sp>
+        <p:nvSpPr>
+          <p:cNvPr id="4" name="Slide Number Placeholder 3"/>
+          <p:cNvSpPr>
+            <a:spLocks noGrp="1"/>
+          </p:cNvSpPr>
+          <p:nvPr>
+            <p:ph type="sldNum" sz="quarter" idx="5"/>
+          </p:nvPr>
+        </p:nvSpPr>
+        <p:spPr/>
+        <p:txBody>
+          <a:bodyPr/>
+          <a:lstStyle/>
+          <a:p>
+            <a:fld id="{E2F67285-D42E-EC4C-9B92-975EC0713C1B}" type="slidenum">
+              <a:rPr lang="en-US" smtClean="0"/>
+              <a:t>1</a:t>
+            </a:fld>
+            <a:endParaRPr lang="en-US"/>
+          </a:p>
+        </p:txBody>
+      </p:sp>
+    </p:spTree>
+    <p:extLst>
+      <p:ext uri="{BB962C8B-B14F-4D97-AF65-F5344CB8AC3E}">
+        <p14:creationId xmlns:p14="http://schemas.microsoft.com/office/powerpoint/2010/main" val="2434109120"/>
+      </p:ext>
+    </p:extLst>
+  </p:cSld>
+  <p:clrMapOvr>
+    <a:masterClrMapping/>
+  </p:clrMapOvr>
+</p:notes>
+</file>
+
+<file path=ppt/notesSlides/notesSlide2.xml><?xml version="1.0" encoding="utf-8"?>
+<p:notes xmlns:a="http://schemas.openxmlformats.org/drawingml/2006/main" xmlns:r="http://schemas.openxmlformats.org/officeDocument/2006/relationships" xmlns:p="http://schemas.openxmlformats.org/presentationml/2006/main">
+  <p:cSld>
+    <p:spTree>
+      <p:nvGrpSpPr>
+        <p:cNvPr id="1" name=""/>
+        <p:cNvGrpSpPr/>
+        <p:nvPr/>
+      </p:nvGrpSpPr>
+      <p:grpSpPr>
+        <a:xfrm>
+          <a:off x="0" y="0"/>
+          <a:ext cx="0" cy="0"/>
+          <a:chOff x="0" y="0"/>
+          <a:chExt cx="0" cy="0"/>
+        </a:xfrm>
+      </p:grpSpPr>
+      <p:sp>
+        <p:nvSpPr>
+          <p:cNvPr id="2" name="Slide Image Placeholder 1"/>
+          <p:cNvSpPr>
+            <a:spLocks noGrp="1" noRot="1" noChangeAspect="1"/>
+          </p:cNvSpPr>
+          <p:nvPr>
+            <p:ph type="sldImg"/>
+          </p:nvPr>
+        </p:nvSpPr>
+        <p:spPr/>
+      </p:sp>
+      <p:sp>
+        <p:nvSpPr>
+          <p:cNvPr id="3" name="Notes Placeholder 2"/>
+          <p:cNvSpPr>
+            <a:spLocks noGrp="1"/>
+          </p:cNvSpPr>
+          <p:nvPr>
+            <p:ph type="body" idx="1"/>
+          </p:nvPr>
+        </p:nvSpPr>
+        <p:spPr/>
+        <p:txBody>
+          <a:bodyPr/>
+          <a:lstStyle/>
+          <a:p>
+            <a:endParaRPr lang="en-US" dirty="0"/>
+          </a:p>
+        </p:txBody>
+      </p:sp>
+      <p:sp>
+        <p:nvSpPr>
+          <p:cNvPr id="4" name="Slide Number Placeholder 3"/>
+          <p:cNvSpPr>
+            <a:spLocks noGrp="1"/>
+          </p:cNvSpPr>
+          <p:nvPr>
+            <p:ph type="sldNum" sz="quarter" idx="5"/>
+          </p:nvPr>
+        </p:nvSpPr>
+        <p:spPr/>
+        <p:txBody>
+          <a:bodyPr/>
+          <a:lstStyle/>
+          <a:p>
+            <a:fld id="{E2F67285-D42E-EC4C-9B92-975EC0713C1B}" type="slidenum">
+              <a:rPr lang="en-US" smtClean="0"/>
+              <a:t>2</a:t>
+            </a:fld>
+            <a:endParaRPr lang="en-US"/>
+          </a:p>
+        </p:txBody>
+      </p:sp>
+    </p:spTree>
+    <p:extLst>
+      <p:ext uri="{BB962C8B-B14F-4D97-AF65-F5344CB8AC3E}">
+        <p14:creationId xmlns:p14="http://schemas.microsoft.com/office/powerpoint/2010/main" val="3085907680"/>
+      </p:ext>
+    </p:extLst>
+  </p:cSld>
+  <p:clrMapOvr>
+    <a:masterClrMapping/>
+  </p:clrMapOvr>
+</p:notes>
+</file>
+
+<file path=ppt/notesSlides/notesSlide3.xml><?xml version="1.0" encoding="utf-8"?>
+<p:notes xmlns:a="http://schemas.openxmlformats.org/drawingml/2006/main" xmlns:r="http://schemas.openxmlformats.org/officeDocument/2006/relationships" xmlns:p="http://schemas.openxmlformats.org/presentationml/2006/main">
+  <p:cSld>
+    <p:spTree>
+      <p:nvGrpSpPr>
+        <p:cNvPr id="1" name=""/>
+        <p:cNvGrpSpPr/>
+        <p:nvPr/>
+      </p:nvGrpSpPr>
+      <p:grpSpPr>
+        <a:xfrm>
+          <a:off x="0" y="0"/>
+          <a:ext cx="0" cy="0"/>
+          <a:chOff x="0" y="0"/>
+          <a:chExt cx="0" cy="0"/>
+        </a:xfrm>
+      </p:grpSpPr>
+      <p:sp>
+        <p:nvSpPr>
+          <p:cNvPr id="2" name="Slide Image Placeholder 1"/>
+          <p:cNvSpPr>
+            <a:spLocks noGrp="1" noRot="1" noChangeAspect="1"/>
+          </p:cNvSpPr>
+          <p:nvPr>
+            <p:ph type="sldImg"/>
+          </p:nvPr>
+        </p:nvSpPr>
+        <p:spPr/>
+      </p:sp>
+      <p:sp>
+        <p:nvSpPr>
+          <p:cNvPr id="3" name="Notes Placeholder 2"/>
+          <p:cNvSpPr>
+            <a:spLocks noGrp="1"/>
+          </p:cNvSpPr>
+          <p:nvPr>
+            <p:ph type="body" idx="1"/>
+          </p:nvPr>
+        </p:nvSpPr>
+        <p:spPr/>
+        <p:txBody>
+          <a:bodyPr/>
+          <a:lstStyle/>
+          <a:p>
+            <a:r>
+              <a:rPr lang="en-US" sz="1200" b="0" i="0" kern="1200" dirty="0">
+                <a:solidFill>
+                  <a:schemeClr val="tx1"/>
+                </a:solidFill>
+                <a:effectLst/>
+                <a:latin typeface="+mn-lt"/>
+                <a:ea typeface="+mn-ea"/>
+                <a:cs typeface="+mn-cs"/>
+              </a:rPr>
+              <a:t>SQL AGGREGATION</a:t>
+            </a:r>
+          </a:p>
+          <a:p>
             <a:r>
               <a:rPr lang="en-US" sz="1200" b="0" i="0" kern="1200" dirty="0">
                 <a:solidFill>
@@ -10210,7 +13773,7 @@
                 <a:ea typeface="+mn-ea"/>
                 <a:cs typeface="+mn-cs"/>
               </a:rPr>
-              <a:t>Authors: Manish Vyas and Greg </a:t>
+              <a:t>Data Engineering Authors: Manish Vyas and Greg </a:t>
             </a:r>
             <a:r>
               <a:rPr lang="en-US" sz="1200" b="0" i="0" kern="1200" dirty="0" err="1">
@@ -10249,6 +13812,48 @@
                 <a:cs typeface="+mn-cs"/>
               </a:rPr>
             </a:br>
+            <a:r>
+              <a:rPr lang="en-US" sz="1200" b="0" i="0" kern="1200" dirty="0">
+                <a:solidFill>
+                  <a:schemeClr val="tx1"/>
+                </a:solidFill>
+                <a:effectLst/>
+                <a:latin typeface="+mn-lt"/>
+                <a:ea typeface="+mn-ea"/>
+                <a:cs typeface="+mn-cs"/>
+              </a:rPr>
+              <a:t>CROSSOVER TITLES</a:t>
+            </a:r>
+          </a:p>
+          <a:p>
+            <a:r>
+              <a:rPr lang="en-US" sz="1200" b="0" i="0" kern="1200" dirty="0">
+                <a:solidFill>
+                  <a:schemeClr val="tx1"/>
+                </a:solidFill>
+                <a:effectLst/>
+                <a:latin typeface="+mn-lt"/>
+                <a:ea typeface="+mn-ea"/>
+                <a:cs typeface="+mn-cs"/>
+              </a:rPr>
+              <a:t>Is attempting to show: “People who watched Title X are most likely to also watch Titles Y and least likely to watch Titles Z”</a:t>
+            </a:r>
+          </a:p>
+          <a:p>
+            <a:r>
+              <a:rPr lang="en-US" sz="1200" b="0" i="0" kern="1200" dirty="0">
+                <a:solidFill>
+                  <a:schemeClr val="tx1"/>
+                </a:solidFill>
+                <a:effectLst/>
+                <a:latin typeface="+mn-lt"/>
+                <a:ea typeface="+mn-ea"/>
+                <a:cs typeface="+mn-cs"/>
+              </a:rPr>
+              <a:t>Information feeds onto dashboard.</a:t>
+            </a:r>
+          </a:p>
+          <a:p>
             <a:endParaRPr lang="en-US" sz="1200" b="0" i="0" kern="1200" dirty="0">
               <a:solidFill>
                 <a:schemeClr val="tx1"/>
@@ -10258,6 +13863,20 @@
               <a:ea typeface="+mn-ea"/>
               <a:cs typeface="+mn-cs"/>
             </a:endParaRPr>
+          </a:p>
+          <a:p>
+            <a:r>
+              <a:rPr lang="en-US" sz="1200" b="0" i="0" kern="1200" dirty="0">
+                <a:solidFill>
+                  <a:schemeClr val="tx1"/>
+                </a:solidFill>
+                <a:effectLst/>
+                <a:latin typeface="+mn-lt"/>
+                <a:ea typeface="+mn-ea"/>
+                <a:cs typeface="+mn-cs"/>
+              </a:rPr>
+              <a:t>This becomes an N*N calculation for each title being looked at.</a:t>
+            </a:r>
           </a:p>
           <a:p>
             <a:endParaRPr lang="en-US" dirty="0"/>
@@ -10300,7 +13919,7 @@
 </p:notes>
 </file>
 
-<file path=ppt/notesSlides/notesSlide2.xml><?xml version="1.0" encoding="utf-8"?>
+<file path=ppt/notesSlides/notesSlide4.xml><?xml version="1.0" encoding="utf-8"?>
 <p:notes xmlns:a="http://schemas.openxmlformats.org/drawingml/2006/main" xmlns:r="http://schemas.openxmlformats.org/officeDocument/2006/relationships" xmlns:p="http://schemas.openxmlformats.org/presentationml/2006/main">
   <p:cSld>
     <p:spTree>
@@ -10370,6 +13989,15 @@
           <a:p>
             <a:endParaRPr lang="en-US" dirty="0"/>
           </a:p>
+          <a:p>
+            <a:endParaRPr lang="en-US" dirty="0"/>
+          </a:p>
+          <a:p>
+            <a:r>
+              <a:rPr lang="en-US" dirty="0"/>
+              <a:t>The original crossover titles calculation uses a fair bit of compute for </a:t>
+            </a:r>
+          </a:p>
         </p:txBody>
       </p:sp>
       <p:sp>
@@ -10389,7 +14017,7 @@
           <a:p>
             <a:fld id="{E2F67285-D42E-EC4C-9B92-975EC0713C1B}" type="slidenum">
               <a:rPr lang="en-US" smtClean="0"/>
-              <a:t>4</a:t>
+              <a:t>5</a:t>
             </a:fld>
             <a:endParaRPr lang="en-US"/>
           </a:p>
@@ -10408,7 +14036,7 @@
 </p:notes>
 </file>
 
-<file path=ppt/notesSlides/notesSlide3.xml><?xml version="1.0" encoding="utf-8"?>
+<file path=ppt/notesSlides/notesSlide5.xml><?xml version="1.0" encoding="utf-8"?>
 <p:notes xmlns:a="http://schemas.openxmlformats.org/drawingml/2006/main" xmlns:r="http://schemas.openxmlformats.org/officeDocument/2006/relationships" xmlns:p="http://schemas.openxmlformats.org/presentationml/2006/main">
   <p:cSld>
     <p:spTree>
@@ -10451,6 +14079,18 @@
         <p:txBody>
           <a:bodyPr/>
           <a:lstStyle/>
+          <a:p>
+            <a:r>
+              <a:rPr lang="en-US" dirty="0"/>
+              <a:t>We took 62k little queries and batched them into 88 bigger queries</a:t>
+            </a:r>
+          </a:p>
+          <a:p>
+            <a:endParaRPr lang="en-US" dirty="0"/>
+          </a:p>
+          <a:p>
+            <a:endParaRPr lang="en-US" dirty="0"/>
+          </a:p>
           <a:p>
             <a:r>
               <a:rPr lang="en-US" dirty="0"/>
@@ -10573,7 +14213,7 @@
           <a:p>
             <a:fld id="{E2F67285-D42E-EC4C-9B92-975EC0713C1B}" type="slidenum">
               <a:rPr lang="en-US" smtClean="0"/>
-              <a:t>5</a:t>
+              <a:t>6</a:t>
             </a:fld>
             <a:endParaRPr lang="en-US"/>
           </a:p>
@@ -10592,7 +14232,7 @@
 </p:notes>
 </file>
 
-<file path=ppt/notesSlides/notesSlide4.xml><?xml version="1.0" encoding="utf-8"?>
+<file path=ppt/notesSlides/notesSlide6.xml><?xml version="1.0" encoding="utf-8"?>
 <p:notes xmlns:a="http://schemas.openxmlformats.org/drawingml/2006/main" xmlns:r="http://schemas.openxmlformats.org/officeDocument/2006/relationships" xmlns:p="http://schemas.openxmlformats.org/presentationml/2006/main">
   <p:cSld>
     <p:spTree>
@@ -10636,7 +14276,19 @@
           <a:bodyPr/>
           <a:lstStyle/>
           <a:p>
+            <a:r>
+              <a:rPr lang="en-US" dirty="0"/>
+              <a:t>Overall the query is about 30X faster and cost is about 20X lower.</a:t>
+            </a:r>
+          </a:p>
+          <a:p>
             <a:endParaRPr lang="en-US" dirty="0"/>
+          </a:p>
+          <a:p>
+            <a:r>
+              <a:rPr lang="en-US" dirty="0"/>
+              <a:t>Cost 1 SF credit = $1.68</a:t>
+            </a:r>
           </a:p>
         </p:txBody>
       </p:sp>
@@ -10666,7 +14318,268 @@
     </p:spTree>
     <p:extLst>
       <p:ext uri="{BB962C8B-B14F-4D97-AF65-F5344CB8AC3E}">
+        <p14:creationId xmlns:p14="http://schemas.microsoft.com/office/powerpoint/2010/main" val="578220193"/>
+      </p:ext>
+    </p:extLst>
+  </p:cSld>
+  <p:clrMapOvr>
+    <a:masterClrMapping/>
+  </p:clrMapOvr>
+</p:notes>
+</file>
+
+<file path=ppt/notesSlides/notesSlide7.xml><?xml version="1.0" encoding="utf-8"?>
+<p:notes xmlns:a="http://schemas.openxmlformats.org/drawingml/2006/main" xmlns:r="http://schemas.openxmlformats.org/officeDocument/2006/relationships" xmlns:p="http://schemas.openxmlformats.org/presentationml/2006/main">
+  <p:cSld>
+    <p:spTree>
+      <p:nvGrpSpPr>
+        <p:cNvPr id="1" name=""/>
+        <p:cNvGrpSpPr/>
+        <p:nvPr/>
+      </p:nvGrpSpPr>
+      <p:grpSpPr>
+        <a:xfrm>
+          <a:off x="0" y="0"/>
+          <a:ext cx="0" cy="0"/>
+          <a:chOff x="0" y="0"/>
+          <a:chExt cx="0" cy="0"/>
+        </a:xfrm>
+      </p:grpSpPr>
+      <p:sp>
+        <p:nvSpPr>
+          <p:cNvPr id="2" name="Slide Image Placeholder 1"/>
+          <p:cNvSpPr>
+            <a:spLocks noGrp="1" noRot="1" noChangeAspect="1"/>
+          </p:cNvSpPr>
+          <p:nvPr>
+            <p:ph type="sldImg"/>
+          </p:nvPr>
+        </p:nvSpPr>
+        <p:spPr/>
+      </p:sp>
+      <p:sp>
+        <p:nvSpPr>
+          <p:cNvPr id="3" name="Notes Placeholder 2"/>
+          <p:cNvSpPr>
+            <a:spLocks noGrp="1"/>
+          </p:cNvSpPr>
+          <p:nvPr>
+            <p:ph type="body" idx="1"/>
+          </p:nvPr>
+        </p:nvSpPr>
+        <p:spPr/>
+        <p:txBody>
+          <a:bodyPr/>
+          <a:lstStyle/>
+          <a:p>
+            <a:pPr lvl="0"/>
+            <a:r>
+              <a:rPr lang="en-US" dirty="0"/>
+              <a:t>* When identifying expensive queries, need to account for </a:t>
+            </a:r>
+            <a:r>
+              <a:rPr lang="en-US" dirty="0" err="1"/>
+              <a:t>sql</a:t>
+            </a:r>
+            <a:r>
+              <a:rPr lang="en-US" dirty="0"/>
+              <a:t> parameters and group queries appropriately.</a:t>
+            </a:r>
+          </a:p>
+          <a:p>
+            <a:pPr lvl="0"/>
+            <a:r>
+              <a:rPr lang="en-US" dirty="0"/>
+              <a:t>* Process efficiency is just as important a query efficiency. (need big picture)</a:t>
+            </a:r>
+          </a:p>
+          <a:p>
+            <a:pPr lvl="0"/>
+            <a:r>
+              <a:rPr lang="en-US" dirty="0"/>
+              <a:t>* You need to understand entire process/pipeline context to know how/where to best improve efficiency.</a:t>
+            </a:r>
+          </a:p>
+          <a:p>
+            <a:pPr marL="171450" lvl="0" indent="-171450">
+              <a:buFont typeface="Arial" panose="020B0604020202020204" pitchFamily="34" charset="0"/>
+              <a:buChar char="•"/>
+            </a:pPr>
+            <a:r>
+              <a:rPr lang="en-US" dirty="0"/>
+              <a:t>Add </a:t>
+            </a:r>
+            <a:r>
+              <a:rPr lang="en-US" dirty="0" err="1"/>
+              <a:t>query_tag</a:t>
+            </a:r>
+            <a:r>
+              <a:rPr lang="en-US" dirty="0"/>
+              <a:t> to your connection string to be able to track, aggregate, and analyze the queries in your process.</a:t>
+            </a:r>
+          </a:p>
+          <a:p>
+            <a:pPr marL="171450" lvl="0" indent="-171450">
+              <a:buFont typeface="Arial" panose="020B0604020202020204" pitchFamily="34" charset="0"/>
+              <a:buChar char="•"/>
+            </a:pPr>
+            <a:endParaRPr lang="en-US" dirty="0"/>
+          </a:p>
+          <a:p>
+            <a:pPr marL="171450" lvl="0" indent="-171450">
+              <a:buFont typeface="Arial" panose="020B0604020202020204" pitchFamily="34" charset="0"/>
+              <a:buChar char="•"/>
+            </a:pPr>
+            <a:endParaRPr lang="en-US" dirty="0"/>
+          </a:p>
+          <a:p>
+            <a:pPr lvl="0">
+              <a:lnSpc>
+                <a:spcPct val="100000"/>
+              </a:lnSpc>
+            </a:pPr>
+            <a:r>
+              <a:rPr lang="en-US" dirty="0"/>
+              <a:t>When identifying big queries, need to look for:</a:t>
+            </a:r>
+          </a:p>
+          <a:p>
+            <a:pPr lvl="1"/>
+            <a:r>
+              <a:rPr lang="en-US" dirty="0"/>
+              <a:t>shards - small queries run often</a:t>
+            </a:r>
+          </a:p>
+          <a:p>
+            <a:pPr lvl="1"/>
+            <a:r>
+              <a:rPr lang="en-US" dirty="0"/>
+              <a:t>monoliths - big queries run occasionally</a:t>
+            </a:r>
+          </a:p>
+          <a:p>
+            <a:pPr marL="171450" lvl="0" indent="-171450">
+              <a:buFont typeface="Arial" panose="020B0604020202020204" pitchFamily="34" charset="0"/>
+              <a:buChar char="•"/>
+            </a:pPr>
+            <a:endParaRPr lang="en-US" dirty="0"/>
+          </a:p>
+          <a:p>
+            <a:endParaRPr lang="en-US" dirty="0"/>
+          </a:p>
+        </p:txBody>
+      </p:sp>
+      <p:sp>
+        <p:nvSpPr>
+          <p:cNvPr id="4" name="Slide Number Placeholder 3"/>
+          <p:cNvSpPr>
+            <a:spLocks noGrp="1"/>
+          </p:cNvSpPr>
+          <p:nvPr>
+            <p:ph type="sldNum" sz="quarter" idx="5"/>
+          </p:nvPr>
+        </p:nvSpPr>
+        <p:spPr/>
+        <p:txBody>
+          <a:bodyPr/>
+          <a:lstStyle/>
+          <a:p>
+            <a:fld id="{E2F67285-D42E-EC4C-9B92-975EC0713C1B}" type="slidenum">
+              <a:rPr lang="en-US" smtClean="0"/>
+              <a:t>8</a:t>
+            </a:fld>
+            <a:endParaRPr lang="en-US"/>
+          </a:p>
+        </p:txBody>
+      </p:sp>
+    </p:spTree>
+    <p:extLst>
+      <p:ext uri="{BB962C8B-B14F-4D97-AF65-F5344CB8AC3E}">
         <p14:creationId xmlns:p14="http://schemas.microsoft.com/office/powerpoint/2010/main" val="3682369810"/>
+      </p:ext>
+    </p:extLst>
+  </p:cSld>
+  <p:clrMapOvr>
+    <a:masterClrMapping/>
+  </p:clrMapOvr>
+</p:notes>
+</file>
+
+<file path=ppt/notesSlides/notesSlide8.xml><?xml version="1.0" encoding="utf-8"?>
+<p:notes xmlns:a="http://schemas.openxmlformats.org/drawingml/2006/main" xmlns:r="http://schemas.openxmlformats.org/officeDocument/2006/relationships" xmlns:p="http://schemas.openxmlformats.org/presentationml/2006/main">
+  <p:cSld>
+    <p:spTree>
+      <p:nvGrpSpPr>
+        <p:cNvPr id="1" name=""/>
+        <p:cNvGrpSpPr/>
+        <p:nvPr/>
+      </p:nvGrpSpPr>
+      <p:grpSpPr>
+        <a:xfrm>
+          <a:off x="0" y="0"/>
+          <a:ext cx="0" cy="0"/>
+          <a:chOff x="0" y="0"/>
+          <a:chExt cx="0" cy="0"/>
+        </a:xfrm>
+      </p:grpSpPr>
+      <p:sp>
+        <p:nvSpPr>
+          <p:cNvPr id="2" name="Slide Image Placeholder 1"/>
+          <p:cNvSpPr>
+            <a:spLocks noGrp="1" noRot="1" noChangeAspect="1"/>
+          </p:cNvSpPr>
+          <p:nvPr>
+            <p:ph type="sldImg"/>
+          </p:nvPr>
+        </p:nvSpPr>
+        <p:spPr/>
+      </p:sp>
+      <p:sp>
+        <p:nvSpPr>
+          <p:cNvPr id="3" name="Notes Placeholder 2"/>
+          <p:cNvSpPr>
+            <a:spLocks noGrp="1"/>
+          </p:cNvSpPr>
+          <p:nvPr>
+            <p:ph type="body" idx="1"/>
+          </p:nvPr>
+        </p:nvSpPr>
+        <p:spPr/>
+        <p:txBody>
+          <a:bodyPr/>
+          <a:lstStyle/>
+          <a:p>
+            <a:endParaRPr lang="en-US"/>
+          </a:p>
+        </p:txBody>
+      </p:sp>
+      <p:sp>
+        <p:nvSpPr>
+          <p:cNvPr id="4" name="Slide Number Placeholder 3"/>
+          <p:cNvSpPr>
+            <a:spLocks noGrp="1"/>
+          </p:cNvSpPr>
+          <p:nvPr>
+            <p:ph type="sldNum" sz="quarter" idx="5"/>
+          </p:nvPr>
+        </p:nvSpPr>
+        <p:spPr/>
+        <p:txBody>
+          <a:bodyPr/>
+          <a:lstStyle/>
+          <a:p>
+            <a:fld id="{E2F67285-D42E-EC4C-9B92-975EC0713C1B}" type="slidenum">
+              <a:rPr lang="en-US" smtClean="0"/>
+              <a:t>10</a:t>
+            </a:fld>
+            <a:endParaRPr lang="en-US"/>
+          </a:p>
+        </p:txBody>
+      </p:sp>
+    </p:spTree>
+    <p:extLst>
+      <p:ext uri="{BB962C8B-B14F-4D97-AF65-F5344CB8AC3E}">
+        <p14:creationId xmlns:p14="http://schemas.microsoft.com/office/powerpoint/2010/main" val="469170143"/>
       </p:ext>
     </p:extLst>
   </p:cSld>
@@ -14952,7 +18865,7 @@
           <a:p>
             <a:fld id="{48A87A34-81AB-432B-8DAE-1953F412C126}" type="datetimeFigureOut">
               <a:rPr lang="en-US" dirty="0"/>
-              <a:t>1/6/22</a:t>
+              <a:t>1/25/22</a:t>
             </a:fld>
             <a:endParaRPr lang="en-US" dirty="0"/>
           </a:p>
@@ -15214,7 +19127,7 @@
           <a:p>
             <a:fld id="{48A87A34-81AB-432B-8DAE-1953F412C126}" type="datetimeFigureOut">
               <a:rPr lang="en-US" dirty="0"/>
-              <a:t>1/6/22</a:t>
+              <a:t>1/25/22</a:t>
             </a:fld>
             <a:endParaRPr lang="en-US" dirty="0"/>
           </a:p>
@@ -15405,7 +19318,7 @@
           <a:p>
             <a:fld id="{48A87A34-81AB-432B-8DAE-1953F412C126}" type="datetimeFigureOut">
               <a:rPr lang="en-US" dirty="0"/>
-              <a:t>1/6/22</a:t>
+              <a:t>1/25/22</a:t>
             </a:fld>
             <a:endParaRPr lang="en-US" dirty="0"/>
           </a:p>
@@ -15663,7 +19576,7 @@
           <a:p>
             <a:fld id="{48A87A34-81AB-432B-8DAE-1953F412C126}" type="datetimeFigureOut">
               <a:rPr lang="en-US" dirty="0"/>
-              <a:t>1/6/22</a:t>
+              <a:t>1/25/22</a:t>
             </a:fld>
             <a:endParaRPr lang="en-US" dirty="0"/>
           </a:p>
@@ -16092,7 +20005,7 @@
           <a:p>
             <a:fld id="{48A87A34-81AB-432B-8DAE-1953F412C126}" type="datetimeFigureOut">
               <a:rPr lang="en-US" dirty="0"/>
-              <a:t>1/6/22</a:t>
+              <a:t>1/25/22</a:t>
             </a:fld>
             <a:endParaRPr lang="en-US" dirty="0"/>
           </a:p>
@@ -16633,7 +20546,7 @@
           <a:p>
             <a:fld id="{48A87A34-81AB-432B-8DAE-1953F412C126}" type="datetimeFigureOut">
               <a:rPr lang="en-US" dirty="0"/>
-              <a:t>1/6/22</a:t>
+              <a:t>1/25/22</a:t>
             </a:fld>
             <a:endParaRPr lang="en-US" dirty="0"/>
           </a:p>
@@ -17348,7 +21261,7 @@
           <a:p>
             <a:fld id="{48A87A34-81AB-432B-8DAE-1953F412C126}" type="datetimeFigureOut">
               <a:rPr lang="en-US" dirty="0"/>
-              <a:t>1/6/22</a:t>
+              <a:t>1/25/22</a:t>
             </a:fld>
             <a:endParaRPr lang="en-US" dirty="0"/>
           </a:p>
@@ -17513,7 +21426,7 @@
           <a:p>
             <a:fld id="{48A87A34-81AB-432B-8DAE-1953F412C126}" type="datetimeFigureOut">
               <a:rPr lang="en-US" dirty="0"/>
-              <a:t>1/6/22</a:t>
+              <a:t>1/25/22</a:t>
             </a:fld>
             <a:endParaRPr lang="en-US" dirty="0"/>
           </a:p>
@@ -17688,7 +21601,7 @@
           <a:p>
             <a:fld id="{48A87A34-81AB-432B-8DAE-1953F412C126}" type="datetimeFigureOut">
               <a:rPr lang="en-US" dirty="0"/>
-              <a:t>1/6/22</a:t>
+              <a:t>1/25/22</a:t>
             </a:fld>
             <a:endParaRPr lang="en-US" dirty="0"/>
           </a:p>
@@ -17853,7 +21766,7 @@
           <a:p>
             <a:fld id="{48A87A34-81AB-432B-8DAE-1953F412C126}" type="datetimeFigureOut">
               <a:rPr lang="en-US" dirty="0"/>
-              <a:t>1/6/22</a:t>
+              <a:t>1/25/22</a:t>
             </a:fld>
             <a:endParaRPr lang="en-US" dirty="0"/>
           </a:p>
@@ -18098,7 +22011,7 @@
           <a:p>
             <a:fld id="{48A87A34-81AB-432B-8DAE-1953F412C126}" type="datetimeFigureOut">
               <a:rPr lang="en-US" dirty="0"/>
-              <a:t>1/6/22</a:t>
+              <a:t>1/25/22</a:t>
             </a:fld>
             <a:endParaRPr lang="en-US" dirty="0"/>
           </a:p>
@@ -18325,7 +22238,7 @@
           <a:p>
             <a:fld id="{48A87A34-81AB-432B-8DAE-1953F412C126}" type="datetimeFigureOut">
               <a:rPr lang="en-US" dirty="0"/>
-              <a:t>1/6/22</a:t>
+              <a:t>1/25/22</a:t>
             </a:fld>
             <a:endParaRPr lang="en-US" dirty="0"/>
           </a:p>
@@ -18701,7 +22614,7 @@
           <a:p>
             <a:fld id="{48A87A34-81AB-432B-8DAE-1953F412C126}" type="datetimeFigureOut">
               <a:rPr lang="en-US" dirty="0"/>
-              <a:t>1/6/22</a:t>
+              <a:t>1/25/22</a:t>
             </a:fld>
             <a:endParaRPr lang="en-US" dirty="0"/>
           </a:p>
@@ -18814,7 +22727,7 @@
           <a:p>
             <a:fld id="{48A87A34-81AB-432B-8DAE-1953F412C126}" type="datetimeFigureOut">
               <a:rPr lang="en-US" dirty="0"/>
-              <a:t>1/6/22</a:t>
+              <a:t>1/25/22</a:t>
             </a:fld>
             <a:endParaRPr lang="en-US" dirty="0"/>
           </a:p>
@@ -18904,7 +22817,7 @@
           <a:p>
             <a:fld id="{48A87A34-81AB-432B-8DAE-1953F412C126}" type="datetimeFigureOut">
               <a:rPr lang="en-US" dirty="0"/>
-              <a:t>1/6/22</a:t>
+              <a:t>1/25/22</a:t>
             </a:fld>
             <a:endParaRPr lang="en-US" dirty="0"/>
           </a:p>
@@ -19148,7 +23061,7 @@
           <a:p>
             <a:fld id="{48A87A34-81AB-432B-8DAE-1953F412C126}" type="datetimeFigureOut">
               <a:rPr lang="en-US" dirty="0"/>
-              <a:t>1/6/22</a:t>
+              <a:t>1/25/22</a:t>
             </a:fld>
             <a:endParaRPr lang="en-US" dirty="0"/>
           </a:p>
@@ -19423,7 +23336,7 @@
           <a:p>
             <a:fld id="{48A87A34-81AB-432B-8DAE-1953F412C126}" type="datetimeFigureOut">
               <a:rPr lang="en-US" dirty="0"/>
-              <a:t>1/6/22</a:t>
+              <a:t>1/25/22</a:t>
             </a:fld>
             <a:endParaRPr lang="en-US" dirty="0"/>
           </a:p>
@@ -22496,7 +26409,7 @@
             <a:fld id="{48A87A34-81AB-432B-8DAE-1953F412C126}" type="datetimeFigureOut">
               <a:rPr lang="en-US" dirty="0"/>
               <a:pPr/>
-              <a:t>1/6/22</a:t>
+              <a:t>1/25/22</a:t>
             </a:fld>
             <a:endParaRPr lang="en-US" dirty="0"/>
           </a:p>
@@ -22958,12 +26871,26 @@
         </p:nvSpPr>
         <p:spPr/>
         <p:txBody>
-          <a:bodyPr/>
+          <a:bodyPr>
+            <a:normAutofit fontScale="92500" lnSpcReduction="20000"/>
+          </a:bodyPr>
           <a:lstStyle/>
           <a:p>
             <a:r>
               <a:rPr lang="en-US" dirty="0"/>
-              <a:t>Partnership: ML Engineering &amp; Content engagement</a:t>
+              <a:t>Partnership: </a:t>
+            </a:r>
+          </a:p>
+          <a:p>
+            <a:r>
+              <a:rPr lang="en-US" dirty="0"/>
+              <a:t>	ML Engineering: Erik Cornelsen</a:t>
+            </a:r>
+          </a:p>
+          <a:p>
+            <a:r>
+              <a:rPr lang="en-US" dirty="0"/>
+              <a:t>	Content Analytics: Ravi Gupta</a:t>
             </a:r>
           </a:p>
           <a:p>
@@ -22978,6 +26905,209 @@
     <p:extLst>
       <p:ext uri="{BB962C8B-B14F-4D97-AF65-F5344CB8AC3E}">
         <p14:creationId xmlns:p14="http://schemas.microsoft.com/office/powerpoint/2010/main" val="959011610"/>
+      </p:ext>
+    </p:extLst>
+  </p:cSld>
+  <p:clrMapOvr>
+    <a:masterClrMapping/>
+  </p:clrMapOvr>
+</p:sld>
+</file>
+
+<file path=ppt/slides/slide10.xml><?xml version="1.0" encoding="utf-8"?>
+<p:sld xmlns:a="http://schemas.openxmlformats.org/drawingml/2006/main" xmlns:r="http://schemas.openxmlformats.org/officeDocument/2006/relationships" xmlns:p="http://schemas.openxmlformats.org/presentationml/2006/main">
+  <p:cSld>
+    <p:spTree>
+      <p:nvGrpSpPr>
+        <p:cNvPr id="1" name=""/>
+        <p:cNvGrpSpPr/>
+        <p:nvPr/>
+      </p:nvGrpSpPr>
+      <p:grpSpPr>
+        <a:xfrm>
+          <a:off x="0" y="0"/>
+          <a:ext cx="0" cy="0"/>
+          <a:chOff x="0" y="0"/>
+          <a:chExt cx="0" cy="0"/>
+        </a:xfrm>
+      </p:grpSpPr>
+      <p:sp>
+        <p:nvSpPr>
+          <p:cNvPr id="2" name="Title 1">
+            <a:extLst>
+              <a:ext uri="{FF2B5EF4-FFF2-40B4-BE49-F238E27FC236}">
+                <a16:creationId xmlns:a16="http://schemas.microsoft.com/office/drawing/2014/main" id="{A4433FBA-ED0B-1542-8BD9-43450A7E0E6B}"/>
+              </a:ext>
+            </a:extLst>
+          </p:cNvPr>
+          <p:cNvSpPr>
+            <a:spLocks noGrp="1"/>
+          </p:cNvSpPr>
+          <p:nvPr>
+            <p:ph type="title"/>
+          </p:nvPr>
+        </p:nvSpPr>
+        <p:spPr>
+          <a:xfrm>
+            <a:off x="4996697" y="618518"/>
+            <a:ext cx="6050713" cy="1478570"/>
+          </a:xfrm>
+        </p:spPr>
+        <p:txBody>
+          <a:bodyPr>
+            <a:normAutofit/>
+          </a:bodyPr>
+          <a:lstStyle/>
+          <a:p>
+            <a:r>
+              <a:rPr lang="en-US" dirty="0"/>
+              <a:t>Appendix</a:t>
+            </a:r>
+          </a:p>
+        </p:txBody>
+      </p:sp>
+      <p:sp>
+        <p:nvSpPr>
+          <p:cNvPr id="3" name="Content Placeholder 2">
+            <a:extLst>
+              <a:ext uri="{FF2B5EF4-FFF2-40B4-BE49-F238E27FC236}">
+                <a16:creationId xmlns:a16="http://schemas.microsoft.com/office/drawing/2014/main" id="{0DE0E645-AF1E-9E45-BFA9-FC7C3164ACA8}"/>
+              </a:ext>
+            </a:extLst>
+          </p:cNvPr>
+          <p:cNvSpPr>
+            <a:spLocks noGrp="1"/>
+          </p:cNvSpPr>
+          <p:nvPr>
+            <p:ph idx="1"/>
+          </p:nvPr>
+        </p:nvSpPr>
+        <p:spPr>
+          <a:xfrm>
+            <a:off x="4968958" y="2249487"/>
+            <a:ext cx="6078453" cy="3541714"/>
+          </a:xfrm>
+        </p:spPr>
+        <p:txBody>
+          <a:bodyPr>
+            <a:normAutofit lnSpcReduction="10000"/>
+          </a:bodyPr>
+          <a:lstStyle/>
+          <a:p>
+            <a:r>
+              <a:rPr lang="en-US" dirty="0">
+                <a:hlinkClick r:id="rId3"/>
+              </a:rPr>
+              <a:t>query to identify issue</a:t>
+            </a:r>
+            <a:endParaRPr lang="en-US" dirty="0"/>
+          </a:p>
+          <a:p>
+            <a:r>
+              <a:rPr lang="en-US" dirty="0">
+                <a:hlinkClick r:id="rId4"/>
+              </a:rPr>
+              <a:t>query to track new query results</a:t>
+            </a:r>
+            <a:r>
+              <a:rPr lang="en-US" dirty="0"/>
+              <a:t> </a:t>
+            </a:r>
+          </a:p>
+          <a:p>
+            <a:r>
+              <a:rPr lang="en-US" dirty="0">
+                <a:hlinkClick r:id="rId5"/>
+              </a:rPr>
+              <a:t>Notebooks Before</a:t>
+            </a:r>
+            <a:endParaRPr lang="en-US" dirty="0"/>
+          </a:p>
+          <a:p>
+            <a:pPr lvl="1"/>
+            <a:r>
+              <a:rPr lang="en-US" dirty="0">
+                <a:hlinkClick r:id="rId6"/>
+              </a:rPr>
+              <a:t>Notebook Before (</a:t>
+            </a:r>
+            <a:r>
+              <a:rPr lang="en-US" dirty="0" err="1">
+                <a:hlinkClick r:id="rId6"/>
+              </a:rPr>
+              <a:t>crossover_functions</a:t>
+            </a:r>
+            <a:r>
+              <a:rPr lang="en-US" dirty="0">
+                <a:hlinkClick r:id="rId6"/>
+              </a:rPr>
+              <a:t>)</a:t>
+            </a:r>
+            <a:endParaRPr lang="en-US" dirty="0"/>
+          </a:p>
+          <a:p>
+            <a:r>
+              <a:rPr lang="en-US" dirty="0">
+                <a:hlinkClick r:id="rId7"/>
+              </a:rPr>
+              <a:t>Notebooks After</a:t>
+            </a:r>
+            <a:endParaRPr lang="en-US" dirty="0"/>
+          </a:p>
+          <a:p>
+            <a:pPr lvl="1"/>
+            <a:r>
+              <a:rPr lang="en-US" dirty="0">
+                <a:hlinkClick r:id="rId8"/>
+              </a:rPr>
+              <a:t>Notebook After (crossover_functions_v3)</a:t>
+            </a:r>
+            <a:endParaRPr lang="en-US" dirty="0"/>
+          </a:p>
+          <a:p>
+            <a:r>
+              <a:rPr lang="en-US" dirty="0">
+                <a:hlinkClick r:id="rId9"/>
+              </a:rPr>
+              <a:t>General Snowflake Optimization Thoughts</a:t>
+            </a:r>
+            <a:endParaRPr lang="en-US" dirty="0"/>
+          </a:p>
+        </p:txBody>
+      </p:sp>
+      <p:pic>
+        <p:nvPicPr>
+          <p:cNvPr id="5" name="Picture 4" descr="Pen placed on top of a signature line">
+            <a:extLst>
+              <a:ext uri="{FF2B5EF4-FFF2-40B4-BE49-F238E27FC236}">
+                <a16:creationId xmlns:a16="http://schemas.microsoft.com/office/drawing/2014/main" id="{7277A3A7-74F1-401B-91FE-5C50AFC8E377}"/>
+              </a:ext>
+            </a:extLst>
+          </p:cNvPr>
+          <p:cNvPicPr>
+            <a:picLocks noChangeAspect="1"/>
+          </p:cNvPicPr>
+          <p:nvPr/>
+        </p:nvPicPr>
+        <p:blipFill rotWithShape="1">
+          <a:blip r:embed="rId10"/>
+          <a:srcRect l="52387" r="2493" b="-1"/>
+          <a:stretch/>
+        </p:blipFill>
+        <p:spPr>
+          <a:xfrm>
+            <a:off x="-5597" y="10"/>
+            <a:ext cx="4635583" cy="6857990"/>
+          </a:xfrm>
+          <a:prstGeom prst="rect">
+            <a:avLst/>
+          </a:prstGeom>
+        </p:spPr>
+      </p:pic>
+    </p:spTree>
+    <p:extLst>
+      <p:ext uri="{BB962C8B-B14F-4D97-AF65-F5344CB8AC3E}">
+        <p14:creationId xmlns:p14="http://schemas.microsoft.com/office/powerpoint/2010/main" val="2743837954"/>
       </p:ext>
     </p:extLst>
   </p:cSld>
@@ -23159,12 +27289,7 @@
             <p:ph type="title"/>
           </p:nvPr>
         </p:nvSpPr>
-        <p:spPr>
-          <a:xfrm>
-            <a:off x="1141413" y="618518"/>
-            <a:ext cx="9905998" cy="1478570"/>
-          </a:xfrm>
-        </p:spPr>
+        <p:spPr/>
         <p:txBody>
           <a:bodyPr>
             <a:normAutofit/>
@@ -23204,14 +27329,14 @@
             <p:ph idx="1"/>
             <p:extLst>
               <p:ext uri="{D42A27DB-BD31-4B8C-83A1-F6EECF244321}">
-                <p14:modId xmlns:p14="http://schemas.microsoft.com/office/powerpoint/2010/main" val="2926127044"/>
+                <p14:modId xmlns:p14="http://schemas.microsoft.com/office/powerpoint/2010/main" val="2673766659"/>
               </p:ext>
             </p:extLst>
           </p:nvPr>
         </p:nvGraphicFramePr>
         <p:xfrm>
           <a:off x="1141413" y="2418820"/>
-          <a:ext cx="9906000" cy="3142721"/>
+          <a:ext cx="9906000" cy="3722673"/>
         </p:xfrm>
         <a:graphic>
           <a:graphicData uri="http://schemas.openxmlformats.org/drawingml/2006/diagram">
@@ -23233,14 +27358,14 @@
         </p:nvSpPr>
         <p:spPr>
           <a:xfrm>
-            <a:off x="9265920" y="2926080"/>
+            <a:off x="8924726" y="2926080"/>
             <a:ext cx="1493520" cy="1005840"/>
           </a:xfrm>
           <a:prstGeom prst="irregularSeal1">
             <a:avLst/>
           </a:prstGeom>
           <a:solidFill>
-            <a:srgbClr val="FFFF00"/>
+            <a:srgbClr val="FFF32F"/>
           </a:solidFill>
         </p:spPr>
         <p:style>
@@ -23310,6 +27435,1968 @@
           <p:cNvPr id="2" name="Title 1">
             <a:extLst>
               <a:ext uri="{FF2B5EF4-FFF2-40B4-BE49-F238E27FC236}">
+                <a16:creationId xmlns:a16="http://schemas.microsoft.com/office/drawing/2014/main" id="{914D3F6F-E919-C843-BEEB-E1218B820EAB}"/>
+              </a:ext>
+            </a:extLst>
+          </p:cNvPr>
+          <p:cNvSpPr>
+            <a:spLocks noGrp="1"/>
+          </p:cNvSpPr>
+          <p:nvPr>
+            <p:ph type="title"/>
+          </p:nvPr>
+        </p:nvSpPr>
+        <p:spPr>
+          <a:xfrm>
+            <a:off x="1141414" y="344198"/>
+            <a:ext cx="9905998" cy="1478570"/>
+          </a:xfrm>
+        </p:spPr>
+        <p:txBody>
+          <a:bodyPr/>
+          <a:lstStyle/>
+          <a:p>
+            <a:r>
+              <a:rPr lang="en-US" dirty="0"/>
+              <a:t>SQL Aggregator Query Results</a:t>
+            </a:r>
+            <a:br>
+              <a:rPr lang="en-US" dirty="0"/>
+            </a:br>
+            <a:r>
+              <a:rPr lang="en-US" sz="2400" dirty="0"/>
+              <a:t>Top 10 expensive queries (Oct 2021)</a:t>
+            </a:r>
+            <a:endParaRPr lang="en-US" dirty="0"/>
+          </a:p>
+        </p:txBody>
+      </p:sp>
+      <p:graphicFrame>
+        <p:nvGraphicFramePr>
+          <p:cNvPr id="7" name="Table 7">
+            <a:extLst>
+              <a:ext uri="{FF2B5EF4-FFF2-40B4-BE49-F238E27FC236}">
+                <a16:creationId xmlns:a16="http://schemas.microsoft.com/office/drawing/2014/main" id="{3DAE572E-BD3F-594F-93F5-3AC98F4507BD}"/>
+              </a:ext>
+            </a:extLst>
+          </p:cNvPr>
+          <p:cNvGraphicFramePr>
+            <a:graphicFrameLocks noGrp="1"/>
+          </p:cNvGraphicFramePr>
+          <p:nvPr>
+            <p:ph idx="1"/>
+            <p:extLst>
+              <p:ext uri="{D42A27DB-BD31-4B8C-83A1-F6EECF244321}">
+                <p14:modId xmlns:p14="http://schemas.microsoft.com/office/powerpoint/2010/main" val="268618056"/>
+              </p:ext>
+            </p:extLst>
+          </p:nvPr>
+        </p:nvGraphicFramePr>
+        <p:xfrm>
+          <a:off x="1141415" y="1822768"/>
+          <a:ext cx="9905997" cy="4189095"/>
+        </p:xfrm>
+        <a:graphic>
+          <a:graphicData uri="http://schemas.openxmlformats.org/drawingml/2006/table">
+            <a:tbl>
+              <a:tblPr firstRow="1" bandRow="1">
+                <a:tableStyleId>{5C22544A-7EE6-4342-B048-85BDC9FD1C3A}</a:tableStyleId>
+              </a:tblPr>
+              <a:tblGrid>
+                <a:gridCol w="2383644">
+                  <a:extLst>
+                    <a:ext uri="{9D8B030D-6E8A-4147-A177-3AD203B41FA5}">
+                      <a16:colId xmlns:a16="http://schemas.microsoft.com/office/drawing/2014/main" val="823416141"/>
+                    </a:ext>
+                  </a:extLst>
+                </a:gridCol>
+                <a:gridCol w="940553">
+                  <a:extLst>
+                    <a:ext uri="{9D8B030D-6E8A-4147-A177-3AD203B41FA5}">
+                      <a16:colId xmlns:a16="http://schemas.microsoft.com/office/drawing/2014/main" val="3932660622"/>
+                    </a:ext>
+                  </a:extLst>
+                </a:gridCol>
+                <a:gridCol w="952120">
+                  <a:extLst>
+                    <a:ext uri="{9D8B030D-6E8A-4147-A177-3AD203B41FA5}">
+                      <a16:colId xmlns:a16="http://schemas.microsoft.com/office/drawing/2014/main" val="2047511025"/>
+                    </a:ext>
+                  </a:extLst>
+                </a:gridCol>
+                <a:gridCol w="952120">
+                  <a:extLst>
+                    <a:ext uri="{9D8B030D-6E8A-4147-A177-3AD203B41FA5}">
+                      <a16:colId xmlns:a16="http://schemas.microsoft.com/office/drawing/2014/main" val="1417902839"/>
+                    </a:ext>
+                  </a:extLst>
+                </a:gridCol>
+                <a:gridCol w="899949">
+                  <a:extLst>
+                    <a:ext uri="{9D8B030D-6E8A-4147-A177-3AD203B41FA5}">
+                      <a16:colId xmlns:a16="http://schemas.microsoft.com/office/drawing/2014/main" val="2265894119"/>
+                    </a:ext>
+                  </a:extLst>
+                </a:gridCol>
+                <a:gridCol w="873863">
+                  <a:extLst>
+                    <a:ext uri="{9D8B030D-6E8A-4147-A177-3AD203B41FA5}">
+                      <a16:colId xmlns:a16="http://schemas.microsoft.com/office/drawing/2014/main" val="605832346"/>
+                    </a:ext>
+                  </a:extLst>
+                </a:gridCol>
+                <a:gridCol w="978205">
+                  <a:extLst>
+                    <a:ext uri="{9D8B030D-6E8A-4147-A177-3AD203B41FA5}">
+                      <a16:colId xmlns:a16="http://schemas.microsoft.com/office/drawing/2014/main" val="1804525582"/>
+                    </a:ext>
+                  </a:extLst>
+                </a:gridCol>
+                <a:gridCol w="991249">
+                  <a:extLst>
+                    <a:ext uri="{9D8B030D-6E8A-4147-A177-3AD203B41FA5}">
+                      <a16:colId xmlns:a16="http://schemas.microsoft.com/office/drawing/2014/main" val="1355731317"/>
+                    </a:ext>
+                  </a:extLst>
+                </a:gridCol>
+                <a:gridCol w="934294">
+                  <a:extLst>
+                    <a:ext uri="{9D8B030D-6E8A-4147-A177-3AD203B41FA5}">
+                      <a16:colId xmlns:a16="http://schemas.microsoft.com/office/drawing/2014/main" val="1315600106"/>
+                    </a:ext>
+                  </a:extLst>
+                </a:gridCol>
+              </a:tblGrid>
+              <a:tr h="370840">
+                <a:tc>
+                  <a:txBody>
+                    <a:bodyPr/>
+                    <a:lstStyle/>
+                    <a:p>
+                      <a:pPr algn="l" fontAlgn="b"/>
+                      <a:r>
+                        <a:rPr lang="en-US" sz="1400" b="1" i="0" u="none" strike="noStrike" dirty="0">
+                          <a:effectLst/>
+                          <a:latin typeface="Arial" panose="020B0604020202020204" pitchFamily="34" charset="0"/>
+                        </a:rPr>
+                        <a:t>USER_NAME</a:t>
+                      </a:r>
+                    </a:p>
+                  </a:txBody>
+                  <a:tcPr marL="9525" marR="9525" marT="9525" marB="0" anchor="b"/>
+                </a:tc>
+                <a:tc>
+                  <a:txBody>
+                    <a:bodyPr/>
+                    <a:lstStyle/>
+                    <a:p>
+                      <a:pPr algn="ctr" fontAlgn="b"/>
+                      <a:r>
+                        <a:rPr lang="en-US" sz="1400" b="1" i="0" u="none" strike="noStrike" dirty="0">
+                          <a:effectLst/>
+                          <a:latin typeface="Arial" panose="020B0604020202020204" pitchFamily="34" charset="0"/>
+                        </a:rPr>
+                        <a:t>JOB CNT</a:t>
+                      </a:r>
+                    </a:p>
+                  </a:txBody>
+                  <a:tcPr marL="9525" marR="9525" marT="9525" marB="0" anchor="b"/>
+                </a:tc>
+                <a:tc>
+                  <a:txBody>
+                    <a:bodyPr/>
+                    <a:lstStyle/>
+                    <a:p>
+                      <a:pPr algn="ctr" fontAlgn="b"/>
+                      <a:r>
+                        <a:rPr lang="en-US" sz="1400" b="1" i="0" u="none" strike="noStrike" dirty="0">
+                          <a:effectLst/>
+                          <a:latin typeface="Arial" panose="020B0604020202020204" pitchFamily="34" charset="0"/>
+                        </a:rPr>
+                        <a:t>TOTAL CREDITS</a:t>
+                      </a:r>
+                    </a:p>
+                  </a:txBody>
+                  <a:tcPr marL="9525" marR="9525" marT="9525" marB="0" anchor="b"/>
+                </a:tc>
+                <a:tc>
+                  <a:txBody>
+                    <a:bodyPr/>
+                    <a:lstStyle/>
+                    <a:p>
+                      <a:pPr algn="ctr" fontAlgn="b"/>
+                      <a:r>
+                        <a:rPr lang="en-US" sz="1400" b="1" i="0" u="none" strike="noStrike" dirty="0">
+                          <a:effectLst/>
+                          <a:latin typeface="Arial" panose="020B0604020202020204" pitchFamily="34" charset="0"/>
+                        </a:rPr>
+                        <a:t>AVG CREDITS</a:t>
+                      </a:r>
+                    </a:p>
+                  </a:txBody>
+                  <a:tcPr marL="9525" marR="9525" marT="9525" marB="0" anchor="b"/>
+                </a:tc>
+                <a:tc>
+                  <a:txBody>
+                    <a:bodyPr/>
+                    <a:lstStyle/>
+                    <a:p>
+                      <a:pPr algn="ctr" fontAlgn="b"/>
+                      <a:r>
+                        <a:rPr lang="en-US" sz="1400" b="1" i="0" u="none" strike="noStrike" dirty="0">
+                          <a:effectLst/>
+                          <a:latin typeface="Arial" panose="020B0604020202020204" pitchFamily="34" charset="0"/>
+                        </a:rPr>
+                        <a:t>TOTAL MIN</a:t>
+                      </a:r>
+                    </a:p>
+                  </a:txBody>
+                  <a:tcPr marL="9525" marR="9525" marT="9525" marB="0" anchor="b"/>
+                </a:tc>
+                <a:tc>
+                  <a:txBody>
+                    <a:bodyPr/>
+                    <a:lstStyle/>
+                    <a:p>
+                      <a:pPr algn="ctr" fontAlgn="b"/>
+                      <a:r>
+                        <a:rPr lang="en-US" sz="1400" b="1" i="0" u="none" strike="noStrike" dirty="0">
+                          <a:effectLst/>
+                          <a:latin typeface="Arial" panose="020B0604020202020204" pitchFamily="34" charset="0"/>
+                        </a:rPr>
+                        <a:t>AVG MIN</a:t>
+                      </a:r>
+                    </a:p>
+                  </a:txBody>
+                  <a:tcPr marL="9525" marR="9525" marT="9525" marB="0" anchor="b"/>
+                </a:tc>
+                <a:tc>
+                  <a:txBody>
+                    <a:bodyPr/>
+                    <a:lstStyle/>
+                    <a:p>
+                      <a:pPr algn="ctr" fontAlgn="b"/>
+                      <a:r>
+                        <a:rPr lang="en-US" sz="1400" b="1" i="0" u="none" strike="noStrike" dirty="0">
+                          <a:effectLst/>
+                          <a:latin typeface="Arial" panose="020B0604020202020204" pitchFamily="34" charset="0"/>
+                        </a:rPr>
+                        <a:t>TOTAL GB SCANNED</a:t>
+                      </a:r>
+                    </a:p>
+                  </a:txBody>
+                  <a:tcPr marL="9525" marR="9525" marT="9525" marB="0" anchor="b"/>
+                </a:tc>
+                <a:tc>
+                  <a:txBody>
+                    <a:bodyPr/>
+                    <a:lstStyle/>
+                    <a:p>
+                      <a:pPr algn="ctr" fontAlgn="b"/>
+                      <a:r>
+                        <a:rPr lang="en-US" sz="1400" b="1" i="0" u="none" strike="noStrike" dirty="0">
+                          <a:effectLst/>
+                          <a:latin typeface="Arial" panose="020B0604020202020204" pitchFamily="34" charset="0"/>
+                        </a:rPr>
+                        <a:t>AVG GB SCANNED</a:t>
+                      </a:r>
+                    </a:p>
+                  </a:txBody>
+                  <a:tcPr marL="9525" marR="9525" marT="9525" marB="0" anchor="b"/>
+                </a:tc>
+                <a:tc>
+                  <a:txBody>
+                    <a:bodyPr/>
+                    <a:lstStyle/>
+                    <a:p>
+                      <a:pPr algn="ctr" fontAlgn="b"/>
+                      <a:r>
+                        <a:rPr lang="en-US" sz="1400" b="1" i="0" u="none" strike="noStrike" dirty="0">
+                          <a:effectLst/>
+                          <a:latin typeface="Arial" panose="020B0604020202020204" pitchFamily="34" charset="0"/>
+                        </a:rPr>
+                        <a:t>PROFILE</a:t>
+                      </a:r>
+                    </a:p>
+                  </a:txBody>
+                  <a:tcPr marL="9525" marR="9525" marT="9525" marB="0" anchor="b"/>
+                </a:tc>
+                <a:extLst>
+                  <a:ext uri="{0D108BD9-81ED-4DB2-BD59-A6C34878D82A}">
+                    <a16:rowId xmlns:a16="http://schemas.microsoft.com/office/drawing/2014/main" val="3731185800"/>
+                  </a:ext>
+                </a:extLst>
+              </a:tr>
+              <a:tr h="370840">
+                <a:tc>
+                  <a:txBody>
+                    <a:bodyPr/>
+                    <a:lstStyle/>
+                    <a:p>
+                      <a:pPr algn="l" fontAlgn="b"/>
+                      <a:r>
+                        <a:rPr lang="en-US" sz="1200" b="0" i="0" u="none" strike="noStrike" dirty="0">
+                          <a:effectLst/>
+                          <a:latin typeface="Arial" panose="020B0604020202020204" pitchFamily="34" charset="0"/>
+                        </a:rPr>
+                        <a:t>DPLUS_ANALYTICS_PROD_ETL</a:t>
+                      </a:r>
+                    </a:p>
+                  </a:txBody>
+                  <a:tcPr marL="9525" marR="9525" marT="9525" marB="0" anchor="ctr"/>
+                </a:tc>
+                <a:tc>
+                  <a:txBody>
+                    <a:bodyPr/>
+                    <a:lstStyle/>
+                    <a:p>
+                      <a:pPr algn="ctr" fontAlgn="b"/>
+                      <a:r>
+                        <a:rPr lang="en-US" sz="1200" b="0" i="0" u="none" strike="noStrike" dirty="0">
+                          <a:effectLst/>
+                          <a:latin typeface="Arial" panose="020B0604020202020204" pitchFamily="34" charset="0"/>
+                        </a:rPr>
+                        <a:t>                         </a:t>
+                      </a:r>
+                      <a:r>
+                        <a:rPr lang="en-US" sz="1200" b="1" i="0" u="none" strike="noStrike" dirty="0">
+                          <a:effectLst/>
+                          <a:latin typeface="Arial" panose="020B0604020202020204" pitchFamily="34" charset="0"/>
+                        </a:rPr>
+                        <a:t>62,082 </a:t>
+                      </a:r>
+                    </a:p>
+                  </a:txBody>
+                  <a:tcPr marL="9525" marR="9525" marT="9525" marB="0" anchor="b"/>
+                </a:tc>
+                <a:tc>
+                  <a:txBody>
+                    <a:bodyPr/>
+                    <a:lstStyle/>
+                    <a:p>
+                      <a:pPr algn="ctr" fontAlgn="b"/>
+                      <a:r>
+                        <a:rPr lang="en-US" sz="1200" b="1" i="0" u="none" strike="noStrike" dirty="0">
+                          <a:effectLst/>
+                          <a:latin typeface="Arial" panose="020B0604020202020204" pitchFamily="34" charset="0"/>
+                        </a:rPr>
+                        <a:t>                           9,726 </a:t>
+                      </a:r>
+                    </a:p>
+                  </a:txBody>
+                  <a:tcPr marL="9525" marR="9525" marT="9525" marB="0" anchor="b"/>
+                </a:tc>
+                <a:tc>
+                  <a:txBody>
+                    <a:bodyPr/>
+                    <a:lstStyle/>
+                    <a:p>
+                      <a:pPr algn="ctr" fontAlgn="b"/>
+                      <a:r>
+                        <a:rPr lang="en-US" sz="1200" b="0" i="0" u="none" strike="noStrike" dirty="0">
+                          <a:effectLst/>
+                          <a:latin typeface="Arial" panose="020B0604020202020204" pitchFamily="34" charset="0"/>
+                        </a:rPr>
+                        <a:t>0.2</a:t>
+                      </a:r>
+                    </a:p>
+                  </a:txBody>
+                  <a:tcPr marL="9525" marR="9525" marT="9525" marB="0" anchor="b"/>
+                </a:tc>
+                <a:tc>
+                  <a:txBody>
+                    <a:bodyPr/>
+                    <a:lstStyle/>
+                    <a:p>
+                      <a:pPr algn="ctr" fontAlgn="b"/>
+                      <a:r>
+                        <a:rPr lang="en-US" sz="1200" b="0" i="0" u="none" strike="noStrike" dirty="0">
+                          <a:effectLst/>
+                          <a:latin typeface="Arial" panose="020B0604020202020204" pitchFamily="34" charset="0"/>
+                        </a:rPr>
+                        <a:t>                         57,638 </a:t>
+                      </a:r>
+                    </a:p>
+                  </a:txBody>
+                  <a:tcPr marL="9525" marR="9525" marT="9525" marB="0" anchor="b"/>
+                </a:tc>
+                <a:tc>
+                  <a:txBody>
+                    <a:bodyPr/>
+                    <a:lstStyle/>
+                    <a:p>
+                      <a:pPr algn="ctr" fontAlgn="b"/>
+                      <a:r>
+                        <a:rPr lang="en-US" sz="1200" b="0" i="0" u="none" strike="noStrike" dirty="0">
+                          <a:effectLst/>
+                          <a:latin typeface="Arial" panose="020B0604020202020204" pitchFamily="34" charset="0"/>
+                        </a:rPr>
+                        <a:t>0.9</a:t>
+                      </a:r>
+                    </a:p>
+                  </a:txBody>
+                  <a:tcPr marL="9525" marR="9525" marT="9525" marB="0" anchor="b"/>
+                </a:tc>
+                <a:tc>
+                  <a:txBody>
+                    <a:bodyPr/>
+                    <a:lstStyle/>
+                    <a:p>
+                      <a:pPr algn="ctr" fontAlgn="b"/>
+                      <a:r>
+                        <a:rPr lang="en-US" sz="1200" b="0" i="0" u="none" strike="noStrike" dirty="0">
+                          <a:effectLst/>
+                          <a:latin typeface="Arial" panose="020B0604020202020204" pitchFamily="34" charset="0"/>
+                        </a:rPr>
+                        <a:t>               27,270,447 </a:t>
+                      </a:r>
+                    </a:p>
+                  </a:txBody>
+                  <a:tcPr marL="9525" marR="9525" marT="9525" marB="0" anchor="b"/>
+                </a:tc>
+                <a:tc>
+                  <a:txBody>
+                    <a:bodyPr/>
+                    <a:lstStyle/>
+                    <a:p>
+                      <a:pPr algn="ctr" fontAlgn="b"/>
+                      <a:r>
+                        <a:rPr lang="en-US" sz="1200" b="0" i="0" u="none" strike="noStrike" dirty="0">
+                          <a:effectLst/>
+                          <a:latin typeface="Arial" panose="020B0604020202020204" pitchFamily="34" charset="0"/>
+                        </a:rPr>
+                        <a:t>439.26</a:t>
+                      </a:r>
+                    </a:p>
+                  </a:txBody>
+                  <a:tcPr marL="9525" marR="9525" marT="9525" marB="0" anchor="b"/>
+                </a:tc>
+                <a:tc>
+                  <a:txBody>
+                    <a:bodyPr/>
+                    <a:lstStyle/>
+                    <a:p>
+                      <a:pPr algn="ctr" fontAlgn="b"/>
+                      <a:r>
+                        <a:rPr lang="en-US" sz="1200" b="0" i="0" u="none" strike="noStrike" dirty="0">
+                          <a:effectLst/>
+                          <a:latin typeface="Arial" panose="020B0604020202020204" pitchFamily="34" charset="0"/>
+                        </a:rPr>
+                        <a:t>1000 cuts</a:t>
+                      </a:r>
+                    </a:p>
+                  </a:txBody>
+                  <a:tcPr marL="9525" marR="9525" marT="9525" marB="0" anchor="ctr"/>
+                </a:tc>
+                <a:extLst>
+                  <a:ext uri="{0D108BD9-81ED-4DB2-BD59-A6C34878D82A}">
+                    <a16:rowId xmlns:a16="http://schemas.microsoft.com/office/drawing/2014/main" val="2949237175"/>
+                  </a:ext>
+                </a:extLst>
+              </a:tr>
+              <a:tr h="370840">
+                <a:tc>
+                  <a:txBody>
+                    <a:bodyPr/>
+                    <a:lstStyle/>
+                    <a:p>
+                      <a:pPr algn="l" fontAlgn="b"/>
+                      <a:r>
+                        <a:rPr lang="en-US" sz="1200" b="0" i="0" u="none" strike="noStrike" dirty="0">
+                          <a:effectLst/>
+                          <a:latin typeface="Arial" panose="020B0604020202020204" pitchFamily="34" charset="0"/>
+                        </a:rPr>
+                        <a:t>DISNEY_PLUS_ETL</a:t>
+                      </a:r>
+                    </a:p>
+                  </a:txBody>
+                  <a:tcPr marL="9525" marR="9525" marT="9525" marB="0" anchor="ctr"/>
+                </a:tc>
+                <a:tc>
+                  <a:txBody>
+                    <a:bodyPr/>
+                    <a:lstStyle/>
+                    <a:p>
+                      <a:pPr algn="ctr" fontAlgn="b"/>
+                      <a:r>
+                        <a:rPr lang="en-US" sz="1200" b="0" i="0" u="none" strike="noStrike" dirty="0">
+                          <a:effectLst/>
+                          <a:latin typeface="Arial" panose="020B0604020202020204" pitchFamily="34" charset="0"/>
+                        </a:rPr>
+                        <a:t>                           9,752 </a:t>
+                      </a:r>
+                    </a:p>
+                  </a:txBody>
+                  <a:tcPr marL="9525" marR="9525" marT="9525" marB="0" anchor="b"/>
+                </a:tc>
+                <a:tc>
+                  <a:txBody>
+                    <a:bodyPr/>
+                    <a:lstStyle/>
+                    <a:p>
+                      <a:pPr algn="ctr" fontAlgn="b"/>
+                      <a:r>
+                        <a:rPr lang="en-US" sz="1200" b="0" i="0" u="none" strike="noStrike" dirty="0">
+                          <a:effectLst/>
+                          <a:latin typeface="Arial" panose="020B0604020202020204" pitchFamily="34" charset="0"/>
+                        </a:rPr>
+                        <a:t>                           3,898 </a:t>
+                      </a:r>
+                    </a:p>
+                  </a:txBody>
+                  <a:tcPr marL="9525" marR="9525" marT="9525" marB="0" anchor="b"/>
+                </a:tc>
+                <a:tc>
+                  <a:txBody>
+                    <a:bodyPr/>
+                    <a:lstStyle/>
+                    <a:p>
+                      <a:pPr algn="ctr" fontAlgn="b"/>
+                      <a:r>
+                        <a:rPr lang="en-US" sz="1200" b="0" i="0" u="none" strike="noStrike" dirty="0">
+                          <a:effectLst/>
+                          <a:latin typeface="Arial" panose="020B0604020202020204" pitchFamily="34" charset="0"/>
+                        </a:rPr>
+                        <a:t>0.4</a:t>
+                      </a:r>
+                    </a:p>
+                  </a:txBody>
+                  <a:tcPr marL="9525" marR="9525" marT="9525" marB="0" anchor="b"/>
+                </a:tc>
+                <a:tc>
+                  <a:txBody>
+                    <a:bodyPr/>
+                    <a:lstStyle/>
+                    <a:p>
+                      <a:pPr algn="ctr" fontAlgn="b"/>
+                      <a:r>
+                        <a:rPr lang="en-US" sz="1200" b="0" i="0" u="none" strike="noStrike" dirty="0">
+                          <a:effectLst/>
+                          <a:latin typeface="Arial" panose="020B0604020202020204" pitchFamily="34" charset="0"/>
+                        </a:rPr>
+                        <a:t>                           6,853 </a:t>
+                      </a:r>
+                    </a:p>
+                  </a:txBody>
+                  <a:tcPr marL="9525" marR="9525" marT="9525" marB="0" anchor="b"/>
+                </a:tc>
+                <a:tc>
+                  <a:txBody>
+                    <a:bodyPr/>
+                    <a:lstStyle/>
+                    <a:p>
+                      <a:pPr algn="ctr" fontAlgn="b"/>
+                      <a:r>
+                        <a:rPr lang="en-US" sz="1200" b="0" i="0" u="none" strike="noStrike" dirty="0">
+                          <a:effectLst/>
+                          <a:latin typeface="Arial" panose="020B0604020202020204" pitchFamily="34" charset="0"/>
+                        </a:rPr>
+                        <a:t>0.7</a:t>
+                      </a:r>
+                    </a:p>
+                  </a:txBody>
+                  <a:tcPr marL="9525" marR="9525" marT="9525" marB="0" anchor="b"/>
+                </a:tc>
+                <a:tc>
+                  <a:txBody>
+                    <a:bodyPr/>
+                    <a:lstStyle/>
+                    <a:p>
+                      <a:pPr algn="ctr" fontAlgn="b"/>
+                      <a:r>
+                        <a:rPr lang="en-US" sz="1200" b="0" i="0" u="none" strike="noStrike" dirty="0">
+                          <a:effectLst/>
+                          <a:latin typeface="Arial" panose="020B0604020202020204" pitchFamily="34" charset="0"/>
+                        </a:rPr>
+                        <a:t>       2,089,285 </a:t>
+                      </a:r>
+                    </a:p>
+                  </a:txBody>
+                  <a:tcPr marL="9525" marR="9525" marT="9525" marB="0" anchor="b"/>
+                </a:tc>
+                <a:tc>
+                  <a:txBody>
+                    <a:bodyPr/>
+                    <a:lstStyle/>
+                    <a:p>
+                      <a:pPr algn="ctr" fontAlgn="b"/>
+                      <a:r>
+                        <a:rPr lang="en-US" sz="1200" b="0" i="0" u="none" strike="noStrike" dirty="0">
+                          <a:effectLst/>
+                          <a:latin typeface="Arial" panose="020B0604020202020204" pitchFamily="34" charset="0"/>
+                        </a:rPr>
+                        <a:t>214.24</a:t>
+                      </a:r>
+                    </a:p>
+                  </a:txBody>
+                  <a:tcPr marL="9525" marR="9525" marT="9525" marB="0" anchor="b"/>
+                </a:tc>
+                <a:tc>
+                  <a:txBody>
+                    <a:bodyPr/>
+                    <a:lstStyle/>
+                    <a:p>
+                      <a:pPr algn="ctr" fontAlgn="b"/>
+                      <a:r>
+                        <a:rPr lang="en-US" sz="1200" b="0" i="0" u="none" strike="noStrike" dirty="0">
+                          <a:effectLst/>
+                          <a:latin typeface="Arial" panose="020B0604020202020204" pitchFamily="34" charset="0"/>
+                        </a:rPr>
+                        <a:t>1000 cuts</a:t>
+                      </a:r>
+                    </a:p>
+                  </a:txBody>
+                  <a:tcPr marL="9525" marR="9525" marT="9525" marB="0" anchor="ctr"/>
+                </a:tc>
+                <a:extLst>
+                  <a:ext uri="{0D108BD9-81ED-4DB2-BD59-A6C34878D82A}">
+                    <a16:rowId xmlns:a16="http://schemas.microsoft.com/office/drawing/2014/main" val="2167724377"/>
+                  </a:ext>
+                </a:extLst>
+              </a:tr>
+              <a:tr h="370840">
+                <a:tc>
+                  <a:txBody>
+                    <a:bodyPr/>
+                    <a:lstStyle/>
+                    <a:p>
+                      <a:pPr algn="l" fontAlgn="b"/>
+                      <a:r>
+                        <a:rPr lang="en-US" sz="1200" b="0" i="0" u="none" strike="noStrike">
+                          <a:effectLst/>
+                          <a:latin typeface="Arial" panose="020B0604020202020204" pitchFamily="34" charset="0"/>
+                        </a:rPr>
+                        <a:t>CUST_MODEL_ETL</a:t>
+                      </a:r>
+                    </a:p>
+                  </a:txBody>
+                  <a:tcPr marL="9525" marR="9525" marT="9525" marB="0" anchor="ctr"/>
+                </a:tc>
+                <a:tc>
+                  <a:txBody>
+                    <a:bodyPr/>
+                    <a:lstStyle/>
+                    <a:p>
+                      <a:pPr algn="ctr" fontAlgn="b"/>
+                      <a:r>
+                        <a:rPr lang="en-US" sz="1200" b="0" i="0" u="none" strike="noStrike" dirty="0">
+                          <a:effectLst/>
+                          <a:latin typeface="Arial" panose="020B0604020202020204" pitchFamily="34" charset="0"/>
+                        </a:rPr>
+                        <a:t>                           1,439 </a:t>
+                      </a:r>
+                    </a:p>
+                  </a:txBody>
+                  <a:tcPr marL="9525" marR="9525" marT="9525" marB="0" anchor="b"/>
+                </a:tc>
+                <a:tc>
+                  <a:txBody>
+                    <a:bodyPr/>
+                    <a:lstStyle/>
+                    <a:p>
+                      <a:pPr algn="ctr" fontAlgn="b"/>
+                      <a:r>
+                        <a:rPr lang="en-US" sz="1200" b="0" i="0" u="none" strike="noStrike" dirty="0">
+                          <a:effectLst/>
+                          <a:latin typeface="Arial" panose="020B0604020202020204" pitchFamily="34" charset="0"/>
+                        </a:rPr>
+                        <a:t>                           2,553 </a:t>
+                      </a:r>
+                    </a:p>
+                  </a:txBody>
+                  <a:tcPr marL="9525" marR="9525" marT="9525" marB="0" anchor="b"/>
+                </a:tc>
+                <a:tc>
+                  <a:txBody>
+                    <a:bodyPr/>
+                    <a:lstStyle/>
+                    <a:p>
+                      <a:pPr algn="ctr" fontAlgn="b"/>
+                      <a:r>
+                        <a:rPr lang="en-US" sz="1200" b="0" i="0" u="none" strike="noStrike" dirty="0">
+                          <a:effectLst/>
+                          <a:latin typeface="Arial" panose="020B0604020202020204" pitchFamily="34" charset="0"/>
+                        </a:rPr>
+                        <a:t>1.8</a:t>
+                      </a:r>
+                    </a:p>
+                  </a:txBody>
+                  <a:tcPr marL="9525" marR="9525" marT="9525" marB="0" anchor="b"/>
+                </a:tc>
+                <a:tc>
+                  <a:txBody>
+                    <a:bodyPr/>
+                    <a:lstStyle/>
+                    <a:p>
+                      <a:pPr algn="ctr" fontAlgn="b"/>
+                      <a:r>
+                        <a:rPr lang="en-US" sz="1200" b="0" i="0" u="none" strike="noStrike" dirty="0">
+                          <a:effectLst/>
+                          <a:latin typeface="Arial" panose="020B0604020202020204" pitchFamily="34" charset="0"/>
+                        </a:rPr>
+                        <a:t>                           2,126 </a:t>
+                      </a:r>
+                    </a:p>
+                  </a:txBody>
+                  <a:tcPr marL="9525" marR="9525" marT="9525" marB="0" anchor="b"/>
+                </a:tc>
+                <a:tc>
+                  <a:txBody>
+                    <a:bodyPr/>
+                    <a:lstStyle/>
+                    <a:p>
+                      <a:pPr algn="ctr" fontAlgn="b"/>
+                      <a:r>
+                        <a:rPr lang="en-US" sz="1200" b="0" i="0" u="none" strike="noStrike" dirty="0">
+                          <a:effectLst/>
+                          <a:latin typeface="Arial" panose="020B0604020202020204" pitchFamily="34" charset="0"/>
+                        </a:rPr>
+                        <a:t>1.5</a:t>
+                      </a:r>
+                    </a:p>
+                  </a:txBody>
+                  <a:tcPr marL="9525" marR="9525" marT="9525" marB="0" anchor="b"/>
+                </a:tc>
+                <a:tc>
+                  <a:txBody>
+                    <a:bodyPr/>
+                    <a:lstStyle/>
+                    <a:p>
+                      <a:pPr algn="ctr" fontAlgn="b"/>
+                      <a:r>
+                        <a:rPr lang="en-US" sz="1200" b="0" i="0" u="none" strike="noStrike" dirty="0">
+                          <a:effectLst/>
+                          <a:latin typeface="Arial" panose="020B0604020202020204" pitchFamily="34" charset="0"/>
+                        </a:rPr>
+                        <a:t>                 102,171 </a:t>
+                      </a:r>
+                    </a:p>
+                  </a:txBody>
+                  <a:tcPr marL="9525" marR="9525" marT="9525" marB="0" anchor="b"/>
+                </a:tc>
+                <a:tc>
+                  <a:txBody>
+                    <a:bodyPr/>
+                    <a:lstStyle/>
+                    <a:p>
+                      <a:pPr algn="ctr" fontAlgn="b"/>
+                      <a:r>
+                        <a:rPr lang="en-US" sz="1200" b="0" i="0" u="none" strike="noStrike" dirty="0">
+                          <a:effectLst/>
+                          <a:latin typeface="Arial" panose="020B0604020202020204" pitchFamily="34" charset="0"/>
+                        </a:rPr>
+                        <a:t>71</a:t>
+                      </a:r>
+                    </a:p>
+                  </a:txBody>
+                  <a:tcPr marL="9525" marR="9525" marT="9525" marB="0" anchor="b"/>
+                </a:tc>
+                <a:tc>
+                  <a:txBody>
+                    <a:bodyPr/>
+                    <a:lstStyle/>
+                    <a:p>
+                      <a:pPr algn="ctr" fontAlgn="b"/>
+                      <a:r>
+                        <a:rPr lang="en-US" sz="1200" b="0" i="0" u="none" strike="noStrike" dirty="0">
+                          <a:effectLst/>
+                          <a:latin typeface="Arial" panose="020B0604020202020204" pitchFamily="34" charset="0"/>
+                        </a:rPr>
+                        <a:t>compute heavy</a:t>
+                      </a:r>
+                    </a:p>
+                  </a:txBody>
+                  <a:tcPr marL="9525" marR="9525" marT="9525" marB="0" anchor="ctr"/>
+                </a:tc>
+                <a:extLst>
+                  <a:ext uri="{0D108BD9-81ED-4DB2-BD59-A6C34878D82A}">
+                    <a16:rowId xmlns:a16="http://schemas.microsoft.com/office/drawing/2014/main" val="4011190994"/>
+                  </a:ext>
+                </a:extLst>
+              </a:tr>
+              <a:tr h="370840">
+                <a:tc>
+                  <a:txBody>
+                    <a:bodyPr/>
+                    <a:lstStyle/>
+                    <a:p>
+                      <a:pPr algn="l" fontAlgn="b"/>
+                      <a:r>
+                        <a:rPr lang="en-US" sz="1200" b="0" i="0" u="none" strike="noStrike" dirty="0">
+                          <a:effectLst/>
+                          <a:latin typeface="Arial" panose="020B0604020202020204" pitchFamily="34" charset="0"/>
+                        </a:rPr>
+                        <a:t>DISNEY_PLUS_ETL</a:t>
+                      </a:r>
+                    </a:p>
+                  </a:txBody>
+                  <a:tcPr marL="9525" marR="9525" marT="9525" marB="0" anchor="ctr"/>
+                </a:tc>
+                <a:tc>
+                  <a:txBody>
+                    <a:bodyPr/>
+                    <a:lstStyle/>
+                    <a:p>
+                      <a:pPr algn="ctr" fontAlgn="b"/>
+                      <a:r>
+                        <a:rPr lang="en-US" sz="1200" b="0" i="0" u="none" strike="noStrike" dirty="0">
+                          <a:effectLst/>
+                          <a:latin typeface="Arial" panose="020B0604020202020204" pitchFamily="34" charset="0"/>
+                        </a:rPr>
+                        <a:t>                         10,681 </a:t>
+                      </a:r>
+                    </a:p>
+                  </a:txBody>
+                  <a:tcPr marL="9525" marR="9525" marT="9525" marB="0" anchor="b"/>
+                </a:tc>
+                <a:tc>
+                  <a:txBody>
+                    <a:bodyPr/>
+                    <a:lstStyle/>
+                    <a:p>
+                      <a:pPr algn="ctr" fontAlgn="b"/>
+                      <a:r>
+                        <a:rPr lang="en-US" sz="1200" b="0" i="0" u="none" strike="noStrike" dirty="0">
+                          <a:effectLst/>
+                          <a:latin typeface="Arial" panose="020B0604020202020204" pitchFamily="34" charset="0"/>
+                        </a:rPr>
+                        <a:t>                           2,266 </a:t>
+                      </a:r>
+                    </a:p>
+                  </a:txBody>
+                  <a:tcPr marL="9525" marR="9525" marT="9525" marB="0" anchor="b"/>
+                </a:tc>
+                <a:tc>
+                  <a:txBody>
+                    <a:bodyPr/>
+                    <a:lstStyle/>
+                    <a:p>
+                      <a:pPr algn="ctr" fontAlgn="b"/>
+                      <a:r>
+                        <a:rPr lang="en-US" sz="1200" b="0" i="0" u="none" strike="noStrike" dirty="0">
+                          <a:effectLst/>
+                          <a:latin typeface="Arial" panose="020B0604020202020204" pitchFamily="34" charset="0"/>
+                        </a:rPr>
+                        <a:t>0.2</a:t>
+                      </a:r>
+                    </a:p>
+                  </a:txBody>
+                  <a:tcPr marL="9525" marR="9525" marT="9525" marB="0" anchor="b"/>
+                </a:tc>
+                <a:tc>
+                  <a:txBody>
+                    <a:bodyPr/>
+                    <a:lstStyle/>
+                    <a:p>
+                      <a:pPr algn="ctr" fontAlgn="b"/>
+                      <a:r>
+                        <a:rPr lang="en-US" sz="1200" b="0" i="0" u="none" strike="noStrike" dirty="0">
+                          <a:effectLst/>
+                          <a:latin typeface="Arial" panose="020B0604020202020204" pitchFamily="34" charset="0"/>
+                        </a:rPr>
+                        <a:t>                           3,967 </a:t>
+                      </a:r>
+                    </a:p>
+                  </a:txBody>
+                  <a:tcPr marL="9525" marR="9525" marT="9525" marB="0" anchor="b"/>
+                </a:tc>
+                <a:tc>
+                  <a:txBody>
+                    <a:bodyPr/>
+                    <a:lstStyle/>
+                    <a:p>
+                      <a:pPr algn="ctr" fontAlgn="b"/>
+                      <a:r>
+                        <a:rPr lang="en-US" sz="1200" b="0" i="0" u="none" strike="noStrike" dirty="0">
+                          <a:effectLst/>
+                          <a:latin typeface="Arial" panose="020B0604020202020204" pitchFamily="34" charset="0"/>
+                        </a:rPr>
+                        <a:t>0.4</a:t>
+                      </a:r>
+                    </a:p>
+                  </a:txBody>
+                  <a:tcPr marL="9525" marR="9525" marT="9525" marB="0" anchor="b"/>
+                </a:tc>
+                <a:tc>
+                  <a:txBody>
+                    <a:bodyPr/>
+                    <a:lstStyle/>
+                    <a:p>
+                      <a:pPr algn="ctr" fontAlgn="b"/>
+                      <a:r>
+                        <a:rPr lang="en-US" sz="1200" b="0" i="0" u="none" strike="noStrike" dirty="0">
+                          <a:effectLst/>
+                          <a:latin typeface="Arial" panose="020B0604020202020204" pitchFamily="34" charset="0"/>
+                        </a:rPr>
+                        <a:t>                 2,301,792 </a:t>
+                      </a:r>
+                    </a:p>
+                  </a:txBody>
+                  <a:tcPr marL="9525" marR="9525" marT="9525" marB="0" anchor="b"/>
+                </a:tc>
+                <a:tc>
+                  <a:txBody>
+                    <a:bodyPr/>
+                    <a:lstStyle/>
+                    <a:p>
+                      <a:pPr algn="ctr" fontAlgn="b"/>
+                      <a:r>
+                        <a:rPr lang="en-US" sz="1200" b="0" i="0" u="none" strike="noStrike" dirty="0">
+                          <a:effectLst/>
+                          <a:latin typeface="Arial" panose="020B0604020202020204" pitchFamily="34" charset="0"/>
+                        </a:rPr>
+                        <a:t>215.5</a:t>
+                      </a:r>
+                    </a:p>
+                  </a:txBody>
+                  <a:tcPr marL="9525" marR="9525" marT="9525" marB="0" anchor="b"/>
+                </a:tc>
+                <a:tc>
+                  <a:txBody>
+                    <a:bodyPr/>
+                    <a:lstStyle/>
+                    <a:p>
+                      <a:pPr algn="ctr" fontAlgn="b"/>
+                      <a:r>
+                        <a:rPr lang="en-US" sz="1200" b="0" i="0" u="none" strike="noStrike" dirty="0">
+                          <a:effectLst/>
+                          <a:latin typeface="Arial" panose="020B0604020202020204" pitchFamily="34" charset="0"/>
+                        </a:rPr>
+                        <a:t>1000 cuts</a:t>
+                      </a:r>
+                    </a:p>
+                  </a:txBody>
+                  <a:tcPr marL="9525" marR="9525" marT="9525" marB="0" anchor="ctr"/>
+                </a:tc>
+                <a:extLst>
+                  <a:ext uri="{0D108BD9-81ED-4DB2-BD59-A6C34878D82A}">
+                    <a16:rowId xmlns:a16="http://schemas.microsoft.com/office/drawing/2014/main" val="3665356685"/>
+                  </a:ext>
+                </a:extLst>
+              </a:tr>
+              <a:tr h="370840">
+                <a:tc>
+                  <a:txBody>
+                    <a:bodyPr/>
+                    <a:lstStyle/>
+                    <a:p>
+                      <a:pPr algn="l" fontAlgn="b"/>
+                      <a:r>
+                        <a:rPr lang="en-US" sz="1200" b="0" i="0" u="none" strike="noStrike">
+                          <a:effectLst/>
+                          <a:latin typeface="Arial" panose="020B0604020202020204" pitchFamily="34" charset="0"/>
+                        </a:rPr>
+                        <a:t>CUST_MODEL_ETL</a:t>
+                      </a:r>
+                    </a:p>
+                  </a:txBody>
+                  <a:tcPr marL="9525" marR="9525" marT="9525" marB="0" anchor="ctr"/>
+                </a:tc>
+                <a:tc>
+                  <a:txBody>
+                    <a:bodyPr/>
+                    <a:lstStyle/>
+                    <a:p>
+                      <a:pPr algn="ctr" fontAlgn="b"/>
+                      <a:r>
+                        <a:rPr lang="en-US" sz="1200" b="0" i="0" u="none" strike="noStrike" dirty="0">
+                          <a:effectLst/>
+                          <a:latin typeface="Arial" panose="020B0604020202020204" pitchFamily="34" charset="0"/>
+                        </a:rPr>
+                        <a:t>                              346 </a:t>
+                      </a:r>
+                    </a:p>
+                  </a:txBody>
+                  <a:tcPr marL="9525" marR="9525" marT="9525" marB="0" anchor="b"/>
+                </a:tc>
+                <a:tc>
+                  <a:txBody>
+                    <a:bodyPr/>
+                    <a:lstStyle/>
+                    <a:p>
+                      <a:pPr algn="ctr" fontAlgn="b"/>
+                      <a:r>
+                        <a:rPr lang="en-US" sz="1200" b="0" i="0" u="none" strike="noStrike" dirty="0">
+                          <a:effectLst/>
+                          <a:latin typeface="Arial" panose="020B0604020202020204" pitchFamily="34" charset="0"/>
+                        </a:rPr>
+                        <a:t>                           2,238 </a:t>
+                      </a:r>
+                    </a:p>
+                  </a:txBody>
+                  <a:tcPr marL="9525" marR="9525" marT="9525" marB="0" anchor="b"/>
+                </a:tc>
+                <a:tc>
+                  <a:txBody>
+                    <a:bodyPr/>
+                    <a:lstStyle/>
+                    <a:p>
+                      <a:pPr algn="ctr" fontAlgn="b"/>
+                      <a:r>
+                        <a:rPr lang="en-US" sz="1200" b="0" i="0" u="none" strike="noStrike" dirty="0">
+                          <a:effectLst/>
+                          <a:latin typeface="Arial" panose="020B0604020202020204" pitchFamily="34" charset="0"/>
+                        </a:rPr>
+                        <a:t>6.5</a:t>
+                      </a:r>
+                    </a:p>
+                  </a:txBody>
+                  <a:tcPr marL="9525" marR="9525" marT="9525" marB="0" anchor="b"/>
+                </a:tc>
+                <a:tc>
+                  <a:txBody>
+                    <a:bodyPr/>
+                    <a:lstStyle/>
+                    <a:p>
+                      <a:pPr algn="ctr" fontAlgn="b"/>
+                      <a:r>
+                        <a:rPr lang="en-US" sz="1200" b="0" i="0" u="none" strike="noStrike" dirty="0">
+                          <a:effectLst/>
+                          <a:latin typeface="Arial" panose="020B0604020202020204" pitchFamily="34" charset="0"/>
+                        </a:rPr>
+                        <a:t>                           2,513 </a:t>
+                      </a:r>
+                    </a:p>
+                  </a:txBody>
+                  <a:tcPr marL="9525" marR="9525" marT="9525" marB="0" anchor="b"/>
+                </a:tc>
+                <a:tc>
+                  <a:txBody>
+                    <a:bodyPr/>
+                    <a:lstStyle/>
+                    <a:p>
+                      <a:pPr algn="ctr" fontAlgn="b"/>
+                      <a:r>
+                        <a:rPr lang="en-US" sz="1200" b="0" i="0" u="none" strike="noStrike" dirty="0">
+                          <a:effectLst/>
+                          <a:latin typeface="Arial" panose="020B0604020202020204" pitchFamily="34" charset="0"/>
+                        </a:rPr>
+                        <a:t>7.3</a:t>
+                      </a:r>
+                    </a:p>
+                  </a:txBody>
+                  <a:tcPr marL="9525" marR="9525" marT="9525" marB="0" anchor="b"/>
+                </a:tc>
+                <a:tc>
+                  <a:txBody>
+                    <a:bodyPr/>
+                    <a:lstStyle/>
+                    <a:p>
+                      <a:pPr algn="ctr" fontAlgn="b"/>
+                      <a:r>
+                        <a:rPr lang="en-US" sz="1200" b="0" i="0" u="none" strike="noStrike" dirty="0">
+                          <a:effectLst/>
+                          <a:latin typeface="Arial" panose="020B0604020202020204" pitchFamily="34" charset="0"/>
+                        </a:rPr>
+                        <a:t>                    420,788 </a:t>
+                      </a:r>
+                    </a:p>
+                  </a:txBody>
+                  <a:tcPr marL="9525" marR="9525" marT="9525" marB="0" anchor="b"/>
+                </a:tc>
+                <a:tc>
+                  <a:txBody>
+                    <a:bodyPr/>
+                    <a:lstStyle/>
+                    <a:p>
+                      <a:pPr algn="ctr" fontAlgn="b"/>
+                      <a:r>
+                        <a:rPr lang="en-US" sz="1200" b="0" i="0" u="none" strike="noStrike" dirty="0">
+                          <a:effectLst/>
+                          <a:latin typeface="Arial" panose="020B0604020202020204" pitchFamily="34" charset="0"/>
+                        </a:rPr>
+                        <a:t>1216.15</a:t>
+                      </a:r>
+                    </a:p>
+                  </a:txBody>
+                  <a:tcPr marL="9525" marR="9525" marT="9525" marB="0" anchor="b"/>
+                </a:tc>
+                <a:tc>
+                  <a:txBody>
+                    <a:bodyPr/>
+                    <a:lstStyle/>
+                    <a:p>
+                      <a:pPr algn="ctr" fontAlgn="b"/>
+                      <a:r>
+                        <a:rPr lang="en-US" sz="1200" b="0" i="0" u="none" strike="noStrike" dirty="0">
+                          <a:effectLst/>
+                          <a:latin typeface="Arial" panose="020B0604020202020204" pitchFamily="34" charset="0"/>
+                        </a:rPr>
+                        <a:t>Monolithic,</a:t>
+                      </a:r>
+                    </a:p>
+                    <a:p>
+                      <a:pPr algn="ctr" fontAlgn="b"/>
+                      <a:r>
+                        <a:rPr lang="en-US" sz="1200" b="0" i="0" u="none" strike="noStrike" dirty="0">
+                          <a:effectLst/>
+                          <a:latin typeface="Arial" panose="020B0604020202020204" pitchFamily="34" charset="0"/>
+                        </a:rPr>
+                        <a:t>Scan heavy</a:t>
+                      </a:r>
+                    </a:p>
+                  </a:txBody>
+                  <a:tcPr marL="9525" marR="9525" marT="9525" marB="0" anchor="ctr"/>
+                </a:tc>
+                <a:extLst>
+                  <a:ext uri="{0D108BD9-81ED-4DB2-BD59-A6C34878D82A}">
+                    <a16:rowId xmlns:a16="http://schemas.microsoft.com/office/drawing/2014/main" val="145281215"/>
+                  </a:ext>
+                </a:extLst>
+              </a:tr>
+              <a:tr h="370840">
+                <a:tc>
+                  <a:txBody>
+                    <a:bodyPr/>
+                    <a:lstStyle/>
+                    <a:p>
+                      <a:pPr algn="l" fontAlgn="b"/>
+                      <a:r>
+                        <a:rPr lang="en-US" sz="1200" b="0" i="0" u="none" strike="noStrike">
+                          <a:effectLst/>
+                          <a:latin typeface="Arial" panose="020B0604020202020204" pitchFamily="34" charset="0"/>
+                        </a:rPr>
+                        <a:t>DISNEY_PLUS_ETL</a:t>
+                      </a:r>
+                    </a:p>
+                  </a:txBody>
+                  <a:tcPr marL="9525" marR="9525" marT="9525" marB="0" anchor="ctr"/>
+                </a:tc>
+                <a:tc>
+                  <a:txBody>
+                    <a:bodyPr/>
+                    <a:lstStyle/>
+                    <a:p>
+                      <a:pPr algn="ctr" fontAlgn="b"/>
+                      <a:r>
+                        <a:rPr lang="en-US" sz="1200" b="0" i="0" u="none" strike="noStrike">
+                          <a:effectLst/>
+                          <a:latin typeface="Arial" panose="020B0604020202020204" pitchFamily="34" charset="0"/>
+                        </a:rPr>
+                        <a:t>                         10,681 </a:t>
+                      </a:r>
+                    </a:p>
+                  </a:txBody>
+                  <a:tcPr marL="9525" marR="9525" marT="9525" marB="0" anchor="b"/>
+                </a:tc>
+                <a:tc>
+                  <a:txBody>
+                    <a:bodyPr/>
+                    <a:lstStyle/>
+                    <a:p>
+                      <a:pPr algn="ctr" fontAlgn="b"/>
+                      <a:r>
+                        <a:rPr lang="en-US" sz="1200" b="0" i="0" u="none" strike="noStrike">
+                          <a:effectLst/>
+                          <a:latin typeface="Arial" panose="020B0604020202020204" pitchFamily="34" charset="0"/>
+                        </a:rPr>
+                        <a:t>                           2,199 </a:t>
+                      </a:r>
+                    </a:p>
+                  </a:txBody>
+                  <a:tcPr marL="9525" marR="9525" marT="9525" marB="0" anchor="b"/>
+                </a:tc>
+                <a:tc>
+                  <a:txBody>
+                    <a:bodyPr/>
+                    <a:lstStyle/>
+                    <a:p>
+                      <a:pPr algn="ctr" fontAlgn="b"/>
+                      <a:r>
+                        <a:rPr lang="en-US" sz="1200" b="0" i="0" u="none" strike="noStrike" dirty="0">
+                          <a:effectLst/>
+                          <a:latin typeface="Arial" panose="020B0604020202020204" pitchFamily="34" charset="0"/>
+                        </a:rPr>
+                        <a:t>0.2</a:t>
+                      </a:r>
+                    </a:p>
+                  </a:txBody>
+                  <a:tcPr marL="9525" marR="9525" marT="9525" marB="0" anchor="b"/>
+                </a:tc>
+                <a:tc>
+                  <a:txBody>
+                    <a:bodyPr/>
+                    <a:lstStyle/>
+                    <a:p>
+                      <a:pPr algn="ctr" fontAlgn="b"/>
+                      <a:r>
+                        <a:rPr lang="en-US" sz="1200" b="0" i="0" u="none" strike="noStrike" dirty="0">
+                          <a:effectLst/>
+                          <a:latin typeface="Arial" panose="020B0604020202020204" pitchFamily="34" charset="0"/>
+                        </a:rPr>
+                        <a:t>                           3,897 </a:t>
+                      </a:r>
+                    </a:p>
+                  </a:txBody>
+                  <a:tcPr marL="9525" marR="9525" marT="9525" marB="0" anchor="b"/>
+                </a:tc>
+                <a:tc>
+                  <a:txBody>
+                    <a:bodyPr/>
+                    <a:lstStyle/>
+                    <a:p>
+                      <a:pPr algn="ctr" fontAlgn="b"/>
+                      <a:r>
+                        <a:rPr lang="en-US" sz="1200" b="0" i="0" u="none" strike="noStrike" dirty="0">
+                          <a:effectLst/>
+                          <a:latin typeface="Arial" panose="020B0604020202020204" pitchFamily="34" charset="0"/>
+                        </a:rPr>
+                        <a:t>0.4</a:t>
+                      </a:r>
+                    </a:p>
+                  </a:txBody>
+                  <a:tcPr marL="9525" marR="9525" marT="9525" marB="0" anchor="b"/>
+                </a:tc>
+                <a:tc>
+                  <a:txBody>
+                    <a:bodyPr/>
+                    <a:lstStyle/>
+                    <a:p>
+                      <a:pPr algn="ctr" fontAlgn="b"/>
+                      <a:r>
+                        <a:rPr lang="en-US" sz="1200" b="0" i="0" u="none" strike="noStrike" dirty="0">
+                          <a:effectLst/>
+                          <a:latin typeface="Arial" panose="020B0604020202020204" pitchFamily="34" charset="0"/>
+                        </a:rPr>
+                        <a:t>                 2,301,784 </a:t>
+                      </a:r>
+                    </a:p>
+                  </a:txBody>
+                  <a:tcPr marL="9525" marR="9525" marT="9525" marB="0" anchor="b"/>
+                </a:tc>
+                <a:tc>
+                  <a:txBody>
+                    <a:bodyPr/>
+                    <a:lstStyle/>
+                    <a:p>
+                      <a:pPr algn="ctr" fontAlgn="b"/>
+                      <a:r>
+                        <a:rPr lang="en-US" sz="1200" b="0" i="0" u="none" strike="noStrike" dirty="0">
+                          <a:effectLst/>
+                          <a:latin typeface="Arial" panose="020B0604020202020204" pitchFamily="34" charset="0"/>
+                        </a:rPr>
+                        <a:t>215.5</a:t>
+                      </a:r>
+                    </a:p>
+                  </a:txBody>
+                  <a:tcPr marL="9525" marR="9525" marT="9525" marB="0" anchor="b"/>
+                </a:tc>
+                <a:tc>
+                  <a:txBody>
+                    <a:bodyPr/>
+                    <a:lstStyle/>
+                    <a:p>
+                      <a:pPr algn="ctr" fontAlgn="b"/>
+                      <a:r>
+                        <a:rPr lang="en-US" sz="1200" b="0" i="0" u="none" strike="noStrike" dirty="0">
+                          <a:effectLst/>
+                          <a:latin typeface="Arial" panose="020B0604020202020204" pitchFamily="34" charset="0"/>
+                        </a:rPr>
+                        <a:t>1000 cuts</a:t>
+                      </a:r>
+                    </a:p>
+                  </a:txBody>
+                  <a:tcPr marL="9525" marR="9525" marT="9525" marB="0" anchor="ctr"/>
+                </a:tc>
+                <a:extLst>
+                  <a:ext uri="{0D108BD9-81ED-4DB2-BD59-A6C34878D82A}">
+                    <a16:rowId xmlns:a16="http://schemas.microsoft.com/office/drawing/2014/main" val="1083588321"/>
+                  </a:ext>
+                </a:extLst>
+              </a:tr>
+              <a:tr h="370840">
+                <a:tc>
+                  <a:txBody>
+                    <a:bodyPr/>
+                    <a:lstStyle/>
+                    <a:p>
+                      <a:pPr algn="l" fontAlgn="b"/>
+                      <a:r>
+                        <a:rPr lang="en-US" sz="1200" b="0" i="0" u="none" strike="noStrike">
+                          <a:effectLst/>
+                          <a:latin typeface="Arial" panose="020B0604020202020204" pitchFamily="34" charset="0"/>
+                        </a:rPr>
+                        <a:t>CUST_MODEL_ETL</a:t>
+                      </a:r>
+                    </a:p>
+                  </a:txBody>
+                  <a:tcPr marL="9525" marR="9525" marT="9525" marB="0" anchor="ctr"/>
+                </a:tc>
+                <a:tc>
+                  <a:txBody>
+                    <a:bodyPr/>
+                    <a:lstStyle/>
+                    <a:p>
+                      <a:pPr algn="ctr" fontAlgn="b"/>
+                      <a:r>
+                        <a:rPr lang="en-US" sz="1200" b="0" i="0" u="none" strike="noStrike">
+                          <a:effectLst/>
+                          <a:latin typeface="Arial" panose="020B0604020202020204" pitchFamily="34" charset="0"/>
+                        </a:rPr>
+                        <a:t>                              187 </a:t>
+                      </a:r>
+                    </a:p>
+                  </a:txBody>
+                  <a:tcPr marL="9525" marR="9525" marT="9525" marB="0" anchor="b"/>
+                </a:tc>
+                <a:tc>
+                  <a:txBody>
+                    <a:bodyPr/>
+                    <a:lstStyle/>
+                    <a:p>
+                      <a:pPr algn="ctr" fontAlgn="b"/>
+                      <a:r>
+                        <a:rPr lang="en-US" sz="1200" b="0" i="0" u="none" strike="noStrike">
+                          <a:effectLst/>
+                          <a:latin typeface="Arial" panose="020B0604020202020204" pitchFamily="34" charset="0"/>
+                        </a:rPr>
+                        <a:t>                           2,082 </a:t>
+                      </a:r>
+                    </a:p>
+                  </a:txBody>
+                  <a:tcPr marL="9525" marR="9525" marT="9525" marB="0" anchor="b"/>
+                </a:tc>
+                <a:tc>
+                  <a:txBody>
+                    <a:bodyPr/>
+                    <a:lstStyle/>
+                    <a:p>
+                      <a:pPr algn="ctr" fontAlgn="b"/>
+                      <a:r>
+                        <a:rPr lang="en-US" sz="1200" b="0" i="0" u="none" strike="noStrike">
+                          <a:effectLst/>
+                          <a:latin typeface="Arial" panose="020B0604020202020204" pitchFamily="34" charset="0"/>
+                        </a:rPr>
+                        <a:t>11.1</a:t>
+                      </a:r>
+                    </a:p>
+                  </a:txBody>
+                  <a:tcPr marL="9525" marR="9525" marT="9525" marB="0" anchor="b"/>
+                </a:tc>
+                <a:tc>
+                  <a:txBody>
+                    <a:bodyPr/>
+                    <a:lstStyle/>
+                    <a:p>
+                      <a:pPr algn="ctr" fontAlgn="b"/>
+                      <a:r>
+                        <a:rPr lang="en-US" sz="1200" b="0" i="0" u="none" strike="noStrike">
+                          <a:effectLst/>
+                          <a:latin typeface="Arial" panose="020B0604020202020204" pitchFamily="34" charset="0"/>
+                        </a:rPr>
+                        <a:t>                           1,344 </a:t>
+                      </a:r>
+                    </a:p>
+                  </a:txBody>
+                  <a:tcPr marL="9525" marR="9525" marT="9525" marB="0" anchor="b"/>
+                </a:tc>
+                <a:tc>
+                  <a:txBody>
+                    <a:bodyPr/>
+                    <a:lstStyle/>
+                    <a:p>
+                      <a:pPr algn="ctr" fontAlgn="b"/>
+                      <a:r>
+                        <a:rPr lang="en-US" sz="1200" b="0" i="0" u="none" strike="noStrike" dirty="0">
+                          <a:effectLst/>
+                          <a:latin typeface="Arial" panose="020B0604020202020204" pitchFamily="34" charset="0"/>
+                        </a:rPr>
+                        <a:t>7.2</a:t>
+                      </a:r>
+                    </a:p>
+                  </a:txBody>
+                  <a:tcPr marL="9525" marR="9525" marT="9525" marB="0" anchor="b"/>
+                </a:tc>
+                <a:tc>
+                  <a:txBody>
+                    <a:bodyPr/>
+                    <a:lstStyle/>
+                    <a:p>
+                      <a:pPr algn="ctr" fontAlgn="b"/>
+                      <a:r>
+                        <a:rPr lang="en-US" sz="1200" b="0" i="0" u="none" strike="noStrike" dirty="0">
+                          <a:effectLst/>
+                          <a:latin typeface="Arial" panose="020B0604020202020204" pitchFamily="34" charset="0"/>
+                        </a:rPr>
+                        <a:t>                    233,684 </a:t>
+                      </a:r>
+                    </a:p>
+                  </a:txBody>
+                  <a:tcPr marL="9525" marR="9525" marT="9525" marB="0" anchor="b"/>
+                </a:tc>
+                <a:tc>
+                  <a:txBody>
+                    <a:bodyPr/>
+                    <a:lstStyle/>
+                    <a:p>
+                      <a:pPr algn="ctr" fontAlgn="b"/>
+                      <a:r>
+                        <a:rPr lang="en-US" sz="1200" b="0" i="0" u="none" strike="noStrike" dirty="0">
+                          <a:effectLst/>
+                          <a:latin typeface="Arial" panose="020B0604020202020204" pitchFamily="34" charset="0"/>
+                        </a:rPr>
+                        <a:t>1249.65</a:t>
+                      </a:r>
+                    </a:p>
+                  </a:txBody>
+                  <a:tcPr marL="9525" marR="9525" marT="9525" marB="0" anchor="b"/>
+                </a:tc>
+                <a:tc>
+                  <a:txBody>
+                    <a:bodyPr/>
+                    <a:lstStyle/>
+                    <a:p>
+                      <a:pPr algn="ctr" fontAlgn="b"/>
+                      <a:r>
+                        <a:rPr lang="en-US" sz="1200" b="0" i="0" u="none" strike="noStrike" dirty="0">
+                          <a:effectLst/>
+                          <a:latin typeface="Arial" panose="020B0604020202020204" pitchFamily="34" charset="0"/>
+                        </a:rPr>
+                        <a:t>Monolithic,</a:t>
+                      </a:r>
+                    </a:p>
+                    <a:p>
+                      <a:pPr algn="ctr" fontAlgn="b"/>
+                      <a:r>
+                        <a:rPr lang="en-US" sz="1200" b="0" i="0" u="none" strike="noStrike" dirty="0">
+                          <a:effectLst/>
+                          <a:latin typeface="Arial" panose="020B0604020202020204" pitchFamily="34" charset="0"/>
+                        </a:rPr>
+                        <a:t>Scan heavy</a:t>
+                      </a:r>
+                    </a:p>
+                  </a:txBody>
+                  <a:tcPr marL="9525" marR="9525" marT="9525" marB="0" anchor="ctr"/>
+                </a:tc>
+                <a:extLst>
+                  <a:ext uri="{0D108BD9-81ED-4DB2-BD59-A6C34878D82A}">
+                    <a16:rowId xmlns:a16="http://schemas.microsoft.com/office/drawing/2014/main" val="228064095"/>
+                  </a:ext>
+                </a:extLst>
+              </a:tr>
+              <a:tr h="370840">
+                <a:tc>
+                  <a:txBody>
+                    <a:bodyPr/>
+                    <a:lstStyle/>
+                    <a:p>
+                      <a:pPr algn="l" fontAlgn="b"/>
+                      <a:r>
+                        <a:rPr lang="en-US" sz="1200" b="0" i="0" u="none" strike="noStrike">
+                          <a:effectLst/>
+                          <a:latin typeface="Arial" panose="020B0604020202020204" pitchFamily="34" charset="0"/>
+                        </a:rPr>
+                        <a:t>EPLUS_ANALYTICS_PROD_ETL</a:t>
+                      </a:r>
+                    </a:p>
+                  </a:txBody>
+                  <a:tcPr marL="9525" marR="9525" marT="9525" marB="0" anchor="ctr"/>
+                </a:tc>
+                <a:tc>
+                  <a:txBody>
+                    <a:bodyPr/>
+                    <a:lstStyle/>
+                    <a:p>
+                      <a:pPr algn="ctr" fontAlgn="b"/>
+                      <a:r>
+                        <a:rPr lang="en-US" sz="1200" b="0" i="0" u="none" strike="noStrike">
+                          <a:effectLst/>
+                          <a:latin typeface="Arial" panose="020B0604020202020204" pitchFamily="34" charset="0"/>
+                        </a:rPr>
+                        <a:t>                           1,435 </a:t>
+                      </a:r>
+                    </a:p>
+                  </a:txBody>
+                  <a:tcPr marL="9525" marR="9525" marT="9525" marB="0" anchor="b"/>
+                </a:tc>
+                <a:tc>
+                  <a:txBody>
+                    <a:bodyPr/>
+                    <a:lstStyle/>
+                    <a:p>
+                      <a:pPr algn="ctr" fontAlgn="b"/>
+                      <a:r>
+                        <a:rPr lang="en-US" sz="1200" b="0" i="0" u="none" strike="noStrike">
+                          <a:effectLst/>
+                          <a:latin typeface="Arial" panose="020B0604020202020204" pitchFamily="34" charset="0"/>
+                        </a:rPr>
+                        <a:t>                           1,872 </a:t>
+                      </a:r>
+                    </a:p>
+                  </a:txBody>
+                  <a:tcPr marL="9525" marR="9525" marT="9525" marB="0" anchor="b"/>
+                </a:tc>
+                <a:tc>
+                  <a:txBody>
+                    <a:bodyPr/>
+                    <a:lstStyle/>
+                    <a:p>
+                      <a:pPr algn="ctr" fontAlgn="b"/>
+                      <a:r>
+                        <a:rPr lang="en-US" sz="1200" b="0" i="0" u="none" strike="noStrike">
+                          <a:effectLst/>
+                          <a:latin typeface="Arial" panose="020B0604020202020204" pitchFamily="34" charset="0"/>
+                        </a:rPr>
+                        <a:t>1.3</a:t>
+                      </a:r>
+                    </a:p>
+                  </a:txBody>
+                  <a:tcPr marL="9525" marR="9525" marT="9525" marB="0" anchor="b"/>
+                </a:tc>
+                <a:tc>
+                  <a:txBody>
+                    <a:bodyPr/>
+                    <a:lstStyle/>
+                    <a:p>
+                      <a:pPr algn="ctr" fontAlgn="b"/>
+                      <a:r>
+                        <a:rPr lang="en-US" sz="1200" b="0" i="0" u="none" strike="noStrike">
+                          <a:effectLst/>
+                          <a:latin typeface="Arial" panose="020B0604020202020204" pitchFamily="34" charset="0"/>
+                        </a:rPr>
+                        <a:t>                           5,041 </a:t>
+                      </a:r>
+                    </a:p>
+                  </a:txBody>
+                  <a:tcPr marL="9525" marR="9525" marT="9525" marB="0" anchor="b"/>
+                </a:tc>
+                <a:tc>
+                  <a:txBody>
+                    <a:bodyPr/>
+                    <a:lstStyle/>
+                    <a:p>
+                      <a:pPr algn="ctr" fontAlgn="b"/>
+                      <a:r>
+                        <a:rPr lang="en-US" sz="1200" b="0" i="0" u="none" strike="noStrike" dirty="0">
+                          <a:effectLst/>
+                          <a:latin typeface="Arial" panose="020B0604020202020204" pitchFamily="34" charset="0"/>
+                        </a:rPr>
+                        <a:t>3.5</a:t>
+                      </a:r>
+                    </a:p>
+                  </a:txBody>
+                  <a:tcPr marL="9525" marR="9525" marT="9525" marB="0" anchor="b"/>
+                </a:tc>
+                <a:tc>
+                  <a:txBody>
+                    <a:bodyPr/>
+                    <a:lstStyle/>
+                    <a:p>
+                      <a:pPr algn="ctr" fontAlgn="b"/>
+                      <a:r>
+                        <a:rPr lang="en-US" sz="1200" b="0" i="0" u="none" strike="noStrike" dirty="0">
+                          <a:effectLst/>
+                          <a:latin typeface="Arial" panose="020B0604020202020204" pitchFamily="34" charset="0"/>
+                        </a:rPr>
+                        <a:t>                    315,464 </a:t>
+                      </a:r>
+                    </a:p>
+                  </a:txBody>
+                  <a:tcPr marL="9525" marR="9525" marT="9525" marB="0" anchor="b"/>
+                </a:tc>
+                <a:tc>
+                  <a:txBody>
+                    <a:bodyPr/>
+                    <a:lstStyle/>
+                    <a:p>
+                      <a:pPr algn="ctr" fontAlgn="b"/>
+                      <a:r>
+                        <a:rPr lang="en-US" sz="1200" b="0" i="0" u="none" strike="noStrike" dirty="0">
+                          <a:effectLst/>
+                          <a:latin typeface="Arial" panose="020B0604020202020204" pitchFamily="34" charset="0"/>
+                        </a:rPr>
+                        <a:t>219.84</a:t>
+                      </a:r>
+                    </a:p>
+                  </a:txBody>
+                  <a:tcPr marL="9525" marR="9525" marT="9525" marB="0" anchor="b"/>
+                </a:tc>
+                <a:tc>
+                  <a:txBody>
+                    <a:bodyPr/>
+                    <a:lstStyle/>
+                    <a:p>
+                      <a:pPr algn="ctr" fontAlgn="b"/>
+                      <a:endParaRPr lang="en-US" sz="1200" b="0" i="0" u="none" strike="noStrike" dirty="0">
+                        <a:effectLst/>
+                        <a:latin typeface="Arial" panose="020B0604020202020204" pitchFamily="34" charset="0"/>
+                      </a:endParaRPr>
+                    </a:p>
+                  </a:txBody>
+                  <a:tcPr marL="9525" marR="9525" marT="9525" marB="0" anchor="ctr"/>
+                </a:tc>
+                <a:extLst>
+                  <a:ext uri="{0D108BD9-81ED-4DB2-BD59-A6C34878D82A}">
+                    <a16:rowId xmlns:a16="http://schemas.microsoft.com/office/drawing/2014/main" val="915177788"/>
+                  </a:ext>
+                </a:extLst>
+              </a:tr>
+              <a:tr h="370840">
+                <a:tc>
+                  <a:txBody>
+                    <a:bodyPr/>
+                    <a:lstStyle/>
+                    <a:p>
+                      <a:pPr algn="l" fontAlgn="b"/>
+                      <a:r>
+                        <a:rPr lang="en-US" sz="1200" b="0" i="0" u="none" strike="noStrike">
+                          <a:effectLst/>
+                          <a:latin typeface="Arial" panose="020B0604020202020204" pitchFamily="34" charset="0"/>
+                        </a:rPr>
+                        <a:t>DPLUS_ANALYTICS_PROD_ETL</a:t>
+                      </a:r>
+                    </a:p>
+                  </a:txBody>
+                  <a:tcPr marL="9525" marR="9525" marT="9525" marB="0" anchor="ctr"/>
+                </a:tc>
+                <a:tc>
+                  <a:txBody>
+                    <a:bodyPr/>
+                    <a:lstStyle/>
+                    <a:p>
+                      <a:pPr algn="ctr" fontAlgn="b"/>
+                      <a:r>
+                        <a:rPr lang="en-US" sz="1200" b="0" i="0" u="none" strike="noStrike">
+                          <a:effectLst/>
+                          <a:latin typeface="Arial" panose="020B0604020202020204" pitchFamily="34" charset="0"/>
+                        </a:rPr>
+                        <a:t>                         10,310 </a:t>
+                      </a:r>
+                    </a:p>
+                  </a:txBody>
+                  <a:tcPr marL="9525" marR="9525" marT="9525" marB="0" anchor="b"/>
+                </a:tc>
+                <a:tc>
+                  <a:txBody>
+                    <a:bodyPr/>
+                    <a:lstStyle/>
+                    <a:p>
+                      <a:pPr algn="ctr" fontAlgn="b"/>
+                      <a:r>
+                        <a:rPr lang="en-US" sz="1200" b="0" i="0" u="none" strike="noStrike">
+                          <a:effectLst/>
+                          <a:latin typeface="Arial" panose="020B0604020202020204" pitchFamily="34" charset="0"/>
+                        </a:rPr>
+                        <a:t>                           1,829 </a:t>
+                      </a:r>
+                    </a:p>
+                  </a:txBody>
+                  <a:tcPr marL="9525" marR="9525" marT="9525" marB="0" anchor="b"/>
+                </a:tc>
+                <a:tc>
+                  <a:txBody>
+                    <a:bodyPr/>
+                    <a:lstStyle/>
+                    <a:p>
+                      <a:pPr algn="ctr" fontAlgn="b"/>
+                      <a:r>
+                        <a:rPr lang="en-US" sz="1200" b="0" i="0" u="none" strike="noStrike">
+                          <a:effectLst/>
+                          <a:latin typeface="Arial" panose="020B0604020202020204" pitchFamily="34" charset="0"/>
+                        </a:rPr>
+                        <a:t>0.2</a:t>
+                      </a:r>
+                    </a:p>
+                  </a:txBody>
+                  <a:tcPr marL="9525" marR="9525" marT="9525" marB="0" anchor="b"/>
+                </a:tc>
+                <a:tc>
+                  <a:txBody>
+                    <a:bodyPr/>
+                    <a:lstStyle/>
+                    <a:p>
+                      <a:pPr algn="ctr" fontAlgn="b"/>
+                      <a:r>
+                        <a:rPr lang="en-US" sz="1200" b="0" i="0" u="none" strike="noStrike">
+                          <a:effectLst/>
+                          <a:latin typeface="Arial" panose="020B0604020202020204" pitchFamily="34" charset="0"/>
+                        </a:rPr>
+                        <a:t>                         11,566 </a:t>
+                      </a:r>
+                    </a:p>
+                  </a:txBody>
+                  <a:tcPr marL="9525" marR="9525" marT="9525" marB="0" anchor="b"/>
+                </a:tc>
+                <a:tc>
+                  <a:txBody>
+                    <a:bodyPr/>
+                    <a:lstStyle/>
+                    <a:p>
+                      <a:pPr algn="ctr" fontAlgn="b"/>
+                      <a:r>
+                        <a:rPr lang="en-US" sz="1200" b="0" i="0" u="none" strike="noStrike">
+                          <a:effectLst/>
+                          <a:latin typeface="Arial" panose="020B0604020202020204" pitchFamily="34" charset="0"/>
+                        </a:rPr>
+                        <a:t>1.1</a:t>
+                      </a:r>
+                    </a:p>
+                  </a:txBody>
+                  <a:tcPr marL="9525" marR="9525" marT="9525" marB="0" anchor="b"/>
+                </a:tc>
+                <a:tc>
+                  <a:txBody>
+                    <a:bodyPr/>
+                    <a:lstStyle/>
+                    <a:p>
+                      <a:pPr algn="ctr" fontAlgn="b"/>
+                      <a:r>
+                        <a:rPr lang="en-US" sz="1200" b="0" i="0" u="none" strike="noStrike" dirty="0">
+                          <a:effectLst/>
+                          <a:latin typeface="Arial" panose="020B0604020202020204" pitchFamily="34" charset="0"/>
+                        </a:rPr>
+                        <a:t>                 4,819,193 </a:t>
+                      </a:r>
+                    </a:p>
+                  </a:txBody>
+                  <a:tcPr marL="9525" marR="9525" marT="9525" marB="0" anchor="b"/>
+                </a:tc>
+                <a:tc>
+                  <a:txBody>
+                    <a:bodyPr/>
+                    <a:lstStyle/>
+                    <a:p>
+                      <a:pPr algn="ctr" fontAlgn="b"/>
+                      <a:r>
+                        <a:rPr lang="en-US" sz="1200" b="0" i="0" u="none" strike="noStrike" dirty="0">
+                          <a:effectLst/>
+                          <a:latin typeface="Arial" panose="020B0604020202020204" pitchFamily="34" charset="0"/>
+                        </a:rPr>
+                        <a:t>467.43</a:t>
+                      </a:r>
+                    </a:p>
+                  </a:txBody>
+                  <a:tcPr marL="9525" marR="9525" marT="9525" marB="0" anchor="b"/>
+                </a:tc>
+                <a:tc>
+                  <a:txBody>
+                    <a:bodyPr/>
+                    <a:lstStyle/>
+                    <a:p>
+                      <a:pPr algn="ctr" fontAlgn="b"/>
+                      <a:r>
+                        <a:rPr lang="en-US" sz="1200" b="0" i="0" u="none" strike="noStrike" dirty="0">
+                          <a:effectLst/>
+                          <a:latin typeface="Arial" panose="020B0604020202020204" pitchFamily="34" charset="0"/>
+                        </a:rPr>
+                        <a:t>1000 cuts,</a:t>
+                      </a:r>
+                    </a:p>
+                    <a:p>
+                      <a:pPr algn="ctr" fontAlgn="b"/>
+                      <a:r>
+                        <a:rPr lang="en-US" sz="1200" b="0" i="0" u="none" strike="noStrike" dirty="0">
+                          <a:effectLst/>
+                          <a:latin typeface="Arial" panose="020B0604020202020204" pitchFamily="34" charset="0"/>
+                        </a:rPr>
+                        <a:t>scan heavy</a:t>
+                      </a:r>
+                    </a:p>
+                  </a:txBody>
+                  <a:tcPr marL="9525" marR="9525" marT="9525" marB="0" anchor="ctr"/>
+                </a:tc>
+                <a:extLst>
+                  <a:ext uri="{0D108BD9-81ED-4DB2-BD59-A6C34878D82A}">
+                    <a16:rowId xmlns:a16="http://schemas.microsoft.com/office/drawing/2014/main" val="95992846"/>
+                  </a:ext>
+                </a:extLst>
+              </a:tr>
+              <a:tr h="370840">
+                <a:tc>
+                  <a:txBody>
+                    <a:bodyPr/>
+                    <a:lstStyle/>
+                    <a:p>
+                      <a:pPr algn="l" fontAlgn="b"/>
+                      <a:r>
+                        <a:rPr lang="en-US" sz="1200" b="0" i="0" u="none" strike="noStrike">
+                          <a:effectLst/>
+                          <a:latin typeface="Arial" panose="020B0604020202020204" pitchFamily="34" charset="0"/>
+                        </a:rPr>
+                        <a:t>CUST_MODEL_ETL</a:t>
+                      </a:r>
+                    </a:p>
+                  </a:txBody>
+                  <a:tcPr marL="9525" marR="9525" marT="9525" marB="0" anchor="ctr"/>
+                </a:tc>
+                <a:tc>
+                  <a:txBody>
+                    <a:bodyPr/>
+                    <a:lstStyle/>
+                    <a:p>
+                      <a:pPr algn="ctr" fontAlgn="b"/>
+                      <a:r>
+                        <a:rPr lang="en-US" sz="1200" b="0" i="0" u="none" strike="noStrike" dirty="0">
+                          <a:effectLst/>
+                          <a:latin typeface="Arial" panose="020B0604020202020204" pitchFamily="34" charset="0"/>
+                        </a:rPr>
+                        <a:t>                           7,095 </a:t>
+                      </a:r>
+                    </a:p>
+                  </a:txBody>
+                  <a:tcPr marL="9525" marR="9525" marT="9525" marB="0" anchor="b"/>
+                </a:tc>
+                <a:tc>
+                  <a:txBody>
+                    <a:bodyPr/>
+                    <a:lstStyle/>
+                    <a:p>
+                      <a:pPr algn="ctr" fontAlgn="b"/>
+                      <a:r>
+                        <a:rPr lang="en-US" sz="1200" b="0" i="0" u="none" strike="noStrike">
+                          <a:effectLst/>
+                          <a:latin typeface="Arial" panose="020B0604020202020204" pitchFamily="34" charset="0"/>
+                        </a:rPr>
+                        <a:t>                           1,559 </a:t>
+                      </a:r>
+                    </a:p>
+                  </a:txBody>
+                  <a:tcPr marL="9525" marR="9525" marT="9525" marB="0" anchor="b"/>
+                </a:tc>
+                <a:tc>
+                  <a:txBody>
+                    <a:bodyPr/>
+                    <a:lstStyle/>
+                    <a:p>
+                      <a:pPr algn="ctr" fontAlgn="b"/>
+                      <a:r>
+                        <a:rPr lang="en-US" sz="1200" b="0" i="0" u="none" strike="noStrike">
+                          <a:effectLst/>
+                          <a:latin typeface="Arial" panose="020B0604020202020204" pitchFamily="34" charset="0"/>
+                        </a:rPr>
+                        <a:t>0.2</a:t>
+                      </a:r>
+                    </a:p>
+                  </a:txBody>
+                  <a:tcPr marL="9525" marR="9525" marT="9525" marB="0" anchor="b"/>
+                </a:tc>
+                <a:tc>
+                  <a:txBody>
+                    <a:bodyPr/>
+                    <a:lstStyle/>
+                    <a:p>
+                      <a:pPr algn="ctr" fontAlgn="b"/>
+                      <a:r>
+                        <a:rPr lang="en-US" sz="1200" b="0" i="0" u="none" strike="noStrike">
+                          <a:effectLst/>
+                          <a:latin typeface="Arial" panose="020B0604020202020204" pitchFamily="34" charset="0"/>
+                        </a:rPr>
+                        <a:t>                              863 </a:t>
+                      </a:r>
+                    </a:p>
+                  </a:txBody>
+                  <a:tcPr marL="9525" marR="9525" marT="9525" marB="0" anchor="b"/>
+                </a:tc>
+                <a:tc>
+                  <a:txBody>
+                    <a:bodyPr/>
+                    <a:lstStyle/>
+                    <a:p>
+                      <a:pPr algn="ctr" fontAlgn="b"/>
+                      <a:r>
+                        <a:rPr lang="en-US" sz="1200" b="0" i="0" u="none" strike="noStrike">
+                          <a:effectLst/>
+                          <a:latin typeface="Arial" panose="020B0604020202020204" pitchFamily="34" charset="0"/>
+                        </a:rPr>
+                        <a:t>0.1</a:t>
+                      </a:r>
+                    </a:p>
+                  </a:txBody>
+                  <a:tcPr marL="9525" marR="9525" marT="9525" marB="0" anchor="b"/>
+                </a:tc>
+                <a:tc>
+                  <a:txBody>
+                    <a:bodyPr/>
+                    <a:lstStyle/>
+                    <a:p>
+                      <a:pPr algn="ctr" fontAlgn="b"/>
+                      <a:r>
+                        <a:rPr lang="en-US" sz="1200" b="0" i="0" u="none" strike="noStrike" dirty="0">
+                          <a:effectLst/>
+                          <a:latin typeface="Arial" panose="020B0604020202020204" pitchFamily="34" charset="0"/>
+                        </a:rPr>
+                        <a:t>                 1,227,368 </a:t>
+                      </a:r>
+                    </a:p>
+                  </a:txBody>
+                  <a:tcPr marL="9525" marR="9525" marT="9525" marB="0" anchor="b"/>
+                </a:tc>
+                <a:tc>
+                  <a:txBody>
+                    <a:bodyPr/>
+                    <a:lstStyle/>
+                    <a:p>
+                      <a:pPr algn="ctr" fontAlgn="b"/>
+                      <a:r>
+                        <a:rPr lang="en-US" sz="1200" b="0" i="0" u="none" strike="noStrike" dirty="0">
+                          <a:effectLst/>
+                          <a:latin typeface="Arial" panose="020B0604020202020204" pitchFamily="34" charset="0"/>
+                        </a:rPr>
+                        <a:t>172.99</a:t>
+                      </a:r>
+                    </a:p>
+                  </a:txBody>
+                  <a:tcPr marL="9525" marR="9525" marT="9525" marB="0" anchor="b"/>
+                </a:tc>
+                <a:tc>
+                  <a:txBody>
+                    <a:bodyPr/>
+                    <a:lstStyle/>
+                    <a:p>
+                      <a:pPr algn="ctr" fontAlgn="b"/>
+                      <a:endParaRPr lang="en-US" sz="1200" b="0" i="0" u="none" strike="noStrike" dirty="0">
+                        <a:effectLst/>
+                        <a:latin typeface="Arial" panose="020B0604020202020204" pitchFamily="34" charset="0"/>
+                      </a:endParaRPr>
+                    </a:p>
+                  </a:txBody>
+                  <a:tcPr marL="9525" marR="9525" marT="9525" marB="0" anchor="ctr"/>
+                </a:tc>
+                <a:extLst>
+                  <a:ext uri="{0D108BD9-81ED-4DB2-BD59-A6C34878D82A}">
+                    <a16:rowId xmlns:a16="http://schemas.microsoft.com/office/drawing/2014/main" val="2478769888"/>
+                  </a:ext>
+                </a:extLst>
+              </a:tr>
+            </a:tbl>
+          </a:graphicData>
+        </a:graphic>
+      </p:graphicFrame>
+    </p:spTree>
+    <p:extLst>
+      <p:ext uri="{BB962C8B-B14F-4D97-AF65-F5344CB8AC3E}">
+        <p14:creationId xmlns:p14="http://schemas.microsoft.com/office/powerpoint/2010/main" val="2704229822"/>
+      </p:ext>
+    </p:extLst>
+  </p:cSld>
+  <p:clrMapOvr>
+    <a:masterClrMapping/>
+  </p:clrMapOvr>
+</p:sld>
+</file>
+
+<file path=ppt/slides/slide5.xml><?xml version="1.0" encoding="utf-8"?>
+<p:sld xmlns:a="http://schemas.openxmlformats.org/drawingml/2006/main" xmlns:r="http://schemas.openxmlformats.org/officeDocument/2006/relationships" xmlns:p="http://schemas.openxmlformats.org/presentationml/2006/main">
+  <p:cSld>
+    <p:spTree>
+      <p:nvGrpSpPr>
+        <p:cNvPr id="1" name=""/>
+        <p:cNvGrpSpPr/>
+        <p:nvPr/>
+      </p:nvGrpSpPr>
+      <p:grpSpPr>
+        <a:xfrm>
+          <a:off x="0" y="0"/>
+          <a:ext cx="0" cy="0"/>
+          <a:chOff x="0" y="0"/>
+          <a:chExt cx="0" cy="0"/>
+        </a:xfrm>
+      </p:grpSpPr>
+      <p:sp>
+        <p:nvSpPr>
+          <p:cNvPr id="2" name="Title 1">
+            <a:extLst>
+              <a:ext uri="{FF2B5EF4-FFF2-40B4-BE49-F238E27FC236}">
                 <a16:creationId xmlns:a16="http://schemas.microsoft.com/office/drawing/2014/main" id="{35CE596C-D19A-6E47-93C0-D86F90D8F9A8}"/>
               </a:ext>
             </a:extLst>
@@ -23358,14 +29445,14 @@
             <p:ph idx="1"/>
             <p:extLst>
               <p:ext uri="{D42A27DB-BD31-4B8C-83A1-F6EECF244321}">
-                <p14:modId xmlns:p14="http://schemas.microsoft.com/office/powerpoint/2010/main" val="2428747450"/>
+                <p14:modId xmlns:p14="http://schemas.microsoft.com/office/powerpoint/2010/main" val="2370298100"/>
               </p:ext>
             </p:extLst>
           </p:nvPr>
         </p:nvGraphicFramePr>
         <p:xfrm>
-          <a:off x="1141412" y="2249487"/>
-          <a:ext cx="9905999" cy="3541714"/>
+          <a:off x="1141412" y="2249488"/>
+          <a:ext cx="6886307" cy="3541712"/>
         </p:xfrm>
         <a:graphic>
           <a:graphicData uri="http://schemas.openxmlformats.org/drawingml/2006/diagram">
@@ -23387,8 +29474,8 @@
         </p:nvSpPr>
         <p:spPr>
           <a:xfrm>
-            <a:off x="1141412" y="6208793"/>
-            <a:ext cx="9905999" cy="452866"/>
+            <a:off x="8317467" y="2249488"/>
+            <a:ext cx="2729944" cy="3177535"/>
           </a:xfrm>
           <a:prstGeom prst="rect">
             <a:avLst/>
@@ -23420,9 +29507,22 @@
           </a:bodyPr>
           <a:lstStyle/>
           <a:p>
+            <a:pPr algn="ctr"/>
+            <a:r>
+              <a:rPr lang="en-US" sz="2400" b="1" dirty="0"/>
+              <a:t>Conclusion</a:t>
+            </a:r>
             <a:r>
               <a:rPr lang="en-US" sz="2400" dirty="0"/>
-              <a:t>Conclusion: Individual query is efficient, but the process needs to be optimized.</a:t>
+              <a:t>: Individual queries are efficient, but the </a:t>
+            </a:r>
+            <a:r>
+              <a:rPr lang="en-US" sz="2400" u="sng" dirty="0"/>
+              <a:t>process</a:t>
+            </a:r>
+            <a:r>
+              <a:rPr lang="en-US" sz="2400" dirty="0"/>
+              <a:t> needs to be optimized.</a:t>
             </a:r>
           </a:p>
         </p:txBody>
@@ -23440,7 +29540,7 @@
 </p:sld>
 </file>
 
-<file path=ppt/slides/slide5.xml><?xml version="1.0" encoding="utf-8"?>
+<file path=ppt/slides/slide6.xml><?xml version="1.0" encoding="utf-8"?>
 <p:sld xmlns:a="http://schemas.openxmlformats.org/drawingml/2006/main" xmlns:r="http://schemas.openxmlformats.org/officeDocument/2006/relationships" xmlns:p="http://schemas.openxmlformats.org/presentationml/2006/main">
   <p:cSld>
     <p:spTree>
@@ -23511,14 +29611,14 @@
             <p:ph idx="1"/>
             <p:extLst>
               <p:ext uri="{D42A27DB-BD31-4B8C-83A1-F6EECF244321}">
-                <p14:modId xmlns:p14="http://schemas.microsoft.com/office/powerpoint/2010/main" val="1904736165"/>
+                <p14:modId xmlns:p14="http://schemas.microsoft.com/office/powerpoint/2010/main" val="2569933262"/>
               </p:ext>
             </p:extLst>
           </p:nvPr>
         </p:nvGraphicFramePr>
         <p:xfrm>
-          <a:off x="1141413" y="2249488"/>
-          <a:ext cx="9906000" cy="3541712"/>
+          <a:off x="1141411" y="2485041"/>
+          <a:ext cx="9906000" cy="3419649"/>
         </p:xfrm>
         <a:graphic>
           <a:graphicData uri="http://schemas.openxmlformats.org/drawingml/2006/diagram">
@@ -23526,6 +29626,69 @@
           </a:graphicData>
         </a:graphic>
       </p:graphicFrame>
+      <p:sp>
+        <p:nvSpPr>
+          <p:cNvPr id="5" name="Rounded Rectangle 4">
+            <a:extLst>
+              <a:ext uri="{FF2B5EF4-FFF2-40B4-BE49-F238E27FC236}">
+                <a16:creationId xmlns:a16="http://schemas.microsoft.com/office/drawing/2014/main" id="{1E15FB44-5A8C-0342-9365-4963018117DF}"/>
+              </a:ext>
+            </a:extLst>
+          </p:cNvPr>
+          <p:cNvSpPr/>
+          <p:nvPr/>
+        </p:nvSpPr>
+        <p:spPr>
+          <a:xfrm>
+            <a:off x="8835242" y="1039692"/>
+            <a:ext cx="2212169" cy="1179433"/>
+          </a:xfrm>
+          <a:prstGeom prst="roundRect">
+            <a:avLst/>
+          </a:prstGeom>
+        </p:spPr>
+        <p:style>
+          <a:lnRef idx="2">
+            <a:schemeClr val="accent1">
+              <a:shade val="50000"/>
+            </a:schemeClr>
+          </a:lnRef>
+          <a:fillRef idx="1">
+            <a:schemeClr val="accent1"/>
+          </a:fillRef>
+          <a:effectRef idx="0">
+            <a:schemeClr val="accent1"/>
+          </a:effectRef>
+          <a:fontRef idx="minor">
+            <a:schemeClr val="lt1"/>
+          </a:fontRef>
+        </p:style>
+        <p:txBody>
+          <a:bodyPr rtlCol="0" anchor="ctr"/>
+          <a:lstStyle/>
+          <a:p>
+            <a:pPr algn="ctr"/>
+            <a:r>
+              <a:rPr lang="en-US" dirty="0"/>
+              <a:t>22 Countries</a:t>
+            </a:r>
+          </a:p>
+          <a:p>
+            <a:pPr algn="ctr"/>
+            <a:r>
+              <a:rPr lang="en-US" dirty="0"/>
+              <a:t>Vs</a:t>
+            </a:r>
+          </a:p>
+          <a:p>
+            <a:pPr algn="ctr"/>
+            <a:r>
+              <a:rPr lang="en-US" dirty="0"/>
+              <a:t>15,000 Titles</a:t>
+            </a:r>
+          </a:p>
+        </p:txBody>
+      </p:sp>
     </p:spTree>
     <p:extLst>
       <p:ext uri="{BB962C8B-B14F-4D97-AF65-F5344CB8AC3E}">
@@ -23539,7 +29702,7 @@
 </p:sld>
 </file>
 
-<file path=ppt/slides/slide6.xml><?xml version="1.0" encoding="utf-8"?>
+<file path=ppt/slides/slide7.xml><?xml version="1.0" encoding="utf-8"?>
 <p:sld xmlns:a="http://schemas.openxmlformats.org/drawingml/2006/main" xmlns:r="http://schemas.openxmlformats.org/officeDocument/2006/relationships" xmlns:p="http://schemas.openxmlformats.org/presentationml/2006/main">
   <p:cSld>
     <p:spTree>
@@ -23609,14 +29772,14 @@
             <p:ph idx="1"/>
             <p:extLst>
               <p:ext uri="{D42A27DB-BD31-4B8C-83A1-F6EECF244321}">
-                <p14:modId xmlns:p14="http://schemas.microsoft.com/office/powerpoint/2010/main" val="2247540689"/>
+                <p14:modId xmlns:p14="http://schemas.microsoft.com/office/powerpoint/2010/main" val="1938187607"/>
               </p:ext>
             </p:extLst>
           </p:nvPr>
         </p:nvGraphicFramePr>
         <p:xfrm>
-          <a:off x="1141412" y="2249488"/>
-          <a:ext cx="9785668" cy="2595880"/>
+          <a:off x="1188720" y="2249488"/>
+          <a:ext cx="9738360" cy="2595880"/>
         </p:xfrm>
         <a:graphic>
           <a:graphicData uri="http://schemas.openxmlformats.org/drawingml/2006/table">
@@ -23625,14 +29788,14 @@
                 <a:tableStyleId>{5C22544A-7EE6-4342-B048-85BDC9FD1C3A}</a:tableStyleId>
               </a:tblPr>
               <a:tblGrid>
-                <a:gridCol w="2446417">
+                <a:gridCol w="2547257">
                   <a:extLst>
                     <a:ext uri="{9D8B030D-6E8A-4147-A177-3AD203B41FA5}">
                       <a16:colId xmlns:a16="http://schemas.microsoft.com/office/drawing/2014/main" val="1461874555"/>
                     </a:ext>
                   </a:extLst>
                 </a:gridCol>
-                <a:gridCol w="2291763">
+                <a:gridCol w="2143615">
                   <a:extLst>
                     <a:ext uri="{9D8B030D-6E8A-4147-A177-3AD203B41FA5}">
                       <a16:colId xmlns:a16="http://schemas.microsoft.com/office/drawing/2014/main" val="117524853"/>
@@ -23895,7 +30058,85 @@
                       </a:pPr>
                       <a:r>
                         <a:rPr lang="en-US" dirty="0"/>
-                        <a:t>Duration (days)</a:t>
+                        <a:t>Speed (seconds/title)</a:t>
+                      </a:r>
+                    </a:p>
+                  </a:txBody>
+                  <a:tcPr/>
+                </a:tc>
+                <a:tc>
+                  <a:txBody>
+                    <a:bodyPr/>
+                    <a:lstStyle/>
+                    <a:p>
+                      <a:pPr algn="ctr"/>
+                      <a:r>
+                        <a:rPr lang="en-US" dirty="0"/>
+                        <a:t>76.63</a:t>
+                      </a:r>
+                    </a:p>
+                  </a:txBody>
+                  <a:tcPr/>
+                </a:tc>
+                <a:tc>
+                  <a:txBody>
+                    <a:bodyPr/>
+                    <a:lstStyle/>
+                    <a:p>
+                      <a:pPr algn="ctr"/>
+                      <a:r>
+                        <a:rPr lang="en-US" dirty="0"/>
+                        <a:t>~2.80</a:t>
+                      </a:r>
+                    </a:p>
+                  </a:txBody>
+                  <a:tcPr/>
+                </a:tc>
+                <a:tc>
+                  <a:txBody>
+                    <a:bodyPr/>
+                    <a:lstStyle/>
+                    <a:p>
+                      <a:r>
+                        <a:rPr lang="en-US" dirty="0"/>
+                        <a:t>27X improvement</a:t>
+                      </a:r>
+                    </a:p>
+                  </a:txBody>
+                  <a:tcPr/>
+                </a:tc>
+                <a:extLst>
+                  <a:ext uri="{0D108BD9-81ED-4DB2-BD59-A6C34878D82A}">
+                    <a16:rowId xmlns:a16="http://schemas.microsoft.com/office/drawing/2014/main" val="740828050"/>
+                  </a:ext>
+                </a:extLst>
+              </a:tr>
+              <a:tr h="370840">
+                <a:tc>
+                  <a:txBody>
+                    <a:bodyPr/>
+                    <a:lstStyle/>
+                    <a:p>
+                      <a:pPr marL="0" marR="0" lvl="0" indent="0" algn="l" defTabSz="914400" rtl="0" eaLnBrk="1" fontAlgn="auto" latinLnBrk="0" hangingPunct="1">
+                        <a:lnSpc>
+                          <a:spcPct val="100000"/>
+                        </a:lnSpc>
+                        <a:spcBef>
+                          <a:spcPts val="0"/>
+                        </a:spcBef>
+                        <a:spcAft>
+                          <a:spcPts val="0"/>
+                        </a:spcAft>
+                        <a:buClrTx/>
+                        <a:buSzTx/>
+                        <a:buFontTx/>
+                        <a:buNone/>
+                        <a:tabLst/>
+                        <a:defRPr/>
+                      </a:pPr>
+                      <a:r>
+                        <a:rPr lang="en-US" dirty="0"/>
+                        <a:t>Process Duration (days)</a:t>
                       </a:r>
                     </a:p>
                   </a:txBody>
@@ -23990,7 +30231,7 @@
                       </a:pPr>
                       <a:r>
                         <a:rPr lang="en-US" dirty="0"/>
-                        <a:t>Speed (seconds/title)</a:t>
+                        <a:t>DBR Cost ( $ / month)</a:t>
                       </a:r>
                     </a:p>
                   </a:txBody>
@@ -24004,7 +30245,7 @@
                       <a:pPr algn="ctr"/>
                       <a:r>
                         <a:rPr lang="en-US" dirty="0"/>
-                        <a:t>76.63</a:t>
+                        <a:t>~$300</a:t>
                       </a:r>
                     </a:p>
                   </a:txBody>
@@ -24018,7 +30259,7 @@
                       <a:pPr algn="ctr"/>
                       <a:r>
                         <a:rPr lang="en-US" dirty="0"/>
-                        <a:t>~2.80</a:t>
+                        <a:t>~$30</a:t>
                       </a:r>
                     </a:p>
                   </a:txBody>
@@ -24031,7 +30272,7 @@
                     <a:p>
                       <a:r>
                         <a:rPr lang="en-US" dirty="0"/>
-                        <a:t>27X improvement</a:t>
+                        <a:t>~$270 monthly savings</a:t>
                       </a:r>
                     </a:p>
                   </a:txBody>
@@ -24039,7 +30280,7 @@
                 </a:tc>
                 <a:extLst>
                   <a:ext uri="{0D108BD9-81ED-4DB2-BD59-A6C34878D82A}">
-                    <a16:rowId xmlns:a16="http://schemas.microsoft.com/office/drawing/2014/main" val="2266786329"/>
+                    <a16:rowId xmlns:a16="http://schemas.microsoft.com/office/drawing/2014/main" val="3220165689"/>
                   </a:ext>
                 </a:extLst>
               </a:tr>
@@ -24096,7 +30337,7 @@
                       <a:pPr algn="ctr"/>
                       <a:r>
                         <a:rPr lang="en-US" dirty="0"/>
-                        <a:t>~220</a:t>
+                        <a:t>~440</a:t>
                       </a:r>
                     </a:p>
                   </a:txBody>
@@ -24109,7 +30350,7 @@
                     <a:p>
                       <a:r>
                         <a:rPr lang="en-US" dirty="0"/>
-                        <a:t>45X improvement</a:t>
+                        <a:t>22X improvement</a:t>
                       </a:r>
                     </a:p>
                   </a:txBody>
@@ -24160,7 +30401,7 @@
                       <a:pPr algn="ctr"/>
                       <a:r>
                         <a:rPr lang="en-US" dirty="0"/>
-                        <a:t>$20k</a:t>
+                        <a:t>$16.8k</a:t>
                       </a:r>
                     </a:p>
                   </a:txBody>
@@ -24174,7 +30415,7 @@
                       <a:pPr algn="ctr"/>
                       <a:r>
                         <a:rPr lang="en-US" dirty="0"/>
-                        <a:t>~$880</a:t>
+                        <a:t>~$740</a:t>
                       </a:r>
                     </a:p>
                   </a:txBody>
@@ -24187,7 +30428,7 @@
                     <a:p>
                       <a:r>
                         <a:rPr lang="en-US" dirty="0"/>
-                        <a:t>~$19k monthly savings</a:t>
+                        <a:t>~$16k monthly savings</a:t>
                       </a:r>
                     </a:p>
                   </a:txBody>
@@ -24199,88 +30440,125 @@
                   </a:ext>
                 </a:extLst>
               </a:tr>
-              <a:tr h="370840">
-                <a:tc>
-                  <a:txBody>
-                    <a:bodyPr/>
-                    <a:lstStyle/>
-                    <a:p>
-                      <a:pPr marL="0" marR="0" lvl="0" indent="0" algn="l" defTabSz="914400" rtl="0" eaLnBrk="1" fontAlgn="auto" latinLnBrk="0" hangingPunct="1">
-                        <a:lnSpc>
-                          <a:spcPct val="100000"/>
-                        </a:lnSpc>
-                        <a:spcBef>
-                          <a:spcPts val="0"/>
-                        </a:spcBef>
-                        <a:spcAft>
-                          <a:spcPts val="0"/>
-                        </a:spcAft>
-                        <a:buClrTx/>
-                        <a:buSzTx/>
-                        <a:buFontTx/>
-                        <a:buNone/>
-                        <a:tabLst/>
-                        <a:defRPr/>
-                      </a:pPr>
-                      <a:r>
-                        <a:rPr lang="en-US" dirty="0"/>
-                        <a:t>DBR Cost ( $ / month)</a:t>
-                      </a:r>
-                    </a:p>
-                  </a:txBody>
-                  <a:tcPr/>
-                </a:tc>
-                <a:tc>
-                  <a:txBody>
-                    <a:bodyPr/>
-                    <a:lstStyle/>
-                    <a:p>
-                      <a:pPr algn="ctr"/>
-                      <a:r>
-                        <a:rPr lang="en-US" dirty="0"/>
-                        <a:t>~$300</a:t>
-                      </a:r>
-                    </a:p>
-                  </a:txBody>
-                  <a:tcPr/>
-                </a:tc>
-                <a:tc>
-                  <a:txBody>
-                    <a:bodyPr/>
-                    <a:lstStyle/>
-                    <a:p>
-                      <a:pPr algn="ctr"/>
-                      <a:r>
-                        <a:rPr lang="en-US" dirty="0"/>
-                        <a:t>~$30</a:t>
-                      </a:r>
-                    </a:p>
-                  </a:txBody>
-                  <a:tcPr/>
-                </a:tc>
-                <a:tc>
-                  <a:txBody>
-                    <a:bodyPr/>
-                    <a:lstStyle/>
-                    <a:p>
-                      <a:r>
-                        <a:rPr lang="en-US" dirty="0"/>
-                        <a:t>~$270 monthly savings</a:t>
-                      </a:r>
-                    </a:p>
-                  </a:txBody>
-                  <a:tcPr/>
-                </a:tc>
-                <a:extLst>
-                  <a:ext uri="{0D108BD9-81ED-4DB2-BD59-A6C34878D82A}">
-                    <a16:rowId xmlns:a16="http://schemas.microsoft.com/office/drawing/2014/main" val="1228042526"/>
-                  </a:ext>
-                </a:extLst>
-              </a:tr>
             </a:tbl>
           </a:graphicData>
         </a:graphic>
       </p:graphicFrame>
+      <p:sp>
+        <p:nvSpPr>
+          <p:cNvPr id="6" name="Rounded Rectangle 5">
+            <a:extLst>
+              <a:ext uri="{FF2B5EF4-FFF2-40B4-BE49-F238E27FC236}">
+                <a16:creationId xmlns:a16="http://schemas.microsoft.com/office/drawing/2014/main" id="{6B2C85D9-1A06-354D-ADA2-200F1DB043BB}"/>
+              </a:ext>
+            </a:extLst>
+          </p:cNvPr>
+          <p:cNvSpPr/>
+          <p:nvPr/>
+        </p:nvSpPr>
+        <p:spPr>
+          <a:xfrm>
+            <a:off x="8161361" y="5213445"/>
+            <a:ext cx="2765719" cy="923330"/>
+          </a:xfrm>
+          <a:prstGeom prst="roundRect">
+            <a:avLst/>
+          </a:prstGeom>
+          <a:ln>
+            <a:solidFill>
+              <a:schemeClr val="tx1"/>
+            </a:solidFill>
+          </a:ln>
+        </p:spPr>
+        <p:style>
+          <a:lnRef idx="2">
+            <a:schemeClr val="accent1">
+              <a:shade val="50000"/>
+            </a:schemeClr>
+          </a:lnRef>
+          <a:fillRef idx="1">
+            <a:schemeClr val="accent1"/>
+          </a:fillRef>
+          <a:effectRef idx="0">
+            <a:schemeClr val="accent1"/>
+          </a:effectRef>
+          <a:fontRef idx="minor">
+            <a:schemeClr val="lt1"/>
+          </a:fontRef>
+        </p:style>
+        <p:txBody>
+          <a:bodyPr rtlCol="0" anchor="ctr"/>
+          <a:lstStyle/>
+          <a:p>
+            <a:pPr algn="ctr"/>
+            <a:r>
+              <a:rPr lang="en-US" b="1" dirty="0"/>
+              <a:t>Time To Implement: ~3wks</a:t>
+            </a:r>
+          </a:p>
+        </p:txBody>
+      </p:sp>
+      <p:sp>
+        <p:nvSpPr>
+          <p:cNvPr id="8" name="Rounded Rectangle 7">
+            <a:extLst>
+              <a:ext uri="{FF2B5EF4-FFF2-40B4-BE49-F238E27FC236}">
+                <a16:creationId xmlns:a16="http://schemas.microsoft.com/office/drawing/2014/main" id="{B317519D-3789-B64D-994E-1A6A1E2D466C}"/>
+              </a:ext>
+            </a:extLst>
+          </p:cNvPr>
+          <p:cNvSpPr/>
+          <p:nvPr/>
+        </p:nvSpPr>
+        <p:spPr>
+          <a:xfrm>
+            <a:off x="5183162" y="5213445"/>
+            <a:ext cx="2765719" cy="923330"/>
+          </a:xfrm>
+          <a:prstGeom prst="roundRect">
+            <a:avLst/>
+          </a:prstGeom>
+          <a:ln>
+            <a:solidFill>
+              <a:schemeClr val="tx1"/>
+            </a:solidFill>
+          </a:ln>
+        </p:spPr>
+        <p:style>
+          <a:lnRef idx="2">
+            <a:schemeClr val="accent1">
+              <a:shade val="50000"/>
+            </a:schemeClr>
+          </a:lnRef>
+          <a:fillRef idx="1">
+            <a:schemeClr val="accent1"/>
+          </a:fillRef>
+          <a:effectRef idx="0">
+            <a:schemeClr val="accent1"/>
+          </a:effectRef>
+          <a:fontRef idx="minor">
+            <a:schemeClr val="lt1"/>
+          </a:fontRef>
+        </p:style>
+        <p:txBody>
+          <a:bodyPr rtlCol="0" anchor="ctr"/>
+          <a:lstStyle/>
+          <a:p>
+            <a:pPr algn="ctr"/>
+            <a:r>
+              <a:rPr lang="en-US" b="1" dirty="0"/>
+              <a:t>Speed is 30X faster</a:t>
+            </a:r>
+          </a:p>
+          <a:p>
+            <a:pPr algn="ctr"/>
+            <a:r>
+              <a:rPr lang="en-US" b="1" dirty="0"/>
+              <a:t>Cost is 20X lower</a:t>
+            </a:r>
+          </a:p>
+        </p:txBody>
+      </p:sp>
     </p:spTree>
     <p:extLst>
       <p:ext uri="{BB962C8B-B14F-4D97-AF65-F5344CB8AC3E}">
@@ -24294,9 +30572,33 @@
 </p:sld>
 </file>
 
-<file path=ppt/slides/slide7.xml><?xml version="1.0" encoding="utf-8"?>
+<file path=ppt/slides/slide8.xml><?xml version="1.0" encoding="utf-8"?>
 <p:sld xmlns:a="http://schemas.openxmlformats.org/drawingml/2006/main" xmlns:r="http://schemas.openxmlformats.org/officeDocument/2006/relationships" xmlns:p="http://schemas.openxmlformats.org/presentationml/2006/main">
   <p:cSld>
+    <p:bg>
+      <p:bgPr>
+        <a:blipFill>
+          <a:blip r:embed="rId3">
+            <a:duotone>
+              <a:schemeClr val="bg2">
+                <a:shade val="88000"/>
+                <a:hueMod val="106000"/>
+                <a:satMod val="140000"/>
+                <a:lumMod val="54000"/>
+              </a:schemeClr>
+              <a:schemeClr val="bg2">
+                <a:tint val="98000"/>
+                <a:hueMod val="90000"/>
+                <a:satMod val="150000"/>
+                <a:lumMod val="160000"/>
+              </a:schemeClr>
+            </a:duotone>
+          </a:blip>
+          <a:stretch/>
+        </a:blipFill>
+        <a:effectLst/>
+      </p:bgPr>
+    </p:bg>
     <p:spTree>
       <p:nvGrpSpPr>
         <p:cNvPr id="1" name=""/>
@@ -24327,9 +30629,16 @@
             <p:ph type="title"/>
           </p:nvPr>
         </p:nvSpPr>
-        <p:spPr/>
+        <p:spPr>
+          <a:xfrm>
+            <a:off x="1141413" y="618518"/>
+            <a:ext cx="9905998" cy="1478570"/>
+          </a:xfrm>
+        </p:spPr>
         <p:txBody>
-          <a:bodyPr/>
+          <a:bodyPr>
+            <a:normAutofit/>
+          </a:bodyPr>
           <a:lstStyle/>
           <a:p>
             <a:r>
@@ -24339,73 +30648,37 @@
           </a:p>
         </p:txBody>
       </p:sp>
-      <p:sp>
-        <p:nvSpPr>
-          <p:cNvPr id="3" name="Content Placeholder 2">
+      <p:graphicFrame>
+        <p:nvGraphicFramePr>
+          <p:cNvPr id="5" name="Content Placeholder 2">
             <a:extLst>
               <a:ext uri="{FF2B5EF4-FFF2-40B4-BE49-F238E27FC236}">
-                <a16:creationId xmlns:a16="http://schemas.microsoft.com/office/drawing/2014/main" id="{E7BAEA47-47DF-BF43-B086-E4E8C9A14AD7}"/>
+                <a16:creationId xmlns:a16="http://schemas.microsoft.com/office/drawing/2014/main" id="{04A8103B-CBCC-4C2C-9974-B15C5D254A2D}"/>
               </a:ext>
             </a:extLst>
           </p:cNvPr>
-          <p:cNvSpPr>
-            <a:spLocks noGrp="1"/>
-          </p:cNvSpPr>
+          <p:cNvGraphicFramePr>
+            <a:graphicFrameLocks noGrp="1"/>
+          </p:cNvGraphicFramePr>
           <p:nvPr>
             <p:ph idx="1"/>
+            <p:extLst>
+              <p:ext uri="{D42A27DB-BD31-4B8C-83A1-F6EECF244321}">
+                <p14:modId xmlns:p14="http://schemas.microsoft.com/office/powerpoint/2010/main" val="217942725"/>
+              </p:ext>
+            </p:extLst>
           </p:nvPr>
-        </p:nvSpPr>
-        <p:spPr/>
-        <p:txBody>
-          <a:bodyPr>
-            <a:normAutofit lnSpcReduction="10000"/>
-          </a:bodyPr>
-          <a:lstStyle/>
-          <a:p>
-            <a:r>
-              <a:rPr lang="en-US" dirty="0"/>
-              <a:t>When identifying expensive queries, need to account for </a:t>
-            </a:r>
-            <a:r>
-              <a:rPr lang="en-US" dirty="0" err="1"/>
-              <a:t>sql</a:t>
-            </a:r>
-            <a:r>
-              <a:rPr lang="en-US" dirty="0"/>
-              <a:t> parameters and group queries appropriately.</a:t>
-            </a:r>
-          </a:p>
-          <a:p>
-            <a:r>
-              <a:rPr lang="en-US" dirty="0"/>
-              <a:t>Process efficiency is just as important a query efficiency.</a:t>
-            </a:r>
-          </a:p>
-          <a:p>
-            <a:r>
-              <a:rPr lang="en-US" dirty="0"/>
-              <a:t>You need to understand entire process/pipeline context to know how/where to best improve efficiency.</a:t>
-            </a:r>
-          </a:p>
-          <a:p>
-            <a:r>
-              <a:rPr lang="en-US" dirty="0"/>
-              <a:t>Add </a:t>
-            </a:r>
-            <a:r>
-              <a:rPr lang="en-US" dirty="0" err="1"/>
-              <a:t>query_tag</a:t>
-            </a:r>
-            <a:r>
-              <a:rPr lang="en-US" dirty="0"/>
-              <a:t> to your connection string to be able to track, aggregate, and analyze the queries in your process.</a:t>
-            </a:r>
-          </a:p>
-          <a:p>
-            <a:endParaRPr lang="en-US" dirty="0"/>
-          </a:p>
-        </p:txBody>
-      </p:sp>
+        </p:nvGraphicFramePr>
+        <p:xfrm>
+          <a:off x="1141413" y="2418820"/>
+          <a:ext cx="9906000" cy="3142721"/>
+        </p:xfrm>
+        <a:graphic>
+          <a:graphicData uri="http://schemas.openxmlformats.org/drawingml/2006/diagram">
+            <dgm:relIds xmlns:dgm="http://schemas.openxmlformats.org/drawingml/2006/diagram" xmlns:r="http://schemas.openxmlformats.org/officeDocument/2006/relationships" r:dm="rId4" r:lo="rId5" r:qs="rId6" r:cs="rId7"/>
+          </a:graphicData>
+        </a:graphic>
+      </p:graphicFrame>
     </p:spTree>
     <p:extLst>
       <p:ext uri="{BB962C8B-B14F-4D97-AF65-F5344CB8AC3E}">
@@ -24419,9 +30692,35 @@
 </p:sld>
 </file>
 
-<file path=ppt/slides/slide8.xml><?xml version="1.0" encoding="utf-8"?>
+<file path=ppt/slides/slide9.xml><?xml version="1.0" encoding="utf-8"?>
 <p:sld xmlns:a="http://schemas.openxmlformats.org/drawingml/2006/main" xmlns:r="http://schemas.openxmlformats.org/officeDocument/2006/relationships" xmlns:p="http://schemas.openxmlformats.org/presentationml/2006/main">
   <p:cSld>
+    <p:bg>
+      <p:bgPr>
+        <a:gradFill rotWithShape="1">
+          <a:gsLst>
+            <a:gs pos="0">
+              <a:schemeClr val="bg2">
+                <a:tint val="98000"/>
+                <a:hueMod val="94000"/>
+                <a:satMod val="148000"/>
+                <a:lumMod val="150000"/>
+              </a:schemeClr>
+            </a:gs>
+            <a:gs pos="100000">
+              <a:schemeClr val="bg2">
+                <a:shade val="92000"/>
+                <a:hueMod val="104000"/>
+                <a:satMod val="140000"/>
+                <a:lumMod val="68000"/>
+              </a:schemeClr>
+            </a:gs>
+          </a:gsLst>
+          <a:lin ang="5040000" scaled="0"/>
+        </a:gradFill>
+        <a:effectLst/>
+      </p:bgPr>
+    </p:bg>
     <p:spTree>
       <p:nvGrpSpPr>
         <p:cNvPr id="1" name=""/>
@@ -24452,13 +30751,21 @@
             <p:ph type="title"/>
           </p:nvPr>
         </p:nvSpPr>
-        <p:spPr/>
+        <p:spPr>
+          <a:xfrm>
+            <a:off x="2043113" y="1122363"/>
+            <a:ext cx="4527929" cy="4287836"/>
+          </a:xfrm>
+        </p:spPr>
         <p:txBody>
-          <a:bodyPr/>
+          <a:bodyPr vert="horz" lIns="91440" tIns="45720" rIns="91440" bIns="45720" rtlCol="0" anchor="ctr">
+            <a:normAutofit/>
+          </a:bodyPr>
           <a:lstStyle/>
           <a:p>
+            <a:pPr algn="r"/>
             <a:r>
-              <a:rPr lang="en-US" dirty="0"/>
+              <a:rPr lang="en-US" sz="6000"/>
               <a:t>Questions?</a:t>
             </a:r>
           </a:p>
@@ -24480,13 +30787,24 @@
             <p:ph type="body" idx="1"/>
           </p:nvPr>
         </p:nvSpPr>
-        <p:spPr/>
+        <p:spPr>
+          <a:xfrm>
+            <a:off x="7851631" y="1122363"/>
+            <a:ext cx="2816368" cy="4287834"/>
+          </a:xfrm>
+        </p:spPr>
         <p:txBody>
-          <a:bodyPr/>
+          <a:bodyPr vert="horz" lIns="91440" tIns="45720" rIns="91440" bIns="45720" rtlCol="0" anchor="ctr">
+            <a:normAutofit/>
+          </a:bodyPr>
           <a:lstStyle/>
           <a:p>
             <a:r>
-              <a:rPr lang="en-US" dirty="0"/>
+              <a:rPr lang="en-US" sz="2400">
+                <a:solidFill>
+                  <a:schemeClr val="tx2"/>
+                </a:solidFill>
+              </a:rPr>
               <a:t> </a:t>
             </a:r>
           </a:p>
@@ -24496,104 +30814,6 @@
     <p:extLst>
       <p:ext uri="{BB962C8B-B14F-4D97-AF65-F5344CB8AC3E}">
         <p14:creationId xmlns:p14="http://schemas.microsoft.com/office/powerpoint/2010/main" val="3868308576"/>
-      </p:ext>
-    </p:extLst>
-  </p:cSld>
-  <p:clrMapOvr>
-    <a:masterClrMapping/>
-  </p:clrMapOvr>
-</p:sld>
-</file>
-
-<file path=ppt/slides/slide9.xml><?xml version="1.0" encoding="utf-8"?>
-<p:sld xmlns:a="http://schemas.openxmlformats.org/drawingml/2006/main" xmlns:r="http://schemas.openxmlformats.org/officeDocument/2006/relationships" xmlns:p="http://schemas.openxmlformats.org/presentationml/2006/main">
-  <p:cSld>
-    <p:spTree>
-      <p:nvGrpSpPr>
-        <p:cNvPr id="1" name=""/>
-        <p:cNvGrpSpPr/>
-        <p:nvPr/>
-      </p:nvGrpSpPr>
-      <p:grpSpPr>
-        <a:xfrm>
-          <a:off x="0" y="0"/>
-          <a:ext cx="0" cy="0"/>
-          <a:chOff x="0" y="0"/>
-          <a:chExt cx="0" cy="0"/>
-        </a:xfrm>
-      </p:grpSpPr>
-      <p:sp>
-        <p:nvSpPr>
-          <p:cNvPr id="2" name="Title 1">
-            <a:extLst>
-              <a:ext uri="{FF2B5EF4-FFF2-40B4-BE49-F238E27FC236}">
-                <a16:creationId xmlns:a16="http://schemas.microsoft.com/office/drawing/2014/main" id="{A4433FBA-ED0B-1542-8BD9-43450A7E0E6B}"/>
-              </a:ext>
-            </a:extLst>
-          </p:cNvPr>
-          <p:cNvSpPr>
-            <a:spLocks noGrp="1"/>
-          </p:cNvSpPr>
-          <p:nvPr>
-            <p:ph type="title"/>
-          </p:nvPr>
-        </p:nvSpPr>
-        <p:spPr/>
-        <p:txBody>
-          <a:bodyPr/>
-          <a:lstStyle/>
-          <a:p>
-            <a:r>
-              <a:rPr lang="en-US" dirty="0"/>
-              <a:t>Appendix</a:t>
-            </a:r>
-          </a:p>
-        </p:txBody>
-      </p:sp>
-      <p:sp>
-        <p:nvSpPr>
-          <p:cNvPr id="3" name="Content Placeholder 2">
-            <a:extLst>
-              <a:ext uri="{FF2B5EF4-FFF2-40B4-BE49-F238E27FC236}">
-                <a16:creationId xmlns:a16="http://schemas.microsoft.com/office/drawing/2014/main" id="{0DE0E645-AF1E-9E45-BFA9-FC7C3164ACA8}"/>
-              </a:ext>
-            </a:extLst>
-          </p:cNvPr>
-          <p:cNvSpPr>
-            <a:spLocks noGrp="1"/>
-          </p:cNvSpPr>
-          <p:nvPr>
-            <p:ph idx="1"/>
-          </p:nvPr>
-        </p:nvSpPr>
-        <p:spPr/>
-        <p:txBody>
-          <a:bodyPr/>
-          <a:lstStyle/>
-          <a:p>
-            <a:r>
-              <a:rPr lang="en-US" dirty="0">
-                <a:hlinkClick r:id="rId2"/>
-              </a:rPr>
-              <a:t>query for original process metrics</a:t>
-            </a:r>
-            <a:endParaRPr lang="en-US" dirty="0"/>
-          </a:p>
-          <a:p>
-            <a:r>
-              <a:rPr lang="en-US" dirty="0">
-                <a:hlinkClick r:id="rId3"/>
-              </a:rPr>
-              <a:t>query for new process metrics</a:t>
-            </a:r>
-            <a:endParaRPr lang="en-US" dirty="0"/>
-          </a:p>
-        </p:txBody>
-      </p:sp>
-    </p:spTree>
-    <p:extLst>
-      <p:ext uri="{BB962C8B-B14F-4D97-AF65-F5344CB8AC3E}">
-        <p14:creationId xmlns:p14="http://schemas.microsoft.com/office/powerpoint/2010/main" val="166667208"/>
       </p:ext>
     </p:extLst>
   </p:cSld>
